--- a/서버프로그램 구현.pptx
+++ b/서버프로그램 구현.pptx
@@ -15,30 +15,32 @@
     <p:sldId id="283" r:id="rId9"/>
     <p:sldId id="284" r:id="rId10"/>
     <p:sldId id="268" r:id="rId11"/>
-    <p:sldId id="285" r:id="rId12"/>
-    <p:sldId id="286" r:id="rId13"/>
-    <p:sldId id="287" r:id="rId14"/>
-    <p:sldId id="288" r:id="rId15"/>
-    <p:sldId id="271" r:id="rId16"/>
-    <p:sldId id="272" r:id="rId17"/>
-    <p:sldId id="279" r:id="rId18"/>
-    <p:sldId id="280" r:id="rId19"/>
+    <p:sldId id="289" r:id="rId12"/>
+    <p:sldId id="285" r:id="rId13"/>
+    <p:sldId id="286" r:id="rId14"/>
+    <p:sldId id="291" r:id="rId15"/>
+    <p:sldId id="292" r:id="rId16"/>
+    <p:sldId id="288" r:id="rId17"/>
+    <p:sldId id="271" r:id="rId18"/>
+    <p:sldId id="272" r:id="rId19"/>
+    <p:sldId id="279" r:id="rId20"/>
+    <p:sldId id="280" r:id="rId21"/>
   </p:sldIdLst>
   <p:sldSz cx="12192000" cy="6858000"/>
   <p:notesSz cx="6858000" cy="9144000"/>
   <p:embeddedFontLst>
     <p:embeddedFont>
       <p:font typeface="맑은 고딕" panose="020B0503020000020004" pitchFamily="50" charset="-127"/>
-      <p:regular r:id="rId20"/>
-      <p:bold r:id="rId21"/>
+      <p:regular r:id="rId22"/>
+      <p:bold r:id="rId23"/>
     </p:embeddedFont>
     <p:embeddedFont>
       <p:font typeface="프리젠테이션 5 Medium" pitchFamily="2" charset="-127"/>
-      <p:regular r:id="rId22"/>
+      <p:regular r:id="rId24"/>
     </p:embeddedFont>
     <p:embeddedFont>
       <p:font typeface="프리젠테이션 6 SemiBold" pitchFamily="2" charset="-127"/>
-      <p:bold r:id="rId23"/>
+      <p:bold r:id="rId25"/>
     </p:embeddedFont>
   </p:embeddedFontLst>
   <p:defaultTextStyle>
@@ -4003,6 +4005,36 @@
           </a:p>
         </p:txBody>
       </p:sp>
+      <p:pic>
+        <p:nvPicPr>
+          <p:cNvPr id="3" name="그림 2">
+            <a:extLst>
+              <a:ext uri="{FF2B5EF4-FFF2-40B4-BE49-F238E27FC236}">
+                <a16:creationId xmlns:a16="http://schemas.microsoft.com/office/drawing/2014/main" id="{78C363C4-1964-4CDC-9CFB-D995C176C6BE}"/>
+              </a:ext>
+            </a:extLst>
+          </p:cNvPr>
+          <p:cNvPicPr>
+            <a:picLocks noChangeAspect="1"/>
+          </p:cNvPicPr>
+          <p:nvPr/>
+        </p:nvPicPr>
+        <p:blipFill>
+          <a:blip r:embed="rId2"/>
+          <a:stretch>
+            <a:fillRect/>
+          </a:stretch>
+        </p:blipFill>
+        <p:spPr>
+          <a:xfrm>
+            <a:off x="766763" y="2104840"/>
+            <a:ext cx="6944694" cy="1324160"/>
+          </a:xfrm>
+          <a:prstGeom prst="rect">
+            <a:avLst/>
+          </a:prstGeom>
+        </p:spPr>
+      </p:pic>
     </p:spTree>
     <p:extLst>
       <p:ext uri="{BB962C8B-B14F-4D97-AF65-F5344CB8AC3E}">
@@ -4194,7 +4226,7 @@
                 <a:latin typeface="프리젠테이션 6 SemiBold" pitchFamily="2" charset="-127"/>
                 <a:ea typeface="프리젠테이션 6 SemiBold" pitchFamily="2" charset="-127"/>
               </a:rPr>
-              <a:t>유효성 검증 함수 만들기</a:t>
+              <a:t>유효성 검증 함수 만들기 </a:t>
             </a:r>
             <a:endParaRPr lang="en-US" altLang="ko-KR" sz="2000" dirty="0">
               <a:solidFill>
@@ -4279,10 +4311,681 @@
           </a:p>
         </p:txBody>
       </p:sp>
+      <p:cxnSp>
+        <p:nvCxnSpPr>
+          <p:cNvPr id="13" name="직선 연결선 12">
+            <a:extLst>
+              <a:ext uri="{FF2B5EF4-FFF2-40B4-BE49-F238E27FC236}">
+                <a16:creationId xmlns:a16="http://schemas.microsoft.com/office/drawing/2014/main" id="{BCDAEE8C-7280-4810-9558-DB2A3F822B37}"/>
+              </a:ext>
+            </a:extLst>
+          </p:cNvPr>
+          <p:cNvCxnSpPr>
+            <a:cxnSpLocks/>
+          </p:cNvCxnSpPr>
+          <p:nvPr/>
+        </p:nvCxnSpPr>
+        <p:spPr>
+          <a:xfrm>
+            <a:off x="7144198" y="1873360"/>
+            <a:ext cx="0" cy="3461951"/>
+          </a:xfrm>
+          <a:prstGeom prst="line">
+            <a:avLst/>
+          </a:prstGeom>
+          <a:ln>
+            <a:solidFill>
+              <a:srgbClr val="153325"/>
+            </a:solidFill>
+          </a:ln>
+        </p:spPr>
+        <p:style>
+          <a:lnRef idx="1">
+            <a:schemeClr val="accent1"/>
+          </a:lnRef>
+          <a:fillRef idx="0">
+            <a:schemeClr val="accent1"/>
+          </a:fillRef>
+          <a:effectRef idx="0">
+            <a:schemeClr val="accent1"/>
+          </a:effectRef>
+          <a:fontRef idx="minor">
+            <a:schemeClr val="tx1"/>
+          </a:fontRef>
+        </p:style>
+      </p:cxnSp>
+      <p:sp>
+        <p:nvSpPr>
+          <p:cNvPr id="15" name="TextBox 14">
+            <a:extLst>
+              <a:ext uri="{FF2B5EF4-FFF2-40B4-BE49-F238E27FC236}">
+                <a16:creationId xmlns:a16="http://schemas.microsoft.com/office/drawing/2014/main" id="{55BCE31C-FEC4-4E57-9426-7092C88074AD}"/>
+              </a:ext>
+            </a:extLst>
+          </p:cNvPr>
+          <p:cNvSpPr txBox="1"/>
+          <p:nvPr/>
+        </p:nvSpPr>
+        <p:spPr>
+          <a:xfrm>
+            <a:off x="854667" y="2455020"/>
+            <a:ext cx="2305308" cy="3377912"/>
+          </a:xfrm>
+          <a:prstGeom prst="rect">
+            <a:avLst/>
+          </a:prstGeom>
+          <a:noFill/>
+        </p:spPr>
+        <p:txBody>
+          <a:bodyPr wrap="square">
+            <a:spAutoFit/>
+          </a:bodyPr>
+          <a:lstStyle/>
+          <a:p>
+            <a:pPr algn="ctr">
+              <a:lnSpc>
+                <a:spcPct val="150000"/>
+              </a:lnSpc>
+            </a:pPr>
+            <a:r>
+              <a:rPr lang="ko-KR" altLang="en-US" dirty="0">
+                <a:solidFill>
+                  <a:srgbClr val="153325"/>
+                </a:solidFill>
+                <a:latin typeface="프리젠테이션 5 Medium" pitchFamily="2" charset="-127"/>
+                <a:ea typeface="프리젠테이션 5 Medium" pitchFamily="2" charset="-127"/>
+                <a:cs typeface="카페24 써라운드" pitchFamily="2" charset="-127"/>
+              </a:rPr>
+              <a:t>유효성 검증 함수</a:t>
+            </a:r>
+            <a:endParaRPr lang="en-US" altLang="ko-KR" dirty="0">
+              <a:solidFill>
+                <a:srgbClr val="153325"/>
+              </a:solidFill>
+              <a:latin typeface="프리젠테이션 5 Medium" pitchFamily="2" charset="-127"/>
+              <a:ea typeface="프리젠테이션 5 Medium" pitchFamily="2" charset="-127"/>
+              <a:cs typeface="카페24 써라운드" pitchFamily="2" charset="-127"/>
+            </a:endParaRPr>
+          </a:p>
+          <a:p>
+            <a:pPr marL="342900" indent="-342900">
+              <a:lnSpc>
+                <a:spcPct val="150000"/>
+              </a:lnSpc>
+              <a:buAutoNum type="arabicPeriod"/>
+            </a:pPr>
+            <a:r>
+              <a:rPr lang="ko-KR" altLang="en-US" sz="1400" dirty="0">
+                <a:solidFill>
+                  <a:srgbClr val="153325"/>
+                </a:solidFill>
+                <a:latin typeface="프리젠테이션 5 Medium" pitchFamily="2" charset="-127"/>
+                <a:ea typeface="프리젠테이션 5 Medium" pitchFamily="2" charset="-127"/>
+                <a:cs typeface="카페24 써라운드" pitchFamily="2" charset="-127"/>
+              </a:rPr>
+              <a:t>각 항목 </a:t>
+            </a:r>
+            <a:r>
+              <a:rPr lang="en-US" altLang="ko-KR" sz="1400" dirty="0">
+                <a:solidFill>
+                  <a:srgbClr val="153325"/>
+                </a:solidFill>
+                <a:latin typeface="프리젠테이션 5 Medium" pitchFamily="2" charset="-127"/>
+                <a:ea typeface="프리젠테이션 5 Medium" pitchFamily="2" charset="-127"/>
+                <a:cs typeface="카페24 써라운드" pitchFamily="2" charset="-127"/>
+              </a:rPr>
+              <a:t>not null</a:t>
+            </a:r>
+            <a:br>
+              <a:rPr lang="en-US" altLang="ko-KR" sz="1400" dirty="0">
+                <a:solidFill>
+                  <a:srgbClr val="153325"/>
+                </a:solidFill>
+                <a:latin typeface="프리젠테이션 5 Medium" pitchFamily="2" charset="-127"/>
+                <a:ea typeface="프리젠테이션 5 Medium" pitchFamily="2" charset="-127"/>
+                <a:cs typeface="카페24 써라운드" pitchFamily="2" charset="-127"/>
+              </a:rPr>
+            </a:br>
+            <a:r>
+              <a:rPr lang="ko-KR" altLang="en-US" sz="1400" dirty="0">
+                <a:solidFill>
+                  <a:srgbClr val="153325"/>
+                </a:solidFill>
+                <a:latin typeface="프리젠테이션 5 Medium" pitchFamily="2" charset="-127"/>
+                <a:ea typeface="프리젠테이션 5 Medium" pitchFamily="2" charset="-127"/>
+                <a:cs typeface="카페24 써라운드" pitchFamily="2" charset="-127"/>
+              </a:rPr>
+              <a:t> → </a:t>
+            </a:r>
+            <a:r>
+              <a:rPr lang="en-US" altLang="ko-KR" sz="1400" dirty="0" err="1">
+                <a:solidFill>
+                  <a:srgbClr val="153325"/>
+                </a:solidFill>
+                <a:latin typeface="프리젠테이션 5 Medium" pitchFamily="2" charset="-127"/>
+                <a:ea typeface="프리젠테이션 5 Medium" pitchFamily="2" charset="-127"/>
+                <a:cs typeface="카페24 써라운드" pitchFamily="2" charset="-127"/>
+              </a:rPr>
+              <a:t>System.out</a:t>
+            </a:r>
+            <a:r>
+              <a:rPr lang="ko-KR" altLang="en-US" sz="1400" dirty="0">
+                <a:solidFill>
+                  <a:srgbClr val="153325"/>
+                </a:solidFill>
+                <a:latin typeface="프리젠테이션 5 Medium" pitchFamily="2" charset="-127"/>
+                <a:ea typeface="프리젠테이션 5 Medium" pitchFamily="2" charset="-127"/>
+                <a:cs typeface="카페24 써라운드" pitchFamily="2" charset="-127"/>
+              </a:rPr>
+              <a:t>로 출력 </a:t>
+            </a:r>
+            <a:br>
+              <a:rPr lang="en-US" altLang="ko-KR" sz="1400" dirty="0">
+                <a:solidFill>
+                  <a:srgbClr val="153325"/>
+                </a:solidFill>
+                <a:latin typeface="프리젠테이션 5 Medium" pitchFamily="2" charset="-127"/>
+                <a:ea typeface="프리젠테이션 5 Medium" pitchFamily="2" charset="-127"/>
+                <a:cs typeface="카페24 써라운드" pitchFamily="2" charset="-127"/>
+              </a:rPr>
+            </a:br>
+            <a:r>
+              <a:rPr lang="en-US" altLang="ko-KR" sz="1400" dirty="0">
+                <a:solidFill>
+                  <a:srgbClr val="153325"/>
+                </a:solidFill>
+                <a:latin typeface="프리젠테이션 5 Medium" pitchFamily="2" charset="-127"/>
+                <a:ea typeface="프리젠테이션 5 Medium" pitchFamily="2" charset="-127"/>
+                <a:cs typeface="카페24 써라운드" pitchFamily="2" charset="-127"/>
+              </a:rPr>
+              <a:t> </a:t>
+            </a:r>
+            <a:r>
+              <a:rPr lang="ko-KR" altLang="en-US" sz="1400" dirty="0">
+                <a:solidFill>
+                  <a:srgbClr val="153325"/>
+                </a:solidFill>
+                <a:latin typeface="프리젠테이션 5 Medium" pitchFamily="2" charset="-127"/>
+                <a:ea typeface="프리젠테이션 5 Medium" pitchFamily="2" charset="-127"/>
+                <a:cs typeface="카페24 써라운드" pitchFamily="2" charset="-127"/>
+              </a:rPr>
+              <a:t>→ </a:t>
+            </a:r>
+            <a:r>
+              <a:rPr lang="en-US" altLang="ko-KR" sz="1400" dirty="0">
+                <a:solidFill>
+                  <a:srgbClr val="153325"/>
+                </a:solidFill>
+                <a:latin typeface="프리젠테이션 5 Medium" pitchFamily="2" charset="-127"/>
+                <a:ea typeface="프리젠테이션 5 Medium" pitchFamily="2" charset="-127"/>
+                <a:cs typeface="카페24 써라운드" pitchFamily="2" charset="-127"/>
+              </a:rPr>
+              <a:t> return false</a:t>
+            </a:r>
+          </a:p>
+          <a:p>
+            <a:pPr marL="342900" indent="-342900">
+              <a:lnSpc>
+                <a:spcPct val="150000"/>
+              </a:lnSpc>
+              <a:buAutoNum type="arabicPeriod"/>
+            </a:pPr>
+            <a:r>
+              <a:rPr lang="en-US" altLang="ko-KR" sz="1400" dirty="0" err="1">
+                <a:solidFill>
+                  <a:srgbClr val="153325"/>
+                </a:solidFill>
+                <a:latin typeface="프리젠테이션 5 Medium" pitchFamily="2" charset="-127"/>
+                <a:ea typeface="프리젠테이션 5 Medium" pitchFamily="2" charset="-127"/>
+                <a:cs typeface="카페24 써라운드" pitchFamily="2" charset="-127"/>
+              </a:rPr>
+              <a:t>Userid</a:t>
+            </a:r>
+            <a:r>
+              <a:rPr lang="en-US" altLang="ko-KR" sz="1400" dirty="0">
+                <a:solidFill>
+                  <a:srgbClr val="153325"/>
+                </a:solidFill>
+                <a:latin typeface="프리젠테이션 5 Medium" pitchFamily="2" charset="-127"/>
+                <a:ea typeface="프리젠테이션 5 Medium" pitchFamily="2" charset="-127"/>
+                <a:cs typeface="카페24 써라운드" pitchFamily="2" charset="-127"/>
+              </a:rPr>
+              <a:t> </a:t>
+            </a:r>
+            <a:r>
+              <a:rPr lang="ko-KR" altLang="en-US" sz="1400" dirty="0">
+                <a:solidFill>
+                  <a:srgbClr val="153325"/>
+                </a:solidFill>
+                <a:latin typeface="프리젠테이션 5 Medium" pitchFamily="2" charset="-127"/>
+                <a:ea typeface="프리젠테이션 5 Medium" pitchFamily="2" charset="-127"/>
+                <a:cs typeface="카페24 써라운드" pitchFamily="2" charset="-127"/>
+              </a:rPr>
+              <a:t>값이 </a:t>
+            </a:r>
+            <a:r>
+              <a:rPr lang="en-US" altLang="ko-KR" sz="1400" dirty="0">
+                <a:solidFill>
+                  <a:srgbClr val="153325"/>
+                </a:solidFill>
+                <a:latin typeface="프리젠테이션 5 Medium" pitchFamily="2" charset="-127"/>
+                <a:ea typeface="프리젠테이션 5 Medium" pitchFamily="2" charset="-127"/>
+                <a:cs typeface="카페24 써라운드" pitchFamily="2" charset="-127"/>
+              </a:rPr>
+              <a:t>5</a:t>
+            </a:r>
+            <a:r>
+              <a:rPr lang="ko-KR" altLang="en-US" sz="1400" dirty="0">
+                <a:solidFill>
+                  <a:srgbClr val="153325"/>
+                </a:solidFill>
+                <a:latin typeface="프리젠테이션 5 Medium" pitchFamily="2" charset="-127"/>
+                <a:ea typeface="프리젠테이션 5 Medium" pitchFamily="2" charset="-127"/>
+                <a:cs typeface="카페24 써라운드" pitchFamily="2" charset="-127"/>
+              </a:rPr>
+              <a:t>자</a:t>
+            </a:r>
+            <a:r>
+              <a:rPr lang="en-US" altLang="ko-KR" sz="1400" dirty="0">
+                <a:solidFill>
+                  <a:srgbClr val="153325"/>
+                </a:solidFill>
+                <a:latin typeface="프리젠테이션 5 Medium" pitchFamily="2" charset="-127"/>
+                <a:ea typeface="프리젠테이션 5 Medium" pitchFamily="2" charset="-127"/>
+                <a:cs typeface="카페24 써라운드" pitchFamily="2" charset="-127"/>
+              </a:rPr>
+              <a:t> </a:t>
+            </a:r>
+            <a:r>
+              <a:rPr lang="ko-KR" altLang="en-US" sz="1400" dirty="0">
+                <a:solidFill>
+                  <a:srgbClr val="153325"/>
+                </a:solidFill>
+                <a:latin typeface="프리젠테이션 5 Medium" pitchFamily="2" charset="-127"/>
+                <a:ea typeface="프리젠테이션 5 Medium" pitchFamily="2" charset="-127"/>
+                <a:cs typeface="카페24 써라운드" pitchFamily="2" charset="-127"/>
+              </a:rPr>
+              <a:t>이하 </a:t>
+            </a:r>
+            <a:br>
+              <a:rPr lang="en-US" altLang="ko-KR" sz="1400" dirty="0">
+                <a:solidFill>
+                  <a:srgbClr val="153325"/>
+                </a:solidFill>
+                <a:latin typeface="프리젠테이션 5 Medium" pitchFamily="2" charset="-127"/>
+                <a:ea typeface="프리젠테이션 5 Medium" pitchFamily="2" charset="-127"/>
+                <a:cs typeface="카페24 써라운드" pitchFamily="2" charset="-127"/>
+              </a:rPr>
+            </a:br>
+            <a:r>
+              <a:rPr lang="ko-KR" altLang="en-US" sz="1400" dirty="0">
+                <a:solidFill>
+                  <a:srgbClr val="153325"/>
+                </a:solidFill>
+                <a:latin typeface="프리젠테이션 5 Medium" pitchFamily="2" charset="-127"/>
+                <a:ea typeface="프리젠테이션 5 Medium" pitchFamily="2" charset="-127"/>
+                <a:cs typeface="카페24 써라운드" pitchFamily="2" charset="-127"/>
+              </a:rPr>
+              <a:t>→ </a:t>
+            </a:r>
+            <a:r>
+              <a:rPr lang="en-US" altLang="ko-KR" sz="1400" dirty="0" err="1">
+                <a:solidFill>
+                  <a:srgbClr val="153325"/>
+                </a:solidFill>
+                <a:latin typeface="프리젠테이션 5 Medium" pitchFamily="2" charset="-127"/>
+                <a:ea typeface="프리젠테이션 5 Medium" pitchFamily="2" charset="-127"/>
+                <a:cs typeface="카페24 써라운드" pitchFamily="2" charset="-127"/>
+              </a:rPr>
+              <a:t>System.out</a:t>
+            </a:r>
+            <a:r>
+              <a:rPr lang="ko-KR" altLang="en-US" sz="1400" dirty="0">
+                <a:solidFill>
+                  <a:srgbClr val="153325"/>
+                </a:solidFill>
+                <a:latin typeface="프리젠테이션 5 Medium" pitchFamily="2" charset="-127"/>
+                <a:ea typeface="프리젠테이션 5 Medium" pitchFamily="2" charset="-127"/>
+                <a:cs typeface="카페24 써라운드" pitchFamily="2" charset="-127"/>
+              </a:rPr>
+              <a:t>로 출력</a:t>
+            </a:r>
+            <a:br>
+              <a:rPr lang="en-US" altLang="ko-KR" sz="1400" dirty="0">
+                <a:solidFill>
+                  <a:srgbClr val="153325"/>
+                </a:solidFill>
+                <a:latin typeface="프리젠테이션 5 Medium" pitchFamily="2" charset="-127"/>
+                <a:ea typeface="프리젠테이션 5 Medium" pitchFamily="2" charset="-127"/>
+                <a:cs typeface="카페24 써라운드" pitchFamily="2" charset="-127"/>
+              </a:rPr>
+            </a:br>
+            <a:r>
+              <a:rPr lang="ko-KR" altLang="en-US" sz="1400" dirty="0">
+                <a:solidFill>
+                  <a:srgbClr val="153325"/>
+                </a:solidFill>
+                <a:latin typeface="프리젠테이션 5 Medium" pitchFamily="2" charset="-127"/>
+                <a:ea typeface="프리젠테이션 5 Medium" pitchFamily="2" charset="-127"/>
+                <a:cs typeface="카페24 써라운드" pitchFamily="2" charset="-127"/>
+              </a:rPr>
+              <a:t>→ </a:t>
+            </a:r>
+            <a:r>
+              <a:rPr lang="en-US" altLang="ko-KR" sz="1400" dirty="0">
+                <a:solidFill>
+                  <a:srgbClr val="153325"/>
+                </a:solidFill>
+                <a:latin typeface="프리젠테이션 5 Medium" pitchFamily="2" charset="-127"/>
+                <a:ea typeface="프리젠테이션 5 Medium" pitchFamily="2" charset="-127"/>
+                <a:cs typeface="카페24 써라운드" pitchFamily="2" charset="-127"/>
+              </a:rPr>
+              <a:t>return</a:t>
+            </a:r>
+            <a:r>
+              <a:rPr lang="ko-KR" altLang="en-US" sz="1400" dirty="0">
+                <a:solidFill>
+                  <a:srgbClr val="153325"/>
+                </a:solidFill>
+                <a:latin typeface="프리젠테이션 5 Medium" pitchFamily="2" charset="-127"/>
+                <a:ea typeface="프리젠테이션 5 Medium" pitchFamily="2" charset="-127"/>
+                <a:cs typeface="카페24 써라운드" pitchFamily="2" charset="-127"/>
+              </a:rPr>
+              <a:t> </a:t>
+            </a:r>
+            <a:r>
+              <a:rPr lang="en-US" altLang="ko-KR" sz="1400" dirty="0">
+                <a:solidFill>
+                  <a:srgbClr val="153325"/>
+                </a:solidFill>
+                <a:latin typeface="프리젠테이션 5 Medium" pitchFamily="2" charset="-127"/>
+                <a:ea typeface="프리젠테이션 5 Medium" pitchFamily="2" charset="-127"/>
+                <a:cs typeface="카페24 써라운드" pitchFamily="2" charset="-127"/>
+              </a:rPr>
+              <a:t>false</a:t>
+            </a:r>
+          </a:p>
+          <a:p>
+            <a:pPr marL="342900" indent="-342900">
+              <a:lnSpc>
+                <a:spcPct val="150000"/>
+              </a:lnSpc>
+              <a:buAutoNum type="arabicPeriod"/>
+            </a:pPr>
+            <a:r>
+              <a:rPr lang="ko-KR" altLang="en-US" sz="1400" dirty="0">
+                <a:solidFill>
+                  <a:srgbClr val="153325"/>
+                </a:solidFill>
+                <a:latin typeface="프리젠테이션 5 Medium" pitchFamily="2" charset="-127"/>
+                <a:ea typeface="프리젠테이션 5 Medium" pitchFamily="2" charset="-127"/>
+                <a:cs typeface="카페24 써라운드" pitchFamily="2" charset="-127"/>
+              </a:rPr>
+              <a:t>패스워드 유효성 검증</a:t>
+            </a:r>
+            <a:br>
+              <a:rPr lang="en-US" altLang="ko-KR" sz="1400" dirty="0">
+                <a:solidFill>
+                  <a:srgbClr val="153325"/>
+                </a:solidFill>
+                <a:latin typeface="프리젠테이션 5 Medium" pitchFamily="2" charset="-127"/>
+                <a:ea typeface="프리젠테이션 5 Medium" pitchFamily="2" charset="-127"/>
+                <a:cs typeface="카페24 써라운드" pitchFamily="2" charset="-127"/>
+              </a:rPr>
+            </a:br>
+            <a:r>
+              <a:rPr lang="ko-KR" altLang="en-US" sz="1400" dirty="0">
+                <a:solidFill>
+                  <a:srgbClr val="153325"/>
+                </a:solidFill>
+                <a:latin typeface="프리젠테이션 5 Medium" pitchFamily="2" charset="-127"/>
+                <a:ea typeface="프리젠테이션 5 Medium" pitchFamily="2" charset="-127"/>
+                <a:cs typeface="카페24 써라운드" pitchFamily="2" charset="-127"/>
+              </a:rPr>
+              <a:t>→</a:t>
+            </a:r>
+            <a:r>
+              <a:rPr lang="en-US" altLang="ko-KR" sz="1400" dirty="0">
+                <a:solidFill>
+                  <a:srgbClr val="153325"/>
+                </a:solidFill>
+                <a:latin typeface="프리젠테이션 5 Medium" pitchFamily="2" charset="-127"/>
+                <a:ea typeface="프리젠테이션 5 Medium" pitchFamily="2" charset="-127"/>
+                <a:cs typeface="카페24 써라운드" pitchFamily="2" charset="-127"/>
+              </a:rPr>
+              <a:t> </a:t>
+            </a:r>
+            <a:r>
+              <a:rPr lang="en-US" altLang="ko-KR" sz="1400" dirty="0" err="1">
+                <a:solidFill>
+                  <a:srgbClr val="153325"/>
+                </a:solidFill>
+                <a:latin typeface="프리젠테이션 5 Medium" pitchFamily="2" charset="-127"/>
+                <a:ea typeface="프리젠테이션 5 Medium" pitchFamily="2" charset="-127"/>
+                <a:cs typeface="카페24 써라운드" pitchFamily="2" charset="-127"/>
+              </a:rPr>
+              <a:t>System.out</a:t>
+            </a:r>
+            <a:r>
+              <a:rPr lang="ko-KR" altLang="en-US" sz="1400" dirty="0">
+                <a:solidFill>
+                  <a:srgbClr val="153325"/>
+                </a:solidFill>
+                <a:latin typeface="프리젠테이션 5 Medium" pitchFamily="2" charset="-127"/>
+                <a:ea typeface="프리젠테이션 5 Medium" pitchFamily="2" charset="-127"/>
+                <a:cs typeface="카페24 써라운드" pitchFamily="2" charset="-127"/>
+              </a:rPr>
+              <a:t>로</a:t>
+            </a:r>
+            <a:r>
+              <a:rPr lang="en-US" altLang="ko-KR" sz="1400" dirty="0">
+                <a:solidFill>
+                  <a:srgbClr val="153325"/>
+                </a:solidFill>
+                <a:latin typeface="프리젠테이션 5 Medium" pitchFamily="2" charset="-127"/>
+                <a:ea typeface="프리젠테이션 5 Medium" pitchFamily="2" charset="-127"/>
+                <a:cs typeface="카페24 써라운드" pitchFamily="2" charset="-127"/>
+              </a:rPr>
+              <a:t> </a:t>
+            </a:r>
+            <a:r>
+              <a:rPr lang="ko-KR" altLang="en-US" sz="1400" dirty="0">
+                <a:solidFill>
+                  <a:srgbClr val="153325"/>
+                </a:solidFill>
+                <a:latin typeface="프리젠테이션 5 Medium" pitchFamily="2" charset="-127"/>
+                <a:ea typeface="프리젠테이션 5 Medium" pitchFamily="2" charset="-127"/>
+                <a:cs typeface="카페24 써라운드" pitchFamily="2" charset="-127"/>
+              </a:rPr>
+              <a:t>출력</a:t>
+            </a:r>
+            <a:br>
+              <a:rPr lang="en-US" altLang="ko-KR" sz="1400" dirty="0">
+                <a:solidFill>
+                  <a:srgbClr val="153325"/>
+                </a:solidFill>
+                <a:latin typeface="프리젠테이션 5 Medium" pitchFamily="2" charset="-127"/>
+                <a:ea typeface="프리젠테이션 5 Medium" pitchFamily="2" charset="-127"/>
+                <a:cs typeface="카페24 써라운드" pitchFamily="2" charset="-127"/>
+              </a:rPr>
+            </a:br>
+            <a:r>
+              <a:rPr lang="ko-KR" altLang="en-US" sz="1400" dirty="0">
+                <a:solidFill>
+                  <a:srgbClr val="153325"/>
+                </a:solidFill>
+                <a:latin typeface="프리젠테이션 5 Medium" pitchFamily="2" charset="-127"/>
+                <a:ea typeface="프리젠테이션 5 Medium" pitchFamily="2" charset="-127"/>
+                <a:cs typeface="카페24 써라운드" pitchFamily="2" charset="-127"/>
+              </a:rPr>
+              <a:t>→</a:t>
+            </a:r>
+            <a:r>
+              <a:rPr lang="en-US" altLang="ko-KR" sz="1400" dirty="0">
+                <a:solidFill>
+                  <a:srgbClr val="153325"/>
+                </a:solidFill>
+                <a:latin typeface="프리젠테이션 5 Medium" pitchFamily="2" charset="-127"/>
+                <a:ea typeface="프리젠테이션 5 Medium" pitchFamily="2" charset="-127"/>
+                <a:cs typeface="카페24 써라운드" pitchFamily="2" charset="-127"/>
+              </a:rPr>
+              <a:t> return false</a:t>
+            </a:r>
+          </a:p>
+        </p:txBody>
+      </p:sp>
+      <p:sp>
+        <p:nvSpPr>
+          <p:cNvPr id="16" name="직사각형 15">
+            <a:extLst>
+              <a:ext uri="{FF2B5EF4-FFF2-40B4-BE49-F238E27FC236}">
+                <a16:creationId xmlns:a16="http://schemas.microsoft.com/office/drawing/2014/main" id="{449AE1F3-D192-4574-9F0A-248C80C922D7}"/>
+              </a:ext>
+            </a:extLst>
+          </p:cNvPr>
+          <p:cNvSpPr/>
+          <p:nvPr/>
+        </p:nvSpPr>
+        <p:spPr>
+          <a:xfrm>
+            <a:off x="766763" y="2282258"/>
+            <a:ext cx="2429436" cy="3852546"/>
+          </a:xfrm>
+          <a:prstGeom prst="rect">
+            <a:avLst/>
+          </a:prstGeom>
+          <a:noFill/>
+          <a:ln>
+            <a:solidFill>
+              <a:srgbClr val="609E67"/>
+            </a:solidFill>
+          </a:ln>
+        </p:spPr>
+        <p:style>
+          <a:lnRef idx="2">
+            <a:schemeClr val="accent1">
+              <a:shade val="50000"/>
+            </a:schemeClr>
+          </a:lnRef>
+          <a:fillRef idx="1">
+            <a:schemeClr val="accent1"/>
+          </a:fillRef>
+          <a:effectRef idx="0">
+            <a:schemeClr val="accent1"/>
+          </a:effectRef>
+          <a:fontRef idx="minor">
+            <a:schemeClr val="lt1"/>
+          </a:fontRef>
+        </p:style>
+        <p:txBody>
+          <a:bodyPr rtlCol="0" anchor="ctr"/>
+          <a:lstStyle/>
+          <a:p>
+            <a:pPr algn="ctr"/>
+            <a:endParaRPr lang="ko-KR" altLang="en-US">
+              <a:solidFill>
+                <a:schemeClr val="bg1"/>
+              </a:solidFill>
+              <a:latin typeface="프리젠테이션 5 Medium" pitchFamily="2" charset="-127"/>
+              <a:ea typeface="프리젠테이션 5 Medium" pitchFamily="2" charset="-127"/>
+            </a:endParaRPr>
+          </a:p>
+        </p:txBody>
+      </p:sp>
+      <p:pic>
+        <p:nvPicPr>
+          <p:cNvPr id="14" name="그림 13">
+            <a:extLst>
+              <a:ext uri="{FF2B5EF4-FFF2-40B4-BE49-F238E27FC236}">
+                <a16:creationId xmlns:a16="http://schemas.microsoft.com/office/drawing/2014/main" id="{5BA0E1E5-7DE4-416F-90EE-3BAB05060A88}"/>
+              </a:ext>
+            </a:extLst>
+          </p:cNvPr>
+          <p:cNvPicPr>
+            <a:picLocks noChangeAspect="1"/>
+          </p:cNvPicPr>
+          <p:nvPr/>
+        </p:nvPicPr>
+        <p:blipFill>
+          <a:blip r:embed="rId2"/>
+          <a:stretch>
+            <a:fillRect/>
+          </a:stretch>
+        </p:blipFill>
+        <p:spPr>
+          <a:xfrm>
+            <a:off x="7217141" y="1988968"/>
+            <a:ext cx="4357712" cy="2155008"/>
+          </a:xfrm>
+          <a:prstGeom prst="rect">
+            <a:avLst/>
+          </a:prstGeom>
+        </p:spPr>
+      </p:pic>
+      <p:pic>
+        <p:nvPicPr>
+          <p:cNvPr id="18" name="그림 17">
+            <a:extLst>
+              <a:ext uri="{FF2B5EF4-FFF2-40B4-BE49-F238E27FC236}">
+                <a16:creationId xmlns:a16="http://schemas.microsoft.com/office/drawing/2014/main" id="{C3338B7E-A4F5-4800-96DB-8415DC10E5C1}"/>
+              </a:ext>
+            </a:extLst>
+          </p:cNvPr>
+          <p:cNvPicPr>
+            <a:picLocks noChangeAspect="1"/>
+          </p:cNvPicPr>
+          <p:nvPr/>
+        </p:nvPicPr>
+        <p:blipFill>
+          <a:blip r:embed="rId3"/>
+          <a:stretch>
+            <a:fillRect/>
+          </a:stretch>
+        </p:blipFill>
+        <p:spPr>
+          <a:xfrm>
+            <a:off x="3715715" y="1844328"/>
+            <a:ext cx="3364973" cy="2401310"/>
+          </a:xfrm>
+          <a:prstGeom prst="rect">
+            <a:avLst/>
+          </a:prstGeom>
+        </p:spPr>
+      </p:pic>
+      <p:pic>
+        <p:nvPicPr>
+          <p:cNvPr id="20" name="그림 19">
+            <a:extLst>
+              <a:ext uri="{FF2B5EF4-FFF2-40B4-BE49-F238E27FC236}">
+                <a16:creationId xmlns:a16="http://schemas.microsoft.com/office/drawing/2014/main" id="{7BFE00E5-006E-4A38-9D27-E58757852CDE}"/>
+              </a:ext>
+            </a:extLst>
+          </p:cNvPr>
+          <p:cNvPicPr>
+            <a:picLocks noChangeAspect="1"/>
+          </p:cNvPicPr>
+          <p:nvPr/>
+        </p:nvPicPr>
+        <p:blipFill>
+          <a:blip r:embed="rId4"/>
+          <a:stretch>
+            <a:fillRect/>
+          </a:stretch>
+        </p:blipFill>
+        <p:spPr>
+          <a:xfrm>
+            <a:off x="3653488" y="4322719"/>
+            <a:ext cx="3037706" cy="2340527"/>
+          </a:xfrm>
+          <a:prstGeom prst="rect">
+            <a:avLst/>
+          </a:prstGeom>
+        </p:spPr>
+      </p:pic>
     </p:spTree>
     <p:extLst>
       <p:ext uri="{BB962C8B-B14F-4D97-AF65-F5344CB8AC3E}">
-        <p14:creationId xmlns:p14="http://schemas.microsoft.com/office/powerpoint/2010/main" val="31905529"/>
+        <p14:creationId xmlns:p14="http://schemas.microsoft.com/office/powerpoint/2010/main" val="1035197039"/>
       </p:ext>
     </p:extLst>
   </p:cSld>
@@ -4442,7 +5145,7 @@
         <p:spPr>
           <a:xfrm>
             <a:off x="766763" y="1365017"/>
-            <a:ext cx="4734045" cy="1845120"/>
+            <a:ext cx="4734045" cy="614014"/>
           </a:xfrm>
           <a:prstGeom prst="rect">
             <a:avLst/>
@@ -4463,24 +5166,14 @@
               <a:buChar char="•"/>
             </a:pPr>
             <a:r>
-              <a:rPr lang="en-US" altLang="ko-KR" sz="2000" dirty="0">
+              <a:rPr lang="ko-KR" altLang="en-US" sz="2000" dirty="0">
                 <a:solidFill>
                   <a:srgbClr val="22523B"/>
                 </a:solidFill>
                 <a:latin typeface="프리젠테이션 6 SemiBold" pitchFamily="2" charset="-127"/>
                 <a:ea typeface="프리젠테이션 6 SemiBold" pitchFamily="2" charset="-127"/>
               </a:rPr>
-              <a:t>01 </a:t>
-            </a:r>
-            <a:r>
-              <a:rPr lang="ko-KR" altLang="en-US" sz="2000" dirty="0">
-                <a:solidFill>
-                  <a:srgbClr val="22523B"/>
-                </a:solidFill>
-                <a:latin typeface="프리젠테이션 6 SemiBold" pitchFamily="2" charset="-127"/>
-                <a:ea typeface="프리젠테이션 6 SemiBold" pitchFamily="2" charset="-127"/>
-              </a:rPr>
-              <a:t>파라미터 받기</a:t>
+              <a:t>유효성 검증 함수 만들기 </a:t>
             </a:r>
             <a:endParaRPr lang="en-US" altLang="ko-KR" sz="2000" dirty="0">
               <a:solidFill>
@@ -4489,121 +5182,6 @@
               <a:latin typeface="프리젠테이션 6 SemiBold" pitchFamily="2" charset="-127"/>
               <a:ea typeface="프리젠테이션 6 SemiBold" pitchFamily="2" charset="-127"/>
             </a:endParaRPr>
-          </a:p>
-          <a:p>
-            <a:pPr marL="342900" indent="-342900">
-              <a:lnSpc>
-                <a:spcPct val="200000"/>
-              </a:lnSpc>
-              <a:buFont typeface="Arial" panose="020B0604020202020204" pitchFamily="34" charset="0"/>
-              <a:buChar char="•"/>
-            </a:pPr>
-            <a:r>
-              <a:rPr lang="en-US" altLang="ko-KR" sz="2000" dirty="0">
-                <a:solidFill>
-                  <a:srgbClr val="22523B"/>
-                </a:solidFill>
-                <a:latin typeface="프리젠테이션 6 SemiBold" pitchFamily="2" charset="-127"/>
-                <a:ea typeface="프리젠테이션 6 SemiBold" pitchFamily="2" charset="-127"/>
-              </a:rPr>
-              <a:t>02 </a:t>
-            </a:r>
-            <a:r>
-              <a:rPr lang="ko-KR" altLang="en-US" sz="2000" dirty="0">
-                <a:solidFill>
-                  <a:srgbClr val="22523B"/>
-                </a:solidFill>
-                <a:latin typeface="프리젠테이션 6 SemiBold" pitchFamily="2" charset="-127"/>
-                <a:ea typeface="프리젠테이션 6 SemiBold" pitchFamily="2" charset="-127"/>
-              </a:rPr>
-              <a:t>유효성 검증</a:t>
-            </a:r>
-            <a:endParaRPr lang="en-US" altLang="ko-KR" sz="2000" dirty="0">
-              <a:solidFill>
-                <a:srgbClr val="22523B"/>
-              </a:solidFill>
-              <a:latin typeface="프리젠테이션 6 SemiBold" pitchFamily="2" charset="-127"/>
-              <a:ea typeface="프리젠테이션 6 SemiBold" pitchFamily="2" charset="-127"/>
-            </a:endParaRPr>
-          </a:p>
-          <a:p>
-            <a:pPr marL="342900" indent="-342900">
-              <a:lnSpc>
-                <a:spcPct val="200000"/>
-              </a:lnSpc>
-              <a:buFont typeface="Arial" panose="020B0604020202020204" pitchFamily="34" charset="0"/>
-              <a:buChar char="•"/>
-            </a:pPr>
-            <a:r>
-              <a:rPr lang="en-US" altLang="ko-KR" sz="2000" dirty="0">
-                <a:solidFill>
-                  <a:srgbClr val="22523B"/>
-                </a:solidFill>
-                <a:latin typeface="프리젠테이션 6 SemiBold" pitchFamily="2" charset="-127"/>
-                <a:ea typeface="프리젠테이션 6 SemiBold" pitchFamily="2" charset="-127"/>
-              </a:rPr>
-              <a:t>03 </a:t>
-            </a:r>
-            <a:r>
-              <a:rPr lang="ko-KR" altLang="en-US" sz="2000" dirty="0">
-                <a:solidFill>
-                  <a:srgbClr val="22523B"/>
-                </a:solidFill>
-                <a:latin typeface="프리젠테이션 6 SemiBold" pitchFamily="2" charset="-127"/>
-                <a:ea typeface="프리젠테이션 6 SemiBold" pitchFamily="2" charset="-127"/>
-              </a:rPr>
-              <a:t>서비스처리</a:t>
-            </a:r>
-            <a:r>
-              <a:rPr lang="en-US" altLang="ko-KR" sz="2000" dirty="0">
-                <a:solidFill>
-                  <a:srgbClr val="22523B"/>
-                </a:solidFill>
-                <a:latin typeface="프리젠테이션 6 SemiBold" pitchFamily="2" charset="-127"/>
-                <a:ea typeface="프리젠테이션 6 SemiBold" pitchFamily="2" charset="-127"/>
-              </a:rPr>
-              <a:t>(</a:t>
-            </a:r>
-            <a:r>
-              <a:rPr lang="ko-KR" altLang="en-US" sz="2000" dirty="0">
-                <a:solidFill>
-                  <a:srgbClr val="22523B"/>
-                </a:solidFill>
-                <a:latin typeface="프리젠테이션 6 SemiBold" pitchFamily="2" charset="-127"/>
-                <a:ea typeface="프리젠테이션 6 SemiBold" pitchFamily="2" charset="-127"/>
-              </a:rPr>
-              <a:t>회원가입 </a:t>
-            </a:r>
-            <a:r>
-              <a:rPr lang="en-US" altLang="ko-KR" sz="2000" dirty="0">
-                <a:solidFill>
-                  <a:srgbClr val="22523B"/>
-                </a:solidFill>
-                <a:latin typeface="프리젠테이션 6 SemiBold" pitchFamily="2" charset="-127"/>
-                <a:ea typeface="프리젠테이션 6 SemiBold" pitchFamily="2" charset="-127"/>
-              </a:rPr>
-              <a:t>-&gt; DB</a:t>
-            </a:r>
-            <a:r>
-              <a:rPr lang="ko-KR" altLang="en-US" sz="2000" dirty="0">
-                <a:solidFill>
-                  <a:srgbClr val="22523B"/>
-                </a:solidFill>
-                <a:latin typeface="프리젠테이션 6 SemiBold" pitchFamily="2" charset="-127"/>
-                <a:ea typeface="프리젠테이션 6 SemiBold" pitchFamily="2" charset="-127"/>
-              </a:rPr>
-              <a:t>저장</a:t>
-            </a:r>
-            <a:r>
-              <a:rPr lang="en-US" altLang="ko-KR" sz="2000" dirty="0">
-                <a:solidFill>
-                  <a:srgbClr val="22523B"/>
-                </a:solidFill>
-                <a:latin typeface="프리젠테이션 6 SemiBold" pitchFamily="2" charset="-127"/>
-                <a:ea typeface="프리젠테이션 6 SemiBold" pitchFamily="2" charset="-127"/>
-              </a:rPr>
-              <a:t>)</a:t>
-            </a:r>
           </a:p>
         </p:txBody>
       </p:sp>
@@ -4680,10 +5258,128 @@
           </a:p>
         </p:txBody>
       </p:sp>
+      <p:pic>
+        <p:nvPicPr>
+          <p:cNvPr id="5" name="그림 4">
+            <a:extLst>
+              <a:ext uri="{FF2B5EF4-FFF2-40B4-BE49-F238E27FC236}">
+                <a16:creationId xmlns:a16="http://schemas.microsoft.com/office/drawing/2014/main" id="{2E095224-7134-4D28-A8DC-591C2309214D}"/>
+              </a:ext>
+            </a:extLst>
+          </p:cNvPr>
+          <p:cNvPicPr>
+            <a:picLocks noChangeAspect="1"/>
+          </p:cNvPicPr>
+          <p:nvPr/>
+        </p:nvPicPr>
+        <p:blipFill>
+          <a:blip r:embed="rId2"/>
+          <a:stretch>
+            <a:fillRect/>
+          </a:stretch>
+        </p:blipFill>
+        <p:spPr>
+          <a:xfrm>
+            <a:off x="788126" y="2163691"/>
+            <a:ext cx="2085553" cy="4130011"/>
+          </a:xfrm>
+          <a:prstGeom prst="rect">
+            <a:avLst/>
+          </a:prstGeom>
+        </p:spPr>
+      </p:pic>
+      <p:pic>
+        <p:nvPicPr>
+          <p:cNvPr id="7" name="그림 6">
+            <a:extLst>
+              <a:ext uri="{FF2B5EF4-FFF2-40B4-BE49-F238E27FC236}">
+                <a16:creationId xmlns:a16="http://schemas.microsoft.com/office/drawing/2014/main" id="{A6C933BD-6BBB-4007-878A-044E92411D55}"/>
+              </a:ext>
+            </a:extLst>
+          </p:cNvPr>
+          <p:cNvPicPr>
+            <a:picLocks noChangeAspect="1"/>
+          </p:cNvPicPr>
+          <p:nvPr/>
+        </p:nvPicPr>
+        <p:blipFill rotWithShape="1">
+          <a:blip r:embed="rId3"/>
+          <a:srcRect l="-834" t="-7028" r="271" b="10775"/>
+          <a:stretch/>
+        </p:blipFill>
+        <p:spPr>
+          <a:xfrm>
+            <a:off x="2797479" y="2133419"/>
+            <a:ext cx="9190750" cy="1428931"/>
+          </a:xfrm>
+          <a:prstGeom prst="rect">
+            <a:avLst/>
+          </a:prstGeom>
+        </p:spPr>
+      </p:pic>
+      <p:pic>
+        <p:nvPicPr>
+          <p:cNvPr id="9" name="그림 8">
+            <a:extLst>
+              <a:ext uri="{FF2B5EF4-FFF2-40B4-BE49-F238E27FC236}">
+                <a16:creationId xmlns:a16="http://schemas.microsoft.com/office/drawing/2014/main" id="{17CD19C4-E52C-4168-9BA9-20C7BFDBF74A}"/>
+              </a:ext>
+            </a:extLst>
+          </p:cNvPr>
+          <p:cNvPicPr>
+            <a:picLocks noChangeAspect="1"/>
+          </p:cNvPicPr>
+          <p:nvPr/>
+        </p:nvPicPr>
+        <p:blipFill>
+          <a:blip r:embed="rId4"/>
+          <a:stretch>
+            <a:fillRect/>
+          </a:stretch>
+        </p:blipFill>
+        <p:spPr>
+          <a:xfrm>
+            <a:off x="3133785" y="4060974"/>
+            <a:ext cx="8205438" cy="335443"/>
+          </a:xfrm>
+          <a:prstGeom prst="rect">
+            <a:avLst/>
+          </a:prstGeom>
+        </p:spPr>
+      </p:pic>
+      <p:pic>
+        <p:nvPicPr>
+          <p:cNvPr id="16" name="그림 15">
+            <a:extLst>
+              <a:ext uri="{FF2B5EF4-FFF2-40B4-BE49-F238E27FC236}">
+                <a16:creationId xmlns:a16="http://schemas.microsoft.com/office/drawing/2014/main" id="{CA4A48D9-3D78-49C6-B696-8AA2DB10BDF0}"/>
+              </a:ext>
+            </a:extLst>
+          </p:cNvPr>
+          <p:cNvPicPr>
+            <a:picLocks noChangeAspect="1"/>
+          </p:cNvPicPr>
+          <p:nvPr/>
+        </p:nvPicPr>
+        <p:blipFill rotWithShape="1">
+          <a:blip r:embed="rId3"/>
+          <a:srcRect t="89868" r="87201" b="414"/>
+          <a:stretch/>
+        </p:blipFill>
+        <p:spPr>
+          <a:xfrm>
+            <a:off x="3045881" y="3716738"/>
+            <a:ext cx="2719773" cy="335443"/>
+          </a:xfrm>
+          <a:prstGeom prst="rect">
+            <a:avLst/>
+          </a:prstGeom>
+        </p:spPr>
+      </p:pic>
     </p:spTree>
     <p:extLst>
       <p:ext uri="{BB962C8B-B14F-4D97-AF65-F5344CB8AC3E}">
-        <p14:creationId xmlns:p14="http://schemas.microsoft.com/office/powerpoint/2010/main" val="3566735643"/>
+        <p14:creationId xmlns:p14="http://schemas.microsoft.com/office/powerpoint/2010/main" val="31905529"/>
       </p:ext>
     </p:extLst>
   </p:cSld>
@@ -4830,6 +5526,123 @@
       </p:sp>
       <p:sp>
         <p:nvSpPr>
+          <p:cNvPr id="381" name="TextBox 380">
+            <a:extLst>
+              <a:ext uri="{FF2B5EF4-FFF2-40B4-BE49-F238E27FC236}">
+                <a16:creationId xmlns:a16="http://schemas.microsoft.com/office/drawing/2014/main" id="{62307D50-824B-4B27-BB5E-5B2018EBA414}"/>
+              </a:ext>
+            </a:extLst>
+          </p:cNvPr>
+          <p:cNvSpPr txBox="1"/>
+          <p:nvPr/>
+        </p:nvSpPr>
+        <p:spPr>
+          <a:xfrm>
+            <a:off x="766763" y="1365017"/>
+            <a:ext cx="4734045" cy="1845120"/>
+          </a:xfrm>
+          <a:prstGeom prst="rect">
+            <a:avLst/>
+          </a:prstGeom>
+          <a:noFill/>
+        </p:spPr>
+        <p:txBody>
+          <a:bodyPr wrap="square" rtlCol="0">
+            <a:spAutoFit/>
+          </a:bodyPr>
+          <a:lstStyle/>
+          <a:p>
+            <a:pPr marL="342900" indent="-342900">
+              <a:lnSpc>
+                <a:spcPct val="200000"/>
+              </a:lnSpc>
+              <a:buFont typeface="Arial" panose="020B0604020202020204" pitchFamily="34" charset="0"/>
+              <a:buChar char="•"/>
+            </a:pPr>
+            <a:r>
+              <a:rPr lang="en-US" altLang="ko-KR" sz="2000" dirty="0">
+                <a:solidFill>
+                  <a:srgbClr val="22523B"/>
+                </a:solidFill>
+                <a:latin typeface="프리젠테이션 6 SemiBold" pitchFamily="2" charset="-127"/>
+                <a:ea typeface="프리젠테이션 6 SemiBold" pitchFamily="2" charset="-127"/>
+              </a:rPr>
+              <a:t>01 </a:t>
+            </a:r>
+            <a:r>
+              <a:rPr lang="ko-KR" altLang="en-US" sz="2000" dirty="0">
+                <a:solidFill>
+                  <a:srgbClr val="22523B"/>
+                </a:solidFill>
+                <a:latin typeface="프리젠테이션 6 SemiBold" pitchFamily="2" charset="-127"/>
+                <a:ea typeface="프리젠테이션 6 SemiBold" pitchFamily="2" charset="-127"/>
+              </a:rPr>
+              <a:t>파라미터 받기</a:t>
+            </a:r>
+            <a:endParaRPr lang="en-US" altLang="ko-KR" sz="2000" dirty="0">
+              <a:solidFill>
+                <a:srgbClr val="22523B"/>
+              </a:solidFill>
+              <a:latin typeface="프리젠테이션 6 SemiBold" pitchFamily="2" charset="-127"/>
+              <a:ea typeface="프리젠테이션 6 SemiBold" pitchFamily="2" charset="-127"/>
+            </a:endParaRPr>
+          </a:p>
+          <a:p>
+            <a:pPr marL="342900" indent="-342900">
+              <a:lnSpc>
+                <a:spcPct val="200000"/>
+              </a:lnSpc>
+              <a:buFont typeface="Arial" panose="020B0604020202020204" pitchFamily="34" charset="0"/>
+              <a:buChar char="•"/>
+            </a:pPr>
+            <a:r>
+              <a:rPr lang="en-US" altLang="ko-KR" sz="2000" dirty="0">
+                <a:solidFill>
+                  <a:srgbClr val="22523B"/>
+                </a:solidFill>
+                <a:latin typeface="프리젠테이션 6 SemiBold" pitchFamily="2" charset="-127"/>
+                <a:ea typeface="프리젠테이션 6 SemiBold" pitchFamily="2" charset="-127"/>
+              </a:rPr>
+              <a:t>02 </a:t>
+            </a:r>
+            <a:r>
+              <a:rPr lang="ko-KR" altLang="en-US" sz="2000" dirty="0">
+                <a:solidFill>
+                  <a:srgbClr val="22523B"/>
+                </a:solidFill>
+                <a:latin typeface="프리젠테이션 6 SemiBold" pitchFamily="2" charset="-127"/>
+                <a:ea typeface="프리젠테이션 6 SemiBold" pitchFamily="2" charset="-127"/>
+              </a:rPr>
+              <a:t>유효성 검증</a:t>
+            </a:r>
+            <a:endParaRPr lang="en-US" altLang="ko-KR" sz="2000" dirty="0">
+              <a:solidFill>
+                <a:srgbClr val="22523B"/>
+              </a:solidFill>
+              <a:latin typeface="프리젠테이션 6 SemiBold" pitchFamily="2" charset="-127"/>
+              <a:ea typeface="프리젠테이션 6 SemiBold" pitchFamily="2" charset="-127"/>
+            </a:endParaRPr>
+          </a:p>
+          <a:p>
+            <a:pPr marL="342900" indent="-342900">
+              <a:lnSpc>
+                <a:spcPct val="200000"/>
+              </a:lnSpc>
+              <a:buFont typeface="Arial" panose="020B0604020202020204" pitchFamily="34" charset="0"/>
+              <a:buChar char="•"/>
+            </a:pPr>
+            <a:endParaRPr lang="en-US" altLang="ko-KR" sz="2000" dirty="0">
+              <a:solidFill>
+                <a:srgbClr val="22523B"/>
+              </a:solidFill>
+              <a:latin typeface="프리젠테이션 6 SemiBold" pitchFamily="2" charset="-127"/>
+              <a:ea typeface="프리젠테이션 6 SemiBold" pitchFamily="2" charset="-127"/>
+            </a:endParaRPr>
+          </a:p>
+        </p:txBody>
+      </p:sp>
+      <p:sp>
+        <p:nvSpPr>
           <p:cNvPr id="392" name="TextBox 391">
             <a:extLst>
               <a:ext uri="{FF2B5EF4-FFF2-40B4-BE49-F238E27FC236}">
@@ -4901,65 +5714,100 @@
           </a:p>
         </p:txBody>
       </p:sp>
-      <p:sp>
-        <p:nvSpPr>
-          <p:cNvPr id="6" name="TextBox 5">
-            <a:extLst>
-              <a:ext uri="{FF2B5EF4-FFF2-40B4-BE49-F238E27FC236}">
-                <a16:creationId xmlns:a16="http://schemas.microsoft.com/office/drawing/2014/main" id="{60A036F9-BDD2-4379-9FF7-368FDF551A8B}"/>
-              </a:ext>
-            </a:extLst>
-          </p:cNvPr>
-          <p:cNvSpPr txBox="1"/>
+      <p:pic>
+        <p:nvPicPr>
+          <p:cNvPr id="3" name="그림 2">
+            <a:extLst>
+              <a:ext uri="{FF2B5EF4-FFF2-40B4-BE49-F238E27FC236}">
+                <a16:creationId xmlns:a16="http://schemas.microsoft.com/office/drawing/2014/main" id="{18093B0F-AFE4-4CDF-99F5-A81051D5C56D}"/>
+              </a:ext>
+            </a:extLst>
+          </p:cNvPr>
+          <p:cNvPicPr>
+            <a:picLocks noChangeAspect="1"/>
+          </p:cNvPicPr>
           <p:nvPr/>
-        </p:nvSpPr>
-        <p:spPr>
-          <a:xfrm>
-            <a:off x="766763" y="1365017"/>
-            <a:ext cx="4734045" cy="614014"/>
+        </p:nvPicPr>
+        <p:blipFill>
+          <a:blip r:embed="rId2"/>
+          <a:stretch>
+            <a:fillRect/>
+          </a:stretch>
+        </p:blipFill>
+        <p:spPr>
+          <a:xfrm>
+            <a:off x="766763" y="2774927"/>
+            <a:ext cx="5215068" cy="870419"/>
           </a:xfrm>
           <a:prstGeom prst="rect">
             <a:avLst/>
           </a:prstGeom>
-          <a:noFill/>
-        </p:spPr>
-        <p:txBody>
-          <a:bodyPr wrap="square" rtlCol="0">
-            <a:spAutoFit/>
-          </a:bodyPr>
-          <a:lstStyle/>
-          <a:p>
-            <a:pPr marL="342900" indent="-342900">
-              <a:lnSpc>
-                <a:spcPct val="200000"/>
-              </a:lnSpc>
-              <a:buFont typeface="Arial" panose="020B0604020202020204" pitchFamily="34" charset="0"/>
-              <a:buChar char="•"/>
-            </a:pPr>
-            <a:r>
-              <a:rPr lang="ko-KR" altLang="en-US" sz="2000" dirty="0">
-                <a:solidFill>
-                  <a:srgbClr val="22523B"/>
-                </a:solidFill>
-                <a:latin typeface="프리젠테이션 6 SemiBold" pitchFamily="2" charset="-127"/>
-                <a:ea typeface="프리젠테이션 6 SemiBold" pitchFamily="2" charset="-127"/>
-              </a:rPr>
-              <a:t>로그인 페이지로 이동</a:t>
-            </a:r>
-            <a:endParaRPr lang="en-US" altLang="ko-KR" sz="2000" dirty="0">
-              <a:solidFill>
-                <a:srgbClr val="22523B"/>
-              </a:solidFill>
-              <a:latin typeface="프리젠테이션 6 SemiBold" pitchFamily="2" charset="-127"/>
-              <a:ea typeface="프리젠테이션 6 SemiBold" pitchFamily="2" charset="-127"/>
-            </a:endParaRPr>
-          </a:p>
-        </p:txBody>
-      </p:sp>
+        </p:spPr>
+      </p:pic>
+      <p:pic>
+        <p:nvPicPr>
+          <p:cNvPr id="12" name="그림 11">
+            <a:extLst>
+              <a:ext uri="{FF2B5EF4-FFF2-40B4-BE49-F238E27FC236}">
+                <a16:creationId xmlns:a16="http://schemas.microsoft.com/office/drawing/2014/main" id="{373E9FB3-D4D6-4B1F-A87E-C4B3D01EEF6E}"/>
+              </a:ext>
+            </a:extLst>
+          </p:cNvPr>
+          <p:cNvPicPr>
+            <a:picLocks noChangeAspect="1"/>
+          </p:cNvPicPr>
+          <p:nvPr/>
+        </p:nvPicPr>
+        <p:blipFill>
+          <a:blip r:embed="rId3"/>
+          <a:stretch>
+            <a:fillRect/>
+          </a:stretch>
+        </p:blipFill>
+        <p:spPr>
+          <a:xfrm>
+            <a:off x="6210170" y="681656"/>
+            <a:ext cx="4773170" cy="3841820"/>
+          </a:xfrm>
+          <a:prstGeom prst="rect">
+            <a:avLst/>
+          </a:prstGeom>
+        </p:spPr>
+      </p:pic>
+      <p:pic>
+        <p:nvPicPr>
+          <p:cNvPr id="13" name="그림 12">
+            <a:extLst>
+              <a:ext uri="{FF2B5EF4-FFF2-40B4-BE49-F238E27FC236}">
+                <a16:creationId xmlns:a16="http://schemas.microsoft.com/office/drawing/2014/main" id="{DC0A3F6A-D241-4DD4-B284-9B1FC9217757}"/>
+              </a:ext>
+            </a:extLst>
+          </p:cNvPr>
+          <p:cNvPicPr>
+            <a:picLocks noChangeAspect="1"/>
+          </p:cNvPicPr>
+          <p:nvPr/>
+        </p:nvPicPr>
+        <p:blipFill>
+          <a:blip r:embed="rId4"/>
+          <a:stretch>
+            <a:fillRect/>
+          </a:stretch>
+        </p:blipFill>
+        <p:spPr>
+          <a:xfrm>
+            <a:off x="6176153" y="4566766"/>
+            <a:ext cx="3549940" cy="1689282"/>
+          </a:xfrm>
+          <a:prstGeom prst="rect">
+            <a:avLst/>
+          </a:prstGeom>
+        </p:spPr>
+      </p:pic>
     </p:spTree>
     <p:extLst>
       <p:ext uri="{BB962C8B-B14F-4D97-AF65-F5344CB8AC3E}">
-        <p14:creationId xmlns:p14="http://schemas.microsoft.com/office/powerpoint/2010/main" val="2442794043"/>
+        <p14:creationId xmlns:p14="http://schemas.microsoft.com/office/powerpoint/2010/main" val="3566735643"/>
       </p:ext>
     </p:extLst>
   </p:cSld>
@@ -5106,6 +5954,156 @@
       </p:sp>
       <p:sp>
         <p:nvSpPr>
+          <p:cNvPr id="381" name="TextBox 380">
+            <a:extLst>
+              <a:ext uri="{FF2B5EF4-FFF2-40B4-BE49-F238E27FC236}">
+                <a16:creationId xmlns:a16="http://schemas.microsoft.com/office/drawing/2014/main" id="{62307D50-824B-4B27-BB5E-5B2018EBA414}"/>
+              </a:ext>
+            </a:extLst>
+          </p:cNvPr>
+          <p:cNvSpPr txBox="1"/>
+          <p:nvPr/>
+        </p:nvSpPr>
+        <p:spPr>
+          <a:xfrm>
+            <a:off x="766763" y="1365017"/>
+            <a:ext cx="4734045" cy="1845120"/>
+          </a:xfrm>
+          <a:prstGeom prst="rect">
+            <a:avLst/>
+          </a:prstGeom>
+          <a:noFill/>
+        </p:spPr>
+        <p:txBody>
+          <a:bodyPr wrap="square" rtlCol="0">
+            <a:spAutoFit/>
+          </a:bodyPr>
+          <a:lstStyle/>
+          <a:p>
+            <a:pPr marL="342900" indent="-342900">
+              <a:lnSpc>
+                <a:spcPct val="200000"/>
+              </a:lnSpc>
+              <a:buFont typeface="Arial" panose="020B0604020202020204" pitchFamily="34" charset="0"/>
+              <a:buChar char="•"/>
+            </a:pPr>
+            <a:r>
+              <a:rPr lang="en-US" altLang="ko-KR" sz="2000" dirty="0">
+                <a:solidFill>
+                  <a:srgbClr val="22523B"/>
+                </a:solidFill>
+                <a:latin typeface="프리젠테이션 6 SemiBold" pitchFamily="2" charset="-127"/>
+                <a:ea typeface="프리젠테이션 6 SemiBold" pitchFamily="2" charset="-127"/>
+              </a:rPr>
+              <a:t>03 </a:t>
+            </a:r>
+            <a:r>
+              <a:rPr lang="ko-KR" altLang="en-US" sz="2000" dirty="0">
+                <a:solidFill>
+                  <a:srgbClr val="22523B"/>
+                </a:solidFill>
+                <a:latin typeface="프리젠테이션 6 SemiBold" pitchFamily="2" charset="-127"/>
+                <a:ea typeface="프리젠테이션 6 SemiBold" pitchFamily="2" charset="-127"/>
+              </a:rPr>
+              <a:t>서비스처리</a:t>
+            </a:r>
+            <a:r>
+              <a:rPr lang="en-US" altLang="ko-KR" sz="2000" dirty="0">
+                <a:solidFill>
+                  <a:srgbClr val="22523B"/>
+                </a:solidFill>
+                <a:latin typeface="프리젠테이션 6 SemiBold" pitchFamily="2" charset="-127"/>
+                <a:ea typeface="프리젠테이션 6 SemiBold" pitchFamily="2" charset="-127"/>
+              </a:rPr>
+              <a:t>(</a:t>
+            </a:r>
+            <a:r>
+              <a:rPr lang="ko-KR" altLang="en-US" sz="2000" dirty="0">
+                <a:solidFill>
+                  <a:srgbClr val="22523B"/>
+                </a:solidFill>
+                <a:latin typeface="프리젠테이션 6 SemiBold" pitchFamily="2" charset="-127"/>
+                <a:ea typeface="프리젠테이션 6 SemiBold" pitchFamily="2" charset="-127"/>
+              </a:rPr>
+              <a:t>회원가입 </a:t>
+            </a:r>
+            <a:r>
+              <a:rPr lang="en-US" altLang="ko-KR" sz="2000" dirty="0">
+                <a:solidFill>
+                  <a:srgbClr val="22523B"/>
+                </a:solidFill>
+                <a:latin typeface="프리젠테이션 6 SemiBold" pitchFamily="2" charset="-127"/>
+                <a:ea typeface="프리젠테이션 6 SemiBold" pitchFamily="2" charset="-127"/>
+              </a:rPr>
+              <a:t>-&gt; DB</a:t>
+            </a:r>
+            <a:r>
+              <a:rPr lang="ko-KR" altLang="en-US" sz="2000" dirty="0">
+                <a:solidFill>
+                  <a:srgbClr val="22523B"/>
+                </a:solidFill>
+                <a:latin typeface="프리젠테이션 6 SemiBold" pitchFamily="2" charset="-127"/>
+                <a:ea typeface="프리젠테이션 6 SemiBold" pitchFamily="2" charset="-127"/>
+              </a:rPr>
+              <a:t>저장</a:t>
+            </a:r>
+            <a:r>
+              <a:rPr lang="en-US" altLang="ko-KR" sz="2000" dirty="0">
+                <a:solidFill>
+                  <a:srgbClr val="22523B"/>
+                </a:solidFill>
+                <a:latin typeface="프리젠테이션 6 SemiBold" pitchFamily="2" charset="-127"/>
+                <a:ea typeface="프리젠테이션 6 SemiBold" pitchFamily="2" charset="-127"/>
+              </a:rPr>
+              <a:t>)</a:t>
+            </a:r>
+          </a:p>
+          <a:p>
+            <a:pPr marL="342900" indent="-342900">
+              <a:lnSpc>
+                <a:spcPct val="200000"/>
+              </a:lnSpc>
+              <a:buFont typeface="Arial" panose="020B0604020202020204" pitchFamily="34" charset="0"/>
+              <a:buChar char="•"/>
+            </a:pPr>
+            <a:r>
+              <a:rPr lang="ko-KR" altLang="en-US" sz="2000" dirty="0">
+                <a:solidFill>
+                  <a:srgbClr val="22523B"/>
+                </a:solidFill>
+                <a:latin typeface="프리젠테이션 6 SemiBold" pitchFamily="2" charset="-127"/>
+                <a:ea typeface="프리젠테이션 6 SemiBold" pitchFamily="2" charset="-127"/>
+              </a:rPr>
+              <a:t>로그인 페이지로 이동</a:t>
+            </a:r>
+            <a:endParaRPr lang="en-US" altLang="ko-KR" sz="2000" dirty="0">
+              <a:solidFill>
+                <a:srgbClr val="22523B"/>
+              </a:solidFill>
+              <a:latin typeface="프리젠테이션 6 SemiBold" pitchFamily="2" charset="-127"/>
+              <a:ea typeface="프리젠테이션 6 SemiBold" pitchFamily="2" charset="-127"/>
+            </a:endParaRPr>
+          </a:p>
+          <a:p>
+            <a:pPr marL="342900" indent="-342900">
+              <a:lnSpc>
+                <a:spcPct val="200000"/>
+              </a:lnSpc>
+              <a:buFont typeface="Arial" panose="020B0604020202020204" pitchFamily="34" charset="0"/>
+              <a:buChar char="•"/>
+            </a:pPr>
+            <a:endParaRPr lang="en-US" altLang="ko-KR" sz="2000" dirty="0">
+              <a:solidFill>
+                <a:srgbClr val="22523B"/>
+              </a:solidFill>
+              <a:latin typeface="프리젠테이션 6 SemiBold" pitchFamily="2" charset="-127"/>
+              <a:ea typeface="프리젠테이션 6 SemiBold" pitchFamily="2" charset="-127"/>
+            </a:endParaRPr>
+          </a:p>
+        </p:txBody>
+      </p:sp>
+      <p:sp>
+        <p:nvSpPr>
           <p:cNvPr id="392" name="TextBox 391">
             <a:extLst>
               <a:ext uri="{FF2B5EF4-FFF2-40B4-BE49-F238E27FC236}">
@@ -5177,12 +6175,595 @@
           </a:p>
         </p:txBody>
       </p:sp>
-      <p:sp>
-        <p:nvSpPr>
-          <p:cNvPr id="6" name="TextBox 5">
-            <a:extLst>
-              <a:ext uri="{FF2B5EF4-FFF2-40B4-BE49-F238E27FC236}">
-                <a16:creationId xmlns:a16="http://schemas.microsoft.com/office/drawing/2014/main" id="{60A036F9-BDD2-4379-9FF7-368FDF551A8B}"/>
+      <p:pic>
+        <p:nvPicPr>
+          <p:cNvPr id="6" name="그림 5">
+            <a:extLst>
+              <a:ext uri="{FF2B5EF4-FFF2-40B4-BE49-F238E27FC236}">
+                <a16:creationId xmlns:a16="http://schemas.microsoft.com/office/drawing/2014/main" id="{8B7B3CD8-401D-4627-8D36-E728F490E799}"/>
+              </a:ext>
+            </a:extLst>
+          </p:cNvPr>
+          <p:cNvPicPr>
+            <a:picLocks noChangeAspect="1"/>
+          </p:cNvPicPr>
+          <p:nvPr/>
+        </p:nvPicPr>
+        <p:blipFill>
+          <a:blip r:embed="rId2"/>
+          <a:stretch>
+            <a:fillRect/>
+          </a:stretch>
+        </p:blipFill>
+        <p:spPr>
+          <a:xfrm>
+            <a:off x="260064" y="2668047"/>
+            <a:ext cx="1905680" cy="3625655"/>
+          </a:xfrm>
+          <a:prstGeom prst="rect">
+            <a:avLst/>
+          </a:prstGeom>
+        </p:spPr>
+      </p:pic>
+      <p:pic>
+        <p:nvPicPr>
+          <p:cNvPr id="8" name="그림 7">
+            <a:extLst>
+              <a:ext uri="{FF2B5EF4-FFF2-40B4-BE49-F238E27FC236}">
+                <a16:creationId xmlns:a16="http://schemas.microsoft.com/office/drawing/2014/main" id="{29909C61-9B20-418F-930F-8280DC083FBA}"/>
+              </a:ext>
+            </a:extLst>
+          </p:cNvPr>
+          <p:cNvPicPr>
+            <a:picLocks noChangeAspect="1"/>
+          </p:cNvPicPr>
+          <p:nvPr/>
+        </p:nvPicPr>
+        <p:blipFill>
+          <a:blip r:embed="rId3"/>
+          <a:stretch>
+            <a:fillRect/>
+          </a:stretch>
+        </p:blipFill>
+        <p:spPr>
+          <a:xfrm>
+            <a:off x="9328433" y="3390389"/>
+            <a:ext cx="2272973" cy="1217413"/>
+          </a:xfrm>
+          <a:prstGeom prst="rect">
+            <a:avLst/>
+          </a:prstGeom>
+        </p:spPr>
+      </p:pic>
+      <p:pic>
+        <p:nvPicPr>
+          <p:cNvPr id="10" name="그림 9">
+            <a:extLst>
+              <a:ext uri="{FF2B5EF4-FFF2-40B4-BE49-F238E27FC236}">
+                <a16:creationId xmlns:a16="http://schemas.microsoft.com/office/drawing/2014/main" id="{0512ACFF-0270-4C45-991A-A54293E47420}"/>
+              </a:ext>
+            </a:extLst>
+          </p:cNvPr>
+          <p:cNvPicPr>
+            <a:picLocks noChangeAspect="1"/>
+          </p:cNvPicPr>
+          <p:nvPr/>
+        </p:nvPicPr>
+        <p:blipFill>
+          <a:blip r:embed="rId4"/>
+          <a:stretch>
+            <a:fillRect/>
+          </a:stretch>
+        </p:blipFill>
+        <p:spPr>
+          <a:xfrm>
+            <a:off x="2165744" y="3848274"/>
+            <a:ext cx="5950541" cy="2445428"/>
+          </a:xfrm>
+          <a:prstGeom prst="rect">
+            <a:avLst/>
+          </a:prstGeom>
+        </p:spPr>
+      </p:pic>
+      <p:cxnSp>
+        <p:nvCxnSpPr>
+          <p:cNvPr id="15" name="직선 연결선 14">
+            <a:extLst>
+              <a:ext uri="{FF2B5EF4-FFF2-40B4-BE49-F238E27FC236}">
+                <a16:creationId xmlns:a16="http://schemas.microsoft.com/office/drawing/2014/main" id="{93014C50-C646-4B88-9656-D4BB1DEAA727}"/>
+              </a:ext>
+            </a:extLst>
+          </p:cNvPr>
+          <p:cNvCxnSpPr>
+            <a:cxnSpLocks/>
+          </p:cNvCxnSpPr>
+          <p:nvPr/>
+        </p:nvCxnSpPr>
+        <p:spPr>
+          <a:xfrm flipV="1">
+            <a:off x="4629150" y="5293453"/>
+            <a:ext cx="1710681" cy="688247"/>
+          </a:xfrm>
+          <a:prstGeom prst="line">
+            <a:avLst/>
+          </a:prstGeom>
+          <a:ln>
+            <a:solidFill>
+              <a:srgbClr val="153325"/>
+            </a:solidFill>
+            <a:prstDash val="dash"/>
+            <a:headEnd type="oval" w="med" len="med"/>
+            <a:tailEnd type="triangle" w="med" len="med"/>
+          </a:ln>
+        </p:spPr>
+        <p:style>
+          <a:lnRef idx="1">
+            <a:schemeClr val="accent1"/>
+          </a:lnRef>
+          <a:fillRef idx="0">
+            <a:schemeClr val="accent1"/>
+          </a:fillRef>
+          <a:effectRef idx="0">
+            <a:schemeClr val="accent1"/>
+          </a:effectRef>
+          <a:fontRef idx="minor">
+            <a:schemeClr val="tx1"/>
+          </a:fontRef>
+        </p:style>
+      </p:cxnSp>
+      <p:grpSp>
+        <p:nvGrpSpPr>
+          <p:cNvPr id="28" name="그룹 27">
+            <a:extLst>
+              <a:ext uri="{FF2B5EF4-FFF2-40B4-BE49-F238E27FC236}">
+                <a16:creationId xmlns:a16="http://schemas.microsoft.com/office/drawing/2014/main" id="{BCD5A62C-FCC6-49C5-8C06-F1FF85A89F1C}"/>
+              </a:ext>
+            </a:extLst>
+          </p:cNvPr>
+          <p:cNvGrpSpPr/>
+          <p:nvPr/>
+        </p:nvGrpSpPr>
+        <p:grpSpPr>
+          <a:xfrm>
+            <a:off x="6474655" y="4547508"/>
+            <a:ext cx="5126751" cy="1263104"/>
+            <a:chOff x="6360399" y="2169350"/>
+            <a:chExt cx="5126751" cy="1263104"/>
+          </a:xfrm>
+        </p:grpSpPr>
+        <p:sp>
+          <p:nvSpPr>
+            <p:cNvPr id="16" name="직사각형 15">
+              <a:extLst>
+                <a:ext uri="{FF2B5EF4-FFF2-40B4-BE49-F238E27FC236}">
+                  <a16:creationId xmlns:a16="http://schemas.microsoft.com/office/drawing/2014/main" id="{16F6A061-DF93-4D09-8A2B-9E35476CB67B}"/>
+                </a:ext>
+              </a:extLst>
+            </p:cNvPr>
+            <p:cNvSpPr/>
+            <p:nvPr/>
+          </p:nvSpPr>
+          <p:spPr>
+            <a:xfrm>
+              <a:off x="6360399" y="2169350"/>
+              <a:ext cx="5126751" cy="1263104"/>
+            </a:xfrm>
+            <a:prstGeom prst="rect">
+              <a:avLst/>
+            </a:prstGeom>
+            <a:noFill/>
+            <a:ln>
+              <a:solidFill>
+                <a:srgbClr val="153325"/>
+              </a:solidFill>
+            </a:ln>
+          </p:spPr>
+          <p:style>
+            <a:lnRef idx="2">
+              <a:schemeClr val="accent1">
+                <a:shade val="50000"/>
+              </a:schemeClr>
+            </a:lnRef>
+            <a:fillRef idx="1">
+              <a:schemeClr val="accent1"/>
+            </a:fillRef>
+            <a:effectRef idx="0">
+              <a:schemeClr val="accent1"/>
+            </a:effectRef>
+            <a:fontRef idx="minor">
+              <a:schemeClr val="lt1"/>
+            </a:fontRef>
+          </p:style>
+          <p:txBody>
+            <a:bodyPr rtlCol="0" anchor="ctr"/>
+            <a:lstStyle/>
+            <a:p>
+              <a:pPr algn="ctr"/>
+              <a:endParaRPr lang="ko-KR" altLang="en-US">
+                <a:solidFill>
+                  <a:srgbClr val="153325"/>
+                </a:solidFill>
+                <a:latin typeface="프리젠테이션 5 Medium" pitchFamily="2" charset="-127"/>
+                <a:ea typeface="프리젠테이션 5 Medium" pitchFamily="2" charset="-127"/>
+              </a:endParaRPr>
+            </a:p>
+          </p:txBody>
+        </p:sp>
+        <p:sp>
+          <p:nvSpPr>
+            <p:cNvPr id="17" name="TextBox 16">
+              <a:extLst>
+                <a:ext uri="{FF2B5EF4-FFF2-40B4-BE49-F238E27FC236}">
+                  <a16:creationId xmlns:a16="http://schemas.microsoft.com/office/drawing/2014/main" id="{8F74F0E5-0F34-466B-B2C6-B9239D3EAAEE}"/>
+                </a:ext>
+              </a:extLst>
+            </p:cNvPr>
+            <p:cNvSpPr txBox="1"/>
+            <p:nvPr/>
+          </p:nvSpPr>
+          <p:spPr>
+            <a:xfrm>
+              <a:off x="6398216" y="2222698"/>
+              <a:ext cx="4844033" cy="1156407"/>
+            </a:xfrm>
+            <a:prstGeom prst="rect">
+              <a:avLst/>
+            </a:prstGeom>
+            <a:noFill/>
+          </p:spPr>
+          <p:txBody>
+            <a:bodyPr wrap="square">
+              <a:spAutoFit/>
+            </a:bodyPr>
+            <a:lstStyle/>
+            <a:p>
+              <a:pPr marL="285750" indent="-285750">
+                <a:lnSpc>
+                  <a:spcPct val="150000"/>
+                </a:lnSpc>
+                <a:buFont typeface="Arial" panose="020B0604020202020204" pitchFamily="34" charset="0"/>
+                <a:buChar char="•"/>
+              </a:pPr>
+              <a:r>
+                <a:rPr lang="en-US" altLang="ko-KR" sz="1600" dirty="0">
+                  <a:solidFill>
+                    <a:srgbClr val="153325"/>
+                  </a:solidFill>
+                  <a:latin typeface="프리젠테이션 5 Medium" pitchFamily="2" charset="-127"/>
+                  <a:ea typeface="프리젠테이션 5 Medium" pitchFamily="2" charset="-127"/>
+                </a:rPr>
+                <a:t>01Join.html </a:t>
+              </a:r>
+              <a:r>
+                <a:rPr lang="ko-KR" altLang="en-US" sz="1600" dirty="0">
+                  <a:solidFill>
+                    <a:srgbClr val="153325"/>
+                  </a:solidFill>
+                  <a:latin typeface="프리젠테이션 5 Medium" pitchFamily="2" charset="-127"/>
+                  <a:ea typeface="프리젠테이션 5 Medium" pitchFamily="2" charset="-127"/>
+                </a:rPr>
+                <a:t>입력했던 정보들이 유효성 검사를 거쳐 유효하다면 </a:t>
+              </a:r>
+              <a:r>
+                <a:rPr lang="en-US" altLang="ko-KR" sz="1600" dirty="0">
+                  <a:solidFill>
+                    <a:srgbClr val="153325"/>
+                  </a:solidFill>
+                  <a:latin typeface="프리젠테이션 5 Medium" pitchFamily="2" charset="-127"/>
+                  <a:ea typeface="프리젠테이션 5 Medium" pitchFamily="2" charset="-127"/>
+                </a:rPr>
+                <a:t>03Login.jsp </a:t>
+              </a:r>
+              <a:r>
+                <a:rPr lang="ko-KR" altLang="en-US" sz="1600" dirty="0">
+                  <a:solidFill>
+                    <a:srgbClr val="153325"/>
+                  </a:solidFill>
+                  <a:latin typeface="프리젠테이션 5 Medium" pitchFamily="2" charset="-127"/>
+                  <a:ea typeface="프리젠테이션 5 Medium" pitchFamily="2" charset="-127"/>
+                </a:rPr>
+                <a:t>로 이동</a:t>
+              </a:r>
+              <a:endParaRPr lang="en-US" altLang="ko-KR" sz="1600" dirty="0">
+                <a:solidFill>
+                  <a:srgbClr val="153325"/>
+                </a:solidFill>
+                <a:latin typeface="프리젠테이션 5 Medium" pitchFamily="2" charset="-127"/>
+                <a:ea typeface="프리젠테이션 5 Medium" pitchFamily="2" charset="-127"/>
+              </a:endParaRPr>
+            </a:p>
+            <a:p>
+              <a:pPr marL="285750" indent="-285750">
+                <a:lnSpc>
+                  <a:spcPct val="150000"/>
+                </a:lnSpc>
+                <a:buFont typeface="Arial" panose="020B0604020202020204" pitchFamily="34" charset="0"/>
+                <a:buChar char="•"/>
+              </a:pPr>
+              <a:r>
+                <a:rPr lang="en-US" altLang="ko-KR" sz="1600" dirty="0">
+                  <a:solidFill>
+                    <a:srgbClr val="153325"/>
+                  </a:solidFill>
+                  <a:latin typeface="프리젠테이션 5 Medium" pitchFamily="2" charset="-127"/>
+                  <a:ea typeface="프리젠테이션 5 Medium" pitchFamily="2" charset="-127"/>
+                </a:rPr>
+                <a:t>DB</a:t>
+              </a:r>
+              <a:r>
+                <a:rPr lang="ko-KR" altLang="en-US" sz="1600" dirty="0">
+                  <a:solidFill>
+                    <a:srgbClr val="153325"/>
+                  </a:solidFill>
+                  <a:latin typeface="프리젠테이션 5 Medium" pitchFamily="2" charset="-127"/>
+                  <a:ea typeface="프리젠테이션 5 Medium" pitchFamily="2" charset="-127"/>
+                </a:rPr>
+                <a:t>에 연결했기 때문에 입력했던 데이터들이 저장되는 것 확인</a:t>
+              </a:r>
+            </a:p>
+          </p:txBody>
+        </p:sp>
+      </p:grpSp>
+      <p:pic>
+        <p:nvPicPr>
+          <p:cNvPr id="26" name="그림 25">
+            <a:extLst>
+              <a:ext uri="{FF2B5EF4-FFF2-40B4-BE49-F238E27FC236}">
+                <a16:creationId xmlns:a16="http://schemas.microsoft.com/office/drawing/2014/main" id="{D1B91A14-0DF5-451F-8EDF-67BF5A161B72}"/>
+              </a:ext>
+            </a:extLst>
+          </p:cNvPr>
+          <p:cNvPicPr>
+            <a:picLocks noChangeAspect="1"/>
+          </p:cNvPicPr>
+          <p:nvPr/>
+        </p:nvPicPr>
+        <p:blipFill>
+          <a:blip r:embed="rId5"/>
+          <a:stretch>
+            <a:fillRect/>
+          </a:stretch>
+        </p:blipFill>
+        <p:spPr>
+          <a:xfrm>
+            <a:off x="2190198" y="2719276"/>
+            <a:ext cx="6115498" cy="1088418"/>
+          </a:xfrm>
+          <a:prstGeom prst="rect">
+            <a:avLst/>
+          </a:prstGeom>
+        </p:spPr>
+      </p:pic>
+      <p:cxnSp>
+        <p:nvCxnSpPr>
+          <p:cNvPr id="21" name="직선 연결선 20">
+            <a:extLst>
+              <a:ext uri="{FF2B5EF4-FFF2-40B4-BE49-F238E27FC236}">
+                <a16:creationId xmlns:a16="http://schemas.microsoft.com/office/drawing/2014/main" id="{3D165BB3-F7F8-4F1C-9D82-1AFD75074E15}"/>
+              </a:ext>
+            </a:extLst>
+          </p:cNvPr>
+          <p:cNvCxnSpPr>
+            <a:cxnSpLocks/>
+          </p:cNvCxnSpPr>
+          <p:nvPr/>
+        </p:nvCxnSpPr>
+        <p:spPr>
+          <a:xfrm>
+            <a:off x="8417896" y="3999096"/>
+            <a:ext cx="794845" cy="0"/>
+          </a:xfrm>
+          <a:prstGeom prst="line">
+            <a:avLst/>
+          </a:prstGeom>
+          <a:ln w="12700">
+            <a:solidFill>
+              <a:srgbClr val="153325"/>
+            </a:solidFill>
+            <a:prstDash val="dash"/>
+            <a:headEnd type="oval" w="med" len="med"/>
+            <a:tailEnd type="triangle" w="med" len="med"/>
+          </a:ln>
+        </p:spPr>
+        <p:style>
+          <a:lnRef idx="1">
+            <a:schemeClr val="accent1"/>
+          </a:lnRef>
+          <a:fillRef idx="0">
+            <a:schemeClr val="accent1"/>
+          </a:fillRef>
+          <a:effectRef idx="0">
+            <a:schemeClr val="accent1"/>
+          </a:effectRef>
+          <a:fontRef idx="minor">
+            <a:schemeClr val="tx1"/>
+          </a:fontRef>
+        </p:style>
+      </p:cxnSp>
+      <p:pic>
+        <p:nvPicPr>
+          <p:cNvPr id="37" name="그림 36">
+            <a:extLst>
+              <a:ext uri="{FF2B5EF4-FFF2-40B4-BE49-F238E27FC236}">
+                <a16:creationId xmlns:a16="http://schemas.microsoft.com/office/drawing/2014/main" id="{3332876C-2DB7-4010-94B3-3C07EAD1FF6D}"/>
+              </a:ext>
+            </a:extLst>
+          </p:cNvPr>
+          <p:cNvPicPr>
+            <a:picLocks noChangeAspect="1"/>
+          </p:cNvPicPr>
+          <p:nvPr/>
+        </p:nvPicPr>
+        <p:blipFill>
+          <a:blip r:embed="rId6"/>
+          <a:stretch>
+            <a:fillRect/>
+          </a:stretch>
+        </p:blipFill>
+        <p:spPr>
+          <a:xfrm>
+            <a:off x="7719742" y="1069804"/>
+            <a:ext cx="3705495" cy="926374"/>
+          </a:xfrm>
+          <a:prstGeom prst="rect">
+            <a:avLst/>
+          </a:prstGeom>
+        </p:spPr>
+      </p:pic>
+    </p:spTree>
+    <p:extLst>
+      <p:ext uri="{BB962C8B-B14F-4D97-AF65-F5344CB8AC3E}">
+        <p14:creationId xmlns:p14="http://schemas.microsoft.com/office/powerpoint/2010/main" val="3353610284"/>
+      </p:ext>
+    </p:extLst>
+  </p:cSld>
+  <p:clrMapOvr>
+    <a:masterClrMapping/>
+  </p:clrMapOvr>
+</p:sld>
+</file>
+
+<file path=ppt/slides/slide15.xml><?xml version="1.0" encoding="utf-8"?>
+<p:sld xmlns:a="http://schemas.openxmlformats.org/drawingml/2006/main" xmlns:r="http://schemas.openxmlformats.org/officeDocument/2006/relationships" xmlns:p="http://schemas.openxmlformats.org/presentationml/2006/main">
+  <p:cSld>
+    <p:spTree>
+      <p:nvGrpSpPr>
+        <p:cNvPr id="1" name=""/>
+        <p:cNvGrpSpPr/>
+        <p:nvPr/>
+      </p:nvGrpSpPr>
+      <p:grpSpPr>
+        <a:xfrm>
+          <a:off x="0" y="0"/>
+          <a:ext cx="0" cy="0"/>
+          <a:chOff x="0" y="0"/>
+          <a:chExt cx="0" cy="0"/>
+        </a:xfrm>
+      </p:grpSpPr>
+      <p:sp>
+        <p:nvSpPr>
+          <p:cNvPr id="379" name="직사각형 378">
+            <a:extLst>
+              <a:ext uri="{FF2B5EF4-FFF2-40B4-BE49-F238E27FC236}">
+                <a16:creationId xmlns:a16="http://schemas.microsoft.com/office/drawing/2014/main" id="{89EDCCF2-67FF-4902-878B-5B59E256712A}"/>
+              </a:ext>
+            </a:extLst>
+          </p:cNvPr>
+          <p:cNvSpPr/>
+          <p:nvPr/>
+        </p:nvSpPr>
+        <p:spPr>
+          <a:xfrm>
+            <a:off x="766763" y="1309684"/>
+            <a:ext cx="441897" cy="110667"/>
+          </a:xfrm>
+          <a:prstGeom prst="rect">
+            <a:avLst/>
+          </a:prstGeom>
+          <a:solidFill>
+            <a:srgbClr val="22523B"/>
+          </a:solidFill>
+          <a:ln>
+            <a:noFill/>
+          </a:ln>
+        </p:spPr>
+        <p:style>
+          <a:lnRef idx="2">
+            <a:schemeClr val="accent1">
+              <a:shade val="50000"/>
+            </a:schemeClr>
+          </a:lnRef>
+          <a:fillRef idx="1">
+            <a:schemeClr val="accent1"/>
+          </a:fillRef>
+          <a:effectRef idx="0">
+            <a:schemeClr val="accent1"/>
+          </a:effectRef>
+          <a:fontRef idx="minor">
+            <a:schemeClr val="lt1"/>
+          </a:fontRef>
+        </p:style>
+        <p:txBody>
+          <a:bodyPr rtlCol="0" anchor="ctr"/>
+          <a:lstStyle/>
+          <a:p>
+            <a:pPr algn="ctr"/>
+            <a:endParaRPr lang="ko-KR" altLang="en-US" sz="3200">
+              <a:solidFill>
+                <a:srgbClr val="22523B"/>
+              </a:solidFill>
+              <a:latin typeface="프리젠테이션 6 SemiBold" pitchFamily="2" charset="-127"/>
+              <a:ea typeface="프리젠테이션 6 SemiBold" pitchFamily="2" charset="-127"/>
+            </a:endParaRPr>
+          </a:p>
+        </p:txBody>
+      </p:sp>
+      <p:sp>
+        <p:nvSpPr>
+          <p:cNvPr id="380" name="직사각형 379">
+            <a:extLst>
+              <a:ext uri="{FF2B5EF4-FFF2-40B4-BE49-F238E27FC236}">
+                <a16:creationId xmlns:a16="http://schemas.microsoft.com/office/drawing/2014/main" id="{B732467B-EF9A-4DA5-A61F-631A3ECDC898}"/>
+              </a:ext>
+            </a:extLst>
+          </p:cNvPr>
+          <p:cNvSpPr/>
+          <p:nvPr/>
+        </p:nvSpPr>
+        <p:spPr>
+          <a:xfrm>
+            <a:off x="1208660" y="1309684"/>
+            <a:ext cx="3698240" cy="110667"/>
+          </a:xfrm>
+          <a:prstGeom prst="rect">
+            <a:avLst/>
+          </a:prstGeom>
+          <a:solidFill>
+            <a:schemeClr val="bg1">
+              <a:lumMod val="85000"/>
+            </a:schemeClr>
+          </a:solidFill>
+          <a:ln>
+            <a:noFill/>
+          </a:ln>
+        </p:spPr>
+        <p:style>
+          <a:lnRef idx="2">
+            <a:schemeClr val="accent1">
+              <a:shade val="50000"/>
+            </a:schemeClr>
+          </a:lnRef>
+          <a:fillRef idx="1">
+            <a:schemeClr val="accent1"/>
+          </a:fillRef>
+          <a:effectRef idx="0">
+            <a:schemeClr val="accent1"/>
+          </a:effectRef>
+          <a:fontRef idx="minor">
+            <a:schemeClr val="lt1"/>
+          </a:fontRef>
+        </p:style>
+        <p:txBody>
+          <a:bodyPr rtlCol="0" anchor="ctr"/>
+          <a:lstStyle/>
+          <a:p>
+            <a:pPr algn="ctr"/>
+            <a:endParaRPr lang="ko-KR" altLang="en-US" sz="3200">
+              <a:solidFill>
+                <a:srgbClr val="22523B"/>
+              </a:solidFill>
+              <a:latin typeface="프리젠테이션 6 SemiBold" pitchFamily="2" charset="-127"/>
+              <a:ea typeface="프리젠테이션 6 SemiBold" pitchFamily="2" charset="-127"/>
+            </a:endParaRPr>
+          </a:p>
+        </p:txBody>
+      </p:sp>
+      <p:sp>
+        <p:nvSpPr>
+          <p:cNvPr id="392" name="TextBox 391">
+            <a:extLst>
+              <a:ext uri="{FF2B5EF4-FFF2-40B4-BE49-F238E27FC236}">
+                <a16:creationId xmlns:a16="http://schemas.microsoft.com/office/drawing/2014/main" id="{15964DE4-BD91-405F-BD55-33A86BA3C252}"/>
               </a:ext>
             </a:extLst>
           </p:cNvPr>
@@ -5191,7 +6772,392 @@
         </p:nvSpPr>
         <p:spPr>
           <a:xfrm>
-            <a:off x="766763" y="1365017"/>
+            <a:off x="678859" y="564298"/>
+            <a:ext cx="4734045" cy="646331"/>
+          </a:xfrm>
+          <a:prstGeom prst="rect">
+            <a:avLst/>
+          </a:prstGeom>
+          <a:noFill/>
+        </p:spPr>
+        <p:txBody>
+          <a:bodyPr wrap="square" rtlCol="0">
+            <a:spAutoFit/>
+          </a:bodyPr>
+          <a:lstStyle/>
+          <a:p>
+            <a:r>
+              <a:rPr lang="en-US" altLang="ko-KR" sz="3600" dirty="0">
+                <a:solidFill>
+                  <a:srgbClr val="22523B"/>
+                </a:solidFill>
+                <a:latin typeface="프리젠테이션 6 SemiBold" pitchFamily="2" charset="-127"/>
+                <a:ea typeface="프리젠테이션 6 SemiBold" pitchFamily="2" charset="-127"/>
+                <a:cs typeface="코트라 볼드체" panose="02020603020101020101" pitchFamily="18" charset="-127"/>
+              </a:rPr>
+              <a:t>03. </a:t>
+            </a:r>
+            <a:r>
+              <a:rPr lang="en-US" altLang="ko-KR" sz="3600" dirty="0">
+                <a:solidFill>
+                  <a:srgbClr val="22523B"/>
+                </a:solidFill>
+                <a:effectLst>
+                  <a:outerShdw blurRad="50800" dist="38100" dir="2700000" algn="tl" rotWithShape="0">
+                    <a:prstClr val="black">
+                      <a:alpha val="40000"/>
+                    </a:prstClr>
+                  </a:outerShdw>
+                </a:effectLst>
+                <a:latin typeface="프리젠테이션 6 SemiBold" pitchFamily="2" charset="-127"/>
+                <a:ea typeface="프리젠테이션 6 SemiBold" pitchFamily="2" charset="-127"/>
+              </a:rPr>
+              <a:t>02.Join.jsp</a:t>
+            </a:r>
+            <a:endParaRPr lang="ko-KR" altLang="en-US" sz="3600" dirty="0">
+              <a:solidFill>
+                <a:srgbClr val="22523B"/>
+              </a:solidFill>
+              <a:effectLst>
+                <a:outerShdw blurRad="50800" dist="38100" dir="2700000" algn="tl" rotWithShape="0">
+                  <a:prstClr val="black">
+                    <a:alpha val="40000"/>
+                  </a:prstClr>
+                </a:outerShdw>
+              </a:effectLst>
+              <a:latin typeface="프리젠테이션 6 SemiBold" pitchFamily="2" charset="-127"/>
+              <a:ea typeface="프리젠테이션 6 SemiBold" pitchFamily="2" charset="-127"/>
+            </a:endParaRPr>
+          </a:p>
+        </p:txBody>
+      </p:sp>
+      <p:grpSp>
+        <p:nvGrpSpPr>
+          <p:cNvPr id="28" name="그룹 27">
+            <a:extLst>
+              <a:ext uri="{FF2B5EF4-FFF2-40B4-BE49-F238E27FC236}">
+                <a16:creationId xmlns:a16="http://schemas.microsoft.com/office/drawing/2014/main" id="{BCD5A62C-FCC6-49C5-8C06-F1FF85A89F1C}"/>
+              </a:ext>
+            </a:extLst>
+          </p:cNvPr>
+          <p:cNvGrpSpPr/>
+          <p:nvPr/>
+        </p:nvGrpSpPr>
+        <p:grpSpPr>
+          <a:xfrm>
+            <a:off x="6895725" y="5073136"/>
+            <a:ext cx="5126751" cy="1263104"/>
+            <a:chOff x="6360399" y="2169350"/>
+            <a:chExt cx="5126751" cy="1263104"/>
+          </a:xfrm>
+        </p:grpSpPr>
+        <p:sp>
+          <p:nvSpPr>
+            <p:cNvPr id="16" name="직사각형 15">
+              <a:extLst>
+                <a:ext uri="{FF2B5EF4-FFF2-40B4-BE49-F238E27FC236}">
+                  <a16:creationId xmlns:a16="http://schemas.microsoft.com/office/drawing/2014/main" id="{16F6A061-DF93-4D09-8A2B-9E35476CB67B}"/>
+                </a:ext>
+              </a:extLst>
+            </p:cNvPr>
+            <p:cNvSpPr/>
+            <p:nvPr/>
+          </p:nvSpPr>
+          <p:spPr>
+            <a:xfrm>
+              <a:off x="6360399" y="2169350"/>
+              <a:ext cx="5126751" cy="1263104"/>
+            </a:xfrm>
+            <a:prstGeom prst="rect">
+              <a:avLst/>
+            </a:prstGeom>
+            <a:noFill/>
+            <a:ln>
+              <a:solidFill>
+                <a:srgbClr val="153325"/>
+              </a:solidFill>
+            </a:ln>
+          </p:spPr>
+          <p:style>
+            <a:lnRef idx="2">
+              <a:schemeClr val="accent1">
+                <a:shade val="50000"/>
+              </a:schemeClr>
+            </a:lnRef>
+            <a:fillRef idx="1">
+              <a:schemeClr val="accent1"/>
+            </a:fillRef>
+            <a:effectRef idx="0">
+              <a:schemeClr val="accent1"/>
+            </a:effectRef>
+            <a:fontRef idx="minor">
+              <a:schemeClr val="lt1"/>
+            </a:fontRef>
+          </p:style>
+          <p:txBody>
+            <a:bodyPr rtlCol="0" anchor="ctr"/>
+            <a:lstStyle/>
+            <a:p>
+              <a:pPr algn="ctr"/>
+              <a:endParaRPr lang="ko-KR" altLang="en-US">
+                <a:solidFill>
+                  <a:srgbClr val="153325"/>
+                </a:solidFill>
+                <a:latin typeface="프리젠테이션 5 Medium" pitchFamily="2" charset="-127"/>
+                <a:ea typeface="프리젠테이션 5 Medium" pitchFamily="2" charset="-127"/>
+              </a:endParaRPr>
+            </a:p>
+          </p:txBody>
+        </p:sp>
+        <p:sp>
+          <p:nvSpPr>
+            <p:cNvPr id="17" name="TextBox 16">
+              <a:extLst>
+                <a:ext uri="{FF2B5EF4-FFF2-40B4-BE49-F238E27FC236}">
+                  <a16:creationId xmlns:a16="http://schemas.microsoft.com/office/drawing/2014/main" id="{8F74F0E5-0F34-466B-B2C6-B9239D3EAAEE}"/>
+                </a:ext>
+              </a:extLst>
+            </p:cNvPr>
+            <p:cNvSpPr txBox="1"/>
+            <p:nvPr/>
+          </p:nvSpPr>
+          <p:spPr>
+            <a:xfrm>
+              <a:off x="6501757" y="2404242"/>
+              <a:ext cx="4844033" cy="787075"/>
+            </a:xfrm>
+            <a:prstGeom prst="rect">
+              <a:avLst/>
+            </a:prstGeom>
+            <a:noFill/>
+          </p:spPr>
+          <p:txBody>
+            <a:bodyPr wrap="square">
+              <a:spAutoFit/>
+            </a:bodyPr>
+            <a:lstStyle/>
+            <a:p>
+              <a:pPr marL="285750" indent="-285750">
+                <a:lnSpc>
+                  <a:spcPct val="150000"/>
+                </a:lnSpc>
+                <a:buFont typeface="Arial" panose="020B0604020202020204" pitchFamily="34" charset="0"/>
+                <a:buChar char="•"/>
+              </a:pPr>
+              <a:r>
+                <a:rPr lang="en-US" altLang="ko-KR" sz="1600" dirty="0" err="1">
+                  <a:solidFill>
+                    <a:srgbClr val="153325"/>
+                  </a:solidFill>
+                  <a:latin typeface="프리젠테이션 5 Medium" pitchFamily="2" charset="-127"/>
+                  <a:ea typeface="프리젠테이션 5 Medium" pitchFamily="2" charset="-127"/>
+                </a:rPr>
+                <a:t>UserId</a:t>
+              </a:r>
+              <a:r>
+                <a:rPr lang="ko-KR" altLang="en-US" sz="1600" dirty="0">
+                  <a:solidFill>
+                    <a:srgbClr val="153325"/>
+                  </a:solidFill>
+                  <a:latin typeface="프리젠테이션 5 Medium" pitchFamily="2" charset="-127"/>
+                  <a:ea typeface="프리젠테이션 5 Medium" pitchFamily="2" charset="-127"/>
+                </a:rPr>
+                <a:t>가 </a:t>
+              </a:r>
+              <a:r>
+                <a:rPr lang="en-US" altLang="ko-KR" sz="1600" dirty="0">
+                  <a:solidFill>
+                    <a:srgbClr val="153325"/>
+                  </a:solidFill>
+                  <a:latin typeface="프리젠테이션 5 Medium" pitchFamily="2" charset="-127"/>
+                  <a:ea typeface="프리젠테이션 5 Medium" pitchFamily="2" charset="-127"/>
+                </a:rPr>
+                <a:t>DB</a:t>
+              </a:r>
+              <a:r>
+                <a:rPr lang="ko-KR" altLang="en-US" sz="1600" dirty="0">
+                  <a:solidFill>
+                    <a:srgbClr val="153325"/>
+                  </a:solidFill>
+                  <a:latin typeface="프리젠테이션 5 Medium" pitchFamily="2" charset="-127"/>
+                  <a:ea typeface="프리젠테이션 5 Medium" pitchFamily="2" charset="-127"/>
+                </a:rPr>
+                <a:t>에 저장된 내용과 일치한다면 </a:t>
+              </a:r>
+              <a:br>
+                <a:rPr lang="en-US" altLang="ko-KR" sz="1600" dirty="0">
+                  <a:solidFill>
+                    <a:srgbClr val="153325"/>
+                  </a:solidFill>
+                  <a:latin typeface="프리젠테이션 5 Medium" pitchFamily="2" charset="-127"/>
+                  <a:ea typeface="프리젠테이션 5 Medium" pitchFamily="2" charset="-127"/>
+                </a:rPr>
+              </a:br>
+              <a:r>
+                <a:rPr lang="ko-KR" altLang="en-US" sz="1600" dirty="0">
+                  <a:solidFill>
+                    <a:srgbClr val="153325"/>
+                  </a:solidFill>
+                  <a:latin typeface="프리젠테이션 5 Medium" pitchFamily="2" charset="-127"/>
+                  <a:ea typeface="프리젠테이션 5 Medium" pitchFamily="2" charset="-127"/>
+                </a:rPr>
+                <a:t>기존 계정 존재한다는 메시지 </a:t>
+              </a:r>
+            </a:p>
+          </p:txBody>
+        </p:sp>
+      </p:grpSp>
+      <p:pic>
+        <p:nvPicPr>
+          <p:cNvPr id="37" name="그림 36">
+            <a:extLst>
+              <a:ext uri="{FF2B5EF4-FFF2-40B4-BE49-F238E27FC236}">
+                <a16:creationId xmlns:a16="http://schemas.microsoft.com/office/drawing/2014/main" id="{3332876C-2DB7-4010-94B3-3C07EAD1FF6D}"/>
+              </a:ext>
+            </a:extLst>
+          </p:cNvPr>
+          <p:cNvPicPr>
+            <a:picLocks noChangeAspect="1"/>
+          </p:cNvPicPr>
+          <p:nvPr/>
+        </p:nvPicPr>
+        <p:blipFill>
+          <a:blip r:embed="rId2"/>
+          <a:stretch>
+            <a:fillRect/>
+          </a:stretch>
+        </p:blipFill>
+        <p:spPr>
+          <a:xfrm>
+            <a:off x="6968934" y="3429000"/>
+            <a:ext cx="2955389" cy="738847"/>
+          </a:xfrm>
+          <a:prstGeom prst="rect">
+            <a:avLst/>
+          </a:prstGeom>
+        </p:spPr>
+      </p:pic>
+      <p:pic>
+        <p:nvPicPr>
+          <p:cNvPr id="18" name="그림 17">
+            <a:extLst>
+              <a:ext uri="{FF2B5EF4-FFF2-40B4-BE49-F238E27FC236}">
+                <a16:creationId xmlns:a16="http://schemas.microsoft.com/office/drawing/2014/main" id="{B5572FE0-921B-4598-8F17-7BAE81A84D86}"/>
+              </a:ext>
+            </a:extLst>
+          </p:cNvPr>
+          <p:cNvPicPr>
+            <a:picLocks noChangeAspect="1"/>
+          </p:cNvPicPr>
+          <p:nvPr/>
+        </p:nvPicPr>
+        <p:blipFill>
+          <a:blip r:embed="rId3"/>
+          <a:stretch>
+            <a:fillRect/>
+          </a:stretch>
+        </p:blipFill>
+        <p:spPr>
+          <a:xfrm>
+            <a:off x="522167" y="2878021"/>
+            <a:ext cx="5950541" cy="2445428"/>
+          </a:xfrm>
+          <a:prstGeom prst="rect">
+            <a:avLst/>
+          </a:prstGeom>
+        </p:spPr>
+      </p:pic>
+      <p:pic>
+        <p:nvPicPr>
+          <p:cNvPr id="5" name="그림 4">
+            <a:extLst>
+              <a:ext uri="{FF2B5EF4-FFF2-40B4-BE49-F238E27FC236}">
+                <a16:creationId xmlns:a16="http://schemas.microsoft.com/office/drawing/2014/main" id="{000CDD5F-74B0-4914-AFEF-65DCE88F0135}"/>
+              </a:ext>
+            </a:extLst>
+          </p:cNvPr>
+          <p:cNvPicPr>
+            <a:picLocks noChangeAspect="1"/>
+          </p:cNvPicPr>
+          <p:nvPr/>
+        </p:nvPicPr>
+        <p:blipFill>
+          <a:blip r:embed="rId4"/>
+          <a:stretch>
+            <a:fillRect/>
+          </a:stretch>
+        </p:blipFill>
+        <p:spPr>
+          <a:xfrm>
+            <a:off x="4654839" y="2287577"/>
+            <a:ext cx="2053580" cy="4206443"/>
+          </a:xfrm>
+          <a:prstGeom prst="rect">
+            <a:avLst/>
+          </a:prstGeom>
+        </p:spPr>
+      </p:pic>
+      <p:cxnSp>
+        <p:nvCxnSpPr>
+          <p:cNvPr id="15" name="직선 연결선 14">
+            <a:extLst>
+              <a:ext uri="{FF2B5EF4-FFF2-40B4-BE49-F238E27FC236}">
+                <a16:creationId xmlns:a16="http://schemas.microsoft.com/office/drawing/2014/main" id="{93014C50-C646-4B88-9656-D4BB1DEAA727}"/>
+              </a:ext>
+            </a:extLst>
+          </p:cNvPr>
+          <p:cNvCxnSpPr>
+            <a:cxnSpLocks/>
+          </p:cNvCxnSpPr>
+          <p:nvPr/>
+        </p:nvCxnSpPr>
+        <p:spPr>
+          <a:xfrm>
+            <a:off x="7910818" y="4167847"/>
+            <a:ext cx="855679" cy="899044"/>
+          </a:xfrm>
+          <a:prstGeom prst="line">
+            <a:avLst/>
+          </a:prstGeom>
+          <a:ln>
+            <a:solidFill>
+              <a:srgbClr val="153325"/>
+            </a:solidFill>
+            <a:prstDash val="dash"/>
+            <a:headEnd type="oval" w="med" len="med"/>
+            <a:tailEnd type="triangle" w="med" len="med"/>
+          </a:ln>
+        </p:spPr>
+        <p:style>
+          <a:lnRef idx="1">
+            <a:schemeClr val="accent1"/>
+          </a:lnRef>
+          <a:fillRef idx="0">
+            <a:schemeClr val="accent1"/>
+          </a:fillRef>
+          <a:effectRef idx="0">
+            <a:schemeClr val="accent1"/>
+          </a:effectRef>
+          <a:fontRef idx="minor">
+            <a:schemeClr val="tx1"/>
+          </a:fontRef>
+        </p:style>
+      </p:cxnSp>
+      <p:sp>
+        <p:nvSpPr>
+          <p:cNvPr id="22" name="TextBox 21">
+            <a:extLst>
+              <a:ext uri="{FF2B5EF4-FFF2-40B4-BE49-F238E27FC236}">
+                <a16:creationId xmlns:a16="http://schemas.microsoft.com/office/drawing/2014/main" id="{C2DB7BE2-E9C1-478B-9F16-3AB1E05752C0}"/>
+              </a:ext>
+            </a:extLst>
+          </p:cNvPr>
+          <p:cNvSpPr txBox="1"/>
+          <p:nvPr/>
+        </p:nvSpPr>
+        <p:spPr>
+          <a:xfrm>
+            <a:off x="690757" y="1420351"/>
             <a:ext cx="4734045" cy="1229567"/>
           </a:xfrm>
           <a:prstGeom prst="rect">
@@ -5213,54 +7179,54 @@
               <a:buChar char="•"/>
             </a:pPr>
             <a:r>
-              <a:rPr lang="ko-KR" altLang="en-US" sz="2000" dirty="0">
+              <a:rPr lang="en-US" altLang="ko-KR" sz="2000" dirty="0" err="1">
                 <a:solidFill>
                   <a:srgbClr val="22523B"/>
                 </a:solidFill>
                 <a:latin typeface="프리젠테이션 6 SemiBold" pitchFamily="2" charset="-127"/>
                 <a:ea typeface="프리젠테이션 6 SemiBold" pitchFamily="2" charset="-127"/>
               </a:rPr>
-              <a:t>문제 발생 </a:t>
-            </a:r>
-            <a:r>
-              <a:rPr lang="en-US" altLang="ko-KR" sz="2000" dirty="0">
+              <a:t>UserId</a:t>
+            </a:r>
+            <a:r>
+              <a:rPr lang="ko-KR" altLang="en-US" sz="2000" dirty="0">
                 <a:solidFill>
                   <a:srgbClr val="22523B"/>
                 </a:solidFill>
                 <a:latin typeface="프리젠테이션 6 SemiBold" pitchFamily="2" charset="-127"/>
                 <a:ea typeface="프리젠테이션 6 SemiBold" pitchFamily="2" charset="-127"/>
               </a:rPr>
-              <a:t>ROLLBACK </a:t>
-            </a:r>
-            <a:r>
-              <a:rPr lang="en-US" altLang="ko-KR" sz="2000" dirty="0" err="1">
+              <a:t>가 </a:t>
+            </a:r>
+            <a:r>
+              <a:rPr lang="en-US" altLang="ko-KR" sz="2000" dirty="0">
                 <a:solidFill>
                   <a:srgbClr val="22523B"/>
                 </a:solidFill>
                 <a:latin typeface="프리젠테이션 6 SemiBold" pitchFamily="2" charset="-127"/>
                 <a:ea typeface="프리젠테이션 6 SemiBold" pitchFamily="2" charset="-127"/>
               </a:rPr>
-              <a:t>system.out</a:t>
-            </a:r>
-            <a:r>
-              <a:rPr lang="en-US" altLang="ko-KR" sz="2000" dirty="0">
+              <a:t>DB</a:t>
+            </a:r>
+            <a:r>
+              <a:rPr lang="ko-KR" altLang="en-US" sz="2000" dirty="0">
                 <a:solidFill>
                   <a:srgbClr val="22523B"/>
                 </a:solidFill>
                 <a:latin typeface="프리젠테이션 6 SemiBold" pitchFamily="2" charset="-127"/>
                 <a:ea typeface="프리젠테이션 6 SemiBold" pitchFamily="2" charset="-127"/>
               </a:rPr>
-              <a:t> </a:t>
-            </a:r>
-            <a:r>
-              <a:rPr lang="ko-KR" altLang="en-US" sz="2000" dirty="0">
+              <a:t>에 저장된 내용과 </a:t>
+            </a:r>
+            <a:r>
+              <a:rPr lang="ko-KR" altLang="en-US" sz="2000" dirty="0" err="1">
                 <a:solidFill>
                   <a:srgbClr val="22523B"/>
                 </a:solidFill>
                 <a:latin typeface="프리젠테이션 6 SemiBold" pitchFamily="2" charset="-127"/>
                 <a:ea typeface="프리젠테이션 6 SemiBold" pitchFamily="2" charset="-127"/>
               </a:rPr>
-              <a:t>출력</a:t>
+              <a:t>일치시</a:t>
             </a:r>
             <a:endParaRPr lang="en-US" altLang="ko-KR" sz="2000" dirty="0">
               <a:solidFill>
@@ -5278,26 +7244,6 @@
               <a:buFont typeface="Arial" panose="020B0604020202020204" pitchFamily="34" charset="0"/>
               <a:buChar char="•"/>
             </a:pPr>
-            <a:r>
-              <a:rPr lang="en-US" altLang="ko-KR" sz="2000" dirty="0">
-                <a:solidFill>
-                  <a:srgbClr val="22523B"/>
-                </a:solidFill>
-                <a:latin typeface="프리젠테이션 6 SemiBold" pitchFamily="2" charset="-127"/>
-                <a:ea typeface="프리젠테이션 6 SemiBold" pitchFamily="2" charset="-127"/>
-              </a:rPr>
-              <a:t>TX ROLLBACK </a:t>
-            </a:r>
-            <a:r>
-              <a:rPr lang="ko-KR" altLang="en-US" sz="2000" dirty="0">
-                <a:solidFill>
-                  <a:srgbClr val="22523B"/>
-                </a:solidFill>
-                <a:latin typeface="프리젠테이션 6 SemiBold" pitchFamily="2" charset="-127"/>
-                <a:ea typeface="프리젠테이션 6 SemiBold" pitchFamily="2" charset="-127"/>
-              </a:rPr>
-              <a:t>처리</a:t>
-            </a:r>
             <a:endParaRPr lang="en-US" altLang="ko-KR" sz="2000" dirty="0">
               <a:solidFill>
                 <a:srgbClr val="22523B"/>
@@ -5308,6 +7254,448 @@
           </a:p>
         </p:txBody>
       </p:sp>
+    </p:spTree>
+    <p:extLst>
+      <p:ext uri="{BB962C8B-B14F-4D97-AF65-F5344CB8AC3E}">
+        <p14:creationId xmlns:p14="http://schemas.microsoft.com/office/powerpoint/2010/main" val="2182052316"/>
+      </p:ext>
+    </p:extLst>
+  </p:cSld>
+  <p:clrMapOvr>
+    <a:masterClrMapping/>
+  </p:clrMapOvr>
+</p:sld>
+</file>
+
+<file path=ppt/slides/slide16.xml><?xml version="1.0" encoding="utf-8"?>
+<p:sld xmlns:a="http://schemas.openxmlformats.org/drawingml/2006/main" xmlns:r="http://schemas.openxmlformats.org/officeDocument/2006/relationships" xmlns:p="http://schemas.openxmlformats.org/presentationml/2006/main">
+  <p:cSld>
+    <p:spTree>
+      <p:nvGrpSpPr>
+        <p:cNvPr id="1" name=""/>
+        <p:cNvGrpSpPr/>
+        <p:nvPr/>
+      </p:nvGrpSpPr>
+      <p:grpSpPr>
+        <a:xfrm>
+          <a:off x="0" y="0"/>
+          <a:ext cx="0" cy="0"/>
+          <a:chOff x="0" y="0"/>
+          <a:chExt cx="0" cy="0"/>
+        </a:xfrm>
+      </p:grpSpPr>
+      <p:sp>
+        <p:nvSpPr>
+          <p:cNvPr id="379" name="직사각형 378">
+            <a:extLst>
+              <a:ext uri="{FF2B5EF4-FFF2-40B4-BE49-F238E27FC236}">
+                <a16:creationId xmlns:a16="http://schemas.microsoft.com/office/drawing/2014/main" id="{89EDCCF2-67FF-4902-878B-5B59E256712A}"/>
+              </a:ext>
+            </a:extLst>
+          </p:cNvPr>
+          <p:cNvSpPr/>
+          <p:nvPr/>
+        </p:nvSpPr>
+        <p:spPr>
+          <a:xfrm>
+            <a:off x="766763" y="1309684"/>
+            <a:ext cx="441897" cy="110667"/>
+          </a:xfrm>
+          <a:prstGeom prst="rect">
+            <a:avLst/>
+          </a:prstGeom>
+          <a:solidFill>
+            <a:srgbClr val="22523B"/>
+          </a:solidFill>
+          <a:ln>
+            <a:noFill/>
+          </a:ln>
+        </p:spPr>
+        <p:style>
+          <a:lnRef idx="2">
+            <a:schemeClr val="accent1">
+              <a:shade val="50000"/>
+            </a:schemeClr>
+          </a:lnRef>
+          <a:fillRef idx="1">
+            <a:schemeClr val="accent1"/>
+          </a:fillRef>
+          <a:effectRef idx="0">
+            <a:schemeClr val="accent1"/>
+          </a:effectRef>
+          <a:fontRef idx="minor">
+            <a:schemeClr val="lt1"/>
+          </a:fontRef>
+        </p:style>
+        <p:txBody>
+          <a:bodyPr rtlCol="0" anchor="ctr"/>
+          <a:lstStyle/>
+          <a:p>
+            <a:pPr algn="ctr"/>
+            <a:endParaRPr lang="ko-KR" altLang="en-US" sz="3200">
+              <a:solidFill>
+                <a:srgbClr val="22523B"/>
+              </a:solidFill>
+              <a:latin typeface="프리젠테이션 6 SemiBold" pitchFamily="2" charset="-127"/>
+              <a:ea typeface="프리젠테이션 6 SemiBold" pitchFamily="2" charset="-127"/>
+            </a:endParaRPr>
+          </a:p>
+        </p:txBody>
+      </p:sp>
+      <p:sp>
+        <p:nvSpPr>
+          <p:cNvPr id="380" name="직사각형 379">
+            <a:extLst>
+              <a:ext uri="{FF2B5EF4-FFF2-40B4-BE49-F238E27FC236}">
+                <a16:creationId xmlns:a16="http://schemas.microsoft.com/office/drawing/2014/main" id="{B732467B-EF9A-4DA5-A61F-631A3ECDC898}"/>
+              </a:ext>
+            </a:extLst>
+          </p:cNvPr>
+          <p:cNvSpPr/>
+          <p:nvPr/>
+        </p:nvSpPr>
+        <p:spPr>
+          <a:xfrm>
+            <a:off x="1208660" y="1309684"/>
+            <a:ext cx="3698240" cy="110667"/>
+          </a:xfrm>
+          <a:prstGeom prst="rect">
+            <a:avLst/>
+          </a:prstGeom>
+          <a:solidFill>
+            <a:schemeClr val="bg1">
+              <a:lumMod val="85000"/>
+            </a:schemeClr>
+          </a:solidFill>
+          <a:ln>
+            <a:noFill/>
+          </a:ln>
+        </p:spPr>
+        <p:style>
+          <a:lnRef idx="2">
+            <a:schemeClr val="accent1">
+              <a:shade val="50000"/>
+            </a:schemeClr>
+          </a:lnRef>
+          <a:fillRef idx="1">
+            <a:schemeClr val="accent1"/>
+          </a:fillRef>
+          <a:effectRef idx="0">
+            <a:schemeClr val="accent1"/>
+          </a:effectRef>
+          <a:fontRef idx="minor">
+            <a:schemeClr val="lt1"/>
+          </a:fontRef>
+        </p:style>
+        <p:txBody>
+          <a:bodyPr rtlCol="0" anchor="ctr"/>
+          <a:lstStyle/>
+          <a:p>
+            <a:pPr algn="ctr"/>
+            <a:endParaRPr lang="ko-KR" altLang="en-US" sz="3200">
+              <a:solidFill>
+                <a:srgbClr val="22523B"/>
+              </a:solidFill>
+              <a:latin typeface="프리젠테이션 6 SemiBold" pitchFamily="2" charset="-127"/>
+              <a:ea typeface="프리젠테이션 6 SemiBold" pitchFamily="2" charset="-127"/>
+            </a:endParaRPr>
+          </a:p>
+        </p:txBody>
+      </p:sp>
+      <p:sp>
+        <p:nvSpPr>
+          <p:cNvPr id="392" name="TextBox 391">
+            <a:extLst>
+              <a:ext uri="{FF2B5EF4-FFF2-40B4-BE49-F238E27FC236}">
+                <a16:creationId xmlns:a16="http://schemas.microsoft.com/office/drawing/2014/main" id="{15964DE4-BD91-405F-BD55-33A86BA3C252}"/>
+              </a:ext>
+            </a:extLst>
+          </p:cNvPr>
+          <p:cNvSpPr txBox="1"/>
+          <p:nvPr/>
+        </p:nvSpPr>
+        <p:spPr>
+          <a:xfrm>
+            <a:off x="678859" y="564298"/>
+            <a:ext cx="4734045" cy="646331"/>
+          </a:xfrm>
+          <a:prstGeom prst="rect">
+            <a:avLst/>
+          </a:prstGeom>
+          <a:noFill/>
+        </p:spPr>
+        <p:txBody>
+          <a:bodyPr wrap="square" rtlCol="0">
+            <a:spAutoFit/>
+          </a:bodyPr>
+          <a:lstStyle/>
+          <a:p>
+            <a:r>
+              <a:rPr lang="en-US" altLang="ko-KR" sz="3600" dirty="0">
+                <a:solidFill>
+                  <a:srgbClr val="22523B"/>
+                </a:solidFill>
+                <a:latin typeface="프리젠테이션 6 SemiBold" pitchFamily="2" charset="-127"/>
+                <a:ea typeface="프리젠테이션 6 SemiBold" pitchFamily="2" charset="-127"/>
+                <a:cs typeface="코트라 볼드체" panose="02020603020101020101" pitchFamily="18" charset="-127"/>
+              </a:rPr>
+              <a:t>03. </a:t>
+            </a:r>
+            <a:r>
+              <a:rPr lang="en-US" altLang="ko-KR" sz="3600" dirty="0">
+                <a:solidFill>
+                  <a:srgbClr val="22523B"/>
+                </a:solidFill>
+                <a:effectLst>
+                  <a:outerShdw blurRad="50800" dist="38100" dir="2700000" algn="tl" rotWithShape="0">
+                    <a:prstClr val="black">
+                      <a:alpha val="40000"/>
+                    </a:prstClr>
+                  </a:outerShdw>
+                </a:effectLst>
+                <a:latin typeface="프리젠테이션 6 SemiBold" pitchFamily="2" charset="-127"/>
+                <a:ea typeface="프리젠테이션 6 SemiBold" pitchFamily="2" charset="-127"/>
+              </a:rPr>
+              <a:t>02.Join.jsp</a:t>
+            </a:r>
+            <a:endParaRPr lang="ko-KR" altLang="en-US" sz="3600" dirty="0">
+              <a:solidFill>
+                <a:srgbClr val="22523B"/>
+              </a:solidFill>
+              <a:effectLst>
+                <a:outerShdw blurRad="50800" dist="38100" dir="2700000" algn="tl" rotWithShape="0">
+                  <a:prstClr val="black">
+                    <a:alpha val="40000"/>
+                  </a:prstClr>
+                </a:outerShdw>
+              </a:effectLst>
+              <a:latin typeface="프리젠테이션 6 SemiBold" pitchFamily="2" charset="-127"/>
+              <a:ea typeface="프리젠테이션 6 SemiBold" pitchFamily="2" charset="-127"/>
+            </a:endParaRPr>
+          </a:p>
+        </p:txBody>
+      </p:sp>
+      <p:sp>
+        <p:nvSpPr>
+          <p:cNvPr id="6" name="TextBox 5">
+            <a:extLst>
+              <a:ext uri="{FF2B5EF4-FFF2-40B4-BE49-F238E27FC236}">
+                <a16:creationId xmlns:a16="http://schemas.microsoft.com/office/drawing/2014/main" id="{60A036F9-BDD2-4379-9FF7-368FDF551A8B}"/>
+              </a:ext>
+            </a:extLst>
+          </p:cNvPr>
+          <p:cNvSpPr txBox="1"/>
+          <p:nvPr/>
+        </p:nvSpPr>
+        <p:spPr>
+          <a:xfrm>
+            <a:off x="766763" y="1365017"/>
+            <a:ext cx="4734045" cy="1229567"/>
+          </a:xfrm>
+          <a:prstGeom prst="rect">
+            <a:avLst/>
+          </a:prstGeom>
+          <a:noFill/>
+        </p:spPr>
+        <p:txBody>
+          <a:bodyPr wrap="square" rtlCol="0">
+            <a:spAutoFit/>
+          </a:bodyPr>
+          <a:lstStyle/>
+          <a:p>
+            <a:pPr marL="342900" indent="-342900">
+              <a:lnSpc>
+                <a:spcPct val="200000"/>
+              </a:lnSpc>
+              <a:buFont typeface="Arial" panose="020B0604020202020204" pitchFamily="34" charset="0"/>
+              <a:buChar char="•"/>
+            </a:pPr>
+            <a:r>
+              <a:rPr lang="ko-KR" altLang="en-US" sz="2000" dirty="0">
+                <a:solidFill>
+                  <a:srgbClr val="22523B"/>
+                </a:solidFill>
+                <a:latin typeface="프리젠테이션 6 SemiBold" pitchFamily="2" charset="-127"/>
+                <a:ea typeface="프리젠테이션 6 SemiBold" pitchFamily="2" charset="-127"/>
+              </a:rPr>
+              <a:t>문제 발생 </a:t>
+            </a:r>
+            <a:r>
+              <a:rPr lang="en-US" altLang="ko-KR" sz="2000" dirty="0">
+                <a:solidFill>
+                  <a:srgbClr val="22523B"/>
+                </a:solidFill>
+                <a:latin typeface="프리젠테이션 6 SemiBold" pitchFamily="2" charset="-127"/>
+                <a:ea typeface="프리젠테이션 6 SemiBold" pitchFamily="2" charset="-127"/>
+              </a:rPr>
+              <a:t>ROLLBACK </a:t>
+            </a:r>
+            <a:r>
+              <a:rPr lang="en-US" altLang="ko-KR" sz="2000" dirty="0" err="1">
+                <a:solidFill>
+                  <a:srgbClr val="22523B"/>
+                </a:solidFill>
+                <a:latin typeface="프리젠테이션 6 SemiBold" pitchFamily="2" charset="-127"/>
+                <a:ea typeface="프리젠테이션 6 SemiBold" pitchFamily="2" charset="-127"/>
+              </a:rPr>
+              <a:t>System.out</a:t>
+            </a:r>
+            <a:r>
+              <a:rPr lang="en-US" altLang="ko-KR" sz="2000" dirty="0">
+                <a:solidFill>
+                  <a:srgbClr val="22523B"/>
+                </a:solidFill>
+                <a:latin typeface="프리젠테이션 6 SemiBold" pitchFamily="2" charset="-127"/>
+                <a:ea typeface="프리젠테이션 6 SemiBold" pitchFamily="2" charset="-127"/>
+              </a:rPr>
+              <a:t> </a:t>
+            </a:r>
+            <a:r>
+              <a:rPr lang="ko-KR" altLang="en-US" sz="2000" dirty="0">
+                <a:solidFill>
+                  <a:srgbClr val="22523B"/>
+                </a:solidFill>
+                <a:latin typeface="프리젠테이션 6 SemiBold" pitchFamily="2" charset="-127"/>
+                <a:ea typeface="프리젠테이션 6 SemiBold" pitchFamily="2" charset="-127"/>
+              </a:rPr>
+              <a:t>출력</a:t>
+            </a:r>
+            <a:endParaRPr lang="en-US" altLang="ko-KR" sz="2000" dirty="0">
+              <a:solidFill>
+                <a:srgbClr val="22523B"/>
+              </a:solidFill>
+              <a:latin typeface="프리젠테이션 6 SemiBold" pitchFamily="2" charset="-127"/>
+              <a:ea typeface="프리젠테이션 6 SemiBold" pitchFamily="2" charset="-127"/>
+            </a:endParaRPr>
+          </a:p>
+          <a:p>
+            <a:pPr marL="342900" indent="-342900">
+              <a:lnSpc>
+                <a:spcPct val="200000"/>
+              </a:lnSpc>
+              <a:buFont typeface="Arial" panose="020B0604020202020204" pitchFamily="34" charset="0"/>
+              <a:buChar char="•"/>
+            </a:pPr>
+            <a:r>
+              <a:rPr lang="en-US" altLang="ko-KR" sz="2000" dirty="0">
+                <a:solidFill>
+                  <a:srgbClr val="22523B"/>
+                </a:solidFill>
+                <a:latin typeface="프리젠테이션 6 SemiBold" pitchFamily="2" charset="-127"/>
+                <a:ea typeface="프리젠테이션 6 SemiBold" pitchFamily="2" charset="-127"/>
+              </a:rPr>
+              <a:t>TX ROLLBACK </a:t>
+            </a:r>
+            <a:r>
+              <a:rPr lang="ko-KR" altLang="en-US" sz="2000" dirty="0">
+                <a:solidFill>
+                  <a:srgbClr val="22523B"/>
+                </a:solidFill>
+                <a:latin typeface="프리젠테이션 6 SemiBold" pitchFamily="2" charset="-127"/>
+                <a:ea typeface="프리젠테이션 6 SemiBold" pitchFamily="2" charset="-127"/>
+              </a:rPr>
+              <a:t>처리</a:t>
+            </a:r>
+            <a:endParaRPr lang="en-US" altLang="ko-KR" sz="2000" dirty="0">
+              <a:solidFill>
+                <a:srgbClr val="22523B"/>
+              </a:solidFill>
+              <a:latin typeface="프리젠테이션 6 SemiBold" pitchFamily="2" charset="-127"/>
+              <a:ea typeface="프리젠테이션 6 SemiBold" pitchFamily="2" charset="-127"/>
+            </a:endParaRPr>
+          </a:p>
+        </p:txBody>
+      </p:sp>
+      <p:pic>
+        <p:nvPicPr>
+          <p:cNvPr id="3" name="그림 2">
+            <a:extLst>
+              <a:ext uri="{FF2B5EF4-FFF2-40B4-BE49-F238E27FC236}">
+                <a16:creationId xmlns:a16="http://schemas.microsoft.com/office/drawing/2014/main" id="{A2E1960E-EF8A-4C56-9946-36AA25FF3CC4}"/>
+              </a:ext>
+            </a:extLst>
+          </p:cNvPr>
+          <p:cNvPicPr>
+            <a:picLocks noChangeAspect="1"/>
+          </p:cNvPicPr>
+          <p:nvPr/>
+        </p:nvPicPr>
+        <p:blipFill>
+          <a:blip r:embed="rId2"/>
+          <a:stretch>
+            <a:fillRect/>
+          </a:stretch>
+        </p:blipFill>
+        <p:spPr>
+          <a:xfrm>
+            <a:off x="8450212" y="3847012"/>
+            <a:ext cx="2573457" cy="398704"/>
+          </a:xfrm>
+          <a:prstGeom prst="rect">
+            <a:avLst/>
+          </a:prstGeom>
+        </p:spPr>
+      </p:pic>
+      <p:pic>
+        <p:nvPicPr>
+          <p:cNvPr id="8" name="그림 7">
+            <a:extLst>
+              <a:ext uri="{FF2B5EF4-FFF2-40B4-BE49-F238E27FC236}">
+                <a16:creationId xmlns:a16="http://schemas.microsoft.com/office/drawing/2014/main" id="{431FFCB4-D3F6-4F74-BA97-C31DB108EAF2}"/>
+              </a:ext>
+            </a:extLst>
+          </p:cNvPr>
+          <p:cNvPicPr>
+            <a:picLocks noChangeAspect="1"/>
+          </p:cNvPicPr>
+          <p:nvPr/>
+        </p:nvPicPr>
+        <p:blipFill>
+          <a:blip r:embed="rId3"/>
+          <a:stretch>
+            <a:fillRect/>
+          </a:stretch>
+        </p:blipFill>
+        <p:spPr>
+          <a:xfrm>
+            <a:off x="766763" y="3109245"/>
+            <a:ext cx="6310196" cy="2272942"/>
+          </a:xfrm>
+          <a:prstGeom prst="rect">
+            <a:avLst/>
+          </a:prstGeom>
+          <a:solidFill>
+            <a:srgbClr val="FFFFFF">
+              <a:shade val="85000"/>
+            </a:srgbClr>
+          </a:solidFill>
+          <a:ln w="88900" cap="sq">
+            <a:solidFill>
+              <a:srgbClr val="FFFFFF"/>
+            </a:solidFill>
+            <a:miter lim="800000"/>
+          </a:ln>
+          <a:effectLst>
+            <a:outerShdw blurRad="55000" dist="18000" dir="5400000" algn="tl" rotWithShape="0">
+              <a:srgbClr val="000000">
+                <a:alpha val="40000"/>
+              </a:srgbClr>
+            </a:outerShdw>
+          </a:effectLst>
+          <a:scene3d>
+            <a:camera prst="orthographicFront"/>
+            <a:lightRig rig="twoPt" dir="t">
+              <a:rot lat="0" lon="0" rev="7200000"/>
+            </a:lightRig>
+          </a:scene3d>
+          <a:sp3d>
+            <a:bevelT w="25400" h="19050"/>
+            <a:contourClr>
+              <a:srgbClr val="FFFFFF"/>
+            </a:contourClr>
+          </a:sp3d>
+        </p:spPr>
+      </p:pic>
     </p:spTree>
     <p:extLst>
       <p:ext uri="{BB962C8B-B14F-4D97-AF65-F5344CB8AC3E}">
@@ -5321,7 +7709,7 @@
 </p:sld>
 </file>
 
-<file path=ppt/slides/slide15.xml><?xml version="1.0" encoding="utf-8"?>
+<file path=ppt/slides/slide17.xml><?xml version="1.0" encoding="utf-8"?>
 <p:sld xmlns:a="http://schemas.openxmlformats.org/drawingml/2006/main" xmlns:r="http://schemas.openxmlformats.org/officeDocument/2006/relationships" xmlns:p="http://schemas.openxmlformats.org/presentationml/2006/main">
   <p:cSld>
     <p:spTree>
@@ -7661,7 +10049,7 @@
 </p:sld>
 </file>
 
-<file path=ppt/slides/slide16.xml><?xml version="1.0" encoding="utf-8"?>
+<file path=ppt/slides/slide18.xml><?xml version="1.0" encoding="utf-8"?>
 <p:sld xmlns:a="http://schemas.openxmlformats.org/drawingml/2006/main" xmlns:r="http://schemas.openxmlformats.org/officeDocument/2006/relationships" xmlns:p="http://schemas.openxmlformats.org/presentationml/2006/main">
   <p:cSld>
     <p:spTree>
@@ -8208,67 +10596,6 @@
       </p:sp>
       <p:sp>
         <p:nvSpPr>
-          <p:cNvPr id="31" name="TextBox 30">
-            <a:extLst>
-              <a:ext uri="{FF2B5EF4-FFF2-40B4-BE49-F238E27FC236}">
-                <a16:creationId xmlns:a16="http://schemas.microsoft.com/office/drawing/2014/main" id="{D2C2E883-4CE4-4F86-819C-13BFCAECB9D4}"/>
-              </a:ext>
-            </a:extLst>
-          </p:cNvPr>
-          <p:cNvSpPr txBox="1"/>
-          <p:nvPr/>
-        </p:nvSpPr>
-        <p:spPr>
-          <a:xfrm>
-            <a:off x="690757" y="1451032"/>
-            <a:ext cx="4734045" cy="400110"/>
-          </a:xfrm>
-          <a:prstGeom prst="rect">
-            <a:avLst/>
-          </a:prstGeom>
-          <a:noFill/>
-        </p:spPr>
-        <p:txBody>
-          <a:bodyPr wrap="square" rtlCol="0">
-            <a:spAutoFit/>
-          </a:bodyPr>
-          <a:lstStyle/>
-          <a:p>
-            <a:r>
-              <a:rPr lang="ko-KR" altLang="en-US" sz="2000" dirty="0">
-                <a:solidFill>
-                  <a:srgbClr val="22523B"/>
-                </a:solidFill>
-                <a:latin typeface="프리젠테이션 6 SemiBold" pitchFamily="2" charset="-127"/>
-                <a:ea typeface="프리젠테이션 6 SemiBold" pitchFamily="2" charset="-127"/>
-                <a:cs typeface="코트라 볼드체" panose="02020603020101020101" pitchFamily="18" charset="-127"/>
-              </a:rPr>
-              <a:t>간략한 설명을 적어주세요</a:t>
-            </a:r>
-            <a:r>
-              <a:rPr lang="en-US" altLang="ko-KR" sz="2000" dirty="0">
-                <a:solidFill>
-                  <a:srgbClr val="22523B"/>
-                </a:solidFill>
-                <a:latin typeface="프리젠테이션 6 SemiBold" pitchFamily="2" charset="-127"/>
-                <a:ea typeface="프리젠테이션 6 SemiBold" pitchFamily="2" charset="-127"/>
-                <a:cs typeface="코트라 볼드체" panose="02020603020101020101" pitchFamily="18" charset="-127"/>
-              </a:rPr>
-              <a:t>.</a:t>
-            </a:r>
-            <a:endParaRPr lang="ko-KR" altLang="en-US" sz="2000" dirty="0">
-              <a:solidFill>
-                <a:srgbClr val="22523B"/>
-              </a:solidFill>
-              <a:latin typeface="프리젠테이션 6 SemiBold" pitchFamily="2" charset="-127"/>
-              <a:ea typeface="프리젠테이션 6 SemiBold" pitchFamily="2" charset="-127"/>
-              <a:cs typeface="코트라 볼드체" panose="02020603020101020101" pitchFamily="18" charset="-127"/>
-            </a:endParaRPr>
-          </a:p>
-        </p:txBody>
-      </p:sp>
-      <p:sp>
-        <p:nvSpPr>
           <p:cNvPr id="36" name="TextBox 35">
             <a:extLst>
               <a:ext uri="{FF2B5EF4-FFF2-40B4-BE49-F238E27FC236}">
@@ -8341,7 +10668,7 @@
 </p:sld>
 </file>
 
-<file path=ppt/slides/slide17.xml><?xml version="1.0" encoding="utf-8"?>
+<file path=ppt/slides/slide19.xml><?xml version="1.0" encoding="utf-8"?>
 <p:sld xmlns:a="http://schemas.openxmlformats.org/drawingml/2006/main" xmlns:r="http://schemas.openxmlformats.org/officeDocument/2006/relationships" xmlns:p="http://schemas.openxmlformats.org/presentationml/2006/main">
   <p:cSld>
     <p:spTree>
@@ -10177,313 +12504,6 @@
 </p:sld>
 </file>
 
-<file path=ppt/slides/slide18.xml><?xml version="1.0" encoding="utf-8"?>
-<p:sld xmlns:a="http://schemas.openxmlformats.org/drawingml/2006/main" xmlns:r="http://schemas.openxmlformats.org/officeDocument/2006/relationships" xmlns:p="http://schemas.openxmlformats.org/presentationml/2006/main">
-  <p:cSld>
-    <p:spTree>
-      <p:nvGrpSpPr>
-        <p:cNvPr id="1" name=""/>
-        <p:cNvGrpSpPr/>
-        <p:nvPr/>
-      </p:nvGrpSpPr>
-      <p:grpSpPr>
-        <a:xfrm>
-          <a:off x="0" y="0"/>
-          <a:ext cx="0" cy="0"/>
-          <a:chOff x="0" y="0"/>
-          <a:chExt cx="0" cy="0"/>
-        </a:xfrm>
-      </p:grpSpPr>
-      <p:sp>
-        <p:nvSpPr>
-          <p:cNvPr id="6" name="TextBox 5">
-            <a:extLst>
-              <a:ext uri="{FF2B5EF4-FFF2-40B4-BE49-F238E27FC236}">
-                <a16:creationId xmlns:a16="http://schemas.microsoft.com/office/drawing/2014/main" id="{CD554CC0-8B52-4285-9519-0DF1F6CC0AC9}"/>
-              </a:ext>
-            </a:extLst>
-          </p:cNvPr>
-          <p:cNvSpPr txBox="1"/>
-          <p:nvPr/>
-        </p:nvSpPr>
-        <p:spPr>
-          <a:xfrm>
-            <a:off x="1793240" y="2359690"/>
-            <a:ext cx="8808720" cy="1569660"/>
-          </a:xfrm>
-          <a:prstGeom prst="rect">
-            <a:avLst/>
-          </a:prstGeom>
-          <a:noFill/>
-        </p:spPr>
-        <p:txBody>
-          <a:bodyPr wrap="square" rtlCol="0">
-            <a:prstTxWarp prst="textArchDown">
-              <a:avLst/>
-            </a:prstTxWarp>
-            <a:spAutoFit/>
-          </a:bodyPr>
-          <a:lstStyle/>
-          <a:p>
-            <a:pPr algn="ctr"/>
-            <a:r>
-              <a:rPr lang="en-US" altLang="ko-KR" sz="9600" dirty="0">
-                <a:solidFill>
-                  <a:schemeClr val="bg1">
-                    <a:lumMod val="75000"/>
-                  </a:schemeClr>
-                </a:solidFill>
-                <a:latin typeface="프리젠테이션 6 SemiBold" pitchFamily="2" charset="-127"/>
-                <a:ea typeface="프리젠테이션 6 SemiBold" pitchFamily="2" charset="-127"/>
-                <a:cs typeface="코트라 볼드체" panose="02020603020101020101" pitchFamily="18" charset="-127"/>
-              </a:rPr>
-              <a:t>THANK YOU</a:t>
-            </a:r>
-            <a:endParaRPr lang="ko-KR" altLang="en-US" sz="9600" dirty="0">
-              <a:solidFill>
-                <a:schemeClr val="bg1">
-                  <a:lumMod val="75000"/>
-                </a:schemeClr>
-              </a:solidFill>
-              <a:latin typeface="프리젠테이션 6 SemiBold" pitchFamily="2" charset="-127"/>
-              <a:ea typeface="프리젠테이션 6 SemiBold" pitchFamily="2" charset="-127"/>
-              <a:cs typeface="코트라 볼드체" panose="02020603020101020101" pitchFamily="18" charset="-127"/>
-            </a:endParaRPr>
-          </a:p>
-        </p:txBody>
-      </p:sp>
-      <p:sp>
-        <p:nvSpPr>
-          <p:cNvPr id="2" name="TextBox 1">
-            <a:extLst>
-              <a:ext uri="{FF2B5EF4-FFF2-40B4-BE49-F238E27FC236}">
-                <a16:creationId xmlns:a16="http://schemas.microsoft.com/office/drawing/2014/main" id="{1A7700FA-546B-4D8C-AE89-9DA39A120387}"/>
-              </a:ext>
-            </a:extLst>
-          </p:cNvPr>
-          <p:cNvSpPr txBox="1"/>
-          <p:nvPr/>
-        </p:nvSpPr>
-        <p:spPr>
-          <a:xfrm>
-            <a:off x="1691640" y="2230180"/>
-            <a:ext cx="8808720" cy="1569660"/>
-          </a:xfrm>
-          <a:prstGeom prst="rect">
-            <a:avLst/>
-          </a:prstGeom>
-          <a:noFill/>
-        </p:spPr>
-        <p:txBody>
-          <a:bodyPr wrap="square" rtlCol="0">
-            <a:prstTxWarp prst="textArchDown">
-              <a:avLst/>
-            </a:prstTxWarp>
-            <a:spAutoFit/>
-          </a:bodyPr>
-          <a:lstStyle/>
-          <a:p>
-            <a:pPr algn="ctr"/>
-            <a:r>
-              <a:rPr lang="en-US" altLang="ko-KR" sz="9600" dirty="0">
-                <a:solidFill>
-                  <a:srgbClr val="577F71"/>
-                </a:solidFill>
-                <a:latin typeface="프리젠테이션 6 SemiBold" pitchFamily="2" charset="-127"/>
-                <a:ea typeface="프리젠테이션 6 SemiBold" pitchFamily="2" charset="-127"/>
-                <a:cs typeface="코트라 볼드체" panose="02020603020101020101" pitchFamily="18" charset="-127"/>
-              </a:rPr>
-              <a:t>THANK YOU</a:t>
-            </a:r>
-            <a:endParaRPr lang="ko-KR" altLang="en-US" sz="9600" dirty="0">
-              <a:solidFill>
-                <a:srgbClr val="577F71"/>
-              </a:solidFill>
-              <a:latin typeface="프리젠테이션 6 SemiBold" pitchFamily="2" charset="-127"/>
-              <a:ea typeface="프리젠테이션 6 SemiBold" pitchFamily="2" charset="-127"/>
-              <a:cs typeface="코트라 볼드체" panose="02020603020101020101" pitchFamily="18" charset="-127"/>
-            </a:endParaRPr>
-          </a:p>
-        </p:txBody>
-      </p:sp>
-      <p:sp>
-        <p:nvSpPr>
-          <p:cNvPr id="3" name="타원 2">
-            <a:extLst>
-              <a:ext uri="{FF2B5EF4-FFF2-40B4-BE49-F238E27FC236}">
-                <a16:creationId xmlns:a16="http://schemas.microsoft.com/office/drawing/2014/main" id="{7263EBAE-B329-4EFD-B04A-CCC263B5A1F1}"/>
-              </a:ext>
-            </a:extLst>
-          </p:cNvPr>
-          <p:cNvSpPr/>
-          <p:nvPr/>
-        </p:nvSpPr>
-        <p:spPr>
-          <a:xfrm>
-            <a:off x="4561840" y="2612390"/>
-            <a:ext cx="111760" cy="111760"/>
-          </a:xfrm>
-          <a:prstGeom prst="ellipse">
-            <a:avLst/>
-          </a:prstGeom>
-          <a:solidFill>
-            <a:srgbClr val="43A375"/>
-          </a:solidFill>
-          <a:ln>
-            <a:noFill/>
-          </a:ln>
-        </p:spPr>
-        <p:style>
-          <a:lnRef idx="2">
-            <a:schemeClr val="accent1">
-              <a:shade val="50000"/>
-            </a:schemeClr>
-          </a:lnRef>
-          <a:fillRef idx="1">
-            <a:schemeClr val="accent1"/>
-          </a:fillRef>
-          <a:effectRef idx="0">
-            <a:schemeClr val="accent1"/>
-          </a:effectRef>
-          <a:fontRef idx="minor">
-            <a:schemeClr val="lt1"/>
-          </a:fontRef>
-        </p:style>
-        <p:txBody>
-          <a:bodyPr rtlCol="0" anchor="ctr"/>
-          <a:lstStyle/>
-          <a:p>
-            <a:pPr algn="ctr"/>
-            <a:endParaRPr lang="ko-KR" altLang="en-US">
-              <a:latin typeface="프리젠테이션 6 SemiBold" pitchFamily="2" charset="-127"/>
-              <a:ea typeface="프리젠테이션 6 SemiBold" pitchFamily="2" charset="-127"/>
-            </a:endParaRPr>
-          </a:p>
-        </p:txBody>
-      </p:sp>
-      <p:sp>
-        <p:nvSpPr>
-          <p:cNvPr id="4" name="타원 3">
-            <a:extLst>
-              <a:ext uri="{FF2B5EF4-FFF2-40B4-BE49-F238E27FC236}">
-                <a16:creationId xmlns:a16="http://schemas.microsoft.com/office/drawing/2014/main" id="{DD7C8B3B-98B1-455A-B644-EFB0479D257D}"/>
-              </a:ext>
-            </a:extLst>
-          </p:cNvPr>
-          <p:cNvSpPr/>
-          <p:nvPr/>
-        </p:nvSpPr>
-        <p:spPr>
-          <a:xfrm>
-            <a:off x="7193280" y="2631440"/>
-            <a:ext cx="111760" cy="111760"/>
-          </a:xfrm>
-          <a:prstGeom prst="ellipse">
-            <a:avLst/>
-          </a:prstGeom>
-          <a:solidFill>
-            <a:srgbClr val="43A375"/>
-          </a:solidFill>
-          <a:ln>
-            <a:noFill/>
-          </a:ln>
-        </p:spPr>
-        <p:style>
-          <a:lnRef idx="2">
-            <a:schemeClr val="accent1">
-              <a:shade val="50000"/>
-            </a:schemeClr>
-          </a:lnRef>
-          <a:fillRef idx="1">
-            <a:schemeClr val="accent1"/>
-          </a:fillRef>
-          <a:effectRef idx="0">
-            <a:schemeClr val="accent1"/>
-          </a:effectRef>
-          <a:fontRef idx="minor">
-            <a:schemeClr val="lt1"/>
-          </a:fontRef>
-        </p:style>
-        <p:txBody>
-          <a:bodyPr rtlCol="0" anchor="ctr"/>
-          <a:lstStyle/>
-          <a:p>
-            <a:pPr algn="ctr"/>
-            <a:endParaRPr lang="ko-KR" altLang="en-US">
-              <a:latin typeface="프리젠테이션 6 SemiBold" pitchFamily="2" charset="-127"/>
-              <a:ea typeface="프리젠테이션 6 SemiBold" pitchFamily="2" charset="-127"/>
-            </a:endParaRPr>
-          </a:p>
-        </p:txBody>
-      </p:sp>
-      <p:sp>
-        <p:nvSpPr>
-          <p:cNvPr id="5" name="타원 4">
-            <a:extLst>
-              <a:ext uri="{FF2B5EF4-FFF2-40B4-BE49-F238E27FC236}">
-                <a16:creationId xmlns:a16="http://schemas.microsoft.com/office/drawing/2014/main" id="{774BAC4D-3E86-409E-A168-88244060925A}"/>
-              </a:ext>
-            </a:extLst>
-          </p:cNvPr>
-          <p:cNvSpPr/>
-          <p:nvPr/>
-        </p:nvSpPr>
-        <p:spPr>
-          <a:xfrm>
-            <a:off x="8204835" y="2527935"/>
-            <a:ext cx="111760" cy="111760"/>
-          </a:xfrm>
-          <a:prstGeom prst="ellipse">
-            <a:avLst/>
-          </a:prstGeom>
-          <a:solidFill>
-            <a:srgbClr val="43A375"/>
-          </a:solidFill>
-          <a:ln>
-            <a:noFill/>
-          </a:ln>
-        </p:spPr>
-        <p:style>
-          <a:lnRef idx="2">
-            <a:schemeClr val="accent1">
-              <a:shade val="50000"/>
-            </a:schemeClr>
-          </a:lnRef>
-          <a:fillRef idx="1">
-            <a:schemeClr val="accent1"/>
-          </a:fillRef>
-          <a:effectRef idx="0">
-            <a:schemeClr val="accent1"/>
-          </a:effectRef>
-          <a:fontRef idx="minor">
-            <a:schemeClr val="lt1"/>
-          </a:fontRef>
-        </p:style>
-        <p:txBody>
-          <a:bodyPr rtlCol="0" anchor="ctr"/>
-          <a:lstStyle/>
-          <a:p>
-            <a:pPr algn="ctr"/>
-            <a:endParaRPr lang="ko-KR" altLang="en-US">
-              <a:latin typeface="프리젠테이션 6 SemiBold" pitchFamily="2" charset="-127"/>
-              <a:ea typeface="프리젠테이션 6 SemiBold" pitchFamily="2" charset="-127"/>
-            </a:endParaRPr>
-          </a:p>
-        </p:txBody>
-      </p:sp>
-    </p:spTree>
-    <p:extLst>
-      <p:ext uri="{BB962C8B-B14F-4D97-AF65-F5344CB8AC3E}">
-        <p14:creationId xmlns:p14="http://schemas.microsoft.com/office/powerpoint/2010/main" val="4102342435"/>
-      </p:ext>
-    </p:extLst>
-  </p:cSld>
-  <p:clrMapOvr>
-    <a:masterClrMapping/>
-  </p:clrMapOvr>
-</p:sld>
-</file>
-
 <file path=ppt/slides/slide2.xml><?xml version="1.0" encoding="utf-8"?>
 <p:sld xmlns:a="http://schemas.openxmlformats.org/drawingml/2006/main" xmlns:r="http://schemas.openxmlformats.org/officeDocument/2006/relationships" xmlns:p="http://schemas.openxmlformats.org/presentationml/2006/main">
   <p:cSld>
@@ -12007,6 +14027,313 @@
     <p:extLst>
       <p:ext uri="{BB962C8B-B14F-4D97-AF65-F5344CB8AC3E}">
         <p14:creationId xmlns:p14="http://schemas.microsoft.com/office/powerpoint/2010/main" val="4237684816"/>
+      </p:ext>
+    </p:extLst>
+  </p:cSld>
+  <p:clrMapOvr>
+    <a:masterClrMapping/>
+  </p:clrMapOvr>
+</p:sld>
+</file>
+
+<file path=ppt/slides/slide20.xml><?xml version="1.0" encoding="utf-8"?>
+<p:sld xmlns:a="http://schemas.openxmlformats.org/drawingml/2006/main" xmlns:r="http://schemas.openxmlformats.org/officeDocument/2006/relationships" xmlns:p="http://schemas.openxmlformats.org/presentationml/2006/main">
+  <p:cSld>
+    <p:spTree>
+      <p:nvGrpSpPr>
+        <p:cNvPr id="1" name=""/>
+        <p:cNvGrpSpPr/>
+        <p:nvPr/>
+      </p:nvGrpSpPr>
+      <p:grpSpPr>
+        <a:xfrm>
+          <a:off x="0" y="0"/>
+          <a:ext cx="0" cy="0"/>
+          <a:chOff x="0" y="0"/>
+          <a:chExt cx="0" cy="0"/>
+        </a:xfrm>
+      </p:grpSpPr>
+      <p:sp>
+        <p:nvSpPr>
+          <p:cNvPr id="6" name="TextBox 5">
+            <a:extLst>
+              <a:ext uri="{FF2B5EF4-FFF2-40B4-BE49-F238E27FC236}">
+                <a16:creationId xmlns:a16="http://schemas.microsoft.com/office/drawing/2014/main" id="{CD554CC0-8B52-4285-9519-0DF1F6CC0AC9}"/>
+              </a:ext>
+            </a:extLst>
+          </p:cNvPr>
+          <p:cNvSpPr txBox="1"/>
+          <p:nvPr/>
+        </p:nvSpPr>
+        <p:spPr>
+          <a:xfrm>
+            <a:off x="1793240" y="2359690"/>
+            <a:ext cx="8808720" cy="1569660"/>
+          </a:xfrm>
+          <a:prstGeom prst="rect">
+            <a:avLst/>
+          </a:prstGeom>
+          <a:noFill/>
+        </p:spPr>
+        <p:txBody>
+          <a:bodyPr wrap="square" rtlCol="0">
+            <a:prstTxWarp prst="textArchDown">
+              <a:avLst/>
+            </a:prstTxWarp>
+            <a:spAutoFit/>
+          </a:bodyPr>
+          <a:lstStyle/>
+          <a:p>
+            <a:pPr algn="ctr"/>
+            <a:r>
+              <a:rPr lang="en-US" altLang="ko-KR" sz="9600" dirty="0">
+                <a:solidFill>
+                  <a:schemeClr val="bg1">
+                    <a:lumMod val="75000"/>
+                  </a:schemeClr>
+                </a:solidFill>
+                <a:latin typeface="프리젠테이션 6 SemiBold" pitchFamily="2" charset="-127"/>
+                <a:ea typeface="프리젠테이션 6 SemiBold" pitchFamily="2" charset="-127"/>
+                <a:cs typeface="코트라 볼드체" panose="02020603020101020101" pitchFamily="18" charset="-127"/>
+              </a:rPr>
+              <a:t>THANK YOU</a:t>
+            </a:r>
+            <a:endParaRPr lang="ko-KR" altLang="en-US" sz="9600" dirty="0">
+              <a:solidFill>
+                <a:schemeClr val="bg1">
+                  <a:lumMod val="75000"/>
+                </a:schemeClr>
+              </a:solidFill>
+              <a:latin typeface="프리젠테이션 6 SemiBold" pitchFamily="2" charset="-127"/>
+              <a:ea typeface="프리젠테이션 6 SemiBold" pitchFamily="2" charset="-127"/>
+              <a:cs typeface="코트라 볼드체" panose="02020603020101020101" pitchFamily="18" charset="-127"/>
+            </a:endParaRPr>
+          </a:p>
+        </p:txBody>
+      </p:sp>
+      <p:sp>
+        <p:nvSpPr>
+          <p:cNvPr id="2" name="TextBox 1">
+            <a:extLst>
+              <a:ext uri="{FF2B5EF4-FFF2-40B4-BE49-F238E27FC236}">
+                <a16:creationId xmlns:a16="http://schemas.microsoft.com/office/drawing/2014/main" id="{1A7700FA-546B-4D8C-AE89-9DA39A120387}"/>
+              </a:ext>
+            </a:extLst>
+          </p:cNvPr>
+          <p:cNvSpPr txBox="1"/>
+          <p:nvPr/>
+        </p:nvSpPr>
+        <p:spPr>
+          <a:xfrm>
+            <a:off x="1691640" y="2230180"/>
+            <a:ext cx="8808720" cy="1569660"/>
+          </a:xfrm>
+          <a:prstGeom prst="rect">
+            <a:avLst/>
+          </a:prstGeom>
+          <a:noFill/>
+        </p:spPr>
+        <p:txBody>
+          <a:bodyPr wrap="square" rtlCol="0">
+            <a:prstTxWarp prst="textArchDown">
+              <a:avLst/>
+            </a:prstTxWarp>
+            <a:spAutoFit/>
+          </a:bodyPr>
+          <a:lstStyle/>
+          <a:p>
+            <a:pPr algn="ctr"/>
+            <a:r>
+              <a:rPr lang="en-US" altLang="ko-KR" sz="9600" dirty="0">
+                <a:solidFill>
+                  <a:srgbClr val="577F71"/>
+                </a:solidFill>
+                <a:latin typeface="프리젠테이션 6 SemiBold" pitchFamily="2" charset="-127"/>
+                <a:ea typeface="프리젠테이션 6 SemiBold" pitchFamily="2" charset="-127"/>
+                <a:cs typeface="코트라 볼드체" panose="02020603020101020101" pitchFamily="18" charset="-127"/>
+              </a:rPr>
+              <a:t>THANK YOU</a:t>
+            </a:r>
+            <a:endParaRPr lang="ko-KR" altLang="en-US" sz="9600" dirty="0">
+              <a:solidFill>
+                <a:srgbClr val="577F71"/>
+              </a:solidFill>
+              <a:latin typeface="프리젠테이션 6 SemiBold" pitchFamily="2" charset="-127"/>
+              <a:ea typeface="프리젠테이션 6 SemiBold" pitchFamily="2" charset="-127"/>
+              <a:cs typeface="코트라 볼드체" panose="02020603020101020101" pitchFamily="18" charset="-127"/>
+            </a:endParaRPr>
+          </a:p>
+        </p:txBody>
+      </p:sp>
+      <p:sp>
+        <p:nvSpPr>
+          <p:cNvPr id="3" name="타원 2">
+            <a:extLst>
+              <a:ext uri="{FF2B5EF4-FFF2-40B4-BE49-F238E27FC236}">
+                <a16:creationId xmlns:a16="http://schemas.microsoft.com/office/drawing/2014/main" id="{7263EBAE-B329-4EFD-B04A-CCC263B5A1F1}"/>
+              </a:ext>
+            </a:extLst>
+          </p:cNvPr>
+          <p:cNvSpPr/>
+          <p:nvPr/>
+        </p:nvSpPr>
+        <p:spPr>
+          <a:xfrm>
+            <a:off x="4561840" y="2612390"/>
+            <a:ext cx="111760" cy="111760"/>
+          </a:xfrm>
+          <a:prstGeom prst="ellipse">
+            <a:avLst/>
+          </a:prstGeom>
+          <a:solidFill>
+            <a:srgbClr val="43A375"/>
+          </a:solidFill>
+          <a:ln>
+            <a:noFill/>
+          </a:ln>
+        </p:spPr>
+        <p:style>
+          <a:lnRef idx="2">
+            <a:schemeClr val="accent1">
+              <a:shade val="50000"/>
+            </a:schemeClr>
+          </a:lnRef>
+          <a:fillRef idx="1">
+            <a:schemeClr val="accent1"/>
+          </a:fillRef>
+          <a:effectRef idx="0">
+            <a:schemeClr val="accent1"/>
+          </a:effectRef>
+          <a:fontRef idx="minor">
+            <a:schemeClr val="lt1"/>
+          </a:fontRef>
+        </p:style>
+        <p:txBody>
+          <a:bodyPr rtlCol="0" anchor="ctr"/>
+          <a:lstStyle/>
+          <a:p>
+            <a:pPr algn="ctr"/>
+            <a:endParaRPr lang="ko-KR" altLang="en-US">
+              <a:latin typeface="프리젠테이션 6 SemiBold" pitchFamily="2" charset="-127"/>
+              <a:ea typeface="프리젠테이션 6 SemiBold" pitchFamily="2" charset="-127"/>
+            </a:endParaRPr>
+          </a:p>
+        </p:txBody>
+      </p:sp>
+      <p:sp>
+        <p:nvSpPr>
+          <p:cNvPr id="4" name="타원 3">
+            <a:extLst>
+              <a:ext uri="{FF2B5EF4-FFF2-40B4-BE49-F238E27FC236}">
+                <a16:creationId xmlns:a16="http://schemas.microsoft.com/office/drawing/2014/main" id="{DD7C8B3B-98B1-455A-B644-EFB0479D257D}"/>
+              </a:ext>
+            </a:extLst>
+          </p:cNvPr>
+          <p:cNvSpPr/>
+          <p:nvPr/>
+        </p:nvSpPr>
+        <p:spPr>
+          <a:xfrm>
+            <a:off x="7193280" y="2631440"/>
+            <a:ext cx="111760" cy="111760"/>
+          </a:xfrm>
+          <a:prstGeom prst="ellipse">
+            <a:avLst/>
+          </a:prstGeom>
+          <a:solidFill>
+            <a:srgbClr val="43A375"/>
+          </a:solidFill>
+          <a:ln>
+            <a:noFill/>
+          </a:ln>
+        </p:spPr>
+        <p:style>
+          <a:lnRef idx="2">
+            <a:schemeClr val="accent1">
+              <a:shade val="50000"/>
+            </a:schemeClr>
+          </a:lnRef>
+          <a:fillRef idx="1">
+            <a:schemeClr val="accent1"/>
+          </a:fillRef>
+          <a:effectRef idx="0">
+            <a:schemeClr val="accent1"/>
+          </a:effectRef>
+          <a:fontRef idx="minor">
+            <a:schemeClr val="lt1"/>
+          </a:fontRef>
+        </p:style>
+        <p:txBody>
+          <a:bodyPr rtlCol="0" anchor="ctr"/>
+          <a:lstStyle/>
+          <a:p>
+            <a:pPr algn="ctr"/>
+            <a:endParaRPr lang="ko-KR" altLang="en-US">
+              <a:latin typeface="프리젠테이션 6 SemiBold" pitchFamily="2" charset="-127"/>
+              <a:ea typeface="프리젠테이션 6 SemiBold" pitchFamily="2" charset="-127"/>
+            </a:endParaRPr>
+          </a:p>
+        </p:txBody>
+      </p:sp>
+      <p:sp>
+        <p:nvSpPr>
+          <p:cNvPr id="5" name="타원 4">
+            <a:extLst>
+              <a:ext uri="{FF2B5EF4-FFF2-40B4-BE49-F238E27FC236}">
+                <a16:creationId xmlns:a16="http://schemas.microsoft.com/office/drawing/2014/main" id="{774BAC4D-3E86-409E-A168-88244060925A}"/>
+              </a:ext>
+            </a:extLst>
+          </p:cNvPr>
+          <p:cNvSpPr/>
+          <p:nvPr/>
+        </p:nvSpPr>
+        <p:spPr>
+          <a:xfrm>
+            <a:off x="8204835" y="2527935"/>
+            <a:ext cx="111760" cy="111760"/>
+          </a:xfrm>
+          <a:prstGeom prst="ellipse">
+            <a:avLst/>
+          </a:prstGeom>
+          <a:solidFill>
+            <a:srgbClr val="43A375"/>
+          </a:solidFill>
+          <a:ln>
+            <a:noFill/>
+          </a:ln>
+        </p:spPr>
+        <p:style>
+          <a:lnRef idx="2">
+            <a:schemeClr val="accent1">
+              <a:shade val="50000"/>
+            </a:schemeClr>
+          </a:lnRef>
+          <a:fillRef idx="1">
+            <a:schemeClr val="accent1"/>
+          </a:fillRef>
+          <a:effectRef idx="0">
+            <a:schemeClr val="accent1"/>
+          </a:effectRef>
+          <a:fontRef idx="minor">
+            <a:schemeClr val="lt1"/>
+          </a:fontRef>
+        </p:style>
+        <p:txBody>
+          <a:bodyPr rtlCol="0" anchor="ctr"/>
+          <a:lstStyle/>
+          <a:p>
+            <a:pPr algn="ctr"/>
+            <a:endParaRPr lang="ko-KR" altLang="en-US">
+              <a:latin typeface="프리젠테이션 6 SemiBold" pitchFamily="2" charset="-127"/>
+              <a:ea typeface="프리젠테이션 6 SemiBold" pitchFamily="2" charset="-127"/>
+            </a:endParaRPr>
+          </a:p>
+        </p:txBody>
+      </p:sp>
+    </p:spTree>
+    <p:extLst>
+      <p:ext uri="{BB962C8B-B14F-4D97-AF65-F5344CB8AC3E}">
+        <p14:creationId xmlns:p14="http://schemas.microsoft.com/office/powerpoint/2010/main" val="4102342435"/>
       </p:ext>
     </p:extLst>
   </p:cSld>
@@ -12047,7 +14374,7 @@
         </p:nvCxnSpPr>
         <p:spPr>
           <a:xfrm>
-            <a:off x="3682679" y="1442536"/>
+            <a:off x="1284535" y="3072928"/>
             <a:ext cx="4826643" cy="0"/>
           </a:xfrm>
           <a:prstGeom prst="line">
@@ -12090,7 +14417,7 @@
         </p:nvSpPr>
         <p:spPr>
           <a:xfrm>
-            <a:off x="4215269" y="719282"/>
+            <a:off x="1817125" y="2349674"/>
             <a:ext cx="3761461" cy="584775"/>
           </a:xfrm>
           <a:prstGeom prst="rect">
@@ -12155,7 +14482,7 @@
         </p:nvSpPr>
         <p:spPr>
           <a:xfrm>
-            <a:off x="4872768" y="1581016"/>
+            <a:off x="2474624" y="3211408"/>
             <a:ext cx="5432075" cy="1289007"/>
           </a:xfrm>
           <a:prstGeom prst="rect">
@@ -12176,17 +14503,6 @@
               <a:buFont typeface="Arial" panose="020B0604020202020204" pitchFamily="34" charset="0"/>
               <a:buChar char="•"/>
             </a:pPr>
-            <a:r>
-              <a:rPr lang="en-US" altLang="ko-KR" b="0" i="0" dirty="0">
-                <a:solidFill>
-                  <a:srgbClr val="22523B"/>
-                </a:solidFill>
-                <a:effectLst/>
-                <a:latin typeface="프리젠테이션 6 SemiBold" pitchFamily="2" charset="-127"/>
-                <a:ea typeface="프리젠테이션 6 SemiBold" pitchFamily="2" charset="-127"/>
-              </a:rPr>
-              <a:t> </a:t>
-            </a:r>
             <a:r>
               <a:rPr lang="en-US" altLang="ko-KR" dirty="0">
                 <a:solidFill>
@@ -12314,7 +14630,7 @@
         </p:blipFill>
         <p:spPr>
           <a:xfrm>
-            <a:off x="4872768" y="3041660"/>
+            <a:off x="6983024" y="2006489"/>
             <a:ext cx="3003291" cy="3543883"/>
           </a:xfrm>
           <a:prstGeom prst="rect">
@@ -12589,10 +14905,10 @@
       </p:sp>
       <p:pic>
         <p:nvPicPr>
-          <p:cNvPr id="10" name="그림 9">
-            <a:extLst>
-              <a:ext uri="{FF2B5EF4-FFF2-40B4-BE49-F238E27FC236}">
-                <a16:creationId xmlns:a16="http://schemas.microsoft.com/office/drawing/2014/main" id="{C637C400-98DC-49ED-94B5-C61E45F6559F}"/>
+          <p:cNvPr id="3" name="그림 2">
+            <a:extLst>
+              <a:ext uri="{FF2B5EF4-FFF2-40B4-BE49-F238E27FC236}">
+                <a16:creationId xmlns:a16="http://schemas.microsoft.com/office/drawing/2014/main" id="{256CCAB3-F25B-41C8-8B57-9D1672B77FDE}"/>
               </a:ext>
             </a:extLst>
           </p:cNvPr>
@@ -12601,15 +14917,166 @@
           </p:cNvPicPr>
           <p:nvPr/>
         </p:nvPicPr>
-        <p:blipFill rotWithShape="1">
+        <p:blipFill>
           <a:blip r:embed="rId2"/>
-          <a:srcRect r="62905"/>
-          <a:stretch/>
+          <a:stretch>
+            <a:fillRect/>
+          </a:stretch>
         </p:blipFill>
         <p:spPr>
           <a:xfrm>
-            <a:off x="987711" y="2363489"/>
-            <a:ext cx="3597352" cy="4209947"/>
+            <a:off x="6939520" y="2886815"/>
+            <a:ext cx="5012015" cy="773282"/>
+          </a:xfrm>
+          <a:prstGeom prst="rect">
+            <a:avLst/>
+          </a:prstGeom>
+        </p:spPr>
+      </p:pic>
+      <p:pic>
+        <p:nvPicPr>
+          <p:cNvPr id="8" name="그림 7">
+            <a:extLst>
+              <a:ext uri="{FF2B5EF4-FFF2-40B4-BE49-F238E27FC236}">
+                <a16:creationId xmlns:a16="http://schemas.microsoft.com/office/drawing/2014/main" id="{14ABE638-EBFF-439C-8D26-8E2BA3B6C204}"/>
+              </a:ext>
+            </a:extLst>
+          </p:cNvPr>
+          <p:cNvPicPr>
+            <a:picLocks noChangeAspect="1"/>
+          </p:cNvPicPr>
+          <p:nvPr/>
+        </p:nvPicPr>
+        <p:blipFill>
+          <a:blip r:embed="rId3"/>
+          <a:stretch>
+            <a:fillRect/>
+          </a:stretch>
+        </p:blipFill>
+        <p:spPr>
+          <a:xfrm>
+            <a:off x="453128" y="1982149"/>
+            <a:ext cx="4179257" cy="2102191"/>
+          </a:xfrm>
+          <a:prstGeom prst="rect">
+            <a:avLst/>
+          </a:prstGeom>
+        </p:spPr>
+      </p:pic>
+      <p:pic>
+        <p:nvPicPr>
+          <p:cNvPr id="11" name="그림 10">
+            <a:extLst>
+              <a:ext uri="{FF2B5EF4-FFF2-40B4-BE49-F238E27FC236}">
+                <a16:creationId xmlns:a16="http://schemas.microsoft.com/office/drawing/2014/main" id="{996AD5E0-9059-41A4-A414-7078A4E4BCF2}"/>
+              </a:ext>
+            </a:extLst>
+          </p:cNvPr>
+          <p:cNvPicPr>
+            <a:picLocks noChangeAspect="1"/>
+          </p:cNvPicPr>
+          <p:nvPr/>
+        </p:nvPicPr>
+        <p:blipFill>
+          <a:blip r:embed="rId4"/>
+          <a:stretch>
+            <a:fillRect/>
+          </a:stretch>
+        </p:blipFill>
+        <p:spPr>
+          <a:xfrm>
+            <a:off x="493660" y="4119841"/>
+            <a:ext cx="1735912" cy="2530313"/>
+          </a:xfrm>
+          <a:prstGeom prst="rect">
+            <a:avLst/>
+          </a:prstGeom>
+        </p:spPr>
+      </p:pic>
+      <p:pic>
+        <p:nvPicPr>
+          <p:cNvPr id="13" name="그림 12">
+            <a:extLst>
+              <a:ext uri="{FF2B5EF4-FFF2-40B4-BE49-F238E27FC236}">
+                <a16:creationId xmlns:a16="http://schemas.microsoft.com/office/drawing/2014/main" id="{A67EA30C-DFD0-4430-AF6B-998F68D003D4}"/>
+              </a:ext>
+            </a:extLst>
+          </p:cNvPr>
+          <p:cNvPicPr>
+            <a:picLocks noChangeAspect="1"/>
+          </p:cNvPicPr>
+          <p:nvPr/>
+        </p:nvPicPr>
+        <p:blipFill>
+          <a:blip r:embed="rId5"/>
+          <a:stretch>
+            <a:fillRect/>
+          </a:stretch>
+        </p:blipFill>
+        <p:spPr>
+          <a:xfrm>
+            <a:off x="4930600" y="221075"/>
+            <a:ext cx="1872198" cy="2953326"/>
+          </a:xfrm>
+          <a:prstGeom prst="rect">
+            <a:avLst/>
+          </a:prstGeom>
+        </p:spPr>
+      </p:pic>
+      <p:pic>
+        <p:nvPicPr>
+          <p:cNvPr id="15" name="그림 14">
+            <a:extLst>
+              <a:ext uri="{FF2B5EF4-FFF2-40B4-BE49-F238E27FC236}">
+                <a16:creationId xmlns:a16="http://schemas.microsoft.com/office/drawing/2014/main" id="{DE3AF030-E90D-49D6-9085-AACE2EE215CD}"/>
+              </a:ext>
+            </a:extLst>
+          </p:cNvPr>
+          <p:cNvPicPr>
+            <a:picLocks noChangeAspect="1"/>
+          </p:cNvPicPr>
+          <p:nvPr/>
+        </p:nvPicPr>
+        <p:blipFill>
+          <a:blip r:embed="rId6"/>
+          <a:stretch>
+            <a:fillRect/>
+          </a:stretch>
+        </p:blipFill>
+        <p:spPr>
+          <a:xfrm>
+            <a:off x="4913356" y="3273456"/>
+            <a:ext cx="1848388" cy="3257846"/>
+          </a:xfrm>
+          <a:prstGeom prst="rect">
+            <a:avLst/>
+          </a:prstGeom>
+        </p:spPr>
+      </p:pic>
+      <p:pic>
+        <p:nvPicPr>
+          <p:cNvPr id="17" name="그림 16">
+            <a:extLst>
+              <a:ext uri="{FF2B5EF4-FFF2-40B4-BE49-F238E27FC236}">
+                <a16:creationId xmlns:a16="http://schemas.microsoft.com/office/drawing/2014/main" id="{8CE266E9-B31B-4FDE-99E6-DC2F1C93930B}"/>
+              </a:ext>
+            </a:extLst>
+          </p:cNvPr>
+          <p:cNvPicPr>
+            <a:picLocks noChangeAspect="1"/>
+          </p:cNvPicPr>
+          <p:nvPr/>
+        </p:nvPicPr>
+        <p:blipFill>
+          <a:blip r:embed="rId7"/>
+          <a:stretch>
+            <a:fillRect/>
+          </a:stretch>
+        </p:blipFill>
+        <p:spPr>
+          <a:xfrm>
+            <a:off x="6835210" y="221075"/>
+            <a:ext cx="1793630" cy="2546756"/>
           </a:xfrm>
           <a:prstGeom prst="rect">
             <a:avLst/>
@@ -12997,47 +15464,35 @@
           </a:p>
         </p:txBody>
       </p:sp>
-      <p:cxnSp>
-        <p:nvCxnSpPr>
-          <p:cNvPr id="8" name="직선 연결선 7">
-            <a:extLst>
-              <a:ext uri="{FF2B5EF4-FFF2-40B4-BE49-F238E27FC236}">
-                <a16:creationId xmlns:a16="http://schemas.microsoft.com/office/drawing/2014/main" id="{D8F9445A-51C0-430E-88F9-8206E5E07E94}"/>
-              </a:ext>
-            </a:extLst>
-          </p:cNvPr>
-          <p:cNvCxnSpPr/>
+      <p:pic>
+        <p:nvPicPr>
+          <p:cNvPr id="3" name="그림 2">
+            <a:extLst>
+              <a:ext uri="{FF2B5EF4-FFF2-40B4-BE49-F238E27FC236}">
+                <a16:creationId xmlns:a16="http://schemas.microsoft.com/office/drawing/2014/main" id="{9F5A604E-B914-4E29-B9DF-4DB2E61A88EE}"/>
+              </a:ext>
+            </a:extLst>
+          </p:cNvPr>
+          <p:cNvPicPr>
+            <a:picLocks noChangeAspect="1"/>
+          </p:cNvPicPr>
           <p:nvPr/>
-        </p:nvCxnSpPr>
-        <p:spPr>
-          <a:xfrm>
-            <a:off x="5882191" y="2792968"/>
-            <a:ext cx="0" cy="3611880"/>
-          </a:xfrm>
-          <a:prstGeom prst="line">
+        </p:nvPicPr>
+        <p:blipFill rotWithShape="1">
+          <a:blip r:embed="rId2"/>
+          <a:srcRect l="15354"/>
+          <a:stretch/>
+        </p:blipFill>
+        <p:spPr>
+          <a:xfrm>
+            <a:off x="1613140" y="2649917"/>
+            <a:ext cx="8100204" cy="3876793"/>
+          </a:xfrm>
+          <a:prstGeom prst="rect">
             <a:avLst/>
           </a:prstGeom>
-          <a:ln>
-            <a:solidFill>
-              <a:srgbClr val="153325"/>
-            </a:solidFill>
-          </a:ln>
-        </p:spPr>
-        <p:style>
-          <a:lnRef idx="1">
-            <a:schemeClr val="accent1"/>
-          </a:lnRef>
-          <a:fillRef idx="0">
-            <a:schemeClr val="accent1"/>
-          </a:fillRef>
-          <a:effectRef idx="0">
-            <a:schemeClr val="accent1"/>
-          </a:effectRef>
-          <a:fontRef idx="minor">
-            <a:schemeClr val="tx1"/>
-          </a:fontRef>
-        </p:style>
-      </p:cxnSp>
+        </p:spPr>
+      </p:pic>
     </p:spTree>
     <p:extLst>
       <p:ext uri="{BB962C8B-B14F-4D97-AF65-F5344CB8AC3E}">
@@ -13296,6 +15751,66 @@
           </a:p>
         </p:txBody>
       </p:sp>
+      <p:pic>
+        <p:nvPicPr>
+          <p:cNvPr id="6" name="그림 5">
+            <a:extLst>
+              <a:ext uri="{FF2B5EF4-FFF2-40B4-BE49-F238E27FC236}">
+                <a16:creationId xmlns:a16="http://schemas.microsoft.com/office/drawing/2014/main" id="{64320733-BBA5-4CF5-B73C-51F04A97B2B4}"/>
+              </a:ext>
+            </a:extLst>
+          </p:cNvPr>
+          <p:cNvPicPr>
+            <a:picLocks noChangeAspect="1"/>
+          </p:cNvPicPr>
+          <p:nvPr/>
+        </p:nvPicPr>
+        <p:blipFill>
+          <a:blip r:embed="rId2"/>
+          <a:stretch>
+            <a:fillRect/>
+          </a:stretch>
+        </p:blipFill>
+        <p:spPr>
+          <a:xfrm>
+            <a:off x="2296895" y="2585906"/>
+            <a:ext cx="7068503" cy="2821062"/>
+          </a:xfrm>
+          <a:prstGeom prst="rect">
+            <a:avLst/>
+          </a:prstGeom>
+          <a:solidFill>
+            <a:srgbClr val="FFFFFF">
+              <a:shade val="85000"/>
+            </a:srgbClr>
+          </a:solidFill>
+          <a:ln w="88900" cap="sq">
+            <a:solidFill>
+              <a:srgbClr val="FFFFFF"/>
+            </a:solidFill>
+            <a:miter lim="800000"/>
+          </a:ln>
+          <a:effectLst>
+            <a:outerShdw blurRad="55000" dist="18000" dir="5400000" algn="tl" rotWithShape="0">
+              <a:srgbClr val="000000">
+                <a:alpha val="40000"/>
+              </a:srgbClr>
+            </a:outerShdw>
+          </a:effectLst>
+          <a:scene3d>
+            <a:camera prst="orthographicFront"/>
+            <a:lightRig rig="twoPt" dir="t">
+              <a:rot lat="0" lon="0" rev="7200000"/>
+            </a:lightRig>
+          </a:scene3d>
+          <a:sp3d>
+            <a:bevelT w="25400" h="19050"/>
+            <a:contourClr>
+              <a:srgbClr val="FFFFFF"/>
+            </a:contourClr>
+          </a:sp3d>
+        </p:spPr>
+      </p:pic>
     </p:spTree>
     <p:extLst>
       <p:ext uri="{BB962C8B-B14F-4D97-AF65-F5344CB8AC3E}">
@@ -13581,6 +16096,66 @@
           </a:p>
         </p:txBody>
       </p:sp>
+      <p:pic>
+        <p:nvPicPr>
+          <p:cNvPr id="6" name="그림 5">
+            <a:extLst>
+              <a:ext uri="{FF2B5EF4-FFF2-40B4-BE49-F238E27FC236}">
+                <a16:creationId xmlns:a16="http://schemas.microsoft.com/office/drawing/2014/main" id="{EF580F97-ACD9-4E27-90C3-AA0ADA7F95CD}"/>
+              </a:ext>
+            </a:extLst>
+          </p:cNvPr>
+          <p:cNvPicPr>
+            <a:picLocks noChangeAspect="1"/>
+          </p:cNvPicPr>
+          <p:nvPr/>
+        </p:nvPicPr>
+        <p:blipFill>
+          <a:blip r:embed="rId2"/>
+          <a:stretch>
+            <a:fillRect/>
+          </a:stretch>
+        </p:blipFill>
+        <p:spPr>
+          <a:xfrm>
+            <a:off x="2640421" y="2732570"/>
+            <a:ext cx="6753614" cy="2674918"/>
+          </a:xfrm>
+          <a:prstGeom prst="rect">
+            <a:avLst/>
+          </a:prstGeom>
+          <a:solidFill>
+            <a:srgbClr val="FFFFFF">
+              <a:shade val="85000"/>
+            </a:srgbClr>
+          </a:solidFill>
+          <a:ln w="88900" cap="sq">
+            <a:solidFill>
+              <a:srgbClr val="FFFFFF"/>
+            </a:solidFill>
+            <a:miter lim="800000"/>
+          </a:ln>
+          <a:effectLst>
+            <a:outerShdw blurRad="55000" dist="18000" dir="5400000" algn="tl" rotWithShape="0">
+              <a:srgbClr val="000000">
+                <a:alpha val="40000"/>
+              </a:srgbClr>
+            </a:outerShdw>
+          </a:effectLst>
+          <a:scene3d>
+            <a:camera prst="orthographicFront"/>
+            <a:lightRig rig="twoPt" dir="t">
+              <a:rot lat="0" lon="0" rev="7200000"/>
+            </a:lightRig>
+          </a:scene3d>
+          <a:sp3d>
+            <a:bevelT w="25400" h="19050"/>
+            <a:contourClr>
+              <a:srgbClr val="FFFFFF"/>
+            </a:contourClr>
+          </a:sp3d>
+        </p:spPr>
+      </p:pic>
     </p:spTree>
     <p:extLst>
       <p:ext uri="{BB962C8B-B14F-4D97-AF65-F5344CB8AC3E}">
@@ -13909,6 +16484,66 @@
           </a:p>
         </p:txBody>
       </p:sp>
+      <p:pic>
+        <p:nvPicPr>
+          <p:cNvPr id="6" name="그림 5">
+            <a:extLst>
+              <a:ext uri="{FF2B5EF4-FFF2-40B4-BE49-F238E27FC236}">
+                <a16:creationId xmlns:a16="http://schemas.microsoft.com/office/drawing/2014/main" id="{2E0785DE-ECF9-454B-9BC9-7B37231C835B}"/>
+              </a:ext>
+            </a:extLst>
+          </p:cNvPr>
+          <p:cNvPicPr>
+            <a:picLocks noChangeAspect="1"/>
+          </p:cNvPicPr>
+          <p:nvPr/>
+        </p:nvPicPr>
+        <p:blipFill>
+          <a:blip r:embed="rId2"/>
+          <a:stretch>
+            <a:fillRect/>
+          </a:stretch>
+        </p:blipFill>
+        <p:spPr>
+          <a:xfrm>
+            <a:off x="1304623" y="2207970"/>
+            <a:ext cx="9080349" cy="4085732"/>
+          </a:xfrm>
+          <a:prstGeom prst="rect">
+            <a:avLst/>
+          </a:prstGeom>
+          <a:solidFill>
+            <a:srgbClr val="FFFFFF">
+              <a:shade val="85000"/>
+            </a:srgbClr>
+          </a:solidFill>
+          <a:ln w="88900" cap="sq">
+            <a:solidFill>
+              <a:srgbClr val="FFFFFF"/>
+            </a:solidFill>
+            <a:miter lim="800000"/>
+          </a:ln>
+          <a:effectLst>
+            <a:outerShdw blurRad="55000" dist="18000" dir="5400000" algn="tl" rotWithShape="0">
+              <a:srgbClr val="000000">
+                <a:alpha val="40000"/>
+              </a:srgbClr>
+            </a:outerShdw>
+          </a:effectLst>
+          <a:scene3d>
+            <a:camera prst="orthographicFront"/>
+            <a:lightRig rig="twoPt" dir="t">
+              <a:rot lat="0" lon="0" rev="7200000"/>
+            </a:lightRig>
+          </a:scene3d>
+          <a:sp3d>
+            <a:bevelT w="25400" h="19050"/>
+            <a:contourClr>
+              <a:srgbClr val="FFFFFF"/>
+            </a:contourClr>
+          </a:sp3d>
+        </p:spPr>
+      </p:pic>
     </p:spTree>
     <p:extLst>
       <p:ext uri="{BB962C8B-B14F-4D97-AF65-F5344CB8AC3E}">
@@ -14237,6 +16872,66 @@
           </a:p>
         </p:txBody>
       </p:sp>
+      <p:pic>
+        <p:nvPicPr>
+          <p:cNvPr id="6" name="그림 5">
+            <a:extLst>
+              <a:ext uri="{FF2B5EF4-FFF2-40B4-BE49-F238E27FC236}">
+                <a16:creationId xmlns:a16="http://schemas.microsoft.com/office/drawing/2014/main" id="{615BDAE5-A1CC-4BB1-AB0B-E24B3C888441}"/>
+              </a:ext>
+            </a:extLst>
+          </p:cNvPr>
+          <p:cNvPicPr>
+            <a:picLocks noChangeAspect="1"/>
+          </p:cNvPicPr>
+          <p:nvPr/>
+        </p:nvPicPr>
+        <p:blipFill>
+          <a:blip r:embed="rId2"/>
+          <a:stretch>
+            <a:fillRect/>
+          </a:stretch>
+        </p:blipFill>
+        <p:spPr>
+          <a:xfrm>
+            <a:off x="2167207" y="2031753"/>
+            <a:ext cx="7516274" cy="4534533"/>
+          </a:xfrm>
+          <a:prstGeom prst="rect">
+            <a:avLst/>
+          </a:prstGeom>
+          <a:solidFill>
+            <a:srgbClr val="FFFFFF">
+              <a:shade val="85000"/>
+            </a:srgbClr>
+          </a:solidFill>
+          <a:ln w="88900" cap="sq">
+            <a:solidFill>
+              <a:srgbClr val="FFFFFF"/>
+            </a:solidFill>
+            <a:miter lim="800000"/>
+          </a:ln>
+          <a:effectLst>
+            <a:outerShdw blurRad="55000" dist="18000" dir="5400000" algn="tl" rotWithShape="0">
+              <a:srgbClr val="000000">
+                <a:alpha val="40000"/>
+              </a:srgbClr>
+            </a:outerShdw>
+          </a:effectLst>
+          <a:scene3d>
+            <a:camera prst="orthographicFront"/>
+            <a:lightRig rig="twoPt" dir="t">
+              <a:rot lat="0" lon="0" rev="7200000"/>
+            </a:lightRig>
+          </a:scene3d>
+          <a:sp3d>
+            <a:bevelT w="25400" h="19050"/>
+            <a:contourClr>
+              <a:srgbClr val="FFFFFF"/>
+            </a:contourClr>
+          </a:sp3d>
+        </p:spPr>
+      </p:pic>
     </p:spTree>
     <p:extLst>
       <p:ext uri="{BB962C8B-B14F-4D97-AF65-F5344CB8AC3E}">

--- a/서버프로그램 구현.pptx
+++ b/서버프로그램 구현.pptx
@@ -21,26 +21,23 @@
     <p:sldId id="291" r:id="rId15"/>
     <p:sldId id="292" r:id="rId16"/>
     <p:sldId id="288" r:id="rId17"/>
-    <p:sldId id="271" r:id="rId18"/>
-    <p:sldId id="272" r:id="rId19"/>
-    <p:sldId id="279" r:id="rId20"/>
-    <p:sldId id="280" r:id="rId21"/>
+    <p:sldId id="280" r:id="rId18"/>
   </p:sldIdLst>
   <p:sldSz cx="12192000" cy="6858000"/>
   <p:notesSz cx="6858000" cy="9144000"/>
   <p:embeddedFontLst>
     <p:embeddedFont>
       <p:font typeface="맑은 고딕" panose="020B0503020000020004" pitchFamily="50" charset="-127"/>
-      <p:regular r:id="rId22"/>
-      <p:bold r:id="rId23"/>
+      <p:regular r:id="rId19"/>
+      <p:bold r:id="rId20"/>
     </p:embeddedFont>
     <p:embeddedFont>
       <p:font typeface="프리젠테이션 5 Medium" pitchFamily="2" charset="-127"/>
-      <p:regular r:id="rId24"/>
+      <p:regular r:id="rId21"/>
     </p:embeddedFont>
     <p:embeddedFont>
       <p:font typeface="프리젠테이션 6 SemiBold" pitchFamily="2" charset="-127"/>
-      <p:bold r:id="rId25"/>
+      <p:bold r:id="rId22"/>
     </p:embeddedFont>
   </p:embeddedFontLst>
   <p:defaultTextStyle>
@@ -7728,10 +7725,10 @@
       </p:grpSpPr>
       <p:sp>
         <p:nvSpPr>
-          <p:cNvPr id="8" name="TextBox 7">
-            <a:extLst>
-              <a:ext uri="{FF2B5EF4-FFF2-40B4-BE49-F238E27FC236}">
-                <a16:creationId xmlns:a16="http://schemas.microsoft.com/office/drawing/2014/main" id="{2061B9CF-338B-4901-ADEC-C8FB16C11592}"/>
+          <p:cNvPr id="6" name="TextBox 5">
+            <a:extLst>
+              <a:ext uri="{FF2B5EF4-FFF2-40B4-BE49-F238E27FC236}">
+                <a16:creationId xmlns:a16="http://schemas.microsoft.com/office/drawing/2014/main" id="{CD554CC0-8B52-4285-9519-0DF1F6CC0AC9}"/>
               </a:ext>
             </a:extLst>
           </p:cNvPr>
@@ -7740,8 +7737,8 @@
         </p:nvSpPr>
         <p:spPr>
           <a:xfrm>
-            <a:off x="1118387" y="1958460"/>
-            <a:ext cx="1838661" cy="307777"/>
+            <a:off x="1793240" y="2359690"/>
+            <a:ext cx="8808720" cy="1569660"/>
           </a:xfrm>
           <a:prstGeom prst="rect">
             <a:avLst/>
@@ -7749,32 +7746,47 @@
           <a:noFill/>
         </p:spPr>
         <p:txBody>
-          <a:bodyPr wrap="square">
+          <a:bodyPr wrap="square" rtlCol="0">
+            <a:prstTxWarp prst="textArchDown">
+              <a:avLst/>
+            </a:prstTxWarp>
             <a:spAutoFit/>
           </a:bodyPr>
           <a:lstStyle/>
           <a:p>
             <a:pPr algn="ctr"/>
             <a:r>
-              <a:rPr lang="ko-KR" altLang="en-US" sz="1400" dirty="0">
-                <a:solidFill>
-                  <a:srgbClr val="153325"/>
-                </a:solidFill>
-                <a:latin typeface="프리젠테이션 5 Medium" pitchFamily="2" charset="-127"/>
-                <a:ea typeface="프리젠테이션 5 Medium" pitchFamily="2" charset="-127"/>
-                <a:cs typeface="카페24 써라운드" pitchFamily="2" charset="-127"/>
-              </a:rPr>
-              <a:t>텍스트 입력</a:t>
-            </a:r>
-          </a:p>
-        </p:txBody>
-      </p:sp>
-      <p:sp>
-        <p:nvSpPr>
-          <p:cNvPr id="9" name="TextBox 8">
-            <a:extLst>
-              <a:ext uri="{FF2B5EF4-FFF2-40B4-BE49-F238E27FC236}">
-                <a16:creationId xmlns:a16="http://schemas.microsoft.com/office/drawing/2014/main" id="{818A98EC-EB20-45A8-A248-936B50F836CA}"/>
+              <a:rPr lang="en-US" altLang="ko-KR" sz="9600" dirty="0">
+                <a:solidFill>
+                  <a:schemeClr val="bg1">
+                    <a:lumMod val="75000"/>
+                  </a:schemeClr>
+                </a:solidFill>
+                <a:latin typeface="프리젠테이션 6 SemiBold" pitchFamily="2" charset="-127"/>
+                <a:ea typeface="프리젠테이션 6 SemiBold" pitchFamily="2" charset="-127"/>
+                <a:cs typeface="코트라 볼드체" panose="02020603020101020101" pitchFamily="18" charset="-127"/>
+              </a:rPr>
+              <a:t>THANK YOU</a:t>
+            </a:r>
+            <a:endParaRPr lang="ko-KR" altLang="en-US" sz="9600" dirty="0">
+              <a:solidFill>
+                <a:schemeClr val="bg1">
+                  <a:lumMod val="75000"/>
+                </a:schemeClr>
+              </a:solidFill>
+              <a:latin typeface="프리젠테이션 6 SemiBold" pitchFamily="2" charset="-127"/>
+              <a:ea typeface="프리젠테이션 6 SemiBold" pitchFamily="2" charset="-127"/>
+              <a:cs typeface="코트라 볼드체" panose="02020603020101020101" pitchFamily="18" charset="-127"/>
+            </a:endParaRPr>
+          </a:p>
+        </p:txBody>
+      </p:sp>
+      <p:sp>
+        <p:nvSpPr>
+          <p:cNvPr id="2" name="TextBox 1">
+            <a:extLst>
+              <a:ext uri="{FF2B5EF4-FFF2-40B4-BE49-F238E27FC236}">
+                <a16:creationId xmlns:a16="http://schemas.microsoft.com/office/drawing/2014/main" id="{1A7700FA-546B-4D8C-AE89-9DA39A120387}"/>
               </a:ext>
             </a:extLst>
           </p:cNvPr>
@@ -7783,8 +7795,8 @@
         </p:nvSpPr>
         <p:spPr>
           <a:xfrm>
-            <a:off x="3870552" y="1958460"/>
-            <a:ext cx="1838661" cy="307777"/>
+            <a:off x="1691640" y="2230180"/>
+            <a:ext cx="8808720" cy="1569660"/>
           </a:xfrm>
           <a:prstGeom prst="rect">
             <a:avLst/>
@@ -7792,153 +7804,62 @@
           <a:noFill/>
         </p:spPr>
         <p:txBody>
-          <a:bodyPr wrap="square">
+          <a:bodyPr wrap="square" rtlCol="0">
+            <a:prstTxWarp prst="textArchDown">
+              <a:avLst/>
+            </a:prstTxWarp>
             <a:spAutoFit/>
           </a:bodyPr>
           <a:lstStyle/>
           <a:p>
             <a:pPr algn="ctr"/>
             <a:r>
-              <a:rPr lang="ko-KR" altLang="en-US" sz="1400" dirty="0">
-                <a:solidFill>
-                  <a:srgbClr val="153325"/>
-                </a:solidFill>
-                <a:latin typeface="프리젠테이션 5 Medium" pitchFamily="2" charset="-127"/>
-                <a:ea typeface="프리젠테이션 5 Medium" pitchFamily="2" charset="-127"/>
-                <a:cs typeface="카페24 써라운드" pitchFamily="2" charset="-127"/>
-              </a:rPr>
-              <a:t>텍스트 입력</a:t>
-            </a:r>
-          </a:p>
-        </p:txBody>
-      </p:sp>
-      <p:sp>
-        <p:nvSpPr>
-          <p:cNvPr id="10" name="TextBox 9">
-            <a:extLst>
-              <a:ext uri="{FF2B5EF4-FFF2-40B4-BE49-F238E27FC236}">
-                <a16:creationId xmlns:a16="http://schemas.microsoft.com/office/drawing/2014/main" id="{8BF6AB37-0B7C-4CDB-8DE0-BD3241E8BA3F}"/>
-              </a:ext>
-            </a:extLst>
-          </p:cNvPr>
-          <p:cNvSpPr txBox="1"/>
+              <a:rPr lang="en-US" altLang="ko-KR" sz="9600" dirty="0">
+                <a:solidFill>
+                  <a:srgbClr val="577F71"/>
+                </a:solidFill>
+                <a:latin typeface="프리젠테이션 6 SemiBold" pitchFamily="2" charset="-127"/>
+                <a:ea typeface="프리젠테이션 6 SemiBold" pitchFamily="2" charset="-127"/>
+                <a:cs typeface="코트라 볼드체" panose="02020603020101020101" pitchFamily="18" charset="-127"/>
+              </a:rPr>
+              <a:t>THANK YOU</a:t>
+            </a:r>
+            <a:endParaRPr lang="ko-KR" altLang="en-US" sz="9600" dirty="0">
+              <a:solidFill>
+                <a:srgbClr val="577F71"/>
+              </a:solidFill>
+              <a:latin typeface="프리젠테이션 6 SemiBold" pitchFamily="2" charset="-127"/>
+              <a:ea typeface="프리젠테이션 6 SemiBold" pitchFamily="2" charset="-127"/>
+              <a:cs typeface="코트라 볼드체" panose="02020603020101020101" pitchFamily="18" charset="-127"/>
+            </a:endParaRPr>
+          </a:p>
+        </p:txBody>
+      </p:sp>
+      <p:sp>
+        <p:nvSpPr>
+          <p:cNvPr id="3" name="타원 2">
+            <a:extLst>
+              <a:ext uri="{FF2B5EF4-FFF2-40B4-BE49-F238E27FC236}">
+                <a16:creationId xmlns:a16="http://schemas.microsoft.com/office/drawing/2014/main" id="{7263EBAE-B329-4EFD-B04A-CCC263B5A1F1}"/>
+              </a:ext>
+            </a:extLst>
+          </p:cNvPr>
+          <p:cNvSpPr/>
           <p:nvPr/>
         </p:nvSpPr>
         <p:spPr>
           <a:xfrm>
-            <a:off x="6622717" y="1958460"/>
-            <a:ext cx="1838661" cy="307777"/>
-          </a:xfrm>
-          <a:prstGeom prst="rect">
+            <a:off x="4561840" y="2612390"/>
+            <a:ext cx="111760" cy="111760"/>
+          </a:xfrm>
+          <a:prstGeom prst="ellipse">
             <a:avLst/>
           </a:prstGeom>
-          <a:noFill/>
-        </p:spPr>
-        <p:txBody>
-          <a:bodyPr wrap="square">
-            <a:spAutoFit/>
-          </a:bodyPr>
-          <a:lstStyle/>
-          <a:p>
-            <a:pPr algn="ctr"/>
-            <a:r>
-              <a:rPr lang="ko-KR" altLang="en-US" sz="1400">
-                <a:solidFill>
-                  <a:srgbClr val="153325"/>
-                </a:solidFill>
-                <a:latin typeface="프리젠테이션 5 Medium" pitchFamily="2" charset="-127"/>
-                <a:ea typeface="프리젠테이션 5 Medium" pitchFamily="2" charset="-127"/>
-                <a:cs typeface="카페24 써라운드" pitchFamily="2" charset="-127"/>
-              </a:rPr>
-              <a:t>텍스트 입력</a:t>
-            </a:r>
-            <a:endParaRPr lang="ko-KR" altLang="en-US" sz="1400" dirty="0">
-              <a:solidFill>
-                <a:srgbClr val="153325"/>
-              </a:solidFill>
-              <a:latin typeface="프리젠테이션 5 Medium" pitchFamily="2" charset="-127"/>
-              <a:ea typeface="프리젠테이션 5 Medium" pitchFamily="2" charset="-127"/>
-              <a:cs typeface="카페24 써라운드" pitchFamily="2" charset="-127"/>
-            </a:endParaRPr>
-          </a:p>
-        </p:txBody>
-      </p:sp>
-      <p:sp>
-        <p:nvSpPr>
-          <p:cNvPr id="11" name="TextBox 10">
-            <a:extLst>
-              <a:ext uri="{FF2B5EF4-FFF2-40B4-BE49-F238E27FC236}">
-                <a16:creationId xmlns:a16="http://schemas.microsoft.com/office/drawing/2014/main" id="{C20A237D-DBCF-4D16-94EC-763115FF6907}"/>
-              </a:ext>
-            </a:extLst>
-          </p:cNvPr>
-          <p:cNvSpPr txBox="1"/>
-          <p:nvPr/>
-        </p:nvSpPr>
-        <p:spPr>
-          <a:xfrm>
-            <a:off x="9374876" y="1958460"/>
-            <a:ext cx="1838661" cy="307777"/>
-          </a:xfrm>
-          <a:prstGeom prst="rect">
-            <a:avLst/>
-          </a:prstGeom>
-          <a:noFill/>
-        </p:spPr>
-        <p:txBody>
-          <a:bodyPr wrap="square">
-            <a:spAutoFit/>
-          </a:bodyPr>
-          <a:lstStyle/>
-          <a:p>
-            <a:pPr algn="ctr"/>
-            <a:r>
-              <a:rPr lang="ko-KR" altLang="en-US" sz="1400">
-                <a:solidFill>
-                  <a:srgbClr val="153325"/>
-                </a:solidFill>
-                <a:latin typeface="프리젠테이션 5 Medium" pitchFamily="2" charset="-127"/>
-                <a:ea typeface="프리젠테이션 5 Medium" pitchFamily="2" charset="-127"/>
-                <a:cs typeface="카페24 써라운드" pitchFamily="2" charset="-127"/>
-              </a:rPr>
-              <a:t>텍스트 입력</a:t>
-            </a:r>
-            <a:endParaRPr lang="ko-KR" altLang="en-US" sz="1400" dirty="0">
-              <a:solidFill>
-                <a:srgbClr val="153325"/>
-              </a:solidFill>
-              <a:latin typeface="프리젠테이션 5 Medium" pitchFamily="2" charset="-127"/>
-              <a:ea typeface="프리젠테이션 5 Medium" pitchFamily="2" charset="-127"/>
-              <a:cs typeface="카페24 써라운드" pitchFamily="2" charset="-127"/>
-            </a:endParaRPr>
-          </a:p>
-        </p:txBody>
-      </p:sp>
-      <p:sp>
-        <p:nvSpPr>
-          <p:cNvPr id="12" name="직사각형 11">
-            <a:extLst>
-              <a:ext uri="{FF2B5EF4-FFF2-40B4-BE49-F238E27FC236}">
-                <a16:creationId xmlns:a16="http://schemas.microsoft.com/office/drawing/2014/main" id="{F47464A7-356E-4635-846C-A32EE3EF55DA}"/>
-              </a:ext>
-            </a:extLst>
-          </p:cNvPr>
-          <p:cNvSpPr/>
-          <p:nvPr/>
-        </p:nvSpPr>
-        <p:spPr>
-          <a:xfrm>
-            <a:off x="753038" y="2420506"/>
-            <a:ext cx="2429436" cy="3573872"/>
-          </a:xfrm>
-          <a:prstGeom prst="rect">
-            <a:avLst/>
-          </a:prstGeom>
-          <a:noFill/>
+          <a:solidFill>
+            <a:srgbClr val="43A375"/>
+          </a:solidFill>
           <a:ln>
-            <a:solidFill>
-              <a:srgbClr val="609E67"/>
-            </a:solidFill>
+            <a:noFill/>
           </a:ln>
         </p:spPr>
         <p:style>
@@ -7963,21 +7884,18 @@
           <a:p>
             <a:pPr algn="ctr"/>
             <a:endParaRPr lang="ko-KR" altLang="en-US">
-              <a:solidFill>
-                <a:schemeClr val="bg1"/>
-              </a:solidFill>
-              <a:latin typeface="프리젠테이션 5 Medium" pitchFamily="2" charset="-127"/>
-              <a:ea typeface="프리젠테이션 5 Medium" pitchFamily="2" charset="-127"/>
+              <a:latin typeface="프리젠테이션 6 SemiBold" pitchFamily="2" charset="-127"/>
+              <a:ea typeface="프리젠테이션 6 SemiBold" pitchFamily="2" charset="-127"/>
             </a:endParaRPr>
           </a:p>
         </p:txBody>
       </p:sp>
       <p:sp>
         <p:nvSpPr>
-          <p:cNvPr id="13" name="직사각형 12">
-            <a:extLst>
-              <a:ext uri="{FF2B5EF4-FFF2-40B4-BE49-F238E27FC236}">
-                <a16:creationId xmlns:a16="http://schemas.microsoft.com/office/drawing/2014/main" id="{27BD6E24-DA25-43A1-A024-62451416A9D3}"/>
+          <p:cNvPr id="4" name="타원 3">
+            <a:extLst>
+              <a:ext uri="{FF2B5EF4-FFF2-40B4-BE49-F238E27FC236}">
+                <a16:creationId xmlns:a16="http://schemas.microsoft.com/office/drawing/2014/main" id="{DD7C8B3B-98B1-455A-B644-EFB0479D257D}"/>
               </a:ext>
             </a:extLst>
           </p:cNvPr>
@@ -7986,17 +7904,17 @@
         </p:nvSpPr>
         <p:spPr>
           <a:xfrm>
-            <a:off x="3505203" y="2420506"/>
-            <a:ext cx="2429436" cy="3573872"/>
-          </a:xfrm>
-          <a:prstGeom prst="rect">
+            <a:off x="7193280" y="2631440"/>
+            <a:ext cx="111760" cy="111760"/>
+          </a:xfrm>
+          <a:prstGeom prst="ellipse">
             <a:avLst/>
           </a:prstGeom>
-          <a:noFill/>
+          <a:solidFill>
+            <a:srgbClr val="43A375"/>
+          </a:solidFill>
           <a:ln>
-            <a:solidFill>
-              <a:srgbClr val="67B7B5"/>
-            </a:solidFill>
+            <a:noFill/>
           </a:ln>
         </p:spPr>
         <p:style>
@@ -8021,21 +7939,18 @@
           <a:p>
             <a:pPr algn="ctr"/>
             <a:endParaRPr lang="ko-KR" altLang="en-US">
-              <a:solidFill>
-                <a:schemeClr val="bg1"/>
-              </a:solidFill>
-              <a:latin typeface="프리젠테이션 5 Medium" pitchFamily="2" charset="-127"/>
-              <a:ea typeface="프리젠테이션 5 Medium" pitchFamily="2" charset="-127"/>
+              <a:latin typeface="프리젠테이션 6 SemiBold" pitchFamily="2" charset="-127"/>
+              <a:ea typeface="프리젠테이션 6 SemiBold" pitchFamily="2" charset="-127"/>
             </a:endParaRPr>
           </a:p>
         </p:txBody>
       </p:sp>
       <p:sp>
         <p:nvSpPr>
-          <p:cNvPr id="14" name="직사각형 13">
-            <a:extLst>
-              <a:ext uri="{FF2B5EF4-FFF2-40B4-BE49-F238E27FC236}">
-                <a16:creationId xmlns:a16="http://schemas.microsoft.com/office/drawing/2014/main" id="{423DD630-AF73-4D50-A0B6-280B465BF656}"/>
+          <p:cNvPr id="5" name="타원 4">
+            <a:extLst>
+              <a:ext uri="{FF2B5EF4-FFF2-40B4-BE49-F238E27FC236}">
+                <a16:creationId xmlns:a16="http://schemas.microsoft.com/office/drawing/2014/main" id="{774BAC4D-3E86-409E-A168-88244060925A}"/>
               </a:ext>
             </a:extLst>
           </p:cNvPr>
@@ -8044,20 +7959,17 @@
         </p:nvSpPr>
         <p:spPr>
           <a:xfrm>
-            <a:off x="6257367" y="2420506"/>
-            <a:ext cx="2429436" cy="3573872"/>
-          </a:xfrm>
-          <a:prstGeom prst="rect">
+            <a:off x="8204835" y="2527935"/>
+            <a:ext cx="111760" cy="111760"/>
+          </a:xfrm>
+          <a:prstGeom prst="ellipse">
             <a:avLst/>
           </a:prstGeom>
-          <a:noFill/>
+          <a:solidFill>
+            <a:srgbClr val="43A375"/>
+          </a:solidFill>
           <a:ln>
-            <a:solidFill>
-              <a:schemeClr val="accent1">
-                <a:lumMod val="60000"/>
-                <a:lumOff val="40000"/>
-              </a:schemeClr>
-            </a:solidFill>
+            <a:noFill/>
           </a:ln>
         </p:spPr>
         <p:style>
@@ -8082,4419 +7994,16 @@
           <a:p>
             <a:pPr algn="ctr"/>
             <a:endParaRPr lang="ko-KR" altLang="en-US">
-              <a:ln w="0"/>
-              <a:solidFill>
-                <a:schemeClr val="bg1"/>
-              </a:solidFill>
-              <a:effectLst>
-                <a:outerShdw blurRad="38100" dist="19050" dir="2700000" algn="tl" rotWithShape="0">
-                  <a:schemeClr val="dk1">
-                    <a:alpha val="40000"/>
-                  </a:schemeClr>
-                </a:outerShdw>
-              </a:effectLst>
-              <a:latin typeface="프리젠테이션 5 Medium" pitchFamily="2" charset="-127"/>
-              <a:ea typeface="프리젠테이션 5 Medium" pitchFamily="2" charset="-127"/>
-            </a:endParaRPr>
-          </a:p>
-        </p:txBody>
-      </p:sp>
-      <p:sp>
-        <p:nvSpPr>
-          <p:cNvPr id="15" name="직사각형 14">
-            <a:extLst>
-              <a:ext uri="{FF2B5EF4-FFF2-40B4-BE49-F238E27FC236}">
-                <a16:creationId xmlns:a16="http://schemas.microsoft.com/office/drawing/2014/main" id="{E33A4C57-26C1-4B35-A9DC-749202295178}"/>
-              </a:ext>
-            </a:extLst>
-          </p:cNvPr>
-          <p:cNvSpPr/>
-          <p:nvPr/>
-        </p:nvSpPr>
-        <p:spPr>
-          <a:xfrm>
-            <a:off x="9009526" y="2420506"/>
-            <a:ext cx="2429436" cy="3573873"/>
-          </a:xfrm>
-          <a:prstGeom prst="rect">
-            <a:avLst/>
-          </a:prstGeom>
-          <a:noFill/>
-          <a:ln>
-            <a:solidFill>
-              <a:srgbClr val="153325"/>
-            </a:solidFill>
-          </a:ln>
-        </p:spPr>
-        <p:style>
-          <a:lnRef idx="2">
-            <a:schemeClr val="accent1">
-              <a:shade val="50000"/>
-            </a:schemeClr>
-          </a:lnRef>
-          <a:fillRef idx="1">
-            <a:schemeClr val="accent1"/>
-          </a:fillRef>
-          <a:effectRef idx="0">
-            <a:schemeClr val="accent1"/>
-          </a:effectRef>
-          <a:fontRef idx="minor">
-            <a:schemeClr val="lt1"/>
-          </a:fontRef>
-        </p:style>
-        <p:txBody>
-          <a:bodyPr rtlCol="0" anchor="ctr"/>
-          <a:lstStyle/>
-          <a:p>
-            <a:pPr algn="ctr"/>
-            <a:endParaRPr lang="ko-KR" altLang="en-US">
-              <a:solidFill>
-                <a:schemeClr val="bg1"/>
-              </a:solidFill>
-              <a:latin typeface="프리젠테이션 5 Medium" pitchFamily="2" charset="-127"/>
-              <a:ea typeface="프리젠테이션 5 Medium" pitchFamily="2" charset="-127"/>
-            </a:endParaRPr>
-          </a:p>
-        </p:txBody>
-      </p:sp>
-      <p:sp>
-        <p:nvSpPr>
-          <p:cNvPr id="16" name="TextBox 15">
-            <a:extLst>
-              <a:ext uri="{FF2B5EF4-FFF2-40B4-BE49-F238E27FC236}">
-                <a16:creationId xmlns:a16="http://schemas.microsoft.com/office/drawing/2014/main" id="{94E3846D-A8E7-4B0F-A0BC-69F570E43E56}"/>
-              </a:ext>
-            </a:extLst>
-          </p:cNvPr>
-          <p:cNvSpPr txBox="1"/>
-          <p:nvPr/>
-        </p:nvSpPr>
-        <p:spPr>
-          <a:xfrm>
-            <a:off x="900729" y="2715338"/>
-            <a:ext cx="2134049" cy="1338828"/>
-          </a:xfrm>
-          <a:prstGeom prst="rect">
-            <a:avLst/>
-          </a:prstGeom>
-          <a:noFill/>
-        </p:spPr>
-        <p:txBody>
-          <a:bodyPr wrap="square">
-            <a:spAutoFit/>
-          </a:bodyPr>
-          <a:lstStyle/>
-          <a:p>
-            <a:pPr algn="ctr">
-              <a:lnSpc>
-                <a:spcPct val="150000"/>
-              </a:lnSpc>
-            </a:pPr>
-            <a:r>
-              <a:rPr lang="ko-KR" altLang="en-US" sz="1100" b="0" i="0" dirty="0">
-                <a:solidFill>
-                  <a:srgbClr val="153325"/>
-                </a:solidFill>
-                <a:effectLst/>
-                <a:latin typeface="프리젠테이션 5 Medium" pitchFamily="2" charset="-127"/>
-                <a:ea typeface="프리젠테이션 5 Medium" pitchFamily="2" charset="-127"/>
-              </a:rPr>
-              <a:t>내가 바람 펴도 너는 절대 </a:t>
-            </a:r>
-            <a:r>
-              <a:rPr lang="ko-KR" altLang="en-US" sz="1100" b="0" i="0" dirty="0" err="1">
-                <a:solidFill>
-                  <a:srgbClr val="153325"/>
-                </a:solidFill>
-                <a:effectLst/>
-                <a:latin typeface="프리젠테이션 5 Medium" pitchFamily="2" charset="-127"/>
-                <a:ea typeface="프리젠테이션 5 Medium" pitchFamily="2" charset="-127"/>
-              </a:rPr>
-              <a:t>피지마</a:t>
-            </a:r>
-            <a:r>
-              <a:rPr lang="ko-KR" altLang="en-US" sz="1100" b="0" i="0" dirty="0">
-                <a:solidFill>
-                  <a:srgbClr val="153325"/>
-                </a:solidFill>
-                <a:effectLst/>
-                <a:latin typeface="프리젠테이션 5 Medium" pitchFamily="2" charset="-127"/>
-                <a:ea typeface="프리젠테이션 5 Medium" pitchFamily="2" charset="-127"/>
-              </a:rPr>
-              <a:t> </a:t>
-            </a:r>
-            <a:r>
-              <a:rPr lang="en-US" altLang="ko-KR" sz="1100" b="0" i="0" dirty="0">
-                <a:solidFill>
-                  <a:srgbClr val="153325"/>
-                </a:solidFill>
-                <a:effectLst/>
-                <a:latin typeface="프리젠테이션 5 Medium" pitchFamily="2" charset="-127"/>
-                <a:ea typeface="프리젠테이션 5 Medium" pitchFamily="2" charset="-127"/>
-              </a:rPr>
-              <a:t>Baby</a:t>
-            </a:r>
-            <a:br>
-              <a:rPr lang="ko-KR" altLang="en-US" sz="1100" dirty="0">
-                <a:solidFill>
-                  <a:srgbClr val="153325"/>
-                </a:solidFill>
-                <a:latin typeface="프리젠테이션 5 Medium" pitchFamily="2" charset="-127"/>
-                <a:ea typeface="프리젠테이션 5 Medium" pitchFamily="2" charset="-127"/>
-              </a:rPr>
-            </a:br>
-            <a:r>
-              <a:rPr lang="ko-KR" altLang="en-US" sz="1100" b="0" i="0" dirty="0">
-                <a:solidFill>
-                  <a:srgbClr val="153325"/>
-                </a:solidFill>
-                <a:effectLst/>
-                <a:latin typeface="프리젠테이션 5 Medium" pitchFamily="2" charset="-127"/>
-                <a:ea typeface="프리젠테이션 5 Medium" pitchFamily="2" charset="-127"/>
-              </a:rPr>
-              <a:t>나는 너를 잊어도 넌 나를 </a:t>
-            </a:r>
-            <a:r>
-              <a:rPr lang="ko-KR" altLang="en-US" sz="1100" b="0" i="0" dirty="0" err="1">
-                <a:solidFill>
-                  <a:srgbClr val="153325"/>
-                </a:solidFill>
-                <a:effectLst/>
-                <a:latin typeface="프리젠테이션 5 Medium" pitchFamily="2" charset="-127"/>
-                <a:ea typeface="프리젠테이션 5 Medium" pitchFamily="2" charset="-127"/>
-              </a:rPr>
-              <a:t>잊지마</a:t>
-            </a:r>
-            <a:r>
-              <a:rPr lang="ko-KR" altLang="en-US" sz="1100" b="0" i="0" dirty="0">
-                <a:solidFill>
-                  <a:srgbClr val="153325"/>
-                </a:solidFill>
-                <a:effectLst/>
-                <a:latin typeface="프리젠테이션 5 Medium" pitchFamily="2" charset="-127"/>
-                <a:ea typeface="프리젠테이션 5 Medium" pitchFamily="2" charset="-127"/>
-              </a:rPr>
-              <a:t> </a:t>
-            </a:r>
-            <a:r>
-              <a:rPr lang="en-US" altLang="ko-KR" sz="1100" b="0" i="0" dirty="0">
-                <a:solidFill>
-                  <a:srgbClr val="153325"/>
-                </a:solidFill>
-                <a:effectLst/>
-                <a:latin typeface="프리젠테이션 5 Medium" pitchFamily="2" charset="-127"/>
-                <a:ea typeface="프리젠테이션 5 Medium" pitchFamily="2" charset="-127"/>
-              </a:rPr>
-              <a:t>Lady</a:t>
-            </a:r>
-            <a:br>
-              <a:rPr lang="ko-KR" altLang="en-US" sz="1100" dirty="0">
-                <a:solidFill>
-                  <a:srgbClr val="153325"/>
-                </a:solidFill>
-                <a:latin typeface="프리젠테이션 5 Medium" pitchFamily="2" charset="-127"/>
-                <a:ea typeface="프리젠테이션 5 Medium" pitchFamily="2" charset="-127"/>
-              </a:rPr>
-            </a:br>
-            <a:r>
-              <a:rPr lang="ko-KR" altLang="en-US" sz="1100" b="0" i="0" dirty="0">
-                <a:solidFill>
-                  <a:srgbClr val="153325"/>
-                </a:solidFill>
-                <a:effectLst/>
-                <a:latin typeface="프리젠테이션 5 Medium" pitchFamily="2" charset="-127"/>
-                <a:ea typeface="프리젠테이션 5 Medium" pitchFamily="2" charset="-127"/>
-              </a:rPr>
-              <a:t>가끔 내가 연락이 없고 술을 마셔도</a:t>
-            </a:r>
-            <a:br>
-              <a:rPr lang="ko-KR" altLang="en-US" sz="1100" dirty="0">
-                <a:solidFill>
-                  <a:srgbClr val="153325"/>
-                </a:solidFill>
-                <a:latin typeface="프리젠테이션 5 Medium" pitchFamily="2" charset="-127"/>
-                <a:ea typeface="프리젠테이션 5 Medium" pitchFamily="2" charset="-127"/>
-              </a:rPr>
-            </a:br>
-            <a:r>
-              <a:rPr lang="ko-KR" altLang="en-US" sz="1100" b="0" i="0" dirty="0">
-                <a:solidFill>
-                  <a:srgbClr val="153325"/>
-                </a:solidFill>
-                <a:effectLst/>
-                <a:latin typeface="프리젠테이션 5 Medium" pitchFamily="2" charset="-127"/>
-                <a:ea typeface="프리젠테이션 5 Medium" pitchFamily="2" charset="-127"/>
-              </a:rPr>
-              <a:t>혹시 내가 다른 어떤 여자와</a:t>
-            </a:r>
-            <a:br>
-              <a:rPr lang="ko-KR" altLang="en-US" sz="1100" dirty="0">
-                <a:solidFill>
-                  <a:srgbClr val="153325"/>
-                </a:solidFill>
-                <a:latin typeface="프리젠테이션 5 Medium" pitchFamily="2" charset="-127"/>
-                <a:ea typeface="프리젠테이션 5 Medium" pitchFamily="2" charset="-127"/>
-              </a:rPr>
-            </a:br>
-            <a:r>
-              <a:rPr lang="ko-KR" altLang="en-US" sz="1100" b="0" i="0" dirty="0">
-                <a:solidFill>
-                  <a:srgbClr val="153325"/>
-                </a:solidFill>
-                <a:effectLst/>
-                <a:latin typeface="프리젠테이션 5 Medium" pitchFamily="2" charset="-127"/>
-                <a:ea typeface="프리젠테이션 5 Medium" pitchFamily="2" charset="-127"/>
-              </a:rPr>
-              <a:t>잠시 눈을 맞춰도 넌 나만 바라봐</a:t>
-            </a:r>
-            <a:endParaRPr lang="ko-KR" altLang="en-US" sz="1100" dirty="0">
-              <a:solidFill>
-                <a:srgbClr val="153325"/>
-              </a:solidFill>
-              <a:latin typeface="프리젠테이션 5 Medium" pitchFamily="2" charset="-127"/>
-              <a:ea typeface="프리젠테이션 5 Medium" pitchFamily="2" charset="-127"/>
-              <a:cs typeface="카페24 써라운드" pitchFamily="2" charset="-127"/>
-            </a:endParaRPr>
-          </a:p>
-        </p:txBody>
-      </p:sp>
-      <p:sp>
-        <p:nvSpPr>
-          <p:cNvPr id="17" name="TextBox 16">
-            <a:extLst>
-              <a:ext uri="{FF2B5EF4-FFF2-40B4-BE49-F238E27FC236}">
-                <a16:creationId xmlns:a16="http://schemas.microsoft.com/office/drawing/2014/main" id="{F0541831-043E-43E3-92B9-4F9A8A1BBD6B}"/>
-              </a:ext>
-            </a:extLst>
-          </p:cNvPr>
-          <p:cNvSpPr txBox="1"/>
-          <p:nvPr/>
-        </p:nvSpPr>
-        <p:spPr>
-          <a:xfrm>
-            <a:off x="3652894" y="2715338"/>
-            <a:ext cx="2134049" cy="1338828"/>
-          </a:xfrm>
-          <a:prstGeom prst="rect">
-            <a:avLst/>
-          </a:prstGeom>
-          <a:noFill/>
-        </p:spPr>
-        <p:txBody>
-          <a:bodyPr wrap="square">
-            <a:spAutoFit/>
-          </a:bodyPr>
-          <a:lstStyle/>
-          <a:p>
-            <a:pPr algn="ctr">
-              <a:lnSpc>
-                <a:spcPct val="150000"/>
-              </a:lnSpc>
-            </a:pPr>
-            <a:r>
-              <a:rPr lang="ko-KR" altLang="en-US" sz="1100" b="0" i="0" dirty="0">
-                <a:solidFill>
-                  <a:srgbClr val="153325"/>
-                </a:solidFill>
-                <a:effectLst/>
-                <a:latin typeface="프리젠테이션 5 Medium" pitchFamily="2" charset="-127"/>
-                <a:ea typeface="프리젠테이션 5 Medium" pitchFamily="2" charset="-127"/>
-              </a:rPr>
-              <a:t>내가 바람 펴도 너는 절대 </a:t>
-            </a:r>
-            <a:r>
-              <a:rPr lang="ko-KR" altLang="en-US" sz="1100" b="0" i="0" dirty="0" err="1">
-                <a:solidFill>
-                  <a:srgbClr val="153325"/>
-                </a:solidFill>
-                <a:effectLst/>
-                <a:latin typeface="프리젠테이션 5 Medium" pitchFamily="2" charset="-127"/>
-                <a:ea typeface="프리젠테이션 5 Medium" pitchFamily="2" charset="-127"/>
-              </a:rPr>
-              <a:t>피지마</a:t>
-            </a:r>
-            <a:r>
-              <a:rPr lang="ko-KR" altLang="en-US" sz="1100" b="0" i="0" dirty="0">
-                <a:solidFill>
-                  <a:srgbClr val="153325"/>
-                </a:solidFill>
-                <a:effectLst/>
-                <a:latin typeface="프리젠테이션 5 Medium" pitchFamily="2" charset="-127"/>
-                <a:ea typeface="프리젠테이션 5 Medium" pitchFamily="2" charset="-127"/>
-              </a:rPr>
-              <a:t> </a:t>
-            </a:r>
-            <a:r>
-              <a:rPr lang="en-US" altLang="ko-KR" sz="1100" b="0" i="0" dirty="0">
-                <a:solidFill>
-                  <a:srgbClr val="153325"/>
-                </a:solidFill>
-                <a:effectLst/>
-                <a:latin typeface="프리젠테이션 5 Medium" pitchFamily="2" charset="-127"/>
-                <a:ea typeface="프리젠테이션 5 Medium" pitchFamily="2" charset="-127"/>
-              </a:rPr>
-              <a:t>Baby</a:t>
-            </a:r>
-            <a:br>
-              <a:rPr lang="ko-KR" altLang="en-US" sz="1100" dirty="0">
-                <a:solidFill>
-                  <a:srgbClr val="153325"/>
-                </a:solidFill>
-                <a:latin typeface="프리젠테이션 5 Medium" pitchFamily="2" charset="-127"/>
-                <a:ea typeface="프리젠테이션 5 Medium" pitchFamily="2" charset="-127"/>
-              </a:rPr>
-            </a:br>
-            <a:r>
-              <a:rPr lang="ko-KR" altLang="en-US" sz="1100" b="0" i="0" dirty="0">
-                <a:solidFill>
-                  <a:srgbClr val="153325"/>
-                </a:solidFill>
-                <a:effectLst/>
-                <a:latin typeface="프리젠테이션 5 Medium" pitchFamily="2" charset="-127"/>
-                <a:ea typeface="프리젠테이션 5 Medium" pitchFamily="2" charset="-127"/>
-              </a:rPr>
-              <a:t>나는 너를 잊어도 넌 나를 </a:t>
-            </a:r>
-            <a:r>
-              <a:rPr lang="ko-KR" altLang="en-US" sz="1100" b="0" i="0" dirty="0" err="1">
-                <a:solidFill>
-                  <a:srgbClr val="153325"/>
-                </a:solidFill>
-                <a:effectLst/>
-                <a:latin typeface="프리젠테이션 5 Medium" pitchFamily="2" charset="-127"/>
-                <a:ea typeface="프리젠테이션 5 Medium" pitchFamily="2" charset="-127"/>
-              </a:rPr>
-              <a:t>잊지마</a:t>
-            </a:r>
-            <a:r>
-              <a:rPr lang="ko-KR" altLang="en-US" sz="1100" b="0" i="0" dirty="0">
-                <a:solidFill>
-                  <a:srgbClr val="153325"/>
-                </a:solidFill>
-                <a:effectLst/>
-                <a:latin typeface="프리젠테이션 5 Medium" pitchFamily="2" charset="-127"/>
-                <a:ea typeface="프리젠테이션 5 Medium" pitchFamily="2" charset="-127"/>
-              </a:rPr>
-              <a:t> </a:t>
-            </a:r>
-            <a:r>
-              <a:rPr lang="en-US" altLang="ko-KR" sz="1100" b="0" i="0" dirty="0">
-                <a:solidFill>
-                  <a:srgbClr val="153325"/>
-                </a:solidFill>
-                <a:effectLst/>
-                <a:latin typeface="프리젠테이션 5 Medium" pitchFamily="2" charset="-127"/>
-                <a:ea typeface="프리젠테이션 5 Medium" pitchFamily="2" charset="-127"/>
-              </a:rPr>
-              <a:t>Lady</a:t>
-            </a:r>
-            <a:br>
-              <a:rPr lang="ko-KR" altLang="en-US" sz="1100" dirty="0">
-                <a:solidFill>
-                  <a:srgbClr val="153325"/>
-                </a:solidFill>
-                <a:latin typeface="프리젠테이션 5 Medium" pitchFamily="2" charset="-127"/>
-                <a:ea typeface="프리젠테이션 5 Medium" pitchFamily="2" charset="-127"/>
-              </a:rPr>
-            </a:br>
-            <a:r>
-              <a:rPr lang="ko-KR" altLang="en-US" sz="1100" b="0" i="0" dirty="0">
-                <a:solidFill>
-                  <a:srgbClr val="153325"/>
-                </a:solidFill>
-                <a:effectLst/>
-                <a:latin typeface="프리젠테이션 5 Medium" pitchFamily="2" charset="-127"/>
-                <a:ea typeface="프리젠테이션 5 Medium" pitchFamily="2" charset="-127"/>
-              </a:rPr>
-              <a:t>가끔 내가 연락이 없고 술을 마셔도</a:t>
-            </a:r>
-            <a:br>
-              <a:rPr lang="ko-KR" altLang="en-US" sz="1100" dirty="0">
-                <a:solidFill>
-                  <a:srgbClr val="153325"/>
-                </a:solidFill>
-                <a:latin typeface="프리젠테이션 5 Medium" pitchFamily="2" charset="-127"/>
-                <a:ea typeface="프리젠테이션 5 Medium" pitchFamily="2" charset="-127"/>
-              </a:rPr>
-            </a:br>
-            <a:r>
-              <a:rPr lang="ko-KR" altLang="en-US" sz="1100" b="0" i="0" dirty="0">
-                <a:solidFill>
-                  <a:srgbClr val="153325"/>
-                </a:solidFill>
-                <a:effectLst/>
-                <a:latin typeface="프리젠테이션 5 Medium" pitchFamily="2" charset="-127"/>
-                <a:ea typeface="프리젠테이션 5 Medium" pitchFamily="2" charset="-127"/>
-              </a:rPr>
-              <a:t>혹시 내가 다른 어떤 여자와</a:t>
-            </a:r>
-            <a:br>
-              <a:rPr lang="ko-KR" altLang="en-US" sz="1100" dirty="0">
-                <a:solidFill>
-                  <a:srgbClr val="153325"/>
-                </a:solidFill>
-                <a:latin typeface="프리젠테이션 5 Medium" pitchFamily="2" charset="-127"/>
-                <a:ea typeface="프리젠테이션 5 Medium" pitchFamily="2" charset="-127"/>
-              </a:rPr>
-            </a:br>
-            <a:r>
-              <a:rPr lang="ko-KR" altLang="en-US" sz="1100" b="0" i="0" dirty="0">
-                <a:solidFill>
-                  <a:srgbClr val="153325"/>
-                </a:solidFill>
-                <a:effectLst/>
-                <a:latin typeface="프리젠테이션 5 Medium" pitchFamily="2" charset="-127"/>
-                <a:ea typeface="프리젠테이션 5 Medium" pitchFamily="2" charset="-127"/>
-              </a:rPr>
-              <a:t>잠시 눈을 맞춰도 넌 나만 바라봐</a:t>
-            </a:r>
-            <a:endParaRPr lang="ko-KR" altLang="en-US" sz="1100" dirty="0">
-              <a:solidFill>
-                <a:srgbClr val="153325"/>
-              </a:solidFill>
-              <a:latin typeface="프리젠테이션 5 Medium" pitchFamily="2" charset="-127"/>
-              <a:ea typeface="프리젠테이션 5 Medium" pitchFamily="2" charset="-127"/>
-              <a:cs typeface="카페24 써라운드" pitchFamily="2" charset="-127"/>
-            </a:endParaRPr>
-          </a:p>
-        </p:txBody>
-      </p:sp>
-      <p:sp>
-        <p:nvSpPr>
-          <p:cNvPr id="18" name="TextBox 17">
-            <a:extLst>
-              <a:ext uri="{FF2B5EF4-FFF2-40B4-BE49-F238E27FC236}">
-                <a16:creationId xmlns:a16="http://schemas.microsoft.com/office/drawing/2014/main" id="{20D33F8B-698C-4B19-94B7-5A179040DEFA}"/>
-              </a:ext>
-            </a:extLst>
-          </p:cNvPr>
-          <p:cNvSpPr txBox="1"/>
-          <p:nvPr/>
-        </p:nvSpPr>
-        <p:spPr>
-          <a:xfrm>
-            <a:off x="6405057" y="2715338"/>
-            <a:ext cx="2134049" cy="1338828"/>
-          </a:xfrm>
-          <a:prstGeom prst="rect">
-            <a:avLst/>
-          </a:prstGeom>
-          <a:noFill/>
-        </p:spPr>
-        <p:txBody>
-          <a:bodyPr wrap="square">
-            <a:spAutoFit/>
-          </a:bodyPr>
-          <a:lstStyle/>
-          <a:p>
-            <a:pPr algn="ctr">
-              <a:lnSpc>
-                <a:spcPct val="150000"/>
-              </a:lnSpc>
-            </a:pPr>
-            <a:r>
-              <a:rPr lang="ko-KR" altLang="en-US" sz="1100" b="0" i="0" dirty="0">
-                <a:solidFill>
-                  <a:srgbClr val="153325"/>
-                </a:solidFill>
-                <a:effectLst/>
-                <a:latin typeface="프리젠테이션 5 Medium" pitchFamily="2" charset="-127"/>
-                <a:ea typeface="프리젠테이션 5 Medium" pitchFamily="2" charset="-127"/>
-              </a:rPr>
-              <a:t>내가 바람 펴도 너는 절대 </a:t>
-            </a:r>
-            <a:r>
-              <a:rPr lang="ko-KR" altLang="en-US" sz="1100" b="0" i="0" dirty="0" err="1">
-                <a:solidFill>
-                  <a:srgbClr val="153325"/>
-                </a:solidFill>
-                <a:effectLst/>
-                <a:latin typeface="프리젠테이션 5 Medium" pitchFamily="2" charset="-127"/>
-                <a:ea typeface="프리젠테이션 5 Medium" pitchFamily="2" charset="-127"/>
-              </a:rPr>
-              <a:t>피지마</a:t>
-            </a:r>
-            <a:r>
-              <a:rPr lang="ko-KR" altLang="en-US" sz="1100" b="0" i="0" dirty="0">
-                <a:solidFill>
-                  <a:srgbClr val="153325"/>
-                </a:solidFill>
-                <a:effectLst/>
-                <a:latin typeface="프리젠테이션 5 Medium" pitchFamily="2" charset="-127"/>
-                <a:ea typeface="프리젠테이션 5 Medium" pitchFamily="2" charset="-127"/>
-              </a:rPr>
-              <a:t> </a:t>
-            </a:r>
-            <a:r>
-              <a:rPr lang="en-US" altLang="ko-KR" sz="1100" b="0" i="0" dirty="0">
-                <a:solidFill>
-                  <a:srgbClr val="153325"/>
-                </a:solidFill>
-                <a:effectLst/>
-                <a:latin typeface="프리젠테이션 5 Medium" pitchFamily="2" charset="-127"/>
-                <a:ea typeface="프리젠테이션 5 Medium" pitchFamily="2" charset="-127"/>
-              </a:rPr>
-              <a:t>Baby</a:t>
-            </a:r>
-            <a:br>
-              <a:rPr lang="ko-KR" altLang="en-US" sz="1100" dirty="0">
-                <a:solidFill>
-                  <a:srgbClr val="153325"/>
-                </a:solidFill>
-                <a:latin typeface="프리젠테이션 5 Medium" pitchFamily="2" charset="-127"/>
-                <a:ea typeface="프리젠테이션 5 Medium" pitchFamily="2" charset="-127"/>
-              </a:rPr>
-            </a:br>
-            <a:r>
-              <a:rPr lang="ko-KR" altLang="en-US" sz="1100" b="0" i="0" dirty="0">
-                <a:solidFill>
-                  <a:srgbClr val="153325"/>
-                </a:solidFill>
-                <a:effectLst/>
-                <a:latin typeface="프리젠테이션 5 Medium" pitchFamily="2" charset="-127"/>
-                <a:ea typeface="프리젠테이션 5 Medium" pitchFamily="2" charset="-127"/>
-              </a:rPr>
-              <a:t>나는 너를 잊어도 넌 나를 </a:t>
-            </a:r>
-            <a:r>
-              <a:rPr lang="ko-KR" altLang="en-US" sz="1100" b="0" i="0" dirty="0" err="1">
-                <a:solidFill>
-                  <a:srgbClr val="153325"/>
-                </a:solidFill>
-                <a:effectLst/>
-                <a:latin typeface="프리젠테이션 5 Medium" pitchFamily="2" charset="-127"/>
-                <a:ea typeface="프리젠테이션 5 Medium" pitchFamily="2" charset="-127"/>
-              </a:rPr>
-              <a:t>잊지마</a:t>
-            </a:r>
-            <a:r>
-              <a:rPr lang="ko-KR" altLang="en-US" sz="1100" b="0" i="0" dirty="0">
-                <a:solidFill>
-                  <a:srgbClr val="153325"/>
-                </a:solidFill>
-                <a:effectLst/>
-                <a:latin typeface="프리젠테이션 5 Medium" pitchFamily="2" charset="-127"/>
-                <a:ea typeface="프리젠테이션 5 Medium" pitchFamily="2" charset="-127"/>
-              </a:rPr>
-              <a:t> </a:t>
-            </a:r>
-            <a:r>
-              <a:rPr lang="en-US" altLang="ko-KR" sz="1100" b="0" i="0" dirty="0">
-                <a:solidFill>
-                  <a:srgbClr val="153325"/>
-                </a:solidFill>
-                <a:effectLst/>
-                <a:latin typeface="프리젠테이션 5 Medium" pitchFamily="2" charset="-127"/>
-                <a:ea typeface="프리젠테이션 5 Medium" pitchFamily="2" charset="-127"/>
-              </a:rPr>
-              <a:t>Lady</a:t>
-            </a:r>
-            <a:br>
-              <a:rPr lang="ko-KR" altLang="en-US" sz="1100" dirty="0">
-                <a:solidFill>
-                  <a:srgbClr val="153325"/>
-                </a:solidFill>
-                <a:latin typeface="프리젠테이션 5 Medium" pitchFamily="2" charset="-127"/>
-                <a:ea typeface="프리젠테이션 5 Medium" pitchFamily="2" charset="-127"/>
-              </a:rPr>
-            </a:br>
-            <a:r>
-              <a:rPr lang="ko-KR" altLang="en-US" sz="1100" b="0" i="0" dirty="0">
-                <a:solidFill>
-                  <a:srgbClr val="153325"/>
-                </a:solidFill>
-                <a:effectLst/>
-                <a:latin typeface="프리젠테이션 5 Medium" pitchFamily="2" charset="-127"/>
-                <a:ea typeface="프리젠테이션 5 Medium" pitchFamily="2" charset="-127"/>
-              </a:rPr>
-              <a:t>가끔 내가 연락이 없고 술을 마셔도</a:t>
-            </a:r>
-            <a:br>
-              <a:rPr lang="ko-KR" altLang="en-US" sz="1100" dirty="0">
-                <a:solidFill>
-                  <a:srgbClr val="153325"/>
-                </a:solidFill>
-                <a:latin typeface="프리젠테이션 5 Medium" pitchFamily="2" charset="-127"/>
-                <a:ea typeface="프리젠테이션 5 Medium" pitchFamily="2" charset="-127"/>
-              </a:rPr>
-            </a:br>
-            <a:r>
-              <a:rPr lang="ko-KR" altLang="en-US" sz="1100" b="0" i="0" dirty="0">
-                <a:solidFill>
-                  <a:srgbClr val="153325"/>
-                </a:solidFill>
-                <a:effectLst/>
-                <a:latin typeface="프리젠테이션 5 Medium" pitchFamily="2" charset="-127"/>
-                <a:ea typeface="프리젠테이션 5 Medium" pitchFamily="2" charset="-127"/>
-              </a:rPr>
-              <a:t>혹시 내가 다른 어떤 여자와</a:t>
-            </a:r>
-            <a:br>
-              <a:rPr lang="ko-KR" altLang="en-US" sz="1100" dirty="0">
-                <a:solidFill>
-                  <a:srgbClr val="153325"/>
-                </a:solidFill>
-                <a:latin typeface="프리젠테이션 5 Medium" pitchFamily="2" charset="-127"/>
-                <a:ea typeface="프리젠테이션 5 Medium" pitchFamily="2" charset="-127"/>
-              </a:rPr>
-            </a:br>
-            <a:r>
-              <a:rPr lang="ko-KR" altLang="en-US" sz="1100" b="0" i="0" dirty="0">
-                <a:solidFill>
-                  <a:srgbClr val="153325"/>
-                </a:solidFill>
-                <a:effectLst/>
-                <a:latin typeface="프리젠테이션 5 Medium" pitchFamily="2" charset="-127"/>
-                <a:ea typeface="프리젠테이션 5 Medium" pitchFamily="2" charset="-127"/>
-              </a:rPr>
-              <a:t>잠시 눈을 맞춰도 넌 나만 바라봐</a:t>
-            </a:r>
-            <a:endParaRPr lang="ko-KR" altLang="en-US" sz="1100" dirty="0">
-              <a:solidFill>
-                <a:srgbClr val="153325"/>
-              </a:solidFill>
-              <a:latin typeface="프리젠테이션 5 Medium" pitchFamily="2" charset="-127"/>
-              <a:ea typeface="프리젠테이션 5 Medium" pitchFamily="2" charset="-127"/>
-              <a:cs typeface="카페24 써라운드" pitchFamily="2" charset="-127"/>
-            </a:endParaRPr>
-          </a:p>
-        </p:txBody>
-      </p:sp>
-      <p:sp>
-        <p:nvSpPr>
-          <p:cNvPr id="19" name="TextBox 18">
-            <a:extLst>
-              <a:ext uri="{FF2B5EF4-FFF2-40B4-BE49-F238E27FC236}">
-                <a16:creationId xmlns:a16="http://schemas.microsoft.com/office/drawing/2014/main" id="{0C4C8414-FADC-4909-87B3-B824CACF9014}"/>
-              </a:ext>
-            </a:extLst>
-          </p:cNvPr>
-          <p:cNvSpPr txBox="1"/>
-          <p:nvPr/>
-        </p:nvSpPr>
-        <p:spPr>
-          <a:xfrm>
-            <a:off x="9157218" y="2715340"/>
-            <a:ext cx="2134050" cy="1338828"/>
-          </a:xfrm>
-          <a:prstGeom prst="rect">
-            <a:avLst/>
-          </a:prstGeom>
-          <a:noFill/>
-        </p:spPr>
-        <p:txBody>
-          <a:bodyPr wrap="square">
-            <a:spAutoFit/>
-          </a:bodyPr>
-          <a:lstStyle/>
-          <a:p>
-            <a:pPr algn="ctr">
-              <a:lnSpc>
-                <a:spcPct val="150000"/>
-              </a:lnSpc>
-            </a:pPr>
-            <a:r>
-              <a:rPr lang="ko-KR" altLang="en-US" sz="1100" b="0" i="0" dirty="0">
-                <a:solidFill>
-                  <a:srgbClr val="153325"/>
-                </a:solidFill>
-                <a:effectLst/>
-                <a:latin typeface="프리젠테이션 5 Medium" pitchFamily="2" charset="-127"/>
-                <a:ea typeface="프리젠테이션 5 Medium" pitchFamily="2" charset="-127"/>
-              </a:rPr>
-              <a:t>내가 바람 펴도 너는 절대 </a:t>
-            </a:r>
-            <a:r>
-              <a:rPr lang="ko-KR" altLang="en-US" sz="1100" b="0" i="0" dirty="0" err="1">
-                <a:solidFill>
-                  <a:srgbClr val="153325"/>
-                </a:solidFill>
-                <a:effectLst/>
-                <a:latin typeface="프리젠테이션 5 Medium" pitchFamily="2" charset="-127"/>
-                <a:ea typeface="프리젠테이션 5 Medium" pitchFamily="2" charset="-127"/>
-              </a:rPr>
-              <a:t>피지마</a:t>
-            </a:r>
-            <a:r>
-              <a:rPr lang="ko-KR" altLang="en-US" sz="1100" b="0" i="0" dirty="0">
-                <a:solidFill>
-                  <a:srgbClr val="153325"/>
-                </a:solidFill>
-                <a:effectLst/>
-                <a:latin typeface="프리젠테이션 5 Medium" pitchFamily="2" charset="-127"/>
-                <a:ea typeface="프리젠테이션 5 Medium" pitchFamily="2" charset="-127"/>
-              </a:rPr>
-              <a:t> </a:t>
-            </a:r>
-            <a:r>
-              <a:rPr lang="en-US" altLang="ko-KR" sz="1100" b="0" i="0" dirty="0">
-                <a:solidFill>
-                  <a:srgbClr val="153325"/>
-                </a:solidFill>
-                <a:effectLst/>
-                <a:latin typeface="프리젠테이션 5 Medium" pitchFamily="2" charset="-127"/>
-                <a:ea typeface="프리젠테이션 5 Medium" pitchFamily="2" charset="-127"/>
-              </a:rPr>
-              <a:t>Baby</a:t>
-            </a:r>
-            <a:br>
-              <a:rPr lang="ko-KR" altLang="en-US" sz="1100" dirty="0">
-                <a:solidFill>
-                  <a:srgbClr val="153325"/>
-                </a:solidFill>
-                <a:latin typeface="프리젠테이션 5 Medium" pitchFamily="2" charset="-127"/>
-                <a:ea typeface="프리젠테이션 5 Medium" pitchFamily="2" charset="-127"/>
-              </a:rPr>
-            </a:br>
-            <a:r>
-              <a:rPr lang="ko-KR" altLang="en-US" sz="1100" b="0" i="0" dirty="0">
-                <a:solidFill>
-                  <a:srgbClr val="153325"/>
-                </a:solidFill>
-                <a:effectLst/>
-                <a:latin typeface="프리젠테이션 5 Medium" pitchFamily="2" charset="-127"/>
-                <a:ea typeface="프리젠테이션 5 Medium" pitchFamily="2" charset="-127"/>
-              </a:rPr>
-              <a:t>나는 너를 잊어도 넌 나를 </a:t>
-            </a:r>
-            <a:r>
-              <a:rPr lang="ko-KR" altLang="en-US" sz="1100" b="0" i="0" dirty="0" err="1">
-                <a:solidFill>
-                  <a:srgbClr val="153325"/>
-                </a:solidFill>
-                <a:effectLst/>
-                <a:latin typeface="프리젠테이션 5 Medium" pitchFamily="2" charset="-127"/>
-                <a:ea typeface="프리젠테이션 5 Medium" pitchFamily="2" charset="-127"/>
-              </a:rPr>
-              <a:t>잊지마</a:t>
-            </a:r>
-            <a:r>
-              <a:rPr lang="ko-KR" altLang="en-US" sz="1100" b="0" i="0" dirty="0">
-                <a:solidFill>
-                  <a:srgbClr val="153325"/>
-                </a:solidFill>
-                <a:effectLst/>
-                <a:latin typeface="프리젠테이션 5 Medium" pitchFamily="2" charset="-127"/>
-                <a:ea typeface="프리젠테이션 5 Medium" pitchFamily="2" charset="-127"/>
-              </a:rPr>
-              <a:t> </a:t>
-            </a:r>
-            <a:r>
-              <a:rPr lang="en-US" altLang="ko-KR" sz="1100" b="0" i="0" dirty="0">
-                <a:solidFill>
-                  <a:srgbClr val="153325"/>
-                </a:solidFill>
-                <a:effectLst/>
-                <a:latin typeface="프리젠테이션 5 Medium" pitchFamily="2" charset="-127"/>
-                <a:ea typeface="프리젠테이션 5 Medium" pitchFamily="2" charset="-127"/>
-              </a:rPr>
-              <a:t>Lady</a:t>
-            </a:r>
-            <a:br>
-              <a:rPr lang="ko-KR" altLang="en-US" sz="1100" dirty="0">
-                <a:solidFill>
-                  <a:srgbClr val="153325"/>
-                </a:solidFill>
-                <a:latin typeface="프리젠테이션 5 Medium" pitchFamily="2" charset="-127"/>
-                <a:ea typeface="프리젠테이션 5 Medium" pitchFamily="2" charset="-127"/>
-              </a:rPr>
-            </a:br>
-            <a:r>
-              <a:rPr lang="ko-KR" altLang="en-US" sz="1100" b="0" i="0" dirty="0">
-                <a:solidFill>
-                  <a:srgbClr val="153325"/>
-                </a:solidFill>
-                <a:effectLst/>
-                <a:latin typeface="프리젠테이션 5 Medium" pitchFamily="2" charset="-127"/>
-                <a:ea typeface="프리젠테이션 5 Medium" pitchFamily="2" charset="-127"/>
-              </a:rPr>
-              <a:t>가끔 내가 연락이 없고 술을 마셔도</a:t>
-            </a:r>
-            <a:br>
-              <a:rPr lang="ko-KR" altLang="en-US" sz="1100" dirty="0">
-                <a:solidFill>
-                  <a:srgbClr val="153325"/>
-                </a:solidFill>
-                <a:latin typeface="프리젠테이션 5 Medium" pitchFamily="2" charset="-127"/>
-                <a:ea typeface="프리젠테이션 5 Medium" pitchFamily="2" charset="-127"/>
-              </a:rPr>
-            </a:br>
-            <a:r>
-              <a:rPr lang="ko-KR" altLang="en-US" sz="1100" b="0" i="0" dirty="0">
-                <a:solidFill>
-                  <a:srgbClr val="153325"/>
-                </a:solidFill>
-                <a:effectLst/>
-                <a:latin typeface="프리젠테이션 5 Medium" pitchFamily="2" charset="-127"/>
-                <a:ea typeface="프리젠테이션 5 Medium" pitchFamily="2" charset="-127"/>
-              </a:rPr>
-              <a:t>혹시 내가 다른 어떤 여자와</a:t>
-            </a:r>
-            <a:br>
-              <a:rPr lang="ko-KR" altLang="en-US" sz="1100" dirty="0">
-                <a:solidFill>
-                  <a:srgbClr val="153325"/>
-                </a:solidFill>
-                <a:latin typeface="프리젠테이션 5 Medium" pitchFamily="2" charset="-127"/>
-                <a:ea typeface="프리젠테이션 5 Medium" pitchFamily="2" charset="-127"/>
-              </a:rPr>
-            </a:br>
-            <a:r>
-              <a:rPr lang="ko-KR" altLang="en-US" sz="1100" b="0" i="0" dirty="0">
-                <a:solidFill>
-                  <a:srgbClr val="153325"/>
-                </a:solidFill>
-                <a:effectLst/>
-                <a:latin typeface="프리젠테이션 5 Medium" pitchFamily="2" charset="-127"/>
-                <a:ea typeface="프리젠테이션 5 Medium" pitchFamily="2" charset="-127"/>
-              </a:rPr>
-              <a:t>잠시 눈을 맞춰도 넌 나만 바라봐</a:t>
-            </a:r>
-            <a:endParaRPr lang="ko-KR" altLang="en-US" sz="1100" dirty="0">
-              <a:solidFill>
-                <a:srgbClr val="153325"/>
-              </a:solidFill>
-              <a:latin typeface="프리젠테이션 5 Medium" pitchFamily="2" charset="-127"/>
-              <a:ea typeface="프리젠테이션 5 Medium" pitchFamily="2" charset="-127"/>
-              <a:cs typeface="카페24 써라운드" pitchFamily="2" charset="-127"/>
-            </a:endParaRPr>
-          </a:p>
-        </p:txBody>
-      </p:sp>
-      <p:grpSp>
-        <p:nvGrpSpPr>
-          <p:cNvPr id="20" name="그룹 19">
-            <a:extLst>
-              <a:ext uri="{FF2B5EF4-FFF2-40B4-BE49-F238E27FC236}">
-                <a16:creationId xmlns:a16="http://schemas.microsoft.com/office/drawing/2014/main" id="{227E1DE4-14B4-4F1D-B47A-38CD3DB82AB1}"/>
-              </a:ext>
-            </a:extLst>
-          </p:cNvPr>
-          <p:cNvGrpSpPr/>
-          <p:nvPr/>
-        </p:nvGrpSpPr>
-        <p:grpSpPr>
-          <a:xfrm>
-            <a:off x="1556011" y="5574505"/>
-            <a:ext cx="750509" cy="839745"/>
-            <a:chOff x="1595716" y="4405728"/>
-            <a:chExt cx="750509" cy="839746"/>
-          </a:xfrm>
-          <a:pattFill prst="pct5">
-            <a:fgClr>
-              <a:schemeClr val="bg1">
-                <a:lumMod val="95000"/>
-              </a:schemeClr>
-            </a:fgClr>
-            <a:bgClr>
-              <a:schemeClr val="bg1"/>
-            </a:bgClr>
-          </a:pattFill>
-        </p:grpSpPr>
-        <p:sp>
-          <p:nvSpPr>
-            <p:cNvPr id="21" name="타원 20">
-              <a:extLst>
-                <a:ext uri="{FF2B5EF4-FFF2-40B4-BE49-F238E27FC236}">
-                  <a16:creationId xmlns:a16="http://schemas.microsoft.com/office/drawing/2014/main" id="{446E88E0-6F7F-423D-8B51-E6B05CCE0E38}"/>
-                </a:ext>
-              </a:extLst>
-            </p:cNvPr>
-            <p:cNvSpPr/>
-            <p:nvPr/>
-          </p:nvSpPr>
-          <p:spPr>
-            <a:xfrm>
-              <a:off x="1595716" y="4405728"/>
-              <a:ext cx="744071" cy="744071"/>
-            </a:xfrm>
-            <a:prstGeom prst="ellipse">
-              <a:avLst/>
-            </a:prstGeom>
-            <a:grpFill/>
-            <a:ln>
-              <a:solidFill>
-                <a:srgbClr val="609E67"/>
-              </a:solidFill>
-            </a:ln>
-          </p:spPr>
-          <p:style>
-            <a:lnRef idx="2">
-              <a:schemeClr val="accent1">
-                <a:shade val="50000"/>
-              </a:schemeClr>
-            </a:lnRef>
-            <a:fillRef idx="1">
-              <a:schemeClr val="accent1"/>
-            </a:fillRef>
-            <a:effectRef idx="0">
-              <a:schemeClr val="accent1"/>
-            </a:effectRef>
-            <a:fontRef idx="minor">
-              <a:schemeClr val="lt1"/>
-            </a:fontRef>
-          </p:style>
-          <p:txBody>
-            <a:bodyPr rtlCol="0" anchor="ctr"/>
-            <a:lstStyle/>
-            <a:p>
-              <a:pPr algn="ctr"/>
-              <a:r>
-                <a:rPr lang="en-US" altLang="ko-KR" dirty="0">
-                  <a:solidFill>
-                    <a:srgbClr val="153325"/>
-                  </a:solidFill>
-                  <a:latin typeface="프리젠테이션 5 Medium" pitchFamily="2" charset="-127"/>
-                  <a:ea typeface="프리젠테이션 5 Medium" pitchFamily="2" charset="-127"/>
-                  <a:cs typeface="코트라 볼드체" panose="02020603020101020101" pitchFamily="18" charset="-127"/>
-                </a:rPr>
-                <a:t>1</a:t>
-              </a:r>
-              <a:endParaRPr lang="ko-KR" altLang="en-US" dirty="0">
-                <a:solidFill>
-                  <a:srgbClr val="153325"/>
-                </a:solidFill>
-                <a:latin typeface="프리젠테이션 5 Medium" pitchFamily="2" charset="-127"/>
-                <a:ea typeface="프리젠테이션 5 Medium" pitchFamily="2" charset="-127"/>
-                <a:cs typeface="코트라 볼드체" panose="02020603020101020101" pitchFamily="18" charset="-127"/>
-              </a:endParaRPr>
-            </a:p>
-          </p:txBody>
-        </p:sp>
-        <p:sp>
-          <p:nvSpPr>
-            <p:cNvPr id="22" name="타원 21">
-              <a:extLst>
-                <a:ext uri="{FF2B5EF4-FFF2-40B4-BE49-F238E27FC236}">
-                  <a16:creationId xmlns:a16="http://schemas.microsoft.com/office/drawing/2014/main" id="{61B9D5F8-0D5C-4A5A-95DA-48E5759AB366}"/>
-                </a:ext>
-              </a:extLst>
-            </p:cNvPr>
-            <p:cNvSpPr/>
-            <p:nvPr/>
-          </p:nvSpPr>
-          <p:spPr>
-            <a:xfrm>
-              <a:off x="1602154" y="4501403"/>
-              <a:ext cx="744071" cy="744071"/>
-            </a:xfrm>
-            <a:prstGeom prst="ellipse">
-              <a:avLst/>
-            </a:prstGeom>
-            <a:grpFill/>
-            <a:ln>
-              <a:noFill/>
-            </a:ln>
-          </p:spPr>
-          <p:style>
-            <a:lnRef idx="2">
-              <a:schemeClr val="accent1">
-                <a:shade val="50000"/>
-              </a:schemeClr>
-            </a:lnRef>
-            <a:fillRef idx="1">
-              <a:schemeClr val="accent1"/>
-            </a:fillRef>
-            <a:effectRef idx="0">
-              <a:schemeClr val="accent1"/>
-            </a:effectRef>
-            <a:fontRef idx="minor">
-              <a:schemeClr val="lt1"/>
-            </a:fontRef>
-          </p:style>
-          <p:txBody>
-            <a:bodyPr rtlCol="0" anchor="ctr"/>
-            <a:lstStyle/>
-            <a:p>
-              <a:pPr algn="ctr"/>
-              <a:endParaRPr lang="ko-KR" altLang="en-US" dirty="0">
-                <a:solidFill>
-                  <a:srgbClr val="153325"/>
-                </a:solidFill>
-                <a:latin typeface="프리젠테이션 5 Medium" pitchFamily="2" charset="-127"/>
-                <a:ea typeface="프리젠테이션 5 Medium" pitchFamily="2" charset="-127"/>
-                <a:cs typeface="코트라 볼드체" panose="02020603020101020101" pitchFamily="18" charset="-127"/>
-              </a:endParaRPr>
-            </a:p>
-          </p:txBody>
-        </p:sp>
-      </p:grpSp>
-      <p:grpSp>
-        <p:nvGrpSpPr>
-          <p:cNvPr id="23" name="그룹 22">
-            <a:extLst>
-              <a:ext uri="{FF2B5EF4-FFF2-40B4-BE49-F238E27FC236}">
-                <a16:creationId xmlns:a16="http://schemas.microsoft.com/office/drawing/2014/main" id="{96A4CD42-4832-46EB-A099-DB8C0489C30F}"/>
-              </a:ext>
-            </a:extLst>
-          </p:cNvPr>
-          <p:cNvGrpSpPr/>
-          <p:nvPr/>
-        </p:nvGrpSpPr>
-        <p:grpSpPr>
-          <a:xfrm>
-            <a:off x="4303407" y="5574505"/>
-            <a:ext cx="750509" cy="839745"/>
-            <a:chOff x="1595716" y="4405728"/>
-            <a:chExt cx="750509" cy="839746"/>
-          </a:xfrm>
-          <a:pattFill prst="pct5">
-            <a:fgClr>
-              <a:schemeClr val="bg1">
-                <a:lumMod val="95000"/>
-              </a:schemeClr>
-            </a:fgClr>
-            <a:bgClr>
-              <a:schemeClr val="bg1"/>
-            </a:bgClr>
-          </a:pattFill>
-        </p:grpSpPr>
-        <p:sp>
-          <p:nvSpPr>
-            <p:cNvPr id="24" name="타원 23">
-              <a:extLst>
-                <a:ext uri="{FF2B5EF4-FFF2-40B4-BE49-F238E27FC236}">
-                  <a16:creationId xmlns:a16="http://schemas.microsoft.com/office/drawing/2014/main" id="{090F6E4B-490B-4E50-80A2-7983291BBA65}"/>
-                </a:ext>
-              </a:extLst>
-            </p:cNvPr>
-            <p:cNvSpPr/>
-            <p:nvPr/>
-          </p:nvSpPr>
-          <p:spPr>
-            <a:xfrm>
-              <a:off x="1595716" y="4405728"/>
-              <a:ext cx="744071" cy="744071"/>
-            </a:xfrm>
-            <a:prstGeom prst="ellipse">
-              <a:avLst/>
-            </a:prstGeom>
-            <a:grpFill/>
-            <a:ln>
-              <a:solidFill>
-                <a:srgbClr val="67B7B5"/>
-              </a:solidFill>
-            </a:ln>
-          </p:spPr>
-          <p:style>
-            <a:lnRef idx="2">
-              <a:schemeClr val="accent1">
-                <a:shade val="50000"/>
-              </a:schemeClr>
-            </a:lnRef>
-            <a:fillRef idx="1">
-              <a:schemeClr val="accent1"/>
-            </a:fillRef>
-            <a:effectRef idx="0">
-              <a:schemeClr val="accent1"/>
-            </a:effectRef>
-            <a:fontRef idx="minor">
-              <a:schemeClr val="lt1"/>
-            </a:fontRef>
-          </p:style>
-          <p:txBody>
-            <a:bodyPr rtlCol="0" anchor="ctr"/>
-            <a:lstStyle/>
-            <a:p>
-              <a:pPr algn="ctr"/>
-              <a:r>
-                <a:rPr lang="en-US" altLang="ko-KR" dirty="0">
-                  <a:solidFill>
-                    <a:srgbClr val="153325"/>
-                  </a:solidFill>
-                  <a:latin typeface="프리젠테이션 5 Medium" pitchFamily="2" charset="-127"/>
-                  <a:ea typeface="프리젠테이션 5 Medium" pitchFamily="2" charset="-127"/>
-                  <a:cs typeface="코트라 볼드체" panose="02020603020101020101" pitchFamily="18" charset="-127"/>
-                </a:rPr>
-                <a:t>1</a:t>
-              </a:r>
-              <a:endParaRPr lang="ko-KR" altLang="en-US" dirty="0">
-                <a:solidFill>
-                  <a:srgbClr val="153325"/>
-                </a:solidFill>
-                <a:latin typeface="프리젠테이션 5 Medium" pitchFamily="2" charset="-127"/>
-                <a:ea typeface="프리젠테이션 5 Medium" pitchFamily="2" charset="-127"/>
-                <a:cs typeface="코트라 볼드체" panose="02020603020101020101" pitchFamily="18" charset="-127"/>
-              </a:endParaRPr>
-            </a:p>
-          </p:txBody>
-        </p:sp>
-        <p:sp>
-          <p:nvSpPr>
-            <p:cNvPr id="25" name="타원 24">
-              <a:extLst>
-                <a:ext uri="{FF2B5EF4-FFF2-40B4-BE49-F238E27FC236}">
-                  <a16:creationId xmlns:a16="http://schemas.microsoft.com/office/drawing/2014/main" id="{0D750B60-42DC-4831-9737-CFEF88CD2FF0}"/>
-                </a:ext>
-              </a:extLst>
-            </p:cNvPr>
-            <p:cNvSpPr/>
-            <p:nvPr/>
-          </p:nvSpPr>
-          <p:spPr>
-            <a:xfrm>
-              <a:off x="1602154" y="4501403"/>
-              <a:ext cx="744071" cy="744071"/>
-            </a:xfrm>
-            <a:prstGeom prst="ellipse">
-              <a:avLst/>
-            </a:prstGeom>
-            <a:grpFill/>
-            <a:ln>
-              <a:noFill/>
-            </a:ln>
-          </p:spPr>
-          <p:style>
-            <a:lnRef idx="2">
-              <a:schemeClr val="accent1">
-                <a:shade val="50000"/>
-              </a:schemeClr>
-            </a:lnRef>
-            <a:fillRef idx="1">
-              <a:schemeClr val="accent1"/>
-            </a:fillRef>
-            <a:effectRef idx="0">
-              <a:schemeClr val="accent1"/>
-            </a:effectRef>
-            <a:fontRef idx="minor">
-              <a:schemeClr val="lt1"/>
-            </a:fontRef>
-          </p:style>
-          <p:txBody>
-            <a:bodyPr rtlCol="0" anchor="ctr"/>
-            <a:lstStyle/>
-            <a:p>
-              <a:pPr algn="ctr"/>
-              <a:endParaRPr lang="ko-KR" altLang="en-US" dirty="0">
-                <a:solidFill>
-                  <a:srgbClr val="153325"/>
-                </a:solidFill>
-                <a:latin typeface="프리젠테이션 5 Medium" pitchFamily="2" charset="-127"/>
-                <a:ea typeface="프리젠테이션 5 Medium" pitchFamily="2" charset="-127"/>
-                <a:cs typeface="코트라 볼드체" panose="02020603020101020101" pitchFamily="18" charset="-127"/>
-              </a:endParaRPr>
-            </a:p>
-          </p:txBody>
-        </p:sp>
-      </p:grpSp>
-      <p:grpSp>
-        <p:nvGrpSpPr>
-          <p:cNvPr id="26" name="그룹 25">
-            <a:extLst>
-              <a:ext uri="{FF2B5EF4-FFF2-40B4-BE49-F238E27FC236}">
-                <a16:creationId xmlns:a16="http://schemas.microsoft.com/office/drawing/2014/main" id="{60B6ABB8-FE8D-41B7-946D-2F8093567060}"/>
-              </a:ext>
-            </a:extLst>
-          </p:cNvPr>
-          <p:cNvGrpSpPr/>
-          <p:nvPr/>
-        </p:nvGrpSpPr>
-        <p:grpSpPr>
-          <a:xfrm>
-            <a:off x="7057121" y="5574504"/>
-            <a:ext cx="750509" cy="839745"/>
-            <a:chOff x="1595716" y="4405728"/>
-            <a:chExt cx="750509" cy="839746"/>
-          </a:xfrm>
-          <a:pattFill prst="pct5">
-            <a:fgClr>
-              <a:schemeClr val="bg1">
-                <a:lumMod val="95000"/>
-              </a:schemeClr>
-            </a:fgClr>
-            <a:bgClr>
-              <a:schemeClr val="bg1"/>
-            </a:bgClr>
-          </a:pattFill>
-        </p:grpSpPr>
-        <p:sp>
-          <p:nvSpPr>
-            <p:cNvPr id="27" name="타원 26">
-              <a:extLst>
-                <a:ext uri="{FF2B5EF4-FFF2-40B4-BE49-F238E27FC236}">
-                  <a16:creationId xmlns:a16="http://schemas.microsoft.com/office/drawing/2014/main" id="{8AF7D13D-36B7-45E4-9A96-6EB07BCAD413}"/>
-                </a:ext>
-              </a:extLst>
-            </p:cNvPr>
-            <p:cNvSpPr/>
-            <p:nvPr/>
-          </p:nvSpPr>
-          <p:spPr>
-            <a:xfrm>
-              <a:off x="1595716" y="4405728"/>
-              <a:ext cx="744071" cy="744071"/>
-            </a:xfrm>
-            <a:prstGeom prst="ellipse">
-              <a:avLst/>
-            </a:prstGeom>
-            <a:grpFill/>
-            <a:ln>
-              <a:solidFill>
-                <a:schemeClr val="accent1">
-                  <a:lumMod val="60000"/>
-                  <a:lumOff val="40000"/>
-                </a:schemeClr>
-              </a:solidFill>
-            </a:ln>
-          </p:spPr>
-          <p:style>
-            <a:lnRef idx="2">
-              <a:schemeClr val="accent1">
-                <a:shade val="50000"/>
-              </a:schemeClr>
-            </a:lnRef>
-            <a:fillRef idx="1">
-              <a:schemeClr val="accent1"/>
-            </a:fillRef>
-            <a:effectRef idx="0">
-              <a:schemeClr val="accent1"/>
-            </a:effectRef>
-            <a:fontRef idx="minor">
-              <a:schemeClr val="lt1"/>
-            </a:fontRef>
-          </p:style>
-          <p:txBody>
-            <a:bodyPr rtlCol="0" anchor="ctr"/>
-            <a:lstStyle/>
-            <a:p>
-              <a:pPr algn="ctr"/>
-              <a:r>
-                <a:rPr lang="en-US" altLang="ko-KR" dirty="0">
-                  <a:solidFill>
-                    <a:srgbClr val="153325"/>
-                  </a:solidFill>
-                  <a:latin typeface="프리젠테이션 5 Medium" pitchFamily="2" charset="-127"/>
-                  <a:ea typeface="프리젠테이션 5 Medium" pitchFamily="2" charset="-127"/>
-                  <a:cs typeface="코트라 볼드체" panose="02020603020101020101" pitchFamily="18" charset="-127"/>
-                </a:rPr>
-                <a:t>1</a:t>
-              </a:r>
-              <a:endParaRPr lang="ko-KR" altLang="en-US" dirty="0">
-                <a:solidFill>
-                  <a:srgbClr val="153325"/>
-                </a:solidFill>
-                <a:latin typeface="프리젠테이션 5 Medium" pitchFamily="2" charset="-127"/>
-                <a:ea typeface="프리젠테이션 5 Medium" pitchFamily="2" charset="-127"/>
-                <a:cs typeface="코트라 볼드체" panose="02020603020101020101" pitchFamily="18" charset="-127"/>
-              </a:endParaRPr>
-            </a:p>
-          </p:txBody>
-        </p:sp>
-        <p:sp>
-          <p:nvSpPr>
-            <p:cNvPr id="28" name="타원 27">
-              <a:extLst>
-                <a:ext uri="{FF2B5EF4-FFF2-40B4-BE49-F238E27FC236}">
-                  <a16:creationId xmlns:a16="http://schemas.microsoft.com/office/drawing/2014/main" id="{B146090D-8C52-47E2-A89B-40D094E0C148}"/>
-                </a:ext>
-              </a:extLst>
-            </p:cNvPr>
-            <p:cNvSpPr/>
-            <p:nvPr/>
-          </p:nvSpPr>
-          <p:spPr>
-            <a:xfrm>
-              <a:off x="1602154" y="4501403"/>
-              <a:ext cx="744071" cy="744071"/>
-            </a:xfrm>
-            <a:prstGeom prst="ellipse">
-              <a:avLst/>
-            </a:prstGeom>
-            <a:grpFill/>
-            <a:ln>
-              <a:noFill/>
-            </a:ln>
-          </p:spPr>
-          <p:style>
-            <a:lnRef idx="2">
-              <a:schemeClr val="accent1">
-                <a:shade val="50000"/>
-              </a:schemeClr>
-            </a:lnRef>
-            <a:fillRef idx="1">
-              <a:schemeClr val="accent1"/>
-            </a:fillRef>
-            <a:effectRef idx="0">
-              <a:schemeClr val="accent1"/>
-            </a:effectRef>
-            <a:fontRef idx="minor">
-              <a:schemeClr val="lt1"/>
-            </a:fontRef>
-          </p:style>
-          <p:txBody>
-            <a:bodyPr rtlCol="0" anchor="ctr"/>
-            <a:lstStyle/>
-            <a:p>
-              <a:pPr algn="ctr"/>
-              <a:endParaRPr lang="ko-KR" altLang="en-US" dirty="0">
-                <a:solidFill>
-                  <a:srgbClr val="153325"/>
-                </a:solidFill>
-                <a:latin typeface="프리젠테이션 5 Medium" pitchFamily="2" charset="-127"/>
-                <a:ea typeface="프리젠테이션 5 Medium" pitchFamily="2" charset="-127"/>
-                <a:cs typeface="코트라 볼드체" panose="02020603020101020101" pitchFamily="18" charset="-127"/>
-              </a:endParaRPr>
-            </a:p>
-          </p:txBody>
-        </p:sp>
-      </p:grpSp>
-      <p:grpSp>
-        <p:nvGrpSpPr>
-          <p:cNvPr id="29" name="그룹 28">
-            <a:extLst>
-              <a:ext uri="{FF2B5EF4-FFF2-40B4-BE49-F238E27FC236}">
-                <a16:creationId xmlns:a16="http://schemas.microsoft.com/office/drawing/2014/main" id="{158B33AE-9676-452B-90AA-9694ED9CD7D7}"/>
-              </a:ext>
-            </a:extLst>
-          </p:cNvPr>
-          <p:cNvGrpSpPr/>
-          <p:nvPr/>
-        </p:nvGrpSpPr>
-        <p:grpSpPr>
-          <a:xfrm>
-            <a:off x="9885480" y="5574506"/>
-            <a:ext cx="750509" cy="839745"/>
-            <a:chOff x="1595716" y="4405728"/>
-            <a:chExt cx="750509" cy="839746"/>
-          </a:xfrm>
-          <a:pattFill prst="pct5">
-            <a:fgClr>
-              <a:schemeClr val="bg1">
-                <a:lumMod val="95000"/>
-              </a:schemeClr>
-            </a:fgClr>
-            <a:bgClr>
-              <a:schemeClr val="bg1"/>
-            </a:bgClr>
-          </a:pattFill>
-        </p:grpSpPr>
-        <p:sp>
-          <p:nvSpPr>
-            <p:cNvPr id="30" name="타원 29">
-              <a:extLst>
-                <a:ext uri="{FF2B5EF4-FFF2-40B4-BE49-F238E27FC236}">
-                  <a16:creationId xmlns:a16="http://schemas.microsoft.com/office/drawing/2014/main" id="{35D9B8C1-FAA5-4C87-BD63-F072D3084323}"/>
-                </a:ext>
-              </a:extLst>
-            </p:cNvPr>
-            <p:cNvSpPr/>
-            <p:nvPr/>
-          </p:nvSpPr>
-          <p:spPr>
-            <a:xfrm>
-              <a:off x="1595716" y="4405728"/>
-              <a:ext cx="744071" cy="744071"/>
-            </a:xfrm>
-            <a:prstGeom prst="ellipse">
-              <a:avLst/>
-            </a:prstGeom>
-            <a:grpFill/>
-            <a:ln>
-              <a:solidFill>
-                <a:srgbClr val="153325"/>
-              </a:solidFill>
-            </a:ln>
-          </p:spPr>
-          <p:style>
-            <a:lnRef idx="2">
-              <a:schemeClr val="accent1">
-                <a:shade val="50000"/>
-              </a:schemeClr>
-            </a:lnRef>
-            <a:fillRef idx="1">
-              <a:schemeClr val="accent1"/>
-            </a:fillRef>
-            <a:effectRef idx="0">
-              <a:schemeClr val="accent1"/>
-            </a:effectRef>
-            <a:fontRef idx="minor">
-              <a:schemeClr val="lt1"/>
-            </a:fontRef>
-          </p:style>
-          <p:txBody>
-            <a:bodyPr rtlCol="0" anchor="ctr"/>
-            <a:lstStyle/>
-            <a:p>
-              <a:pPr algn="ctr"/>
-              <a:r>
-                <a:rPr lang="en-US" altLang="ko-KR" dirty="0">
-                  <a:solidFill>
-                    <a:srgbClr val="153325"/>
-                  </a:solidFill>
-                  <a:latin typeface="프리젠테이션 5 Medium" pitchFamily="2" charset="-127"/>
-                  <a:ea typeface="프리젠테이션 5 Medium" pitchFamily="2" charset="-127"/>
-                  <a:cs typeface="코트라 볼드체" panose="02020603020101020101" pitchFamily="18" charset="-127"/>
-                </a:rPr>
-                <a:t>1</a:t>
-              </a:r>
-              <a:endParaRPr lang="ko-KR" altLang="en-US" dirty="0">
-                <a:solidFill>
-                  <a:srgbClr val="153325"/>
-                </a:solidFill>
-                <a:latin typeface="프리젠테이션 5 Medium" pitchFamily="2" charset="-127"/>
-                <a:ea typeface="프리젠테이션 5 Medium" pitchFamily="2" charset="-127"/>
-                <a:cs typeface="코트라 볼드체" panose="02020603020101020101" pitchFamily="18" charset="-127"/>
-              </a:endParaRPr>
-            </a:p>
-          </p:txBody>
-        </p:sp>
-        <p:sp>
-          <p:nvSpPr>
-            <p:cNvPr id="31" name="타원 30">
-              <a:extLst>
-                <a:ext uri="{FF2B5EF4-FFF2-40B4-BE49-F238E27FC236}">
-                  <a16:creationId xmlns:a16="http://schemas.microsoft.com/office/drawing/2014/main" id="{891C3CC4-F9F6-48A2-B4A2-E697A9307849}"/>
-                </a:ext>
-              </a:extLst>
-            </p:cNvPr>
-            <p:cNvSpPr/>
-            <p:nvPr/>
-          </p:nvSpPr>
-          <p:spPr>
-            <a:xfrm>
-              <a:off x="1602154" y="4501403"/>
-              <a:ext cx="744071" cy="744071"/>
-            </a:xfrm>
-            <a:prstGeom prst="ellipse">
-              <a:avLst/>
-            </a:prstGeom>
-            <a:grpFill/>
-            <a:ln>
-              <a:noFill/>
-            </a:ln>
-          </p:spPr>
-          <p:style>
-            <a:lnRef idx="2">
-              <a:schemeClr val="accent1">
-                <a:shade val="50000"/>
-              </a:schemeClr>
-            </a:lnRef>
-            <a:fillRef idx="1">
-              <a:schemeClr val="accent1"/>
-            </a:fillRef>
-            <a:effectRef idx="0">
-              <a:schemeClr val="accent1"/>
-            </a:effectRef>
-            <a:fontRef idx="minor">
-              <a:schemeClr val="lt1"/>
-            </a:fontRef>
-          </p:style>
-          <p:txBody>
-            <a:bodyPr rtlCol="0" anchor="ctr"/>
-            <a:lstStyle/>
-            <a:p>
-              <a:pPr algn="ctr"/>
-              <a:endParaRPr lang="ko-KR" altLang="en-US" dirty="0">
-                <a:solidFill>
-                  <a:srgbClr val="153325"/>
-                </a:solidFill>
-                <a:latin typeface="프리젠테이션 5 Medium" pitchFamily="2" charset="-127"/>
-                <a:ea typeface="프리젠테이션 5 Medium" pitchFamily="2" charset="-127"/>
-                <a:cs typeface="코트라 볼드체" panose="02020603020101020101" pitchFamily="18" charset="-127"/>
-              </a:endParaRPr>
-            </a:p>
-          </p:txBody>
-        </p:sp>
-      </p:grpSp>
-      <p:sp>
-        <p:nvSpPr>
-          <p:cNvPr id="32" name="TextBox 31">
-            <a:extLst>
-              <a:ext uri="{FF2B5EF4-FFF2-40B4-BE49-F238E27FC236}">
-                <a16:creationId xmlns:a16="http://schemas.microsoft.com/office/drawing/2014/main" id="{359173D8-1143-409E-A2C7-366945960492}"/>
-              </a:ext>
-            </a:extLst>
-          </p:cNvPr>
-          <p:cNvSpPr txBox="1"/>
-          <p:nvPr/>
-        </p:nvSpPr>
-        <p:spPr>
-          <a:xfrm>
-            <a:off x="1638646" y="5743249"/>
-            <a:ext cx="591676" cy="369332"/>
-          </a:xfrm>
-          <a:prstGeom prst="rect">
-            <a:avLst/>
-          </a:prstGeom>
-          <a:noFill/>
-        </p:spPr>
-        <p:txBody>
-          <a:bodyPr wrap="square">
-            <a:spAutoFit/>
-          </a:bodyPr>
-          <a:lstStyle/>
-          <a:p>
-            <a:pPr algn="ctr"/>
-            <a:r>
-              <a:rPr lang="en-US" altLang="ko-KR" dirty="0">
-                <a:solidFill>
-                  <a:srgbClr val="153325"/>
-                </a:solidFill>
-                <a:latin typeface="프리젠테이션 5 Medium" pitchFamily="2" charset="-127"/>
-                <a:ea typeface="프리젠테이션 5 Medium" pitchFamily="2" charset="-127"/>
-                <a:cs typeface="카페24 써라운드" pitchFamily="2" charset="-127"/>
-              </a:rPr>
-              <a:t>01</a:t>
-            </a:r>
-            <a:endParaRPr lang="ko-KR" altLang="en-US" dirty="0">
-              <a:solidFill>
-                <a:srgbClr val="153325"/>
-              </a:solidFill>
-              <a:latin typeface="프리젠테이션 5 Medium" pitchFamily="2" charset="-127"/>
-              <a:ea typeface="프리젠테이션 5 Medium" pitchFamily="2" charset="-127"/>
-            </a:endParaRPr>
-          </a:p>
-        </p:txBody>
-      </p:sp>
-      <p:sp>
-        <p:nvSpPr>
-          <p:cNvPr id="33" name="TextBox 32">
-            <a:extLst>
-              <a:ext uri="{FF2B5EF4-FFF2-40B4-BE49-F238E27FC236}">
-                <a16:creationId xmlns:a16="http://schemas.microsoft.com/office/drawing/2014/main" id="{7E7303C3-8D3A-49B4-9A2E-0483D40E9297}"/>
-              </a:ext>
-            </a:extLst>
-          </p:cNvPr>
-          <p:cNvSpPr txBox="1"/>
-          <p:nvPr/>
-        </p:nvSpPr>
-        <p:spPr>
-          <a:xfrm>
-            <a:off x="4377740" y="5743249"/>
-            <a:ext cx="591676" cy="369332"/>
-          </a:xfrm>
-          <a:prstGeom prst="rect">
-            <a:avLst/>
-          </a:prstGeom>
-          <a:noFill/>
-        </p:spPr>
-        <p:txBody>
-          <a:bodyPr wrap="square">
-            <a:spAutoFit/>
-          </a:bodyPr>
-          <a:lstStyle/>
-          <a:p>
-            <a:pPr algn="ctr"/>
-            <a:r>
-              <a:rPr lang="en-US" altLang="ko-KR" dirty="0">
-                <a:solidFill>
-                  <a:srgbClr val="153325"/>
-                </a:solidFill>
-                <a:latin typeface="프리젠테이션 5 Medium" pitchFamily="2" charset="-127"/>
-                <a:ea typeface="프리젠테이션 5 Medium" pitchFamily="2" charset="-127"/>
-                <a:cs typeface="카페24 써라운드" pitchFamily="2" charset="-127"/>
-              </a:rPr>
-              <a:t>02</a:t>
-            </a:r>
-            <a:endParaRPr lang="ko-KR" altLang="en-US" dirty="0">
-              <a:solidFill>
-                <a:srgbClr val="153325"/>
-              </a:solidFill>
-              <a:latin typeface="프리젠테이션 5 Medium" pitchFamily="2" charset="-127"/>
-              <a:ea typeface="프리젠테이션 5 Medium" pitchFamily="2" charset="-127"/>
-            </a:endParaRPr>
-          </a:p>
-        </p:txBody>
-      </p:sp>
-      <p:sp>
-        <p:nvSpPr>
-          <p:cNvPr id="34" name="TextBox 33">
-            <a:extLst>
-              <a:ext uri="{FF2B5EF4-FFF2-40B4-BE49-F238E27FC236}">
-                <a16:creationId xmlns:a16="http://schemas.microsoft.com/office/drawing/2014/main" id="{87B3DCE6-81AE-4E39-B4E3-B34220E3A4B7}"/>
-              </a:ext>
-            </a:extLst>
-          </p:cNvPr>
-          <p:cNvSpPr txBox="1"/>
-          <p:nvPr/>
-        </p:nvSpPr>
-        <p:spPr>
-          <a:xfrm>
-            <a:off x="9958466" y="5743243"/>
-            <a:ext cx="591676" cy="369332"/>
-          </a:xfrm>
-          <a:prstGeom prst="rect">
-            <a:avLst/>
-          </a:prstGeom>
-          <a:noFill/>
-        </p:spPr>
-        <p:txBody>
-          <a:bodyPr wrap="square">
-            <a:spAutoFit/>
-          </a:bodyPr>
-          <a:lstStyle/>
-          <a:p>
-            <a:pPr algn="ctr"/>
-            <a:r>
-              <a:rPr lang="en-US" altLang="ko-KR" dirty="0">
-                <a:solidFill>
-                  <a:srgbClr val="153325"/>
-                </a:solidFill>
-                <a:latin typeface="프리젠테이션 5 Medium" pitchFamily="2" charset="-127"/>
-                <a:ea typeface="프리젠테이션 5 Medium" pitchFamily="2" charset="-127"/>
-                <a:cs typeface="카페24 써라운드" pitchFamily="2" charset="-127"/>
-              </a:rPr>
-              <a:t>04</a:t>
-            </a:r>
-            <a:endParaRPr lang="ko-KR" altLang="en-US" dirty="0">
-              <a:solidFill>
-                <a:srgbClr val="153325"/>
-              </a:solidFill>
-              <a:latin typeface="프리젠테이션 5 Medium" pitchFamily="2" charset="-127"/>
-              <a:ea typeface="프리젠테이션 5 Medium" pitchFamily="2" charset="-127"/>
-            </a:endParaRPr>
-          </a:p>
-        </p:txBody>
-      </p:sp>
-      <p:sp>
-        <p:nvSpPr>
-          <p:cNvPr id="35" name="TextBox 34">
-            <a:extLst>
-              <a:ext uri="{FF2B5EF4-FFF2-40B4-BE49-F238E27FC236}">
-                <a16:creationId xmlns:a16="http://schemas.microsoft.com/office/drawing/2014/main" id="{22A00381-6F62-4948-A283-62AEC8A1F72F}"/>
-              </a:ext>
-            </a:extLst>
-          </p:cNvPr>
-          <p:cNvSpPr txBox="1"/>
-          <p:nvPr/>
-        </p:nvSpPr>
-        <p:spPr>
-          <a:xfrm>
-            <a:off x="7133059" y="5743249"/>
-            <a:ext cx="591676" cy="369332"/>
-          </a:xfrm>
-          <a:prstGeom prst="rect">
-            <a:avLst/>
-          </a:prstGeom>
-          <a:noFill/>
-        </p:spPr>
-        <p:txBody>
-          <a:bodyPr wrap="square">
-            <a:spAutoFit/>
-          </a:bodyPr>
-          <a:lstStyle/>
-          <a:p>
-            <a:pPr algn="ctr"/>
-            <a:r>
-              <a:rPr lang="en-US" altLang="ko-KR" dirty="0">
-                <a:solidFill>
-                  <a:srgbClr val="153325"/>
-                </a:solidFill>
-                <a:latin typeface="프리젠테이션 5 Medium" pitchFamily="2" charset="-127"/>
-                <a:ea typeface="프리젠테이션 5 Medium" pitchFamily="2" charset="-127"/>
-                <a:cs typeface="카페24 써라운드" pitchFamily="2" charset="-127"/>
-              </a:rPr>
-              <a:t>03</a:t>
-            </a:r>
-            <a:endParaRPr lang="ko-KR" altLang="en-US" dirty="0">
-              <a:solidFill>
-                <a:srgbClr val="153325"/>
-              </a:solidFill>
-              <a:latin typeface="프리젠테이션 5 Medium" pitchFamily="2" charset="-127"/>
-              <a:ea typeface="프리젠테이션 5 Medium" pitchFamily="2" charset="-127"/>
-            </a:endParaRPr>
-          </a:p>
-        </p:txBody>
-      </p:sp>
-      <p:sp>
-        <p:nvSpPr>
-          <p:cNvPr id="40" name="직사각형 39">
-            <a:extLst>
-              <a:ext uri="{FF2B5EF4-FFF2-40B4-BE49-F238E27FC236}">
-                <a16:creationId xmlns:a16="http://schemas.microsoft.com/office/drawing/2014/main" id="{001678A9-1284-4CD2-BD4A-85734940BEDF}"/>
-              </a:ext>
-            </a:extLst>
-          </p:cNvPr>
-          <p:cNvSpPr/>
-          <p:nvPr/>
-        </p:nvSpPr>
-        <p:spPr>
-          <a:xfrm>
-            <a:off x="766763" y="1309684"/>
-            <a:ext cx="441897" cy="110667"/>
-          </a:xfrm>
-          <a:prstGeom prst="rect">
-            <a:avLst/>
-          </a:prstGeom>
-          <a:solidFill>
-            <a:srgbClr val="22523B"/>
-          </a:solidFill>
-          <a:ln>
-            <a:noFill/>
-          </a:ln>
-        </p:spPr>
-        <p:style>
-          <a:lnRef idx="2">
-            <a:schemeClr val="accent1">
-              <a:shade val="50000"/>
-            </a:schemeClr>
-          </a:lnRef>
-          <a:fillRef idx="1">
-            <a:schemeClr val="accent1"/>
-          </a:fillRef>
-          <a:effectRef idx="0">
-            <a:schemeClr val="accent1"/>
-          </a:effectRef>
-          <a:fontRef idx="minor">
-            <a:schemeClr val="lt1"/>
-          </a:fontRef>
-        </p:style>
-        <p:txBody>
-          <a:bodyPr rtlCol="0" anchor="ctr"/>
-          <a:lstStyle/>
-          <a:p>
-            <a:pPr algn="ctr"/>
-            <a:endParaRPr lang="ko-KR" altLang="en-US" sz="3200">
-              <a:solidFill>
-                <a:srgbClr val="22523B"/>
-              </a:solidFill>
               <a:latin typeface="프리젠테이션 6 SemiBold" pitchFamily="2" charset="-127"/>
               <a:ea typeface="프리젠테이션 6 SemiBold" pitchFamily="2" charset="-127"/>
             </a:endParaRPr>
           </a:p>
         </p:txBody>
       </p:sp>
-      <p:sp>
-        <p:nvSpPr>
-          <p:cNvPr id="41" name="직사각형 40">
-            <a:extLst>
-              <a:ext uri="{FF2B5EF4-FFF2-40B4-BE49-F238E27FC236}">
-                <a16:creationId xmlns:a16="http://schemas.microsoft.com/office/drawing/2014/main" id="{2ED2A21B-5ABE-4BE3-80CC-FF95F90C5451}"/>
-              </a:ext>
-            </a:extLst>
-          </p:cNvPr>
-          <p:cNvSpPr/>
-          <p:nvPr/>
-        </p:nvSpPr>
-        <p:spPr>
-          <a:xfrm>
-            <a:off x="1208660" y="1309684"/>
-            <a:ext cx="3698240" cy="110667"/>
-          </a:xfrm>
-          <a:prstGeom prst="rect">
-            <a:avLst/>
-          </a:prstGeom>
-          <a:solidFill>
-            <a:schemeClr val="bg1">
-              <a:lumMod val="85000"/>
-            </a:schemeClr>
-          </a:solidFill>
-          <a:ln>
-            <a:noFill/>
-          </a:ln>
-        </p:spPr>
-        <p:style>
-          <a:lnRef idx="2">
-            <a:schemeClr val="accent1">
-              <a:shade val="50000"/>
-            </a:schemeClr>
-          </a:lnRef>
-          <a:fillRef idx="1">
-            <a:schemeClr val="accent1"/>
-          </a:fillRef>
-          <a:effectRef idx="0">
-            <a:schemeClr val="accent1"/>
-          </a:effectRef>
-          <a:fontRef idx="minor">
-            <a:schemeClr val="lt1"/>
-          </a:fontRef>
-        </p:style>
-        <p:txBody>
-          <a:bodyPr rtlCol="0" anchor="ctr"/>
-          <a:lstStyle/>
-          <a:p>
-            <a:pPr algn="ctr"/>
-            <a:endParaRPr lang="ko-KR" altLang="en-US" sz="3200">
-              <a:solidFill>
-                <a:srgbClr val="22523B"/>
-              </a:solidFill>
-              <a:latin typeface="프리젠테이션 6 SemiBold" pitchFamily="2" charset="-127"/>
-              <a:ea typeface="프리젠테이션 6 SemiBold" pitchFamily="2" charset="-127"/>
-            </a:endParaRPr>
-          </a:p>
-        </p:txBody>
-      </p:sp>
-      <p:sp>
-        <p:nvSpPr>
-          <p:cNvPr id="42" name="TextBox 41">
-            <a:extLst>
-              <a:ext uri="{FF2B5EF4-FFF2-40B4-BE49-F238E27FC236}">
-                <a16:creationId xmlns:a16="http://schemas.microsoft.com/office/drawing/2014/main" id="{8E76E7A5-355E-45FE-986A-26076B9D46B5}"/>
-              </a:ext>
-            </a:extLst>
-          </p:cNvPr>
-          <p:cNvSpPr txBox="1"/>
-          <p:nvPr/>
-        </p:nvSpPr>
-        <p:spPr>
-          <a:xfrm>
-            <a:off x="690757" y="1451032"/>
-            <a:ext cx="4734045" cy="400110"/>
-          </a:xfrm>
-          <a:prstGeom prst="rect">
-            <a:avLst/>
-          </a:prstGeom>
-          <a:noFill/>
-        </p:spPr>
-        <p:txBody>
-          <a:bodyPr wrap="square" rtlCol="0">
-            <a:spAutoFit/>
-          </a:bodyPr>
-          <a:lstStyle/>
-          <a:p>
-            <a:r>
-              <a:rPr lang="ko-KR" altLang="en-US" sz="2000" dirty="0">
-                <a:solidFill>
-                  <a:srgbClr val="22523B"/>
-                </a:solidFill>
-                <a:latin typeface="프리젠테이션 6 SemiBold" pitchFamily="2" charset="-127"/>
-                <a:ea typeface="프리젠테이션 6 SemiBold" pitchFamily="2" charset="-127"/>
-                <a:cs typeface="코트라 볼드체" panose="02020603020101020101" pitchFamily="18" charset="-127"/>
-              </a:rPr>
-              <a:t>간략한 설명을 적어주세요</a:t>
-            </a:r>
-            <a:r>
-              <a:rPr lang="en-US" altLang="ko-KR" sz="2000" dirty="0">
-                <a:solidFill>
-                  <a:srgbClr val="22523B"/>
-                </a:solidFill>
-                <a:latin typeface="프리젠테이션 6 SemiBold" pitchFamily="2" charset="-127"/>
-                <a:ea typeface="프리젠테이션 6 SemiBold" pitchFamily="2" charset="-127"/>
-                <a:cs typeface="코트라 볼드체" panose="02020603020101020101" pitchFamily="18" charset="-127"/>
-              </a:rPr>
-              <a:t>.</a:t>
-            </a:r>
-            <a:endParaRPr lang="ko-KR" altLang="en-US" sz="2000" dirty="0">
-              <a:solidFill>
-                <a:srgbClr val="22523B"/>
-              </a:solidFill>
-              <a:latin typeface="프리젠테이션 6 SemiBold" pitchFamily="2" charset="-127"/>
-              <a:ea typeface="프리젠테이션 6 SemiBold" pitchFamily="2" charset="-127"/>
-              <a:cs typeface="코트라 볼드체" panose="02020603020101020101" pitchFamily="18" charset="-127"/>
-            </a:endParaRPr>
-          </a:p>
-        </p:txBody>
-      </p:sp>
-      <p:sp>
-        <p:nvSpPr>
-          <p:cNvPr id="44" name="TextBox 43">
-            <a:extLst>
-              <a:ext uri="{FF2B5EF4-FFF2-40B4-BE49-F238E27FC236}">
-                <a16:creationId xmlns:a16="http://schemas.microsoft.com/office/drawing/2014/main" id="{0FCE0DA9-10FE-426C-B10B-858FC36B7255}"/>
-              </a:ext>
-            </a:extLst>
-          </p:cNvPr>
-          <p:cNvSpPr txBox="1"/>
-          <p:nvPr/>
-        </p:nvSpPr>
-        <p:spPr>
-          <a:xfrm>
-            <a:off x="678859" y="564298"/>
-            <a:ext cx="4734045" cy="646331"/>
-          </a:xfrm>
-          <a:prstGeom prst="rect">
-            <a:avLst/>
-          </a:prstGeom>
-          <a:noFill/>
-        </p:spPr>
-        <p:txBody>
-          <a:bodyPr wrap="square" rtlCol="0">
-            <a:spAutoFit/>
-          </a:bodyPr>
-          <a:lstStyle/>
-          <a:p>
-            <a:r>
-              <a:rPr lang="ko-KR" altLang="en-US" sz="3600" dirty="0">
-                <a:solidFill>
-                  <a:srgbClr val="22523B"/>
-                </a:solidFill>
-                <a:latin typeface="프리젠테이션 6 SemiBold" pitchFamily="2" charset="-127"/>
-                <a:ea typeface="프리젠테이션 6 SemiBold" pitchFamily="2" charset="-127"/>
-                <a:cs typeface="코트라 볼드체" panose="02020603020101020101" pitchFamily="18" charset="-127"/>
-              </a:rPr>
-              <a:t>제목을 입력해 주세요</a:t>
-            </a:r>
-            <a:r>
-              <a:rPr lang="en-US" altLang="ko-KR" sz="3600" dirty="0">
-                <a:solidFill>
-                  <a:srgbClr val="22523B"/>
-                </a:solidFill>
-                <a:latin typeface="프리젠테이션 6 SemiBold" pitchFamily="2" charset="-127"/>
-                <a:ea typeface="프리젠테이션 6 SemiBold" pitchFamily="2" charset="-127"/>
-                <a:cs typeface="코트라 볼드체" panose="02020603020101020101" pitchFamily="18" charset="-127"/>
-              </a:rPr>
-              <a:t>.</a:t>
-            </a:r>
-            <a:endParaRPr lang="ko-KR" altLang="en-US" sz="3600" dirty="0">
-              <a:solidFill>
-                <a:srgbClr val="22523B"/>
-              </a:solidFill>
-              <a:latin typeface="프리젠테이션 6 SemiBold" pitchFamily="2" charset="-127"/>
-              <a:ea typeface="프리젠테이션 6 SemiBold" pitchFamily="2" charset="-127"/>
-              <a:cs typeface="코트라 볼드체" panose="02020603020101020101" pitchFamily="18" charset="-127"/>
-            </a:endParaRPr>
-          </a:p>
-        </p:txBody>
-      </p:sp>
     </p:spTree>
     <p:extLst>
       <p:ext uri="{BB962C8B-B14F-4D97-AF65-F5344CB8AC3E}">
-        <p14:creationId xmlns:p14="http://schemas.microsoft.com/office/powerpoint/2010/main" val="3639593852"/>
-      </p:ext>
-    </p:extLst>
-  </p:cSld>
-  <p:clrMapOvr>
-    <a:masterClrMapping/>
-  </p:clrMapOvr>
-</p:sld>
-</file>
-
-<file path=ppt/slides/slide18.xml><?xml version="1.0" encoding="utf-8"?>
-<p:sld xmlns:a="http://schemas.openxmlformats.org/drawingml/2006/main" xmlns:r="http://schemas.openxmlformats.org/officeDocument/2006/relationships" xmlns:p="http://schemas.openxmlformats.org/presentationml/2006/main">
-  <p:cSld>
-    <p:spTree>
-      <p:nvGrpSpPr>
-        <p:cNvPr id="1" name=""/>
-        <p:cNvGrpSpPr/>
-        <p:nvPr/>
-      </p:nvGrpSpPr>
-      <p:grpSpPr>
-        <a:xfrm>
-          <a:off x="0" y="0"/>
-          <a:ext cx="0" cy="0"/>
-          <a:chOff x="0" y="0"/>
-          <a:chExt cx="0" cy="0"/>
-        </a:xfrm>
-      </p:grpSpPr>
-      <p:cxnSp>
-        <p:nvCxnSpPr>
-          <p:cNvPr id="11" name="직선 연결선 10">
-            <a:extLst>
-              <a:ext uri="{FF2B5EF4-FFF2-40B4-BE49-F238E27FC236}">
-                <a16:creationId xmlns:a16="http://schemas.microsoft.com/office/drawing/2014/main" id="{50498D4A-A483-4488-AEE0-5CDDBDAD36E0}"/>
-              </a:ext>
-            </a:extLst>
-          </p:cNvPr>
-          <p:cNvCxnSpPr>
-            <a:cxnSpLocks/>
-          </p:cNvCxnSpPr>
-          <p:nvPr/>
-        </p:nvCxnSpPr>
-        <p:spPr>
-          <a:xfrm flipV="1">
-            <a:off x="3329441" y="2340839"/>
-            <a:ext cx="1615440" cy="373169"/>
-          </a:xfrm>
-          <a:prstGeom prst="line">
-            <a:avLst/>
-          </a:prstGeom>
-          <a:ln>
-            <a:solidFill>
-              <a:srgbClr val="153325"/>
-            </a:solidFill>
-            <a:prstDash val="dash"/>
-            <a:headEnd type="oval" w="med" len="med"/>
-            <a:tailEnd type="triangle" w="med" len="med"/>
-          </a:ln>
-        </p:spPr>
-        <p:style>
-          <a:lnRef idx="1">
-            <a:schemeClr val="accent1"/>
-          </a:lnRef>
-          <a:fillRef idx="0">
-            <a:schemeClr val="accent1"/>
-          </a:fillRef>
-          <a:effectRef idx="0">
-            <a:schemeClr val="accent1"/>
-          </a:effectRef>
-          <a:fontRef idx="minor">
-            <a:schemeClr val="tx1"/>
-          </a:fontRef>
-        </p:style>
-      </p:cxnSp>
-      <p:sp>
-        <p:nvSpPr>
-          <p:cNvPr id="12" name="직사각형 11">
-            <a:extLst>
-              <a:ext uri="{FF2B5EF4-FFF2-40B4-BE49-F238E27FC236}">
-                <a16:creationId xmlns:a16="http://schemas.microsoft.com/office/drawing/2014/main" id="{2F3FC92C-D5F1-48EB-899A-8A535E42871D}"/>
-              </a:ext>
-            </a:extLst>
-          </p:cNvPr>
-          <p:cNvSpPr/>
-          <p:nvPr/>
-        </p:nvSpPr>
-        <p:spPr>
-          <a:xfrm>
-            <a:off x="5141199" y="1883419"/>
-            <a:ext cx="6327946" cy="1263104"/>
-          </a:xfrm>
-          <a:prstGeom prst="rect">
-            <a:avLst/>
-          </a:prstGeom>
-          <a:noFill/>
-          <a:ln>
-            <a:solidFill>
-              <a:srgbClr val="153325"/>
-            </a:solidFill>
-          </a:ln>
-        </p:spPr>
-        <p:style>
-          <a:lnRef idx="2">
-            <a:schemeClr val="accent1">
-              <a:shade val="50000"/>
-            </a:schemeClr>
-          </a:lnRef>
-          <a:fillRef idx="1">
-            <a:schemeClr val="accent1"/>
-          </a:fillRef>
-          <a:effectRef idx="0">
-            <a:schemeClr val="accent1"/>
-          </a:effectRef>
-          <a:fontRef idx="minor">
-            <a:schemeClr val="lt1"/>
-          </a:fontRef>
-        </p:style>
-        <p:txBody>
-          <a:bodyPr rtlCol="0" anchor="ctr"/>
-          <a:lstStyle/>
-          <a:p>
-            <a:pPr algn="ctr"/>
-            <a:endParaRPr lang="ko-KR" altLang="en-US">
-              <a:solidFill>
-                <a:srgbClr val="153325"/>
-              </a:solidFill>
-              <a:latin typeface="프리젠테이션 5 Medium" pitchFamily="2" charset="-127"/>
-              <a:ea typeface="프리젠테이션 5 Medium" pitchFamily="2" charset="-127"/>
-            </a:endParaRPr>
-          </a:p>
-        </p:txBody>
-      </p:sp>
-      <p:sp>
-        <p:nvSpPr>
-          <p:cNvPr id="15" name="직사각형 14">
-            <a:extLst>
-              <a:ext uri="{FF2B5EF4-FFF2-40B4-BE49-F238E27FC236}">
-                <a16:creationId xmlns:a16="http://schemas.microsoft.com/office/drawing/2014/main" id="{01AA2A74-F7E6-4836-A547-444B7E5B8357}"/>
-              </a:ext>
-            </a:extLst>
-          </p:cNvPr>
-          <p:cNvSpPr/>
-          <p:nvPr/>
-        </p:nvSpPr>
-        <p:spPr>
-          <a:xfrm>
-            <a:off x="5141199" y="3386728"/>
-            <a:ext cx="6327946" cy="1263104"/>
-          </a:xfrm>
-          <a:prstGeom prst="rect">
-            <a:avLst/>
-          </a:prstGeom>
-          <a:noFill/>
-          <a:ln>
-            <a:solidFill>
-              <a:srgbClr val="67B7B5"/>
-            </a:solidFill>
-          </a:ln>
-        </p:spPr>
-        <p:style>
-          <a:lnRef idx="2">
-            <a:schemeClr val="accent1">
-              <a:shade val="50000"/>
-            </a:schemeClr>
-          </a:lnRef>
-          <a:fillRef idx="1">
-            <a:schemeClr val="accent1"/>
-          </a:fillRef>
-          <a:effectRef idx="0">
-            <a:schemeClr val="accent1"/>
-          </a:effectRef>
-          <a:fontRef idx="minor">
-            <a:schemeClr val="lt1"/>
-          </a:fontRef>
-        </p:style>
-        <p:txBody>
-          <a:bodyPr rtlCol="0" anchor="ctr"/>
-          <a:lstStyle/>
-          <a:p>
-            <a:pPr algn="ctr"/>
-            <a:endParaRPr lang="ko-KR" altLang="en-US">
-              <a:solidFill>
-                <a:srgbClr val="153325"/>
-              </a:solidFill>
-              <a:latin typeface="프리젠테이션 5 Medium" pitchFamily="2" charset="-127"/>
-              <a:ea typeface="프리젠테이션 5 Medium" pitchFamily="2" charset="-127"/>
-            </a:endParaRPr>
-          </a:p>
-        </p:txBody>
-      </p:sp>
-      <p:sp>
-        <p:nvSpPr>
-          <p:cNvPr id="16" name="직사각형 15">
-            <a:extLst>
-              <a:ext uri="{FF2B5EF4-FFF2-40B4-BE49-F238E27FC236}">
-                <a16:creationId xmlns:a16="http://schemas.microsoft.com/office/drawing/2014/main" id="{262BBDB1-EB63-4500-A3DF-762B966298FE}"/>
-              </a:ext>
-            </a:extLst>
-          </p:cNvPr>
-          <p:cNvSpPr/>
-          <p:nvPr/>
-        </p:nvSpPr>
-        <p:spPr>
-          <a:xfrm>
-            <a:off x="5141199" y="4890038"/>
-            <a:ext cx="6327946" cy="1263104"/>
-          </a:xfrm>
-          <a:prstGeom prst="rect">
-            <a:avLst/>
-          </a:prstGeom>
-          <a:noFill/>
-          <a:ln>
-            <a:solidFill>
-              <a:srgbClr val="A1BFB4"/>
-            </a:solidFill>
-          </a:ln>
-        </p:spPr>
-        <p:style>
-          <a:lnRef idx="2">
-            <a:schemeClr val="accent1">
-              <a:shade val="50000"/>
-            </a:schemeClr>
-          </a:lnRef>
-          <a:fillRef idx="1">
-            <a:schemeClr val="accent1"/>
-          </a:fillRef>
-          <a:effectRef idx="0">
-            <a:schemeClr val="accent1"/>
-          </a:effectRef>
-          <a:fontRef idx="minor">
-            <a:schemeClr val="lt1"/>
-          </a:fontRef>
-        </p:style>
-        <p:txBody>
-          <a:bodyPr rtlCol="0" anchor="ctr"/>
-          <a:lstStyle/>
-          <a:p>
-            <a:pPr algn="ctr"/>
-            <a:endParaRPr lang="ko-KR" altLang="en-US">
-              <a:solidFill>
-                <a:srgbClr val="153325"/>
-              </a:solidFill>
-              <a:latin typeface="프리젠테이션 5 Medium" pitchFamily="2" charset="-127"/>
-              <a:ea typeface="프리젠테이션 5 Medium" pitchFamily="2" charset="-127"/>
-            </a:endParaRPr>
-          </a:p>
-        </p:txBody>
-      </p:sp>
-      <p:cxnSp>
-        <p:nvCxnSpPr>
-          <p:cNvPr id="18" name="직선 연결선 17">
-            <a:extLst>
-              <a:ext uri="{FF2B5EF4-FFF2-40B4-BE49-F238E27FC236}">
-                <a16:creationId xmlns:a16="http://schemas.microsoft.com/office/drawing/2014/main" id="{66D7A98D-D379-4A9A-A72D-E40C67071C46}"/>
-              </a:ext>
-            </a:extLst>
-          </p:cNvPr>
-          <p:cNvCxnSpPr>
-            <a:cxnSpLocks/>
-          </p:cNvCxnSpPr>
-          <p:nvPr/>
-        </p:nvCxnSpPr>
-        <p:spPr>
-          <a:xfrm flipV="1">
-            <a:off x="3329441" y="4006137"/>
-            <a:ext cx="1647270" cy="12144"/>
-          </a:xfrm>
-          <a:prstGeom prst="line">
-            <a:avLst/>
-          </a:prstGeom>
-          <a:ln>
-            <a:solidFill>
-              <a:srgbClr val="153325"/>
-            </a:solidFill>
-            <a:prstDash val="dash"/>
-            <a:headEnd type="oval" w="med" len="med"/>
-            <a:tailEnd type="triangle" w="med" len="med"/>
-          </a:ln>
-        </p:spPr>
-        <p:style>
-          <a:lnRef idx="1">
-            <a:schemeClr val="accent1"/>
-          </a:lnRef>
-          <a:fillRef idx="0">
-            <a:schemeClr val="accent1"/>
-          </a:fillRef>
-          <a:effectRef idx="0">
-            <a:schemeClr val="accent1"/>
-          </a:effectRef>
-          <a:fontRef idx="minor">
-            <a:schemeClr val="tx1"/>
-          </a:fontRef>
-        </p:style>
-      </p:cxnSp>
-      <p:cxnSp>
-        <p:nvCxnSpPr>
-          <p:cNvPr id="22" name="직선 연결선 21">
-            <a:extLst>
-              <a:ext uri="{FF2B5EF4-FFF2-40B4-BE49-F238E27FC236}">
-                <a16:creationId xmlns:a16="http://schemas.microsoft.com/office/drawing/2014/main" id="{CC8075CB-E971-425D-9430-A01470FB6D1B}"/>
-              </a:ext>
-            </a:extLst>
-          </p:cNvPr>
-          <p:cNvCxnSpPr>
-            <a:cxnSpLocks/>
-          </p:cNvCxnSpPr>
-          <p:nvPr/>
-        </p:nvCxnSpPr>
-        <p:spPr>
-          <a:xfrm>
-            <a:off x="3297611" y="5133062"/>
-            <a:ext cx="1540590" cy="304587"/>
-          </a:xfrm>
-          <a:prstGeom prst="line">
-            <a:avLst/>
-          </a:prstGeom>
-          <a:ln>
-            <a:solidFill>
-              <a:srgbClr val="153325"/>
-            </a:solidFill>
-            <a:prstDash val="dash"/>
-            <a:headEnd type="oval" w="med" len="med"/>
-            <a:tailEnd type="triangle" w="med" len="med"/>
-          </a:ln>
-        </p:spPr>
-        <p:style>
-          <a:lnRef idx="1">
-            <a:schemeClr val="accent1"/>
-          </a:lnRef>
-          <a:fillRef idx="0">
-            <a:schemeClr val="accent1"/>
-          </a:fillRef>
-          <a:effectRef idx="0">
-            <a:schemeClr val="accent1"/>
-          </a:effectRef>
-          <a:fontRef idx="minor">
-            <a:schemeClr val="tx1"/>
-          </a:fontRef>
-        </p:style>
-      </p:cxnSp>
-      <p:sp>
-        <p:nvSpPr>
-          <p:cNvPr id="27" name="TextBox 26">
-            <a:extLst>
-              <a:ext uri="{FF2B5EF4-FFF2-40B4-BE49-F238E27FC236}">
-                <a16:creationId xmlns:a16="http://schemas.microsoft.com/office/drawing/2014/main" id="{C2BDE52B-1125-4508-BA67-1380E525C81A}"/>
-              </a:ext>
-            </a:extLst>
-          </p:cNvPr>
-          <p:cNvSpPr txBox="1"/>
-          <p:nvPr/>
-        </p:nvSpPr>
-        <p:spPr>
-          <a:xfrm>
-            <a:off x="5423917" y="2147767"/>
-            <a:ext cx="5762510" cy="890437"/>
-          </a:xfrm>
-          <a:prstGeom prst="rect">
-            <a:avLst/>
-          </a:prstGeom>
-          <a:noFill/>
-        </p:spPr>
-        <p:txBody>
-          <a:bodyPr wrap="square">
-            <a:spAutoFit/>
-          </a:bodyPr>
-          <a:lstStyle/>
-          <a:p>
-            <a:pPr>
-              <a:lnSpc>
-                <a:spcPct val="150000"/>
-              </a:lnSpc>
-            </a:pPr>
-            <a:r>
-              <a:rPr lang="en-US" altLang="ko-KR" sz="1200" b="0" i="0" dirty="0">
-                <a:solidFill>
-                  <a:srgbClr val="153325"/>
-                </a:solidFill>
-                <a:effectLst/>
-                <a:latin typeface="프리젠테이션 5 Medium" pitchFamily="2" charset="-127"/>
-                <a:ea typeface="프리젠테이션 5 Medium" pitchFamily="2" charset="-127"/>
-              </a:rPr>
-              <a:t>Then you say I </a:t>
-            </a:r>
-            <a:r>
-              <a:rPr lang="en-US" altLang="ko-KR" sz="1200" b="0" i="0" dirty="0" err="1">
-                <a:solidFill>
-                  <a:srgbClr val="153325"/>
-                </a:solidFill>
-                <a:effectLst/>
-                <a:latin typeface="프리젠테이션 5 Medium" pitchFamily="2" charset="-127"/>
-                <a:ea typeface="프리젠테이션 5 Medium" pitchFamily="2" charset="-127"/>
-              </a:rPr>
-              <a:t>wanna</a:t>
-            </a:r>
-            <a:r>
-              <a:rPr lang="en-US" altLang="ko-KR" sz="1200" b="0" i="0" dirty="0">
-                <a:solidFill>
-                  <a:srgbClr val="153325"/>
-                </a:solidFill>
-                <a:effectLst/>
-                <a:latin typeface="프리젠테이션 5 Medium" pitchFamily="2" charset="-127"/>
-                <a:ea typeface="프리젠테이션 5 Medium" pitchFamily="2" charset="-127"/>
-              </a:rPr>
-              <a:t> dance The music's got me going </a:t>
-            </a:r>
-            <a:r>
-              <a:rPr lang="en-US" altLang="ko-KR" sz="1200" b="0" i="0" dirty="0" err="1">
-                <a:solidFill>
-                  <a:srgbClr val="153325"/>
-                </a:solidFill>
-                <a:effectLst/>
-                <a:latin typeface="프리젠테이션 5 Medium" pitchFamily="2" charset="-127"/>
-                <a:ea typeface="프리젠테이션 5 Medium" pitchFamily="2" charset="-127"/>
-              </a:rPr>
-              <a:t>Ain't</a:t>
-            </a:r>
-            <a:r>
-              <a:rPr lang="en-US" altLang="ko-KR" sz="1200" b="0" i="0" dirty="0">
-                <a:solidFill>
-                  <a:srgbClr val="153325"/>
-                </a:solidFill>
-                <a:effectLst/>
-                <a:latin typeface="프리젠테이션 5 Medium" pitchFamily="2" charset="-127"/>
-                <a:ea typeface="프리젠테이션 5 Medium" pitchFamily="2" charset="-127"/>
-              </a:rPr>
-              <a:t> nothing that can stop how we move yeah Let's break our plans And live just like we're golden And roll in like we're dancing fools </a:t>
-            </a:r>
-            <a:endParaRPr lang="ko-KR" altLang="en-US" sz="1200" dirty="0">
-              <a:solidFill>
-                <a:srgbClr val="153325"/>
-              </a:solidFill>
-              <a:latin typeface="프리젠테이션 5 Medium" pitchFamily="2" charset="-127"/>
-              <a:ea typeface="프리젠테이션 5 Medium" pitchFamily="2" charset="-127"/>
-            </a:endParaRPr>
-          </a:p>
-        </p:txBody>
-      </p:sp>
-      <p:sp>
-        <p:nvSpPr>
-          <p:cNvPr id="23" name="직사각형 22">
-            <a:extLst>
-              <a:ext uri="{FF2B5EF4-FFF2-40B4-BE49-F238E27FC236}">
-                <a16:creationId xmlns:a16="http://schemas.microsoft.com/office/drawing/2014/main" id="{39DF7F5F-99DE-4F84-BEC6-78036959D5BD}"/>
-              </a:ext>
-            </a:extLst>
-          </p:cNvPr>
-          <p:cNvSpPr/>
-          <p:nvPr/>
-        </p:nvSpPr>
-        <p:spPr>
-          <a:xfrm>
-            <a:off x="766763" y="1309684"/>
-            <a:ext cx="441897" cy="110667"/>
-          </a:xfrm>
-          <a:prstGeom prst="rect">
-            <a:avLst/>
-          </a:prstGeom>
-          <a:solidFill>
-            <a:srgbClr val="22523B"/>
-          </a:solidFill>
-          <a:ln>
-            <a:noFill/>
-          </a:ln>
-        </p:spPr>
-        <p:style>
-          <a:lnRef idx="2">
-            <a:schemeClr val="accent1">
-              <a:shade val="50000"/>
-            </a:schemeClr>
-          </a:lnRef>
-          <a:fillRef idx="1">
-            <a:schemeClr val="accent1"/>
-          </a:fillRef>
-          <a:effectRef idx="0">
-            <a:schemeClr val="accent1"/>
-          </a:effectRef>
-          <a:fontRef idx="minor">
-            <a:schemeClr val="lt1"/>
-          </a:fontRef>
-        </p:style>
-        <p:txBody>
-          <a:bodyPr rtlCol="0" anchor="ctr"/>
-          <a:lstStyle/>
-          <a:p>
-            <a:pPr algn="ctr"/>
-            <a:endParaRPr lang="ko-KR" altLang="en-US" sz="3200">
-              <a:solidFill>
-                <a:srgbClr val="22523B"/>
-              </a:solidFill>
-              <a:latin typeface="프리젠테이션 6 SemiBold" pitchFamily="2" charset="-127"/>
-              <a:ea typeface="프리젠테이션 6 SemiBold" pitchFamily="2" charset="-127"/>
-            </a:endParaRPr>
-          </a:p>
-        </p:txBody>
-      </p:sp>
-      <p:sp>
-        <p:nvSpPr>
-          <p:cNvPr id="30" name="직사각형 29">
-            <a:extLst>
-              <a:ext uri="{FF2B5EF4-FFF2-40B4-BE49-F238E27FC236}">
-                <a16:creationId xmlns:a16="http://schemas.microsoft.com/office/drawing/2014/main" id="{071FEB26-3B2F-4DA4-A027-7D207E4E6FD2}"/>
-              </a:ext>
-            </a:extLst>
-          </p:cNvPr>
-          <p:cNvSpPr/>
-          <p:nvPr/>
-        </p:nvSpPr>
-        <p:spPr>
-          <a:xfrm>
-            <a:off x="1208660" y="1309684"/>
-            <a:ext cx="3698240" cy="110667"/>
-          </a:xfrm>
-          <a:prstGeom prst="rect">
-            <a:avLst/>
-          </a:prstGeom>
-          <a:solidFill>
-            <a:schemeClr val="bg1">
-              <a:lumMod val="85000"/>
-            </a:schemeClr>
-          </a:solidFill>
-          <a:ln>
-            <a:noFill/>
-          </a:ln>
-        </p:spPr>
-        <p:style>
-          <a:lnRef idx="2">
-            <a:schemeClr val="accent1">
-              <a:shade val="50000"/>
-            </a:schemeClr>
-          </a:lnRef>
-          <a:fillRef idx="1">
-            <a:schemeClr val="accent1"/>
-          </a:fillRef>
-          <a:effectRef idx="0">
-            <a:schemeClr val="accent1"/>
-          </a:effectRef>
-          <a:fontRef idx="minor">
-            <a:schemeClr val="lt1"/>
-          </a:fontRef>
-        </p:style>
-        <p:txBody>
-          <a:bodyPr rtlCol="0" anchor="ctr"/>
-          <a:lstStyle/>
-          <a:p>
-            <a:pPr algn="ctr"/>
-            <a:endParaRPr lang="ko-KR" altLang="en-US" sz="3200">
-              <a:solidFill>
-                <a:srgbClr val="22523B"/>
-              </a:solidFill>
-              <a:latin typeface="프리젠테이션 6 SemiBold" pitchFamily="2" charset="-127"/>
-              <a:ea typeface="프리젠테이션 6 SemiBold" pitchFamily="2" charset="-127"/>
-            </a:endParaRPr>
-          </a:p>
-        </p:txBody>
-      </p:sp>
-      <p:sp>
-        <p:nvSpPr>
-          <p:cNvPr id="36" name="TextBox 35">
-            <a:extLst>
-              <a:ext uri="{FF2B5EF4-FFF2-40B4-BE49-F238E27FC236}">
-                <a16:creationId xmlns:a16="http://schemas.microsoft.com/office/drawing/2014/main" id="{BC3025C2-BB31-4F3A-89E0-33EA811CA0B0}"/>
-              </a:ext>
-            </a:extLst>
-          </p:cNvPr>
-          <p:cNvSpPr txBox="1"/>
-          <p:nvPr/>
-        </p:nvSpPr>
-        <p:spPr>
-          <a:xfrm>
-            <a:off x="678859" y="564298"/>
-            <a:ext cx="4734045" cy="646331"/>
-          </a:xfrm>
-          <a:prstGeom prst="rect">
-            <a:avLst/>
-          </a:prstGeom>
-          <a:noFill/>
-        </p:spPr>
-        <p:txBody>
-          <a:bodyPr wrap="square" rtlCol="0">
-            <a:spAutoFit/>
-          </a:bodyPr>
-          <a:lstStyle/>
-          <a:p>
-            <a:r>
-              <a:rPr lang="ko-KR" altLang="en-US" sz="3600" dirty="0">
-                <a:solidFill>
-                  <a:srgbClr val="22523B"/>
-                </a:solidFill>
-                <a:latin typeface="프리젠테이션 6 SemiBold" pitchFamily="2" charset="-127"/>
-                <a:ea typeface="프리젠테이션 6 SemiBold" pitchFamily="2" charset="-127"/>
-                <a:cs typeface="코트라 볼드체" panose="02020603020101020101" pitchFamily="18" charset="-127"/>
-              </a:rPr>
-              <a:t>제목을 입력해 주세요</a:t>
-            </a:r>
-            <a:r>
-              <a:rPr lang="en-US" altLang="ko-KR" sz="3600" dirty="0">
-                <a:solidFill>
-                  <a:srgbClr val="22523B"/>
-                </a:solidFill>
-                <a:latin typeface="프리젠테이션 6 SemiBold" pitchFamily="2" charset="-127"/>
-                <a:ea typeface="프리젠테이션 6 SemiBold" pitchFamily="2" charset="-127"/>
-                <a:cs typeface="코트라 볼드체" panose="02020603020101020101" pitchFamily="18" charset="-127"/>
-              </a:rPr>
-              <a:t>.</a:t>
-            </a:r>
-            <a:endParaRPr lang="ko-KR" altLang="en-US" sz="3600" dirty="0">
-              <a:solidFill>
-                <a:srgbClr val="22523B"/>
-              </a:solidFill>
-              <a:latin typeface="프리젠테이션 6 SemiBold" pitchFamily="2" charset="-127"/>
-              <a:ea typeface="프리젠테이션 6 SemiBold" pitchFamily="2" charset="-127"/>
-              <a:cs typeface="코트라 볼드체" panose="02020603020101020101" pitchFamily="18" charset="-127"/>
-            </a:endParaRPr>
-          </a:p>
-        </p:txBody>
-      </p:sp>
-    </p:spTree>
-    <p:extLst>
-      <p:ext uri="{BB962C8B-B14F-4D97-AF65-F5344CB8AC3E}">
-        <p14:creationId xmlns:p14="http://schemas.microsoft.com/office/powerpoint/2010/main" val="2852089478"/>
-      </p:ext>
-    </p:extLst>
-  </p:cSld>
-  <p:clrMapOvr>
-    <a:masterClrMapping/>
-  </p:clrMapOvr>
-</p:sld>
-</file>
-
-<file path=ppt/slides/slide19.xml><?xml version="1.0" encoding="utf-8"?>
-<p:sld xmlns:a="http://schemas.openxmlformats.org/drawingml/2006/main" xmlns:r="http://schemas.openxmlformats.org/officeDocument/2006/relationships" xmlns:p="http://schemas.openxmlformats.org/presentationml/2006/main">
-  <p:cSld>
-    <p:spTree>
-      <p:nvGrpSpPr>
-        <p:cNvPr id="1" name=""/>
-        <p:cNvGrpSpPr/>
-        <p:nvPr/>
-      </p:nvGrpSpPr>
-      <p:grpSpPr>
-        <a:xfrm>
-          <a:off x="0" y="0"/>
-          <a:ext cx="0" cy="0"/>
-          <a:chOff x="0" y="0"/>
-          <a:chExt cx="0" cy="0"/>
-        </a:xfrm>
-      </p:grpSpPr>
-      <p:cxnSp>
-        <p:nvCxnSpPr>
-          <p:cNvPr id="12" name="연결선: 꺾임 11">
-            <a:extLst>
-              <a:ext uri="{FF2B5EF4-FFF2-40B4-BE49-F238E27FC236}">
-                <a16:creationId xmlns:a16="http://schemas.microsoft.com/office/drawing/2014/main" id="{469AC866-5F29-40EF-A9DE-2AC18BF52A07}"/>
-              </a:ext>
-            </a:extLst>
-          </p:cNvPr>
-          <p:cNvCxnSpPr>
-            <a:cxnSpLocks/>
-          </p:cNvCxnSpPr>
-          <p:nvPr/>
-        </p:nvCxnSpPr>
-        <p:spPr>
-          <a:xfrm flipV="1">
-            <a:off x="3755496" y="2186966"/>
-            <a:ext cx="1942936" cy="1330542"/>
-          </a:xfrm>
-          <a:prstGeom prst="bentConnector3">
-            <a:avLst/>
-          </a:prstGeom>
-          <a:ln>
-            <a:solidFill>
-              <a:srgbClr val="153325"/>
-            </a:solidFill>
-            <a:tailEnd type="triangle"/>
-          </a:ln>
-        </p:spPr>
-        <p:style>
-          <a:lnRef idx="1">
-            <a:schemeClr val="accent1"/>
-          </a:lnRef>
-          <a:fillRef idx="0">
-            <a:schemeClr val="accent1"/>
-          </a:fillRef>
-          <a:effectRef idx="0">
-            <a:schemeClr val="accent1"/>
-          </a:effectRef>
-          <a:fontRef idx="minor">
-            <a:schemeClr val="tx1"/>
-          </a:fontRef>
-        </p:style>
-      </p:cxnSp>
-      <p:sp>
-        <p:nvSpPr>
-          <p:cNvPr id="18" name="사각형: 둥근 모서리 17">
-            <a:extLst>
-              <a:ext uri="{FF2B5EF4-FFF2-40B4-BE49-F238E27FC236}">
-                <a16:creationId xmlns:a16="http://schemas.microsoft.com/office/drawing/2014/main" id="{DDC2BD92-C59C-44AC-9C02-B9C7DD697AB5}"/>
-              </a:ext>
-            </a:extLst>
-          </p:cNvPr>
-          <p:cNvSpPr/>
-          <p:nvPr/>
-        </p:nvSpPr>
-        <p:spPr>
-          <a:xfrm>
-            <a:off x="5852556" y="1934710"/>
-            <a:ext cx="1930004" cy="467118"/>
-          </a:xfrm>
-          <a:prstGeom prst="roundRect">
-            <a:avLst/>
-          </a:prstGeom>
-          <a:solidFill>
-            <a:srgbClr val="22523B"/>
-          </a:solidFill>
-          <a:ln>
-            <a:solidFill>
-              <a:srgbClr val="153325"/>
-            </a:solidFill>
-          </a:ln>
-        </p:spPr>
-        <p:style>
-          <a:lnRef idx="2">
-            <a:schemeClr val="accent1">
-              <a:shade val="50000"/>
-            </a:schemeClr>
-          </a:lnRef>
-          <a:fillRef idx="1">
-            <a:schemeClr val="accent1"/>
-          </a:fillRef>
-          <a:effectRef idx="0">
-            <a:schemeClr val="accent1"/>
-          </a:effectRef>
-          <a:fontRef idx="minor">
-            <a:schemeClr val="lt1"/>
-          </a:fontRef>
-        </p:style>
-        <p:txBody>
-          <a:bodyPr rtlCol="0" anchor="ctr"/>
-          <a:lstStyle/>
-          <a:p>
-            <a:pPr algn="ctr"/>
-            <a:endParaRPr lang="ko-KR" altLang="en-US">
-              <a:latin typeface="프리젠테이션 5 Medium" pitchFamily="2" charset="-127"/>
-              <a:ea typeface="프리젠테이션 5 Medium" pitchFamily="2" charset="-127"/>
-            </a:endParaRPr>
-          </a:p>
-        </p:txBody>
-      </p:sp>
-      <p:sp>
-        <p:nvSpPr>
-          <p:cNvPr id="20" name="TextBox 19">
-            <a:extLst>
-              <a:ext uri="{FF2B5EF4-FFF2-40B4-BE49-F238E27FC236}">
-                <a16:creationId xmlns:a16="http://schemas.microsoft.com/office/drawing/2014/main" id="{B161C690-F7E0-4369-B21C-305EBBCAC0F0}"/>
-              </a:ext>
-            </a:extLst>
-          </p:cNvPr>
-          <p:cNvSpPr txBox="1"/>
-          <p:nvPr/>
-        </p:nvSpPr>
-        <p:spPr>
-          <a:xfrm>
-            <a:off x="5597215" y="2012793"/>
-            <a:ext cx="2489777" cy="338554"/>
-          </a:xfrm>
-          <a:prstGeom prst="rect">
-            <a:avLst/>
-          </a:prstGeom>
-          <a:noFill/>
-        </p:spPr>
-        <p:txBody>
-          <a:bodyPr wrap="square">
-            <a:spAutoFit/>
-          </a:bodyPr>
-          <a:lstStyle/>
-          <a:p>
-            <a:pPr algn="ctr"/>
-            <a:r>
-              <a:rPr lang="ko-KR" altLang="en-US" sz="1600" dirty="0">
-                <a:solidFill>
-                  <a:schemeClr val="bg1"/>
-                </a:solidFill>
-                <a:latin typeface="프리젠테이션 5 Medium" pitchFamily="2" charset="-127"/>
-                <a:ea typeface="프리젠테이션 5 Medium" pitchFamily="2" charset="-127"/>
-                <a:cs typeface="카페24 써라운드" pitchFamily="2" charset="-127"/>
-              </a:rPr>
-              <a:t>제목을 입력하세요</a:t>
-            </a:r>
-            <a:r>
-              <a:rPr lang="en-US" altLang="ko-KR" sz="1600" dirty="0">
-                <a:solidFill>
-                  <a:schemeClr val="bg1"/>
-                </a:solidFill>
-                <a:latin typeface="프리젠테이션 5 Medium" pitchFamily="2" charset="-127"/>
-                <a:ea typeface="프리젠테이션 5 Medium" pitchFamily="2" charset="-127"/>
-                <a:cs typeface="카페24 써라운드" pitchFamily="2" charset="-127"/>
-              </a:rPr>
-              <a:t>.</a:t>
-            </a:r>
-            <a:endParaRPr lang="ko-KR" altLang="en-US" sz="1600" dirty="0">
-              <a:solidFill>
-                <a:schemeClr val="bg1"/>
-              </a:solidFill>
-              <a:latin typeface="프리젠테이션 5 Medium" pitchFamily="2" charset="-127"/>
-              <a:ea typeface="프리젠테이션 5 Medium" pitchFamily="2" charset="-127"/>
-              <a:cs typeface="카페24 써라운드" pitchFamily="2" charset="-127"/>
-            </a:endParaRPr>
-          </a:p>
-        </p:txBody>
-      </p:sp>
-      <p:sp>
-        <p:nvSpPr>
-          <p:cNvPr id="22" name="TextBox 21">
-            <a:extLst>
-              <a:ext uri="{FF2B5EF4-FFF2-40B4-BE49-F238E27FC236}">
-                <a16:creationId xmlns:a16="http://schemas.microsoft.com/office/drawing/2014/main" id="{5A883249-5E97-4965-9CA6-8284E4FAD0D9}"/>
-              </a:ext>
-            </a:extLst>
-          </p:cNvPr>
-          <p:cNvSpPr txBox="1"/>
-          <p:nvPr/>
-        </p:nvSpPr>
-        <p:spPr>
-          <a:xfrm>
-            <a:off x="5852556" y="2471898"/>
-            <a:ext cx="5801478" cy="1338828"/>
-          </a:xfrm>
-          <a:prstGeom prst="rect">
-            <a:avLst/>
-          </a:prstGeom>
-          <a:noFill/>
-        </p:spPr>
-        <p:txBody>
-          <a:bodyPr wrap="square">
-            <a:spAutoFit/>
-          </a:bodyPr>
-          <a:lstStyle/>
-          <a:p>
-            <a:pPr>
-              <a:lnSpc>
-                <a:spcPct val="150000"/>
-              </a:lnSpc>
-            </a:pPr>
-            <a:r>
-              <a:rPr lang="ko-KR" altLang="en-US" sz="1100" dirty="0">
-                <a:solidFill>
-                  <a:srgbClr val="153325"/>
-                </a:solidFill>
-                <a:latin typeface="프리젠테이션 5 Medium" pitchFamily="2" charset="-127"/>
-                <a:ea typeface="프리젠테이션 5 Medium" pitchFamily="2" charset="-127"/>
-              </a:rPr>
-              <a:t>영화 </a:t>
-            </a:r>
-            <a:r>
-              <a:rPr lang="ko-KR" altLang="en-US" sz="1100" dirty="0" err="1">
-                <a:solidFill>
-                  <a:srgbClr val="153325"/>
-                </a:solidFill>
-                <a:latin typeface="프리젠테이션 5 Medium" pitchFamily="2" charset="-127"/>
-                <a:ea typeface="프리젠테이션 5 Medium" pitchFamily="2" charset="-127"/>
-              </a:rPr>
-              <a:t>미비포유의</a:t>
-            </a:r>
-            <a:r>
-              <a:rPr lang="ko-KR" altLang="en-US" sz="1100" dirty="0">
-                <a:solidFill>
-                  <a:srgbClr val="153325"/>
-                </a:solidFill>
-                <a:latin typeface="프리젠테이션 5 Medium" pitchFamily="2" charset="-127"/>
-                <a:ea typeface="프리젠테이션 5 Medium" pitchFamily="2" charset="-127"/>
-              </a:rPr>
-              <a:t> 줄거리</a:t>
-            </a:r>
-            <a:r>
-              <a:rPr lang="en-US" altLang="ko-KR" sz="1100" dirty="0">
-                <a:solidFill>
-                  <a:srgbClr val="153325"/>
-                </a:solidFill>
-                <a:latin typeface="프리젠테이션 5 Medium" pitchFamily="2" charset="-127"/>
-                <a:ea typeface="프리젠테이션 5 Medium" pitchFamily="2" charset="-127"/>
-              </a:rPr>
-              <a:t>… </a:t>
-            </a:r>
-            <a:r>
-              <a:rPr lang="ko-KR" altLang="en-US" sz="1100" b="0" i="0" dirty="0">
-                <a:solidFill>
-                  <a:srgbClr val="153325"/>
-                </a:solidFill>
-                <a:effectLst/>
-                <a:latin typeface="프리젠테이션 5 Medium" pitchFamily="2" charset="-127"/>
-                <a:ea typeface="프리젠테이션 5 Medium" pitchFamily="2" charset="-127"/>
-              </a:rPr>
-              <a:t>이별을 준비하는 마지막에 나타난 짜증나는 여자 내 평생 최고의 </a:t>
-            </a:r>
-            <a:r>
-              <a:rPr lang="en-US" altLang="ko-KR" sz="1100" b="0" i="0" dirty="0">
-                <a:solidFill>
-                  <a:srgbClr val="153325"/>
-                </a:solidFill>
-                <a:effectLst/>
-                <a:latin typeface="프리젠테이션 5 Medium" pitchFamily="2" charset="-127"/>
-                <a:ea typeface="프리젠테이션 5 Medium" pitchFamily="2" charset="-127"/>
-              </a:rPr>
-              <a:t>6</a:t>
-            </a:r>
-            <a:r>
-              <a:rPr lang="ko-KR" altLang="en-US" sz="1100" b="0" i="0" dirty="0">
-                <a:solidFill>
-                  <a:srgbClr val="153325"/>
-                </a:solidFill>
-                <a:effectLst/>
-                <a:latin typeface="프리젠테이션 5 Medium" pitchFamily="2" charset="-127"/>
-                <a:ea typeface="프리젠테이션 5 Medium" pitchFamily="2" charset="-127"/>
-              </a:rPr>
-              <a:t>개월을 선물했다 </a:t>
-            </a:r>
-            <a:r>
-              <a:rPr lang="en-US" altLang="ko-KR" sz="1100" b="0" i="0" dirty="0">
-                <a:solidFill>
-                  <a:srgbClr val="153325"/>
-                </a:solidFill>
-                <a:effectLst/>
-                <a:latin typeface="프리젠테이션 5 Medium" pitchFamily="2" charset="-127"/>
-                <a:ea typeface="프리젠테이션 5 Medium" pitchFamily="2" charset="-127"/>
-              </a:rPr>
-              <a:t>6</a:t>
-            </a:r>
-            <a:r>
-              <a:rPr lang="ko-KR" altLang="en-US" sz="1100" b="0" i="0" dirty="0">
-                <a:solidFill>
-                  <a:srgbClr val="153325"/>
-                </a:solidFill>
-                <a:effectLst/>
-                <a:latin typeface="프리젠테이션 5 Medium" pitchFamily="2" charset="-127"/>
-                <a:ea typeface="프리젠테이션 5 Medium" pitchFamily="2" charset="-127"/>
-              </a:rPr>
-              <a:t>년 동안이나 일하던 카페가 문을 닫는 바람에 백수가 된 </a:t>
-            </a:r>
-            <a:r>
-              <a:rPr lang="ko-KR" altLang="en-US" sz="1100" b="0" i="0" dirty="0" err="1">
-                <a:solidFill>
-                  <a:srgbClr val="153325"/>
-                </a:solidFill>
-                <a:effectLst/>
-                <a:latin typeface="프리젠테이션 5 Medium" pitchFamily="2" charset="-127"/>
-                <a:ea typeface="프리젠테이션 5 Medium" pitchFamily="2" charset="-127"/>
-              </a:rPr>
-              <a:t>루이자</a:t>
-            </a:r>
-            <a:r>
-              <a:rPr lang="en-US" altLang="ko-KR" sz="1100" b="0" i="0" dirty="0">
-                <a:solidFill>
-                  <a:srgbClr val="153325"/>
-                </a:solidFill>
-                <a:effectLst/>
-                <a:latin typeface="프리젠테이션 5 Medium" pitchFamily="2" charset="-127"/>
-                <a:ea typeface="프리젠테이션 5 Medium" pitchFamily="2" charset="-127"/>
-              </a:rPr>
-              <a:t>(</a:t>
-            </a:r>
-            <a:r>
-              <a:rPr lang="ko-KR" altLang="en-US" sz="1100" b="0" i="0" dirty="0" err="1">
-                <a:solidFill>
-                  <a:srgbClr val="153325"/>
-                </a:solidFill>
-                <a:effectLst/>
-                <a:latin typeface="프리젠테이션 5 Medium" pitchFamily="2" charset="-127"/>
-                <a:ea typeface="프리젠테이션 5 Medium" pitchFamily="2" charset="-127"/>
-              </a:rPr>
-              <a:t>에밀리아</a:t>
-            </a:r>
-            <a:r>
-              <a:rPr lang="ko-KR" altLang="en-US" sz="1100" b="0" i="0" dirty="0">
-                <a:solidFill>
-                  <a:srgbClr val="153325"/>
-                </a:solidFill>
-                <a:effectLst/>
-                <a:latin typeface="프리젠테이션 5 Medium" pitchFamily="2" charset="-127"/>
-                <a:ea typeface="프리젠테이션 5 Medium" pitchFamily="2" charset="-127"/>
-              </a:rPr>
-              <a:t> 클라크</a:t>
-            </a:r>
-            <a:r>
-              <a:rPr lang="en-US" altLang="ko-KR" sz="1100" b="0" i="0" dirty="0">
-                <a:solidFill>
-                  <a:srgbClr val="153325"/>
-                </a:solidFill>
-                <a:effectLst/>
-                <a:latin typeface="프리젠테이션 5 Medium" pitchFamily="2" charset="-127"/>
-                <a:ea typeface="프리젠테이션 5 Medium" pitchFamily="2" charset="-127"/>
-              </a:rPr>
-              <a:t>)</a:t>
-            </a:r>
-            <a:r>
-              <a:rPr lang="ko-KR" altLang="en-US" sz="1100" b="0" i="0" dirty="0">
-                <a:solidFill>
-                  <a:srgbClr val="153325"/>
-                </a:solidFill>
-                <a:effectLst/>
-                <a:latin typeface="프리젠테이션 5 Medium" pitchFamily="2" charset="-127"/>
-                <a:ea typeface="프리젠테이션 5 Medium" pitchFamily="2" charset="-127"/>
-              </a:rPr>
-              <a:t>는 새 직장을 찾던 중 촉망 받던 젊은 사업가였던 전신마비 환자 윌</a:t>
-            </a:r>
-            <a:r>
-              <a:rPr lang="en-US" altLang="ko-KR" sz="1100" b="0" i="0" dirty="0">
-                <a:solidFill>
-                  <a:srgbClr val="153325"/>
-                </a:solidFill>
-                <a:effectLst/>
-                <a:latin typeface="프리젠테이션 5 Medium" pitchFamily="2" charset="-127"/>
-                <a:ea typeface="프리젠테이션 5 Medium" pitchFamily="2" charset="-127"/>
-              </a:rPr>
-              <a:t>(</a:t>
-            </a:r>
-            <a:r>
-              <a:rPr lang="ko-KR" altLang="en-US" sz="1100" b="0" i="0" dirty="0">
-                <a:solidFill>
-                  <a:srgbClr val="153325"/>
-                </a:solidFill>
-                <a:effectLst/>
-                <a:latin typeface="프리젠테이션 5 Medium" pitchFamily="2" charset="-127"/>
-                <a:ea typeface="프리젠테이션 5 Medium" pitchFamily="2" charset="-127"/>
-              </a:rPr>
-              <a:t>샘 </a:t>
-            </a:r>
-            <a:r>
-              <a:rPr lang="ko-KR" altLang="en-US" sz="1100" b="0" i="0" dirty="0" err="1">
-                <a:solidFill>
-                  <a:srgbClr val="153325"/>
-                </a:solidFill>
-                <a:effectLst/>
-                <a:latin typeface="프리젠테이션 5 Medium" pitchFamily="2" charset="-127"/>
-                <a:ea typeface="프리젠테이션 5 Medium" pitchFamily="2" charset="-127"/>
-              </a:rPr>
-              <a:t>클라플린</a:t>
-            </a:r>
-            <a:r>
-              <a:rPr lang="en-US" altLang="ko-KR" sz="1100" b="0" i="0" dirty="0">
-                <a:solidFill>
-                  <a:srgbClr val="153325"/>
-                </a:solidFill>
-                <a:effectLst/>
-                <a:latin typeface="프리젠테이션 5 Medium" pitchFamily="2" charset="-127"/>
-                <a:ea typeface="프리젠테이션 5 Medium" pitchFamily="2" charset="-127"/>
-              </a:rPr>
-              <a:t>)</a:t>
-            </a:r>
-            <a:r>
-              <a:rPr lang="ko-KR" altLang="en-US" sz="1100" b="0" i="0" dirty="0">
-                <a:solidFill>
-                  <a:srgbClr val="153325"/>
-                </a:solidFill>
-                <a:effectLst/>
-                <a:latin typeface="프리젠테이션 5 Medium" pitchFamily="2" charset="-127"/>
-                <a:ea typeface="프리젠테이션 5 Medium" pitchFamily="2" charset="-127"/>
-              </a:rPr>
-              <a:t>의 </a:t>
-            </a:r>
-            <a:r>
-              <a:rPr lang="en-US" altLang="ko-KR" sz="1100" b="0" i="0" dirty="0">
-                <a:solidFill>
-                  <a:srgbClr val="153325"/>
-                </a:solidFill>
-                <a:effectLst/>
-                <a:latin typeface="프리젠테이션 5 Medium" pitchFamily="2" charset="-127"/>
-                <a:ea typeface="프리젠테이션 5 Medium" pitchFamily="2" charset="-127"/>
-              </a:rPr>
-              <a:t>6</a:t>
-            </a:r>
-            <a:r>
-              <a:rPr lang="ko-KR" altLang="en-US" sz="1100" b="0" i="0" dirty="0">
-                <a:solidFill>
-                  <a:srgbClr val="153325"/>
-                </a:solidFill>
-                <a:effectLst/>
-                <a:latin typeface="프리젠테이션 5 Medium" pitchFamily="2" charset="-127"/>
-                <a:ea typeface="프리젠테이션 5 Medium" pitchFamily="2" charset="-127"/>
-              </a:rPr>
-              <a:t>개월 임시 간병인이 된다</a:t>
-            </a:r>
-            <a:r>
-              <a:rPr lang="en-US" altLang="ko-KR" sz="1100" b="0" i="0" dirty="0">
-                <a:solidFill>
-                  <a:srgbClr val="153325"/>
-                </a:solidFill>
-                <a:effectLst/>
-                <a:latin typeface="프리젠테이션 5 Medium" pitchFamily="2" charset="-127"/>
-                <a:ea typeface="프리젠테이션 5 Medium" pitchFamily="2" charset="-127"/>
-              </a:rPr>
-              <a:t>. </a:t>
-            </a:r>
-            <a:r>
-              <a:rPr lang="ko-KR" altLang="en-US" sz="1100" b="0" i="0" dirty="0">
-                <a:solidFill>
-                  <a:srgbClr val="153325"/>
-                </a:solidFill>
-                <a:effectLst/>
-                <a:latin typeface="프리젠테이션 5 Medium" pitchFamily="2" charset="-127"/>
-                <a:ea typeface="프리젠테이션 5 Medium" pitchFamily="2" charset="-127"/>
-              </a:rPr>
-              <a:t>루이자의 우스꽝스러운 옷</a:t>
-            </a:r>
-            <a:r>
-              <a:rPr lang="en-US" altLang="ko-KR" sz="1100" b="0" i="0" dirty="0">
-                <a:solidFill>
-                  <a:srgbClr val="153325"/>
-                </a:solidFill>
-                <a:effectLst/>
-                <a:latin typeface="프리젠테이션 5 Medium" pitchFamily="2" charset="-127"/>
-                <a:ea typeface="프리젠테이션 5 Medium" pitchFamily="2" charset="-127"/>
-              </a:rPr>
-              <a:t>, </a:t>
-            </a:r>
-            <a:r>
-              <a:rPr lang="ko-KR" altLang="en-US" sz="1100" b="0" i="0" dirty="0">
-                <a:solidFill>
-                  <a:srgbClr val="153325"/>
-                </a:solidFill>
-                <a:effectLst/>
-                <a:latin typeface="프리젠테이션 5 Medium" pitchFamily="2" charset="-127"/>
-                <a:ea typeface="프리젠테이션 5 Medium" pitchFamily="2" charset="-127"/>
-              </a:rPr>
-              <a:t>썰렁한 농담들</a:t>
-            </a:r>
-            <a:r>
-              <a:rPr lang="en-US" altLang="ko-KR" sz="1100" b="0" i="0" dirty="0">
-                <a:solidFill>
-                  <a:srgbClr val="153325"/>
-                </a:solidFill>
-                <a:effectLst/>
-                <a:latin typeface="프리젠테이션 5 Medium" pitchFamily="2" charset="-127"/>
-                <a:ea typeface="프리젠테이션 5 Medium" pitchFamily="2" charset="-127"/>
-              </a:rPr>
-              <a:t>, </a:t>
-            </a:r>
-            <a:r>
-              <a:rPr lang="ko-KR" altLang="en-US" sz="1100" b="0" i="0" dirty="0">
-                <a:solidFill>
-                  <a:srgbClr val="153325"/>
-                </a:solidFill>
-                <a:effectLst/>
-                <a:latin typeface="프리젠테이션 5 Medium" pitchFamily="2" charset="-127"/>
-                <a:ea typeface="프리젠테이션 5 Medium" pitchFamily="2" charset="-127"/>
-              </a:rPr>
-              <a:t>속마음을 그대로 드러내는 얼굴 표정이 신경 쓰이는 윌</a:t>
-            </a:r>
-            <a:r>
-              <a:rPr lang="en-US" altLang="ko-KR" sz="1100" b="0" i="0" dirty="0">
-                <a:solidFill>
-                  <a:srgbClr val="153325"/>
-                </a:solidFill>
-                <a:effectLst/>
-                <a:latin typeface="프리젠테이션 5 Medium" pitchFamily="2" charset="-127"/>
-                <a:ea typeface="프리젠테이션 5 Medium" pitchFamily="2" charset="-127"/>
-              </a:rPr>
-              <a:t>. </a:t>
-            </a:r>
-            <a:r>
-              <a:rPr lang="ko-KR" altLang="en-US" sz="1100" b="0" i="0" dirty="0">
-                <a:solidFill>
-                  <a:srgbClr val="153325"/>
-                </a:solidFill>
-                <a:effectLst/>
-                <a:latin typeface="프리젠테이션 5 Medium" pitchFamily="2" charset="-127"/>
-                <a:ea typeface="프리젠테이션 5 Medium" pitchFamily="2" charset="-127"/>
-              </a:rPr>
-              <a:t>말만 하면 멍청이 보듯 두 </a:t>
-            </a:r>
-            <a:r>
-              <a:rPr lang="ko-KR" altLang="en-US" sz="1100" b="0" i="0" dirty="0" err="1">
-                <a:solidFill>
-                  <a:srgbClr val="153325"/>
-                </a:solidFill>
-                <a:effectLst/>
-                <a:latin typeface="프리젠테이션 5 Medium" pitchFamily="2" charset="-127"/>
-                <a:ea typeface="프리젠테이션 5 Medium" pitchFamily="2" charset="-127"/>
-              </a:rPr>
-              <a:t>살짜리처럼</a:t>
-            </a:r>
-            <a:r>
-              <a:rPr lang="ko-KR" altLang="en-US" sz="1100" b="0" i="0" dirty="0">
-                <a:solidFill>
-                  <a:srgbClr val="153325"/>
-                </a:solidFill>
-                <a:effectLst/>
-                <a:latin typeface="프리젠테이션 5 Medium" pitchFamily="2" charset="-127"/>
-                <a:ea typeface="프리젠테이션 5 Medium" pitchFamily="2" charset="-127"/>
-              </a:rPr>
-              <a:t> 취급하고 개망나니처럼 구는 윌이 치사하기만 한 </a:t>
-            </a:r>
-            <a:r>
-              <a:rPr lang="ko-KR" altLang="en-US" sz="1100" b="0" i="0" dirty="0" err="1">
-                <a:solidFill>
-                  <a:srgbClr val="153325"/>
-                </a:solidFill>
-                <a:effectLst/>
-                <a:latin typeface="프리젠테이션 5 Medium" pitchFamily="2" charset="-127"/>
-                <a:ea typeface="프리젠테이션 5 Medium" pitchFamily="2" charset="-127"/>
-              </a:rPr>
-              <a:t>루이자</a:t>
-            </a:r>
-            <a:r>
-              <a:rPr lang="en-US" altLang="ko-KR" sz="1100" b="0" i="0" dirty="0">
-                <a:solidFill>
-                  <a:srgbClr val="153325"/>
-                </a:solidFill>
-                <a:effectLst/>
-                <a:latin typeface="프리젠테이션 5 Medium" pitchFamily="2" charset="-127"/>
-                <a:ea typeface="프리젠테이션 5 Medium" pitchFamily="2" charset="-127"/>
-              </a:rPr>
-              <a:t>. </a:t>
-            </a:r>
-            <a:r>
-              <a:rPr lang="ko-KR" altLang="en-US" sz="1100" b="0" i="0" dirty="0">
-                <a:solidFill>
-                  <a:srgbClr val="153325"/>
-                </a:solidFill>
-                <a:effectLst/>
-                <a:latin typeface="프리젠테이션 5 Medium" pitchFamily="2" charset="-127"/>
-                <a:ea typeface="프리젠테이션 5 Medium" pitchFamily="2" charset="-127"/>
-              </a:rPr>
-              <a:t>그렇게 둘은 서로의 인생을 향해 차츰 걸어 들어가는데</a:t>
-            </a:r>
-            <a:r>
-              <a:rPr lang="en-US" altLang="ko-KR" sz="1100" b="0" i="0" dirty="0">
-                <a:solidFill>
-                  <a:srgbClr val="153325"/>
-                </a:solidFill>
-                <a:effectLst/>
-                <a:latin typeface="프리젠테이션 5 Medium" pitchFamily="2" charset="-127"/>
-                <a:ea typeface="프리젠테이션 5 Medium" pitchFamily="2" charset="-127"/>
-              </a:rPr>
-              <a:t>... - </a:t>
-            </a:r>
-            <a:r>
-              <a:rPr lang="ko-KR" altLang="en-US" sz="1100" b="0" i="0" dirty="0">
-                <a:solidFill>
-                  <a:srgbClr val="153325"/>
-                </a:solidFill>
-                <a:effectLst/>
-                <a:latin typeface="프리젠테이션 5 Medium" pitchFamily="2" charset="-127"/>
-                <a:ea typeface="프리젠테이션 5 Medium" pitchFamily="2" charset="-127"/>
-              </a:rPr>
-              <a:t>네이버영화</a:t>
-            </a:r>
-            <a:endParaRPr lang="en-US" altLang="ko-KR" sz="1100" b="0" i="0" dirty="0">
-              <a:solidFill>
-                <a:srgbClr val="153325"/>
-              </a:solidFill>
-              <a:effectLst/>
-              <a:latin typeface="프리젠테이션 5 Medium" pitchFamily="2" charset="-127"/>
-              <a:ea typeface="프리젠테이션 5 Medium" pitchFamily="2" charset="-127"/>
-            </a:endParaRPr>
-          </a:p>
-        </p:txBody>
-      </p:sp>
-      <p:cxnSp>
-        <p:nvCxnSpPr>
-          <p:cNvPr id="23" name="연결선: 꺾임 22">
-            <a:extLst>
-              <a:ext uri="{FF2B5EF4-FFF2-40B4-BE49-F238E27FC236}">
-                <a16:creationId xmlns:a16="http://schemas.microsoft.com/office/drawing/2014/main" id="{138355C6-C434-4A7F-820F-C865EBDC6D66}"/>
-              </a:ext>
-            </a:extLst>
-          </p:cNvPr>
-          <p:cNvCxnSpPr>
-            <a:cxnSpLocks/>
-          </p:cNvCxnSpPr>
-          <p:nvPr/>
-        </p:nvCxnSpPr>
-        <p:spPr>
-          <a:xfrm>
-            <a:off x="3694193" y="4052093"/>
-            <a:ext cx="2004239" cy="322239"/>
-          </a:xfrm>
-          <a:prstGeom prst="bentConnector3">
-            <a:avLst/>
-          </a:prstGeom>
-          <a:ln>
-            <a:solidFill>
-              <a:srgbClr val="83A99B"/>
-            </a:solidFill>
-            <a:tailEnd type="triangle"/>
-          </a:ln>
-        </p:spPr>
-        <p:style>
-          <a:lnRef idx="1">
-            <a:schemeClr val="accent1"/>
-          </a:lnRef>
-          <a:fillRef idx="0">
-            <a:schemeClr val="accent1"/>
-          </a:fillRef>
-          <a:effectRef idx="0">
-            <a:schemeClr val="accent1"/>
-          </a:effectRef>
-          <a:fontRef idx="minor">
-            <a:schemeClr val="tx1"/>
-          </a:fontRef>
-        </p:style>
-      </p:cxnSp>
-      <p:sp>
-        <p:nvSpPr>
-          <p:cNvPr id="29" name="TextBox 28">
-            <a:extLst>
-              <a:ext uri="{FF2B5EF4-FFF2-40B4-BE49-F238E27FC236}">
-                <a16:creationId xmlns:a16="http://schemas.microsoft.com/office/drawing/2014/main" id="{E5C490B6-C845-4BC7-8D2A-CD9A973330FD}"/>
-              </a:ext>
-            </a:extLst>
-          </p:cNvPr>
-          <p:cNvSpPr txBox="1"/>
-          <p:nvPr/>
-        </p:nvSpPr>
-        <p:spPr>
-          <a:xfrm>
-            <a:off x="5852556" y="4669450"/>
-            <a:ext cx="5801478" cy="1338828"/>
-          </a:xfrm>
-          <a:prstGeom prst="rect">
-            <a:avLst/>
-          </a:prstGeom>
-          <a:noFill/>
-        </p:spPr>
-        <p:txBody>
-          <a:bodyPr wrap="square">
-            <a:spAutoFit/>
-          </a:bodyPr>
-          <a:lstStyle/>
-          <a:p>
-            <a:pPr>
-              <a:lnSpc>
-                <a:spcPct val="150000"/>
-              </a:lnSpc>
-            </a:pPr>
-            <a:r>
-              <a:rPr lang="ko-KR" altLang="en-US" sz="1100" dirty="0">
-                <a:solidFill>
-                  <a:srgbClr val="153325"/>
-                </a:solidFill>
-                <a:latin typeface="프리젠테이션 5 Medium" pitchFamily="2" charset="-127"/>
-                <a:ea typeface="프리젠테이션 5 Medium" pitchFamily="2" charset="-127"/>
-              </a:rPr>
-              <a:t>영화 </a:t>
-            </a:r>
-            <a:r>
-              <a:rPr lang="ko-KR" altLang="en-US" sz="1100" dirty="0" err="1">
-                <a:solidFill>
-                  <a:srgbClr val="153325"/>
-                </a:solidFill>
-                <a:latin typeface="프리젠테이션 5 Medium" pitchFamily="2" charset="-127"/>
-                <a:ea typeface="프리젠테이션 5 Medium" pitchFamily="2" charset="-127"/>
-              </a:rPr>
-              <a:t>미비포유의</a:t>
-            </a:r>
-            <a:r>
-              <a:rPr lang="ko-KR" altLang="en-US" sz="1100" dirty="0">
-                <a:solidFill>
-                  <a:srgbClr val="153325"/>
-                </a:solidFill>
-                <a:latin typeface="프리젠테이션 5 Medium" pitchFamily="2" charset="-127"/>
-                <a:ea typeface="프리젠테이션 5 Medium" pitchFamily="2" charset="-127"/>
-              </a:rPr>
-              <a:t> 줄거리</a:t>
-            </a:r>
-            <a:r>
-              <a:rPr lang="en-US" altLang="ko-KR" sz="1100" dirty="0">
-                <a:solidFill>
-                  <a:srgbClr val="153325"/>
-                </a:solidFill>
-                <a:latin typeface="프리젠테이션 5 Medium" pitchFamily="2" charset="-127"/>
-                <a:ea typeface="프리젠테이션 5 Medium" pitchFamily="2" charset="-127"/>
-              </a:rPr>
-              <a:t>… </a:t>
-            </a:r>
-            <a:r>
-              <a:rPr lang="ko-KR" altLang="en-US" sz="1100" b="0" i="0" dirty="0">
-                <a:solidFill>
-                  <a:srgbClr val="153325"/>
-                </a:solidFill>
-                <a:effectLst/>
-                <a:latin typeface="프리젠테이션 5 Medium" pitchFamily="2" charset="-127"/>
-                <a:ea typeface="프리젠테이션 5 Medium" pitchFamily="2" charset="-127"/>
-              </a:rPr>
-              <a:t>이별을 준비하는 마지막에 나타난 짜증나는 여자 내 평생 최고의 </a:t>
-            </a:r>
-            <a:r>
-              <a:rPr lang="en-US" altLang="ko-KR" sz="1100" b="0" i="0" dirty="0">
-                <a:solidFill>
-                  <a:srgbClr val="153325"/>
-                </a:solidFill>
-                <a:effectLst/>
-                <a:latin typeface="프리젠테이션 5 Medium" pitchFamily="2" charset="-127"/>
-                <a:ea typeface="프리젠테이션 5 Medium" pitchFamily="2" charset="-127"/>
-              </a:rPr>
-              <a:t>6</a:t>
-            </a:r>
-            <a:r>
-              <a:rPr lang="ko-KR" altLang="en-US" sz="1100" b="0" i="0" dirty="0">
-                <a:solidFill>
-                  <a:srgbClr val="153325"/>
-                </a:solidFill>
-                <a:effectLst/>
-                <a:latin typeface="프리젠테이션 5 Medium" pitchFamily="2" charset="-127"/>
-                <a:ea typeface="프리젠테이션 5 Medium" pitchFamily="2" charset="-127"/>
-              </a:rPr>
-              <a:t>개월을 선물했다 </a:t>
-            </a:r>
-            <a:r>
-              <a:rPr lang="en-US" altLang="ko-KR" sz="1100" b="0" i="0" dirty="0">
-                <a:solidFill>
-                  <a:srgbClr val="153325"/>
-                </a:solidFill>
-                <a:effectLst/>
-                <a:latin typeface="프리젠테이션 5 Medium" pitchFamily="2" charset="-127"/>
-                <a:ea typeface="프리젠테이션 5 Medium" pitchFamily="2" charset="-127"/>
-              </a:rPr>
-              <a:t>6</a:t>
-            </a:r>
-            <a:r>
-              <a:rPr lang="ko-KR" altLang="en-US" sz="1100" b="0" i="0" dirty="0">
-                <a:solidFill>
-                  <a:srgbClr val="153325"/>
-                </a:solidFill>
-                <a:effectLst/>
-                <a:latin typeface="프리젠테이션 5 Medium" pitchFamily="2" charset="-127"/>
-                <a:ea typeface="프리젠테이션 5 Medium" pitchFamily="2" charset="-127"/>
-              </a:rPr>
-              <a:t>년 동안이나 일하던 카페가 문을 닫는 바람에 백수가 된 </a:t>
-            </a:r>
-            <a:r>
-              <a:rPr lang="ko-KR" altLang="en-US" sz="1100" b="0" i="0" dirty="0" err="1">
-                <a:solidFill>
-                  <a:srgbClr val="153325"/>
-                </a:solidFill>
-                <a:effectLst/>
-                <a:latin typeface="프리젠테이션 5 Medium" pitchFamily="2" charset="-127"/>
-                <a:ea typeface="프리젠테이션 5 Medium" pitchFamily="2" charset="-127"/>
-              </a:rPr>
-              <a:t>루이자</a:t>
-            </a:r>
-            <a:r>
-              <a:rPr lang="en-US" altLang="ko-KR" sz="1100" b="0" i="0" dirty="0">
-                <a:solidFill>
-                  <a:srgbClr val="153325"/>
-                </a:solidFill>
-                <a:effectLst/>
-                <a:latin typeface="프리젠테이션 5 Medium" pitchFamily="2" charset="-127"/>
-                <a:ea typeface="프리젠테이션 5 Medium" pitchFamily="2" charset="-127"/>
-              </a:rPr>
-              <a:t>(</a:t>
-            </a:r>
-            <a:r>
-              <a:rPr lang="ko-KR" altLang="en-US" sz="1100" b="0" i="0" dirty="0" err="1">
-                <a:solidFill>
-                  <a:srgbClr val="153325"/>
-                </a:solidFill>
-                <a:effectLst/>
-                <a:latin typeface="프리젠테이션 5 Medium" pitchFamily="2" charset="-127"/>
-                <a:ea typeface="프리젠테이션 5 Medium" pitchFamily="2" charset="-127"/>
-              </a:rPr>
-              <a:t>에밀리아</a:t>
-            </a:r>
-            <a:r>
-              <a:rPr lang="ko-KR" altLang="en-US" sz="1100" b="0" i="0" dirty="0">
-                <a:solidFill>
-                  <a:srgbClr val="153325"/>
-                </a:solidFill>
-                <a:effectLst/>
-                <a:latin typeface="프리젠테이션 5 Medium" pitchFamily="2" charset="-127"/>
-                <a:ea typeface="프리젠테이션 5 Medium" pitchFamily="2" charset="-127"/>
-              </a:rPr>
-              <a:t> 클라크</a:t>
-            </a:r>
-            <a:r>
-              <a:rPr lang="en-US" altLang="ko-KR" sz="1100" b="0" i="0" dirty="0">
-                <a:solidFill>
-                  <a:srgbClr val="153325"/>
-                </a:solidFill>
-                <a:effectLst/>
-                <a:latin typeface="프리젠테이션 5 Medium" pitchFamily="2" charset="-127"/>
-                <a:ea typeface="프리젠테이션 5 Medium" pitchFamily="2" charset="-127"/>
-              </a:rPr>
-              <a:t>)</a:t>
-            </a:r>
-            <a:r>
-              <a:rPr lang="ko-KR" altLang="en-US" sz="1100" b="0" i="0" dirty="0">
-                <a:solidFill>
-                  <a:srgbClr val="153325"/>
-                </a:solidFill>
-                <a:effectLst/>
-                <a:latin typeface="프리젠테이션 5 Medium" pitchFamily="2" charset="-127"/>
-                <a:ea typeface="프리젠테이션 5 Medium" pitchFamily="2" charset="-127"/>
-              </a:rPr>
-              <a:t>는 새 직장을 찾던 중 촉망 받던 젊은 사업가였던 전신마비 환자 윌</a:t>
-            </a:r>
-            <a:r>
-              <a:rPr lang="en-US" altLang="ko-KR" sz="1100" b="0" i="0" dirty="0">
-                <a:solidFill>
-                  <a:srgbClr val="153325"/>
-                </a:solidFill>
-                <a:effectLst/>
-                <a:latin typeface="프리젠테이션 5 Medium" pitchFamily="2" charset="-127"/>
-                <a:ea typeface="프리젠테이션 5 Medium" pitchFamily="2" charset="-127"/>
-              </a:rPr>
-              <a:t>(</a:t>
-            </a:r>
-            <a:r>
-              <a:rPr lang="ko-KR" altLang="en-US" sz="1100" b="0" i="0" dirty="0">
-                <a:solidFill>
-                  <a:srgbClr val="153325"/>
-                </a:solidFill>
-                <a:effectLst/>
-                <a:latin typeface="프리젠테이션 5 Medium" pitchFamily="2" charset="-127"/>
-                <a:ea typeface="프리젠테이션 5 Medium" pitchFamily="2" charset="-127"/>
-              </a:rPr>
-              <a:t>샘 </a:t>
-            </a:r>
-            <a:r>
-              <a:rPr lang="ko-KR" altLang="en-US" sz="1100" b="0" i="0" dirty="0" err="1">
-                <a:solidFill>
-                  <a:srgbClr val="153325"/>
-                </a:solidFill>
-                <a:effectLst/>
-                <a:latin typeface="프리젠테이션 5 Medium" pitchFamily="2" charset="-127"/>
-                <a:ea typeface="프리젠테이션 5 Medium" pitchFamily="2" charset="-127"/>
-              </a:rPr>
-              <a:t>클라플린</a:t>
-            </a:r>
-            <a:r>
-              <a:rPr lang="en-US" altLang="ko-KR" sz="1100" b="0" i="0" dirty="0">
-                <a:solidFill>
-                  <a:srgbClr val="153325"/>
-                </a:solidFill>
-                <a:effectLst/>
-                <a:latin typeface="프리젠테이션 5 Medium" pitchFamily="2" charset="-127"/>
-                <a:ea typeface="프리젠테이션 5 Medium" pitchFamily="2" charset="-127"/>
-              </a:rPr>
-              <a:t>)</a:t>
-            </a:r>
-            <a:r>
-              <a:rPr lang="ko-KR" altLang="en-US" sz="1100" b="0" i="0" dirty="0">
-                <a:solidFill>
-                  <a:srgbClr val="153325"/>
-                </a:solidFill>
-                <a:effectLst/>
-                <a:latin typeface="프리젠테이션 5 Medium" pitchFamily="2" charset="-127"/>
-                <a:ea typeface="프리젠테이션 5 Medium" pitchFamily="2" charset="-127"/>
-              </a:rPr>
-              <a:t>의 </a:t>
-            </a:r>
-            <a:r>
-              <a:rPr lang="en-US" altLang="ko-KR" sz="1100" b="0" i="0" dirty="0">
-                <a:solidFill>
-                  <a:srgbClr val="153325"/>
-                </a:solidFill>
-                <a:effectLst/>
-                <a:latin typeface="프리젠테이션 5 Medium" pitchFamily="2" charset="-127"/>
-                <a:ea typeface="프리젠테이션 5 Medium" pitchFamily="2" charset="-127"/>
-              </a:rPr>
-              <a:t>6</a:t>
-            </a:r>
-            <a:r>
-              <a:rPr lang="ko-KR" altLang="en-US" sz="1100" b="0" i="0" dirty="0">
-                <a:solidFill>
-                  <a:srgbClr val="153325"/>
-                </a:solidFill>
-                <a:effectLst/>
-                <a:latin typeface="프리젠테이션 5 Medium" pitchFamily="2" charset="-127"/>
-                <a:ea typeface="프리젠테이션 5 Medium" pitchFamily="2" charset="-127"/>
-              </a:rPr>
-              <a:t>개월 임시 간병인이 된다</a:t>
-            </a:r>
-            <a:r>
-              <a:rPr lang="en-US" altLang="ko-KR" sz="1100" b="0" i="0" dirty="0">
-                <a:solidFill>
-                  <a:srgbClr val="153325"/>
-                </a:solidFill>
-                <a:effectLst/>
-                <a:latin typeface="프리젠테이션 5 Medium" pitchFamily="2" charset="-127"/>
-                <a:ea typeface="프리젠테이션 5 Medium" pitchFamily="2" charset="-127"/>
-              </a:rPr>
-              <a:t>. </a:t>
-            </a:r>
-            <a:r>
-              <a:rPr lang="ko-KR" altLang="en-US" sz="1100" b="0" i="0" dirty="0">
-                <a:solidFill>
-                  <a:srgbClr val="153325"/>
-                </a:solidFill>
-                <a:effectLst/>
-                <a:latin typeface="프리젠테이션 5 Medium" pitchFamily="2" charset="-127"/>
-                <a:ea typeface="프리젠테이션 5 Medium" pitchFamily="2" charset="-127"/>
-              </a:rPr>
-              <a:t>루이자의 우스꽝스러운 옷</a:t>
-            </a:r>
-            <a:r>
-              <a:rPr lang="en-US" altLang="ko-KR" sz="1100" b="0" i="0" dirty="0">
-                <a:solidFill>
-                  <a:srgbClr val="153325"/>
-                </a:solidFill>
-                <a:effectLst/>
-                <a:latin typeface="프리젠테이션 5 Medium" pitchFamily="2" charset="-127"/>
-                <a:ea typeface="프리젠테이션 5 Medium" pitchFamily="2" charset="-127"/>
-              </a:rPr>
-              <a:t>, </a:t>
-            </a:r>
-            <a:r>
-              <a:rPr lang="ko-KR" altLang="en-US" sz="1100" b="0" i="0" dirty="0">
-                <a:solidFill>
-                  <a:srgbClr val="153325"/>
-                </a:solidFill>
-                <a:effectLst/>
-                <a:latin typeface="프리젠테이션 5 Medium" pitchFamily="2" charset="-127"/>
-                <a:ea typeface="프리젠테이션 5 Medium" pitchFamily="2" charset="-127"/>
-              </a:rPr>
-              <a:t>썰렁한 농담들</a:t>
-            </a:r>
-            <a:r>
-              <a:rPr lang="en-US" altLang="ko-KR" sz="1100" b="0" i="0" dirty="0">
-                <a:solidFill>
-                  <a:srgbClr val="153325"/>
-                </a:solidFill>
-                <a:effectLst/>
-                <a:latin typeface="프리젠테이션 5 Medium" pitchFamily="2" charset="-127"/>
-                <a:ea typeface="프리젠테이션 5 Medium" pitchFamily="2" charset="-127"/>
-              </a:rPr>
-              <a:t>, </a:t>
-            </a:r>
-            <a:r>
-              <a:rPr lang="ko-KR" altLang="en-US" sz="1100" b="0" i="0" dirty="0">
-                <a:solidFill>
-                  <a:srgbClr val="153325"/>
-                </a:solidFill>
-                <a:effectLst/>
-                <a:latin typeface="프리젠테이션 5 Medium" pitchFamily="2" charset="-127"/>
-                <a:ea typeface="프리젠테이션 5 Medium" pitchFamily="2" charset="-127"/>
-              </a:rPr>
-              <a:t>속마음을 그대로 드러내는 얼굴 표정이 신경 쓰이는 윌</a:t>
-            </a:r>
-            <a:r>
-              <a:rPr lang="en-US" altLang="ko-KR" sz="1100" b="0" i="0" dirty="0">
-                <a:solidFill>
-                  <a:srgbClr val="153325"/>
-                </a:solidFill>
-                <a:effectLst/>
-                <a:latin typeface="프리젠테이션 5 Medium" pitchFamily="2" charset="-127"/>
-                <a:ea typeface="프리젠테이션 5 Medium" pitchFamily="2" charset="-127"/>
-              </a:rPr>
-              <a:t>. </a:t>
-            </a:r>
-            <a:r>
-              <a:rPr lang="ko-KR" altLang="en-US" sz="1100" b="0" i="0" dirty="0">
-                <a:solidFill>
-                  <a:srgbClr val="153325"/>
-                </a:solidFill>
-                <a:effectLst/>
-                <a:latin typeface="프리젠테이션 5 Medium" pitchFamily="2" charset="-127"/>
-                <a:ea typeface="프리젠테이션 5 Medium" pitchFamily="2" charset="-127"/>
-              </a:rPr>
-              <a:t>말만 하면 멍청이 보듯 두 </a:t>
-            </a:r>
-            <a:r>
-              <a:rPr lang="ko-KR" altLang="en-US" sz="1100" b="0" i="0" dirty="0" err="1">
-                <a:solidFill>
-                  <a:srgbClr val="153325"/>
-                </a:solidFill>
-                <a:effectLst/>
-                <a:latin typeface="프리젠테이션 5 Medium" pitchFamily="2" charset="-127"/>
-                <a:ea typeface="프리젠테이션 5 Medium" pitchFamily="2" charset="-127"/>
-              </a:rPr>
-              <a:t>살짜리처럼</a:t>
-            </a:r>
-            <a:r>
-              <a:rPr lang="ko-KR" altLang="en-US" sz="1100" b="0" i="0" dirty="0">
-                <a:solidFill>
-                  <a:srgbClr val="153325"/>
-                </a:solidFill>
-                <a:effectLst/>
-                <a:latin typeface="프리젠테이션 5 Medium" pitchFamily="2" charset="-127"/>
-                <a:ea typeface="프리젠테이션 5 Medium" pitchFamily="2" charset="-127"/>
-              </a:rPr>
-              <a:t> 취급하고 개망나니처럼 구는 윌이 치사하기만 한 </a:t>
-            </a:r>
-            <a:r>
-              <a:rPr lang="ko-KR" altLang="en-US" sz="1100" b="0" i="0" dirty="0" err="1">
-                <a:solidFill>
-                  <a:srgbClr val="153325"/>
-                </a:solidFill>
-                <a:effectLst/>
-                <a:latin typeface="프리젠테이션 5 Medium" pitchFamily="2" charset="-127"/>
-                <a:ea typeface="프리젠테이션 5 Medium" pitchFamily="2" charset="-127"/>
-              </a:rPr>
-              <a:t>루이자</a:t>
-            </a:r>
-            <a:r>
-              <a:rPr lang="en-US" altLang="ko-KR" sz="1100" b="0" i="0" dirty="0">
-                <a:solidFill>
-                  <a:srgbClr val="153325"/>
-                </a:solidFill>
-                <a:effectLst/>
-                <a:latin typeface="프리젠테이션 5 Medium" pitchFamily="2" charset="-127"/>
-                <a:ea typeface="프리젠테이션 5 Medium" pitchFamily="2" charset="-127"/>
-              </a:rPr>
-              <a:t>. </a:t>
-            </a:r>
-            <a:r>
-              <a:rPr lang="ko-KR" altLang="en-US" sz="1100" b="0" i="0" dirty="0">
-                <a:solidFill>
-                  <a:srgbClr val="153325"/>
-                </a:solidFill>
-                <a:effectLst/>
-                <a:latin typeface="프리젠테이션 5 Medium" pitchFamily="2" charset="-127"/>
-                <a:ea typeface="프리젠테이션 5 Medium" pitchFamily="2" charset="-127"/>
-              </a:rPr>
-              <a:t>그렇게 둘은 서로의 인생을 향해 차츰 걸어 들어가는데</a:t>
-            </a:r>
-            <a:r>
-              <a:rPr lang="en-US" altLang="ko-KR" sz="1100" b="0" i="0" dirty="0">
-                <a:solidFill>
-                  <a:srgbClr val="153325"/>
-                </a:solidFill>
-                <a:effectLst/>
-                <a:latin typeface="프리젠테이션 5 Medium" pitchFamily="2" charset="-127"/>
-                <a:ea typeface="프리젠테이션 5 Medium" pitchFamily="2" charset="-127"/>
-              </a:rPr>
-              <a:t>... - </a:t>
-            </a:r>
-            <a:r>
-              <a:rPr lang="ko-KR" altLang="en-US" sz="1100" b="0" i="0" dirty="0">
-                <a:solidFill>
-                  <a:srgbClr val="153325"/>
-                </a:solidFill>
-                <a:effectLst/>
-                <a:latin typeface="프리젠테이션 5 Medium" pitchFamily="2" charset="-127"/>
-                <a:ea typeface="프리젠테이션 5 Medium" pitchFamily="2" charset="-127"/>
-              </a:rPr>
-              <a:t>네이버영화</a:t>
-            </a:r>
-            <a:endParaRPr lang="en-US" altLang="ko-KR" sz="1100" b="0" i="0" dirty="0">
-              <a:solidFill>
-                <a:srgbClr val="153325"/>
-              </a:solidFill>
-              <a:effectLst/>
-              <a:latin typeface="프리젠테이션 5 Medium" pitchFamily="2" charset="-127"/>
-              <a:ea typeface="프리젠테이션 5 Medium" pitchFamily="2" charset="-127"/>
-            </a:endParaRPr>
-          </a:p>
-        </p:txBody>
-      </p:sp>
-      <p:grpSp>
-        <p:nvGrpSpPr>
-          <p:cNvPr id="33" name="그룹 32">
-            <a:extLst>
-              <a:ext uri="{FF2B5EF4-FFF2-40B4-BE49-F238E27FC236}">
-                <a16:creationId xmlns:a16="http://schemas.microsoft.com/office/drawing/2014/main" id="{8A2E2561-88BC-42A5-8F52-51A0987B603F}"/>
-              </a:ext>
-            </a:extLst>
-          </p:cNvPr>
-          <p:cNvGrpSpPr/>
-          <p:nvPr/>
-        </p:nvGrpSpPr>
-        <p:grpSpPr>
-          <a:xfrm>
-            <a:off x="3542617" y="4025423"/>
-            <a:ext cx="154305" cy="45719"/>
-            <a:chOff x="3618892" y="3840948"/>
-            <a:chExt cx="154305" cy="45719"/>
-          </a:xfrm>
-          <a:solidFill>
-            <a:srgbClr val="83A99B"/>
-          </a:solidFill>
-        </p:grpSpPr>
-        <p:sp>
-          <p:nvSpPr>
-            <p:cNvPr id="28" name="타원 27">
-              <a:extLst>
-                <a:ext uri="{FF2B5EF4-FFF2-40B4-BE49-F238E27FC236}">
-                  <a16:creationId xmlns:a16="http://schemas.microsoft.com/office/drawing/2014/main" id="{5B89AE19-683B-4ADA-A07E-D0E3DD8199A3}"/>
-                </a:ext>
-              </a:extLst>
-            </p:cNvPr>
-            <p:cNvSpPr/>
-            <p:nvPr/>
-          </p:nvSpPr>
-          <p:spPr>
-            <a:xfrm>
-              <a:off x="3618892" y="3840948"/>
-              <a:ext cx="45719" cy="45719"/>
-            </a:xfrm>
-            <a:prstGeom prst="ellipse">
-              <a:avLst/>
-            </a:prstGeom>
-            <a:grpFill/>
-            <a:ln>
-              <a:noFill/>
-            </a:ln>
-          </p:spPr>
-          <p:style>
-            <a:lnRef idx="2">
-              <a:schemeClr val="accent1">
-                <a:shade val="50000"/>
-              </a:schemeClr>
-            </a:lnRef>
-            <a:fillRef idx="1">
-              <a:schemeClr val="accent1"/>
-            </a:fillRef>
-            <a:effectRef idx="0">
-              <a:schemeClr val="accent1"/>
-            </a:effectRef>
-            <a:fontRef idx="minor">
-              <a:schemeClr val="lt1"/>
-            </a:fontRef>
-          </p:style>
-          <p:txBody>
-            <a:bodyPr rtlCol="0" anchor="ctr"/>
-            <a:lstStyle/>
-            <a:p>
-              <a:pPr algn="ctr"/>
-              <a:endParaRPr lang="ko-KR" altLang="en-US"/>
-            </a:p>
-          </p:txBody>
-        </p:sp>
-        <p:sp>
-          <p:nvSpPr>
-            <p:cNvPr id="31" name="타원 30">
-              <a:extLst>
-                <a:ext uri="{FF2B5EF4-FFF2-40B4-BE49-F238E27FC236}">
-                  <a16:creationId xmlns:a16="http://schemas.microsoft.com/office/drawing/2014/main" id="{99891DE0-47A9-4960-8455-6E3CCA289CB7}"/>
-                </a:ext>
-              </a:extLst>
-            </p:cNvPr>
-            <p:cNvSpPr/>
-            <p:nvPr/>
-          </p:nvSpPr>
-          <p:spPr>
-            <a:xfrm>
-              <a:off x="3676254" y="3840948"/>
-              <a:ext cx="45719" cy="45719"/>
-            </a:xfrm>
-            <a:prstGeom prst="ellipse">
-              <a:avLst/>
-            </a:prstGeom>
-            <a:grpFill/>
-            <a:ln>
-              <a:noFill/>
-            </a:ln>
-          </p:spPr>
-          <p:style>
-            <a:lnRef idx="2">
-              <a:schemeClr val="accent1">
-                <a:shade val="50000"/>
-              </a:schemeClr>
-            </a:lnRef>
-            <a:fillRef idx="1">
-              <a:schemeClr val="accent1"/>
-            </a:fillRef>
-            <a:effectRef idx="0">
-              <a:schemeClr val="accent1"/>
-            </a:effectRef>
-            <a:fontRef idx="minor">
-              <a:schemeClr val="lt1"/>
-            </a:fontRef>
-          </p:style>
-          <p:txBody>
-            <a:bodyPr rtlCol="0" anchor="ctr"/>
-            <a:lstStyle/>
-            <a:p>
-              <a:pPr algn="ctr"/>
-              <a:endParaRPr lang="ko-KR" altLang="en-US"/>
-            </a:p>
-          </p:txBody>
-        </p:sp>
-        <p:sp>
-          <p:nvSpPr>
-            <p:cNvPr id="32" name="타원 31">
-              <a:extLst>
-                <a:ext uri="{FF2B5EF4-FFF2-40B4-BE49-F238E27FC236}">
-                  <a16:creationId xmlns:a16="http://schemas.microsoft.com/office/drawing/2014/main" id="{CEE13070-2B6A-448F-98D5-D0D7F617D19D}"/>
-                </a:ext>
-              </a:extLst>
-            </p:cNvPr>
-            <p:cNvSpPr/>
-            <p:nvPr/>
-          </p:nvSpPr>
-          <p:spPr>
-            <a:xfrm>
-              <a:off x="3727478" y="3840948"/>
-              <a:ext cx="45719" cy="45719"/>
-            </a:xfrm>
-            <a:prstGeom prst="ellipse">
-              <a:avLst/>
-            </a:prstGeom>
-            <a:grpFill/>
-            <a:ln>
-              <a:noFill/>
-            </a:ln>
-          </p:spPr>
-          <p:style>
-            <a:lnRef idx="2">
-              <a:schemeClr val="accent1">
-                <a:shade val="50000"/>
-              </a:schemeClr>
-            </a:lnRef>
-            <a:fillRef idx="1">
-              <a:schemeClr val="accent1"/>
-            </a:fillRef>
-            <a:effectRef idx="0">
-              <a:schemeClr val="accent1"/>
-            </a:effectRef>
-            <a:fontRef idx="minor">
-              <a:schemeClr val="lt1"/>
-            </a:fontRef>
-          </p:style>
-          <p:txBody>
-            <a:bodyPr rtlCol="0" anchor="ctr"/>
-            <a:lstStyle/>
-            <a:p>
-              <a:pPr algn="ctr"/>
-              <a:endParaRPr lang="ko-KR" altLang="en-US"/>
-            </a:p>
-          </p:txBody>
-        </p:sp>
-      </p:grpSp>
-      <p:grpSp>
-        <p:nvGrpSpPr>
-          <p:cNvPr id="35" name="그룹 34">
-            <a:extLst>
-              <a:ext uri="{FF2B5EF4-FFF2-40B4-BE49-F238E27FC236}">
-                <a16:creationId xmlns:a16="http://schemas.microsoft.com/office/drawing/2014/main" id="{26C739EA-93CE-4538-8876-35A7ECC811D7}"/>
-              </a:ext>
-            </a:extLst>
-          </p:cNvPr>
-          <p:cNvGrpSpPr/>
-          <p:nvPr/>
-        </p:nvGrpSpPr>
-        <p:grpSpPr>
-          <a:xfrm>
-            <a:off x="3551582" y="3501072"/>
-            <a:ext cx="154305" cy="45719"/>
-            <a:chOff x="3618892" y="3840948"/>
-            <a:chExt cx="154305" cy="45719"/>
-          </a:xfrm>
-          <a:solidFill>
-            <a:srgbClr val="153325"/>
-          </a:solidFill>
-        </p:grpSpPr>
-        <p:sp>
-          <p:nvSpPr>
-            <p:cNvPr id="36" name="타원 35">
-              <a:extLst>
-                <a:ext uri="{FF2B5EF4-FFF2-40B4-BE49-F238E27FC236}">
-                  <a16:creationId xmlns:a16="http://schemas.microsoft.com/office/drawing/2014/main" id="{BECB56BC-2CB7-4DCC-AE2D-85D776D91D50}"/>
-                </a:ext>
-              </a:extLst>
-            </p:cNvPr>
-            <p:cNvSpPr/>
-            <p:nvPr/>
-          </p:nvSpPr>
-          <p:spPr>
-            <a:xfrm>
-              <a:off x="3618892" y="3840948"/>
-              <a:ext cx="45719" cy="45719"/>
-            </a:xfrm>
-            <a:prstGeom prst="ellipse">
-              <a:avLst/>
-            </a:prstGeom>
-            <a:grpFill/>
-            <a:ln>
-              <a:noFill/>
-            </a:ln>
-          </p:spPr>
-          <p:style>
-            <a:lnRef idx="2">
-              <a:schemeClr val="accent1">
-                <a:shade val="50000"/>
-              </a:schemeClr>
-            </a:lnRef>
-            <a:fillRef idx="1">
-              <a:schemeClr val="accent1"/>
-            </a:fillRef>
-            <a:effectRef idx="0">
-              <a:schemeClr val="accent1"/>
-            </a:effectRef>
-            <a:fontRef idx="minor">
-              <a:schemeClr val="lt1"/>
-            </a:fontRef>
-          </p:style>
-          <p:txBody>
-            <a:bodyPr rtlCol="0" anchor="ctr"/>
-            <a:lstStyle/>
-            <a:p>
-              <a:pPr algn="ctr"/>
-              <a:endParaRPr lang="ko-KR" altLang="en-US"/>
-            </a:p>
-          </p:txBody>
-        </p:sp>
-        <p:sp>
-          <p:nvSpPr>
-            <p:cNvPr id="37" name="타원 36">
-              <a:extLst>
-                <a:ext uri="{FF2B5EF4-FFF2-40B4-BE49-F238E27FC236}">
-                  <a16:creationId xmlns:a16="http://schemas.microsoft.com/office/drawing/2014/main" id="{8BDF9561-2434-482C-910E-A0049BD219C4}"/>
-                </a:ext>
-              </a:extLst>
-            </p:cNvPr>
-            <p:cNvSpPr/>
-            <p:nvPr/>
-          </p:nvSpPr>
-          <p:spPr>
-            <a:xfrm>
-              <a:off x="3676254" y="3840948"/>
-              <a:ext cx="45719" cy="45719"/>
-            </a:xfrm>
-            <a:prstGeom prst="ellipse">
-              <a:avLst/>
-            </a:prstGeom>
-            <a:grpFill/>
-            <a:ln>
-              <a:noFill/>
-            </a:ln>
-          </p:spPr>
-          <p:style>
-            <a:lnRef idx="2">
-              <a:schemeClr val="accent1">
-                <a:shade val="50000"/>
-              </a:schemeClr>
-            </a:lnRef>
-            <a:fillRef idx="1">
-              <a:schemeClr val="accent1"/>
-            </a:fillRef>
-            <a:effectRef idx="0">
-              <a:schemeClr val="accent1"/>
-            </a:effectRef>
-            <a:fontRef idx="minor">
-              <a:schemeClr val="lt1"/>
-            </a:fontRef>
-          </p:style>
-          <p:txBody>
-            <a:bodyPr rtlCol="0" anchor="ctr"/>
-            <a:lstStyle/>
-            <a:p>
-              <a:pPr algn="ctr"/>
-              <a:endParaRPr lang="ko-KR" altLang="en-US"/>
-            </a:p>
-          </p:txBody>
-        </p:sp>
-        <p:sp>
-          <p:nvSpPr>
-            <p:cNvPr id="38" name="타원 37">
-              <a:extLst>
-                <a:ext uri="{FF2B5EF4-FFF2-40B4-BE49-F238E27FC236}">
-                  <a16:creationId xmlns:a16="http://schemas.microsoft.com/office/drawing/2014/main" id="{2FF7D36E-7247-4D26-99A0-1AEE60EF74A0}"/>
-                </a:ext>
-              </a:extLst>
-            </p:cNvPr>
-            <p:cNvSpPr/>
-            <p:nvPr/>
-          </p:nvSpPr>
-          <p:spPr>
-            <a:xfrm>
-              <a:off x="3727478" y="3840948"/>
-              <a:ext cx="45719" cy="45719"/>
-            </a:xfrm>
-            <a:prstGeom prst="ellipse">
-              <a:avLst/>
-            </a:prstGeom>
-            <a:grpFill/>
-            <a:ln>
-              <a:noFill/>
-            </a:ln>
-          </p:spPr>
-          <p:style>
-            <a:lnRef idx="2">
-              <a:schemeClr val="accent1">
-                <a:shade val="50000"/>
-              </a:schemeClr>
-            </a:lnRef>
-            <a:fillRef idx="1">
-              <a:schemeClr val="accent1"/>
-            </a:fillRef>
-            <a:effectRef idx="0">
-              <a:schemeClr val="accent1"/>
-            </a:effectRef>
-            <a:fontRef idx="minor">
-              <a:schemeClr val="lt1"/>
-            </a:fontRef>
-          </p:style>
-          <p:txBody>
-            <a:bodyPr rtlCol="0" anchor="ctr"/>
-            <a:lstStyle/>
-            <a:p>
-              <a:pPr algn="ctr"/>
-              <a:endParaRPr lang="ko-KR" altLang="en-US"/>
-            </a:p>
-          </p:txBody>
-        </p:sp>
-      </p:grpSp>
-      <p:sp>
-        <p:nvSpPr>
-          <p:cNvPr id="24" name="사각형: 둥근 모서리 23">
-            <a:extLst>
-              <a:ext uri="{FF2B5EF4-FFF2-40B4-BE49-F238E27FC236}">
-                <a16:creationId xmlns:a16="http://schemas.microsoft.com/office/drawing/2014/main" id="{9F66DBFF-8E3C-4171-9B02-EEEA4C9745A9}"/>
-              </a:ext>
-            </a:extLst>
-          </p:cNvPr>
-          <p:cNvSpPr/>
-          <p:nvPr/>
-        </p:nvSpPr>
-        <p:spPr>
-          <a:xfrm>
-            <a:off x="5852556" y="4082469"/>
-            <a:ext cx="1930004" cy="467118"/>
-          </a:xfrm>
-          <a:prstGeom prst="roundRect">
-            <a:avLst/>
-          </a:prstGeom>
-          <a:solidFill>
-            <a:srgbClr val="83A99B"/>
-          </a:solidFill>
-          <a:ln>
-            <a:noFill/>
-          </a:ln>
-        </p:spPr>
-        <p:style>
-          <a:lnRef idx="2">
-            <a:schemeClr val="accent1">
-              <a:shade val="50000"/>
-            </a:schemeClr>
-          </a:lnRef>
-          <a:fillRef idx="1">
-            <a:schemeClr val="accent1"/>
-          </a:fillRef>
-          <a:effectRef idx="0">
-            <a:schemeClr val="accent1"/>
-          </a:effectRef>
-          <a:fontRef idx="minor">
-            <a:schemeClr val="lt1"/>
-          </a:fontRef>
-        </p:style>
-        <p:txBody>
-          <a:bodyPr rtlCol="0" anchor="ctr"/>
-          <a:lstStyle/>
-          <a:p>
-            <a:pPr algn="ctr"/>
-            <a:endParaRPr lang="ko-KR" altLang="en-US">
-              <a:latin typeface="프리젠테이션 5 Medium" pitchFamily="2" charset="-127"/>
-              <a:ea typeface="프리젠테이션 5 Medium" pitchFamily="2" charset="-127"/>
-            </a:endParaRPr>
-          </a:p>
-        </p:txBody>
-      </p:sp>
-      <p:sp>
-        <p:nvSpPr>
-          <p:cNvPr id="25" name="TextBox 24">
-            <a:extLst>
-              <a:ext uri="{FF2B5EF4-FFF2-40B4-BE49-F238E27FC236}">
-                <a16:creationId xmlns:a16="http://schemas.microsoft.com/office/drawing/2014/main" id="{5839135C-C690-4F38-96BF-DFB2297D4569}"/>
-              </a:ext>
-            </a:extLst>
-          </p:cNvPr>
-          <p:cNvSpPr txBox="1"/>
-          <p:nvPr/>
-        </p:nvSpPr>
-        <p:spPr>
-          <a:xfrm>
-            <a:off x="5597215" y="4171956"/>
-            <a:ext cx="2489777" cy="338554"/>
-          </a:xfrm>
-          <a:prstGeom prst="rect">
-            <a:avLst/>
-          </a:prstGeom>
-          <a:noFill/>
-        </p:spPr>
-        <p:txBody>
-          <a:bodyPr wrap="square">
-            <a:spAutoFit/>
-          </a:bodyPr>
-          <a:lstStyle/>
-          <a:p>
-            <a:pPr algn="ctr"/>
-            <a:r>
-              <a:rPr lang="ko-KR" altLang="en-US" sz="1600" dirty="0">
-                <a:solidFill>
-                  <a:schemeClr val="bg1"/>
-                </a:solidFill>
-                <a:latin typeface="프리젠테이션 5 Medium" pitchFamily="2" charset="-127"/>
-                <a:ea typeface="프리젠테이션 5 Medium" pitchFamily="2" charset="-127"/>
-                <a:cs typeface="카페24 써라운드" pitchFamily="2" charset="-127"/>
-              </a:rPr>
-              <a:t>제목을 입력하세요</a:t>
-            </a:r>
-            <a:r>
-              <a:rPr lang="en-US" altLang="ko-KR" sz="1600" dirty="0">
-                <a:solidFill>
-                  <a:schemeClr val="bg1"/>
-                </a:solidFill>
-                <a:latin typeface="프리젠테이션 5 Medium" pitchFamily="2" charset="-127"/>
-                <a:ea typeface="프리젠테이션 5 Medium" pitchFamily="2" charset="-127"/>
-                <a:cs typeface="카페24 써라운드" pitchFamily="2" charset="-127"/>
-              </a:rPr>
-              <a:t>.</a:t>
-            </a:r>
-            <a:endParaRPr lang="ko-KR" altLang="en-US" sz="1600" dirty="0">
-              <a:solidFill>
-                <a:schemeClr val="bg1"/>
-              </a:solidFill>
-              <a:latin typeface="프리젠테이션 5 Medium" pitchFamily="2" charset="-127"/>
-              <a:ea typeface="프리젠테이션 5 Medium" pitchFamily="2" charset="-127"/>
-              <a:cs typeface="카페24 써라운드" pitchFamily="2" charset="-127"/>
-            </a:endParaRPr>
-          </a:p>
-        </p:txBody>
-      </p:sp>
-      <p:sp>
-        <p:nvSpPr>
-          <p:cNvPr id="30" name="직사각형 29">
-            <a:extLst>
-              <a:ext uri="{FF2B5EF4-FFF2-40B4-BE49-F238E27FC236}">
-                <a16:creationId xmlns:a16="http://schemas.microsoft.com/office/drawing/2014/main" id="{C117E3AD-3EB8-405C-B7FC-B1A4A957DAD4}"/>
-              </a:ext>
-            </a:extLst>
-          </p:cNvPr>
-          <p:cNvSpPr/>
-          <p:nvPr/>
-        </p:nvSpPr>
-        <p:spPr>
-          <a:xfrm>
-            <a:off x="766763" y="1309684"/>
-            <a:ext cx="441897" cy="110667"/>
-          </a:xfrm>
-          <a:prstGeom prst="rect">
-            <a:avLst/>
-          </a:prstGeom>
-          <a:solidFill>
-            <a:srgbClr val="22523B"/>
-          </a:solidFill>
-          <a:ln>
-            <a:noFill/>
-          </a:ln>
-        </p:spPr>
-        <p:style>
-          <a:lnRef idx="2">
-            <a:schemeClr val="accent1">
-              <a:shade val="50000"/>
-            </a:schemeClr>
-          </a:lnRef>
-          <a:fillRef idx="1">
-            <a:schemeClr val="accent1"/>
-          </a:fillRef>
-          <a:effectRef idx="0">
-            <a:schemeClr val="accent1"/>
-          </a:effectRef>
-          <a:fontRef idx="minor">
-            <a:schemeClr val="lt1"/>
-          </a:fontRef>
-        </p:style>
-        <p:txBody>
-          <a:bodyPr rtlCol="0" anchor="ctr"/>
-          <a:lstStyle/>
-          <a:p>
-            <a:pPr algn="ctr"/>
-            <a:endParaRPr lang="ko-KR" altLang="en-US" sz="3200">
-              <a:solidFill>
-                <a:srgbClr val="22523B"/>
-              </a:solidFill>
-              <a:latin typeface="프리젠테이션 6 SemiBold" pitchFamily="2" charset="-127"/>
-              <a:ea typeface="프리젠테이션 6 SemiBold" pitchFamily="2" charset="-127"/>
-            </a:endParaRPr>
-          </a:p>
-        </p:txBody>
-      </p:sp>
-      <p:sp>
-        <p:nvSpPr>
-          <p:cNvPr id="34" name="직사각형 33">
-            <a:extLst>
-              <a:ext uri="{FF2B5EF4-FFF2-40B4-BE49-F238E27FC236}">
-                <a16:creationId xmlns:a16="http://schemas.microsoft.com/office/drawing/2014/main" id="{A13A39BA-EC5E-45A6-A372-DF2950E2D8D1}"/>
-              </a:ext>
-            </a:extLst>
-          </p:cNvPr>
-          <p:cNvSpPr/>
-          <p:nvPr/>
-        </p:nvSpPr>
-        <p:spPr>
-          <a:xfrm>
-            <a:off x="1208660" y="1309684"/>
-            <a:ext cx="3698240" cy="110667"/>
-          </a:xfrm>
-          <a:prstGeom prst="rect">
-            <a:avLst/>
-          </a:prstGeom>
-          <a:solidFill>
-            <a:schemeClr val="bg1">
-              <a:lumMod val="85000"/>
-            </a:schemeClr>
-          </a:solidFill>
-          <a:ln>
-            <a:noFill/>
-          </a:ln>
-        </p:spPr>
-        <p:style>
-          <a:lnRef idx="2">
-            <a:schemeClr val="accent1">
-              <a:shade val="50000"/>
-            </a:schemeClr>
-          </a:lnRef>
-          <a:fillRef idx="1">
-            <a:schemeClr val="accent1"/>
-          </a:fillRef>
-          <a:effectRef idx="0">
-            <a:schemeClr val="accent1"/>
-          </a:effectRef>
-          <a:fontRef idx="minor">
-            <a:schemeClr val="lt1"/>
-          </a:fontRef>
-        </p:style>
-        <p:txBody>
-          <a:bodyPr rtlCol="0" anchor="ctr"/>
-          <a:lstStyle/>
-          <a:p>
-            <a:pPr algn="ctr"/>
-            <a:endParaRPr lang="ko-KR" altLang="en-US" sz="3200">
-              <a:solidFill>
-                <a:srgbClr val="22523B"/>
-              </a:solidFill>
-              <a:latin typeface="프리젠테이션 6 SemiBold" pitchFamily="2" charset="-127"/>
-              <a:ea typeface="프리젠테이션 6 SemiBold" pitchFamily="2" charset="-127"/>
-            </a:endParaRPr>
-          </a:p>
-        </p:txBody>
-      </p:sp>
-      <p:sp>
-        <p:nvSpPr>
-          <p:cNvPr id="43" name="TextBox 42">
-            <a:extLst>
-              <a:ext uri="{FF2B5EF4-FFF2-40B4-BE49-F238E27FC236}">
-                <a16:creationId xmlns:a16="http://schemas.microsoft.com/office/drawing/2014/main" id="{02DE8DCF-5D64-43BD-875E-EFE50E2B97C6}"/>
-              </a:ext>
-            </a:extLst>
-          </p:cNvPr>
-          <p:cNvSpPr txBox="1"/>
-          <p:nvPr/>
-        </p:nvSpPr>
-        <p:spPr>
-          <a:xfrm>
-            <a:off x="690757" y="1451032"/>
-            <a:ext cx="4734045" cy="400110"/>
-          </a:xfrm>
-          <a:prstGeom prst="rect">
-            <a:avLst/>
-          </a:prstGeom>
-          <a:noFill/>
-        </p:spPr>
-        <p:txBody>
-          <a:bodyPr wrap="square" rtlCol="0">
-            <a:spAutoFit/>
-          </a:bodyPr>
-          <a:lstStyle/>
-          <a:p>
-            <a:r>
-              <a:rPr lang="ko-KR" altLang="en-US" sz="2000" dirty="0">
-                <a:solidFill>
-                  <a:srgbClr val="22523B"/>
-                </a:solidFill>
-                <a:latin typeface="프리젠테이션 6 SemiBold" pitchFamily="2" charset="-127"/>
-                <a:ea typeface="프리젠테이션 6 SemiBold" pitchFamily="2" charset="-127"/>
-                <a:cs typeface="코트라 볼드체" panose="02020603020101020101" pitchFamily="18" charset="-127"/>
-              </a:rPr>
-              <a:t>간략한 설명을 적어주세요</a:t>
-            </a:r>
-            <a:r>
-              <a:rPr lang="en-US" altLang="ko-KR" sz="2000" dirty="0">
-                <a:solidFill>
-                  <a:srgbClr val="22523B"/>
-                </a:solidFill>
-                <a:latin typeface="프리젠테이션 6 SemiBold" pitchFamily="2" charset="-127"/>
-                <a:ea typeface="프리젠테이션 6 SemiBold" pitchFamily="2" charset="-127"/>
-                <a:cs typeface="코트라 볼드체" panose="02020603020101020101" pitchFamily="18" charset="-127"/>
-              </a:rPr>
-              <a:t>.</a:t>
-            </a:r>
-            <a:endParaRPr lang="ko-KR" altLang="en-US" sz="2000" dirty="0">
-              <a:solidFill>
-                <a:srgbClr val="22523B"/>
-              </a:solidFill>
-              <a:latin typeface="프리젠테이션 6 SemiBold" pitchFamily="2" charset="-127"/>
-              <a:ea typeface="프리젠테이션 6 SemiBold" pitchFamily="2" charset="-127"/>
-              <a:cs typeface="코트라 볼드체" panose="02020603020101020101" pitchFamily="18" charset="-127"/>
-            </a:endParaRPr>
-          </a:p>
-        </p:txBody>
-      </p:sp>
-      <p:sp>
-        <p:nvSpPr>
-          <p:cNvPr id="44" name="TextBox 43">
-            <a:extLst>
-              <a:ext uri="{FF2B5EF4-FFF2-40B4-BE49-F238E27FC236}">
-                <a16:creationId xmlns:a16="http://schemas.microsoft.com/office/drawing/2014/main" id="{0A392747-4D70-4F1A-ADEF-FB94F86FE8D0}"/>
-              </a:ext>
-            </a:extLst>
-          </p:cNvPr>
-          <p:cNvSpPr txBox="1"/>
-          <p:nvPr/>
-        </p:nvSpPr>
-        <p:spPr>
-          <a:xfrm>
-            <a:off x="678859" y="564298"/>
-            <a:ext cx="4734045" cy="646331"/>
-          </a:xfrm>
-          <a:prstGeom prst="rect">
-            <a:avLst/>
-          </a:prstGeom>
-          <a:noFill/>
-        </p:spPr>
-        <p:txBody>
-          <a:bodyPr wrap="square" rtlCol="0">
-            <a:spAutoFit/>
-          </a:bodyPr>
-          <a:lstStyle/>
-          <a:p>
-            <a:r>
-              <a:rPr lang="ko-KR" altLang="en-US" sz="3600" dirty="0">
-                <a:solidFill>
-                  <a:srgbClr val="22523B"/>
-                </a:solidFill>
-                <a:latin typeface="프리젠테이션 6 SemiBold" pitchFamily="2" charset="-127"/>
-                <a:ea typeface="프리젠테이션 6 SemiBold" pitchFamily="2" charset="-127"/>
-                <a:cs typeface="코트라 볼드체" panose="02020603020101020101" pitchFamily="18" charset="-127"/>
-              </a:rPr>
-              <a:t>제목을 입력해 주세요</a:t>
-            </a:r>
-            <a:r>
-              <a:rPr lang="en-US" altLang="ko-KR" sz="3600" dirty="0">
-                <a:solidFill>
-                  <a:srgbClr val="22523B"/>
-                </a:solidFill>
-                <a:latin typeface="프리젠테이션 6 SemiBold" pitchFamily="2" charset="-127"/>
-                <a:ea typeface="프리젠테이션 6 SemiBold" pitchFamily="2" charset="-127"/>
-                <a:cs typeface="코트라 볼드체" panose="02020603020101020101" pitchFamily="18" charset="-127"/>
-              </a:rPr>
-              <a:t>.</a:t>
-            </a:r>
-            <a:endParaRPr lang="ko-KR" altLang="en-US" sz="3600" dirty="0">
-              <a:solidFill>
-                <a:srgbClr val="22523B"/>
-              </a:solidFill>
-              <a:latin typeface="프리젠테이션 6 SemiBold" pitchFamily="2" charset="-127"/>
-              <a:ea typeface="프리젠테이션 6 SemiBold" pitchFamily="2" charset="-127"/>
-              <a:cs typeface="코트라 볼드체" panose="02020603020101020101" pitchFamily="18" charset="-127"/>
-            </a:endParaRPr>
-          </a:p>
-        </p:txBody>
-      </p:sp>
-    </p:spTree>
-    <p:extLst>
-      <p:ext uri="{BB962C8B-B14F-4D97-AF65-F5344CB8AC3E}">
-        <p14:creationId xmlns:p14="http://schemas.microsoft.com/office/powerpoint/2010/main" val="3848957084"/>
+        <p14:creationId xmlns:p14="http://schemas.microsoft.com/office/powerpoint/2010/main" val="4102342435"/>
       </p:ext>
     </p:extLst>
   </p:cSld>
@@ -14027,313 +9536,6 @@
     <p:extLst>
       <p:ext uri="{BB962C8B-B14F-4D97-AF65-F5344CB8AC3E}">
         <p14:creationId xmlns:p14="http://schemas.microsoft.com/office/powerpoint/2010/main" val="4237684816"/>
-      </p:ext>
-    </p:extLst>
-  </p:cSld>
-  <p:clrMapOvr>
-    <a:masterClrMapping/>
-  </p:clrMapOvr>
-</p:sld>
-</file>
-
-<file path=ppt/slides/slide20.xml><?xml version="1.0" encoding="utf-8"?>
-<p:sld xmlns:a="http://schemas.openxmlformats.org/drawingml/2006/main" xmlns:r="http://schemas.openxmlformats.org/officeDocument/2006/relationships" xmlns:p="http://schemas.openxmlformats.org/presentationml/2006/main">
-  <p:cSld>
-    <p:spTree>
-      <p:nvGrpSpPr>
-        <p:cNvPr id="1" name=""/>
-        <p:cNvGrpSpPr/>
-        <p:nvPr/>
-      </p:nvGrpSpPr>
-      <p:grpSpPr>
-        <a:xfrm>
-          <a:off x="0" y="0"/>
-          <a:ext cx="0" cy="0"/>
-          <a:chOff x="0" y="0"/>
-          <a:chExt cx="0" cy="0"/>
-        </a:xfrm>
-      </p:grpSpPr>
-      <p:sp>
-        <p:nvSpPr>
-          <p:cNvPr id="6" name="TextBox 5">
-            <a:extLst>
-              <a:ext uri="{FF2B5EF4-FFF2-40B4-BE49-F238E27FC236}">
-                <a16:creationId xmlns:a16="http://schemas.microsoft.com/office/drawing/2014/main" id="{CD554CC0-8B52-4285-9519-0DF1F6CC0AC9}"/>
-              </a:ext>
-            </a:extLst>
-          </p:cNvPr>
-          <p:cNvSpPr txBox="1"/>
-          <p:nvPr/>
-        </p:nvSpPr>
-        <p:spPr>
-          <a:xfrm>
-            <a:off x="1793240" y="2359690"/>
-            <a:ext cx="8808720" cy="1569660"/>
-          </a:xfrm>
-          <a:prstGeom prst="rect">
-            <a:avLst/>
-          </a:prstGeom>
-          <a:noFill/>
-        </p:spPr>
-        <p:txBody>
-          <a:bodyPr wrap="square" rtlCol="0">
-            <a:prstTxWarp prst="textArchDown">
-              <a:avLst/>
-            </a:prstTxWarp>
-            <a:spAutoFit/>
-          </a:bodyPr>
-          <a:lstStyle/>
-          <a:p>
-            <a:pPr algn="ctr"/>
-            <a:r>
-              <a:rPr lang="en-US" altLang="ko-KR" sz="9600" dirty="0">
-                <a:solidFill>
-                  <a:schemeClr val="bg1">
-                    <a:lumMod val="75000"/>
-                  </a:schemeClr>
-                </a:solidFill>
-                <a:latin typeface="프리젠테이션 6 SemiBold" pitchFamily="2" charset="-127"/>
-                <a:ea typeface="프리젠테이션 6 SemiBold" pitchFamily="2" charset="-127"/>
-                <a:cs typeface="코트라 볼드체" panose="02020603020101020101" pitchFamily="18" charset="-127"/>
-              </a:rPr>
-              <a:t>THANK YOU</a:t>
-            </a:r>
-            <a:endParaRPr lang="ko-KR" altLang="en-US" sz="9600" dirty="0">
-              <a:solidFill>
-                <a:schemeClr val="bg1">
-                  <a:lumMod val="75000"/>
-                </a:schemeClr>
-              </a:solidFill>
-              <a:latin typeface="프리젠테이션 6 SemiBold" pitchFamily="2" charset="-127"/>
-              <a:ea typeface="프리젠테이션 6 SemiBold" pitchFamily="2" charset="-127"/>
-              <a:cs typeface="코트라 볼드체" panose="02020603020101020101" pitchFamily="18" charset="-127"/>
-            </a:endParaRPr>
-          </a:p>
-        </p:txBody>
-      </p:sp>
-      <p:sp>
-        <p:nvSpPr>
-          <p:cNvPr id="2" name="TextBox 1">
-            <a:extLst>
-              <a:ext uri="{FF2B5EF4-FFF2-40B4-BE49-F238E27FC236}">
-                <a16:creationId xmlns:a16="http://schemas.microsoft.com/office/drawing/2014/main" id="{1A7700FA-546B-4D8C-AE89-9DA39A120387}"/>
-              </a:ext>
-            </a:extLst>
-          </p:cNvPr>
-          <p:cNvSpPr txBox="1"/>
-          <p:nvPr/>
-        </p:nvSpPr>
-        <p:spPr>
-          <a:xfrm>
-            <a:off x="1691640" y="2230180"/>
-            <a:ext cx="8808720" cy="1569660"/>
-          </a:xfrm>
-          <a:prstGeom prst="rect">
-            <a:avLst/>
-          </a:prstGeom>
-          <a:noFill/>
-        </p:spPr>
-        <p:txBody>
-          <a:bodyPr wrap="square" rtlCol="0">
-            <a:prstTxWarp prst="textArchDown">
-              <a:avLst/>
-            </a:prstTxWarp>
-            <a:spAutoFit/>
-          </a:bodyPr>
-          <a:lstStyle/>
-          <a:p>
-            <a:pPr algn="ctr"/>
-            <a:r>
-              <a:rPr lang="en-US" altLang="ko-KR" sz="9600" dirty="0">
-                <a:solidFill>
-                  <a:srgbClr val="577F71"/>
-                </a:solidFill>
-                <a:latin typeface="프리젠테이션 6 SemiBold" pitchFamily="2" charset="-127"/>
-                <a:ea typeface="프리젠테이션 6 SemiBold" pitchFamily="2" charset="-127"/>
-                <a:cs typeface="코트라 볼드체" panose="02020603020101020101" pitchFamily="18" charset="-127"/>
-              </a:rPr>
-              <a:t>THANK YOU</a:t>
-            </a:r>
-            <a:endParaRPr lang="ko-KR" altLang="en-US" sz="9600" dirty="0">
-              <a:solidFill>
-                <a:srgbClr val="577F71"/>
-              </a:solidFill>
-              <a:latin typeface="프리젠테이션 6 SemiBold" pitchFamily="2" charset="-127"/>
-              <a:ea typeface="프리젠테이션 6 SemiBold" pitchFamily="2" charset="-127"/>
-              <a:cs typeface="코트라 볼드체" panose="02020603020101020101" pitchFamily="18" charset="-127"/>
-            </a:endParaRPr>
-          </a:p>
-        </p:txBody>
-      </p:sp>
-      <p:sp>
-        <p:nvSpPr>
-          <p:cNvPr id="3" name="타원 2">
-            <a:extLst>
-              <a:ext uri="{FF2B5EF4-FFF2-40B4-BE49-F238E27FC236}">
-                <a16:creationId xmlns:a16="http://schemas.microsoft.com/office/drawing/2014/main" id="{7263EBAE-B329-4EFD-B04A-CCC263B5A1F1}"/>
-              </a:ext>
-            </a:extLst>
-          </p:cNvPr>
-          <p:cNvSpPr/>
-          <p:nvPr/>
-        </p:nvSpPr>
-        <p:spPr>
-          <a:xfrm>
-            <a:off x="4561840" y="2612390"/>
-            <a:ext cx="111760" cy="111760"/>
-          </a:xfrm>
-          <a:prstGeom prst="ellipse">
-            <a:avLst/>
-          </a:prstGeom>
-          <a:solidFill>
-            <a:srgbClr val="43A375"/>
-          </a:solidFill>
-          <a:ln>
-            <a:noFill/>
-          </a:ln>
-        </p:spPr>
-        <p:style>
-          <a:lnRef idx="2">
-            <a:schemeClr val="accent1">
-              <a:shade val="50000"/>
-            </a:schemeClr>
-          </a:lnRef>
-          <a:fillRef idx="1">
-            <a:schemeClr val="accent1"/>
-          </a:fillRef>
-          <a:effectRef idx="0">
-            <a:schemeClr val="accent1"/>
-          </a:effectRef>
-          <a:fontRef idx="minor">
-            <a:schemeClr val="lt1"/>
-          </a:fontRef>
-        </p:style>
-        <p:txBody>
-          <a:bodyPr rtlCol="0" anchor="ctr"/>
-          <a:lstStyle/>
-          <a:p>
-            <a:pPr algn="ctr"/>
-            <a:endParaRPr lang="ko-KR" altLang="en-US">
-              <a:latin typeface="프리젠테이션 6 SemiBold" pitchFamily="2" charset="-127"/>
-              <a:ea typeface="프리젠테이션 6 SemiBold" pitchFamily="2" charset="-127"/>
-            </a:endParaRPr>
-          </a:p>
-        </p:txBody>
-      </p:sp>
-      <p:sp>
-        <p:nvSpPr>
-          <p:cNvPr id="4" name="타원 3">
-            <a:extLst>
-              <a:ext uri="{FF2B5EF4-FFF2-40B4-BE49-F238E27FC236}">
-                <a16:creationId xmlns:a16="http://schemas.microsoft.com/office/drawing/2014/main" id="{DD7C8B3B-98B1-455A-B644-EFB0479D257D}"/>
-              </a:ext>
-            </a:extLst>
-          </p:cNvPr>
-          <p:cNvSpPr/>
-          <p:nvPr/>
-        </p:nvSpPr>
-        <p:spPr>
-          <a:xfrm>
-            <a:off x="7193280" y="2631440"/>
-            <a:ext cx="111760" cy="111760"/>
-          </a:xfrm>
-          <a:prstGeom prst="ellipse">
-            <a:avLst/>
-          </a:prstGeom>
-          <a:solidFill>
-            <a:srgbClr val="43A375"/>
-          </a:solidFill>
-          <a:ln>
-            <a:noFill/>
-          </a:ln>
-        </p:spPr>
-        <p:style>
-          <a:lnRef idx="2">
-            <a:schemeClr val="accent1">
-              <a:shade val="50000"/>
-            </a:schemeClr>
-          </a:lnRef>
-          <a:fillRef idx="1">
-            <a:schemeClr val="accent1"/>
-          </a:fillRef>
-          <a:effectRef idx="0">
-            <a:schemeClr val="accent1"/>
-          </a:effectRef>
-          <a:fontRef idx="minor">
-            <a:schemeClr val="lt1"/>
-          </a:fontRef>
-        </p:style>
-        <p:txBody>
-          <a:bodyPr rtlCol="0" anchor="ctr"/>
-          <a:lstStyle/>
-          <a:p>
-            <a:pPr algn="ctr"/>
-            <a:endParaRPr lang="ko-KR" altLang="en-US">
-              <a:latin typeface="프리젠테이션 6 SemiBold" pitchFamily="2" charset="-127"/>
-              <a:ea typeface="프리젠테이션 6 SemiBold" pitchFamily="2" charset="-127"/>
-            </a:endParaRPr>
-          </a:p>
-        </p:txBody>
-      </p:sp>
-      <p:sp>
-        <p:nvSpPr>
-          <p:cNvPr id="5" name="타원 4">
-            <a:extLst>
-              <a:ext uri="{FF2B5EF4-FFF2-40B4-BE49-F238E27FC236}">
-                <a16:creationId xmlns:a16="http://schemas.microsoft.com/office/drawing/2014/main" id="{774BAC4D-3E86-409E-A168-88244060925A}"/>
-              </a:ext>
-            </a:extLst>
-          </p:cNvPr>
-          <p:cNvSpPr/>
-          <p:nvPr/>
-        </p:nvSpPr>
-        <p:spPr>
-          <a:xfrm>
-            <a:off x="8204835" y="2527935"/>
-            <a:ext cx="111760" cy="111760"/>
-          </a:xfrm>
-          <a:prstGeom prst="ellipse">
-            <a:avLst/>
-          </a:prstGeom>
-          <a:solidFill>
-            <a:srgbClr val="43A375"/>
-          </a:solidFill>
-          <a:ln>
-            <a:noFill/>
-          </a:ln>
-        </p:spPr>
-        <p:style>
-          <a:lnRef idx="2">
-            <a:schemeClr val="accent1">
-              <a:shade val="50000"/>
-            </a:schemeClr>
-          </a:lnRef>
-          <a:fillRef idx="1">
-            <a:schemeClr val="accent1"/>
-          </a:fillRef>
-          <a:effectRef idx="0">
-            <a:schemeClr val="accent1"/>
-          </a:effectRef>
-          <a:fontRef idx="minor">
-            <a:schemeClr val="lt1"/>
-          </a:fontRef>
-        </p:style>
-        <p:txBody>
-          <a:bodyPr rtlCol="0" anchor="ctr"/>
-          <a:lstStyle/>
-          <a:p>
-            <a:pPr algn="ctr"/>
-            <a:endParaRPr lang="ko-KR" altLang="en-US">
-              <a:latin typeface="프리젠테이션 6 SemiBold" pitchFamily="2" charset="-127"/>
-              <a:ea typeface="프리젠테이션 6 SemiBold" pitchFamily="2" charset="-127"/>
-            </a:endParaRPr>
-          </a:p>
-        </p:txBody>
-      </p:sp>
-    </p:spTree>
-    <p:extLst>
-      <p:ext uri="{BB962C8B-B14F-4D97-AF65-F5344CB8AC3E}">
-        <p14:creationId xmlns:p14="http://schemas.microsoft.com/office/powerpoint/2010/main" val="4102342435"/>
       </p:ext>
     </p:extLst>
   </p:cSld>
@@ -16486,10 +11688,10 @@
       </p:sp>
       <p:pic>
         <p:nvPicPr>
-          <p:cNvPr id="6" name="그림 5">
-            <a:extLst>
-              <a:ext uri="{FF2B5EF4-FFF2-40B4-BE49-F238E27FC236}">
-                <a16:creationId xmlns:a16="http://schemas.microsoft.com/office/drawing/2014/main" id="{2E0785DE-ECF9-454B-9BC9-7B37231C835B}"/>
+          <p:cNvPr id="3" name="그림 2">
+            <a:extLst>
+              <a:ext uri="{FF2B5EF4-FFF2-40B4-BE49-F238E27FC236}">
+                <a16:creationId xmlns:a16="http://schemas.microsoft.com/office/drawing/2014/main" id="{AA1BAFDF-C6F6-426F-9879-FD07C1698E85}"/>
               </a:ext>
             </a:extLst>
           </p:cNvPr>
@@ -16506,42 +11708,12 @@
         </p:blipFill>
         <p:spPr>
           <a:xfrm>
-            <a:off x="1304623" y="2207970"/>
-            <a:ext cx="9080349" cy="4085732"/>
+            <a:off x="1442319" y="2250087"/>
+            <a:ext cx="8364411" cy="3984231"/>
           </a:xfrm>
           <a:prstGeom prst="rect">
             <a:avLst/>
           </a:prstGeom>
-          <a:solidFill>
-            <a:srgbClr val="FFFFFF">
-              <a:shade val="85000"/>
-            </a:srgbClr>
-          </a:solidFill>
-          <a:ln w="88900" cap="sq">
-            <a:solidFill>
-              <a:srgbClr val="FFFFFF"/>
-            </a:solidFill>
-            <a:miter lim="800000"/>
-          </a:ln>
-          <a:effectLst>
-            <a:outerShdw blurRad="55000" dist="18000" dir="5400000" algn="tl" rotWithShape="0">
-              <a:srgbClr val="000000">
-                <a:alpha val="40000"/>
-              </a:srgbClr>
-            </a:outerShdw>
-          </a:effectLst>
-          <a:scene3d>
-            <a:camera prst="orthographicFront"/>
-            <a:lightRig rig="twoPt" dir="t">
-              <a:rot lat="0" lon="0" rev="7200000"/>
-            </a:lightRig>
-          </a:scene3d>
-          <a:sp3d>
-            <a:bevelT w="25400" h="19050"/>
-            <a:contourClr>
-              <a:srgbClr val="FFFFFF"/>
-            </a:contourClr>
-          </a:sp3d>
         </p:spPr>
       </p:pic>
     </p:spTree>
@@ -16874,10 +12046,10 @@
       </p:sp>
       <p:pic>
         <p:nvPicPr>
-          <p:cNvPr id="6" name="그림 5">
-            <a:extLst>
-              <a:ext uri="{FF2B5EF4-FFF2-40B4-BE49-F238E27FC236}">
-                <a16:creationId xmlns:a16="http://schemas.microsoft.com/office/drawing/2014/main" id="{615BDAE5-A1CC-4BB1-AB0B-E24B3C888441}"/>
+          <p:cNvPr id="3" name="그림 2">
+            <a:extLst>
+              <a:ext uri="{FF2B5EF4-FFF2-40B4-BE49-F238E27FC236}">
+                <a16:creationId xmlns:a16="http://schemas.microsoft.com/office/drawing/2014/main" id="{CAF83B24-C1A7-4A2B-BACB-CA4090B9892E}"/>
               </a:ext>
             </a:extLst>
           </p:cNvPr>
@@ -16894,42 +12066,12 @@
         </p:blipFill>
         <p:spPr>
           <a:xfrm>
-            <a:off x="2167207" y="2031753"/>
-            <a:ext cx="7516274" cy="4534533"/>
+            <a:off x="1943966" y="2221031"/>
+            <a:ext cx="7367813" cy="3640711"/>
           </a:xfrm>
           <a:prstGeom prst="rect">
             <a:avLst/>
           </a:prstGeom>
-          <a:solidFill>
-            <a:srgbClr val="FFFFFF">
-              <a:shade val="85000"/>
-            </a:srgbClr>
-          </a:solidFill>
-          <a:ln w="88900" cap="sq">
-            <a:solidFill>
-              <a:srgbClr val="FFFFFF"/>
-            </a:solidFill>
-            <a:miter lim="800000"/>
-          </a:ln>
-          <a:effectLst>
-            <a:outerShdw blurRad="55000" dist="18000" dir="5400000" algn="tl" rotWithShape="0">
-              <a:srgbClr val="000000">
-                <a:alpha val="40000"/>
-              </a:srgbClr>
-            </a:outerShdw>
-          </a:effectLst>
-          <a:scene3d>
-            <a:camera prst="orthographicFront"/>
-            <a:lightRig rig="twoPt" dir="t">
-              <a:rot lat="0" lon="0" rev="7200000"/>
-            </a:lightRig>
-          </a:scene3d>
-          <a:sp3d>
-            <a:bevelT w="25400" h="19050"/>
-            <a:contourClr>
-              <a:srgbClr val="FFFFFF"/>
-            </a:contourClr>
-          </a:sp3d>
         </p:spPr>
       </p:pic>
     </p:spTree>
